--- a/GSRExploratory.pptx
+++ b/GSRExploratory.pptx
@@ -11,8 +11,8 @@
     <p:sldId id="277" r:id="rId5"/>
     <p:sldId id="276" r:id="rId6"/>
     <p:sldId id="274" r:id="rId7"/>
-    <p:sldId id="275" r:id="rId8"/>
-    <p:sldId id="270" r:id="rId9"/>
+    <p:sldId id="278" r:id="rId8"/>
+    <p:sldId id="275" r:id="rId9"/>
     <p:sldId id="265" r:id="rId10"/>
     <p:sldId id="273" r:id="rId11"/>
     <p:sldId id="271" r:id="rId12"/>
@@ -135,41 +135,41 @@
 <file path=ppt/changesInfos/changesInfo1.xml><?xml version="1.0" encoding="utf-8"?>
 <pc:chgInfo xmlns:a="http://schemas.openxmlformats.org/drawingml/2006/main" xmlns:r="http://schemas.openxmlformats.org/officeDocument/2006/relationships" xmlns:ac="http://schemas.microsoft.com/office/drawing/2013/main/command" xmlns:pc="http://schemas.microsoft.com/office/powerpoint/2013/main/command">
   <pc:docChgLst>
-    <pc:chgData name="Guest User" userId="S::urn:spo:anon#ea516d5bfbddd5fd83341af53625b03d3f67b2595679e445efc4f5857a366070::" providerId="AD" clId="Web-{25346240-C5B6-850E-D09C-CB0969BBF519}"/>
+    <pc:chgData name="Huang, Lucy Yaoyuan" userId="S::u251639@bcm.edu::8d578496-9457-459c-a11f-92df8b250202" providerId="AD" clId="Web-{AF2C5F12-4717-BC24-9526-1BD85B43B8D8}"/>
     <pc:docChg chg="modSld">
-      <pc:chgData name="Guest User" userId="S::urn:spo:anon#ea516d5bfbddd5fd83341af53625b03d3f67b2595679e445efc4f5857a366070::" providerId="AD" clId="Web-{25346240-C5B6-850E-D09C-CB0969BBF519}" dt="2023-07-19T19:06:50.547" v="4" actId="14100"/>
+      <pc:chgData name="Huang, Lucy Yaoyuan" userId="S::u251639@bcm.edu::8d578496-9457-459c-a11f-92df8b250202" providerId="AD" clId="Web-{AF2C5F12-4717-BC24-9526-1BD85B43B8D8}" dt="2023-07-21T01:13:10.269" v="1" actId="20577"/>
       <pc:docMkLst>
         <pc:docMk/>
       </pc:docMkLst>
-      <pc:sldChg chg="modSp">
-        <pc:chgData name="Guest User" userId="S::urn:spo:anon#ea516d5bfbddd5fd83341af53625b03d3f67b2595679e445efc4f5857a366070::" providerId="AD" clId="Web-{25346240-C5B6-850E-D09C-CB0969BBF519}" dt="2023-07-19T19:05:02.368" v="2" actId="1076"/>
+      <pc:sldChg chg="delSp">
+        <pc:chgData name="Huang, Lucy Yaoyuan" userId="S::u251639@bcm.edu::8d578496-9457-459c-a11f-92df8b250202" providerId="AD" clId="Web-{AF2C5F12-4717-BC24-9526-1BD85B43B8D8}" dt="2023-07-21T01:11:17.219" v="0"/>
         <pc:sldMkLst>
           <pc:docMk/>
           <pc:sldMk cId="3569370174" sldId="260"/>
         </pc:sldMkLst>
-        <pc:picChg chg="mod">
-          <ac:chgData name="Guest User" userId="S::urn:spo:anon#ea516d5bfbddd5fd83341af53625b03d3f67b2595679e445efc4f5857a366070::" providerId="AD" clId="Web-{25346240-C5B6-850E-D09C-CB0969BBF519}" dt="2023-07-19T19:05:02.368" v="2" actId="1076"/>
-          <ac:picMkLst>
+        <pc:spChg chg="del">
+          <ac:chgData name="Huang, Lucy Yaoyuan" userId="S::u251639@bcm.edu::8d578496-9457-459c-a11f-92df8b250202" providerId="AD" clId="Web-{AF2C5F12-4717-BC24-9526-1BD85B43B8D8}" dt="2023-07-21T01:11:17.219" v="0"/>
+          <ac:spMkLst>
             <pc:docMk/>
             <pc:sldMk cId="3569370174" sldId="260"/>
-            <ac:picMk id="6" creationId="{52F29D42-4552-DAB9-6317-7FBACA44894B}"/>
-          </ac:picMkLst>
-        </pc:picChg>
+            <ac:spMk id="3" creationId="{DF3FAA24-5F7B-EFF7-903F-394870F19223}"/>
+          </ac:spMkLst>
+        </pc:spChg>
       </pc:sldChg>
       <pc:sldChg chg="modSp">
-        <pc:chgData name="Guest User" userId="S::urn:spo:anon#ea516d5bfbddd5fd83341af53625b03d3f67b2595679e445efc4f5857a366070::" providerId="AD" clId="Web-{25346240-C5B6-850E-D09C-CB0969BBF519}" dt="2023-07-19T19:06:50.547" v="4" actId="14100"/>
+        <pc:chgData name="Huang, Lucy Yaoyuan" userId="S::u251639@bcm.edu::8d578496-9457-459c-a11f-92df8b250202" providerId="AD" clId="Web-{AF2C5F12-4717-BC24-9526-1BD85B43B8D8}" dt="2023-07-21T01:13:10.269" v="1" actId="20577"/>
         <pc:sldMkLst>
           <pc:docMk/>
-          <pc:sldMk cId="1111217609" sldId="261"/>
+          <pc:sldMk cId="3258022718" sldId="263"/>
         </pc:sldMkLst>
-        <pc:picChg chg="mod">
-          <ac:chgData name="Guest User" userId="S::urn:spo:anon#ea516d5bfbddd5fd83341af53625b03d3f67b2595679e445efc4f5857a366070::" providerId="AD" clId="Web-{25346240-C5B6-850E-D09C-CB0969BBF519}" dt="2023-07-19T19:06:50.547" v="4" actId="14100"/>
-          <ac:picMkLst>
-            <pc:docMk/>
-            <pc:sldMk cId="1111217609" sldId="261"/>
-            <ac:picMk id="4" creationId="{B7167C50-499F-75A3-DC5B-A351D0A7C7A1}"/>
-          </ac:picMkLst>
-        </pc:picChg>
+        <pc:spChg chg="mod">
+          <ac:chgData name="Huang, Lucy Yaoyuan" userId="S::u251639@bcm.edu::8d578496-9457-459c-a11f-92df8b250202" providerId="AD" clId="Web-{AF2C5F12-4717-BC24-9526-1BD85B43B8D8}" dt="2023-07-21T01:13:10.269" v="1" actId="20577"/>
+          <ac:spMkLst>
+            <pc:docMk/>
+            <pc:sldMk cId="3258022718" sldId="263"/>
+            <ac:spMk id="2" creationId="{1F0C129A-B46B-8D5E-E8CC-F44C8BBA237D}"/>
+          </ac:spMkLst>
+        </pc:spChg>
       </pc:sldChg>
     </pc:docChg>
   </pc:docChgLst>
@@ -1162,6 +1162,194 @@
             <pc:docMk/>
             <pc:sldMk cId="1692230384" sldId="276"/>
             <ac:picMk id="5" creationId="{C2752F19-5C9E-2563-6C64-8EB7735F3D81}"/>
+          </ac:picMkLst>
+        </pc:picChg>
+      </pc:sldChg>
+    </pc:docChg>
+  </pc:docChgLst>
+  <pc:docChgLst>
+    <pc:chgData name="Lucy Huang" userId="8d578496-9457-459c-a11f-92df8b250202" providerId="ADAL" clId="{C6727DD8-56ED-44ED-A31E-F6094BE8C3E3}"/>
+    <pc:docChg chg="undo custSel addSld modSld sldOrd">
+      <pc:chgData name="Lucy Huang" userId="8d578496-9457-459c-a11f-92df8b250202" providerId="ADAL" clId="{C6727DD8-56ED-44ED-A31E-F6094BE8C3E3}" dt="2023-07-19T21:02:58.210" v="187" actId="208"/>
+      <pc:docMkLst>
+        <pc:docMk/>
+      </pc:docMkLst>
+      <pc:sldChg chg="delSp modSp mod">
+        <pc:chgData name="Lucy Huang" userId="8d578496-9457-459c-a11f-92df8b250202" providerId="ADAL" clId="{C6727DD8-56ED-44ED-A31E-F6094BE8C3E3}" dt="2023-07-19T20:49:11.332" v="108" actId="21"/>
+        <pc:sldMkLst>
+          <pc:docMk/>
+          <pc:sldMk cId="3621920733" sldId="257"/>
+        </pc:sldMkLst>
+        <pc:spChg chg="mod">
+          <ac:chgData name="Lucy Huang" userId="8d578496-9457-459c-a11f-92df8b250202" providerId="ADAL" clId="{C6727DD8-56ED-44ED-A31E-F6094BE8C3E3}" dt="2023-07-19T20:01:45.303" v="48" actId="20577"/>
+          <ac:spMkLst>
+            <pc:docMk/>
+            <pc:sldMk cId="3621920733" sldId="257"/>
+            <ac:spMk id="2" creationId="{BB02845D-2E6F-9B04-E0E2-2E6F20EC4038}"/>
+          </ac:spMkLst>
+        </pc:spChg>
+        <pc:picChg chg="del">
+          <ac:chgData name="Lucy Huang" userId="8d578496-9457-459c-a11f-92df8b250202" providerId="ADAL" clId="{C6727DD8-56ED-44ED-A31E-F6094BE8C3E3}" dt="2023-07-19T20:49:11.332" v="108" actId="21"/>
+          <ac:picMkLst>
+            <pc:docMk/>
+            <pc:sldMk cId="3621920733" sldId="257"/>
+            <ac:picMk id="4" creationId="{653D21CA-1FAB-D551-7915-26558C74C20B}"/>
+          </ac:picMkLst>
+        </pc:picChg>
+      </pc:sldChg>
+      <pc:sldChg chg="addSp delSp modSp mod ord setBg">
+        <pc:chgData name="Lucy Huang" userId="8d578496-9457-459c-a11f-92df8b250202" providerId="ADAL" clId="{C6727DD8-56ED-44ED-A31E-F6094BE8C3E3}" dt="2023-07-19T21:02:58.210" v="187" actId="208"/>
+        <pc:sldMkLst>
+          <pc:docMk/>
+          <pc:sldMk cId="3819636605" sldId="259"/>
+        </pc:sldMkLst>
+        <pc:spChg chg="mod">
+          <ac:chgData name="Lucy Huang" userId="8d578496-9457-459c-a11f-92df8b250202" providerId="ADAL" clId="{C6727DD8-56ED-44ED-A31E-F6094BE8C3E3}" dt="2023-07-19T20:56:20.634" v="154" actId="26606"/>
+          <ac:spMkLst>
+            <pc:docMk/>
+            <pc:sldMk cId="3819636605" sldId="259"/>
+            <ac:spMk id="2" creationId="{45F25EE0-4A40-BD9F-FC4A-8FCCD3962D82}"/>
+          </ac:spMkLst>
+        </pc:spChg>
+        <pc:spChg chg="del">
+          <ac:chgData name="Lucy Huang" userId="8d578496-9457-459c-a11f-92df8b250202" providerId="ADAL" clId="{C6727DD8-56ED-44ED-A31E-F6094BE8C3E3}" dt="2023-07-19T20:53:38.493" v="110" actId="931"/>
+          <ac:spMkLst>
+            <pc:docMk/>
+            <pc:sldMk cId="3819636605" sldId="259"/>
+            <ac:spMk id="3" creationId="{9C91B660-27F1-8211-49FB-3FC4A6FCAFB1}"/>
+          </ac:spMkLst>
+        </pc:spChg>
+        <pc:spChg chg="add del mod">
+          <ac:chgData name="Lucy Huang" userId="8d578496-9457-459c-a11f-92df8b250202" providerId="ADAL" clId="{C6727DD8-56ED-44ED-A31E-F6094BE8C3E3}" dt="2023-07-19T21:01:29.553" v="170" actId="931"/>
+          <ac:spMkLst>
+            <pc:docMk/>
+            <pc:sldMk cId="3819636605" sldId="259"/>
+            <ac:spMk id="12" creationId="{1E442BF0-692F-F5F3-8D64-CB4635A12B3E}"/>
+          </ac:spMkLst>
+        </pc:spChg>
+        <pc:spChg chg="add del">
+          <ac:chgData name="Lucy Huang" userId="8d578496-9457-459c-a11f-92df8b250202" providerId="ADAL" clId="{C6727DD8-56ED-44ED-A31E-F6094BE8C3E3}" dt="2023-07-19T20:56:20.634" v="154" actId="26606"/>
+          <ac:spMkLst>
+            <pc:docMk/>
+            <pc:sldMk cId="3819636605" sldId="259"/>
+            <ac:spMk id="14" creationId="{9F2927B6-D13D-B867-8DE7-6FE6685BDBA0}"/>
+          </ac:spMkLst>
+        </pc:spChg>
+        <pc:spChg chg="add mod">
+          <ac:chgData name="Lucy Huang" userId="8d578496-9457-459c-a11f-92df8b250202" providerId="ADAL" clId="{C6727DD8-56ED-44ED-A31E-F6094BE8C3E3}" dt="2023-07-19T21:02:58.210" v="187" actId="208"/>
+          <ac:spMkLst>
+            <pc:docMk/>
+            <pc:sldMk cId="3819636605" sldId="259"/>
+            <ac:spMk id="16" creationId="{4BF8B23F-1E17-1F09-72DA-5ADA0FCEB63D}"/>
+          </ac:spMkLst>
+        </pc:spChg>
+        <pc:picChg chg="del">
+          <ac:chgData name="Lucy Huang" userId="8d578496-9457-459c-a11f-92df8b250202" providerId="ADAL" clId="{C6727DD8-56ED-44ED-A31E-F6094BE8C3E3}" dt="2023-07-19T20:49:12.515" v="109" actId="21"/>
+          <ac:picMkLst>
+            <pc:docMk/>
+            <pc:sldMk cId="3819636605" sldId="259"/>
+            <ac:picMk id="4" creationId="{DDC4C5D6-C764-9A39-CA82-577C8C74C140}"/>
+          </ac:picMkLst>
+        </pc:picChg>
+        <pc:picChg chg="add del mod ord">
+          <ac:chgData name="Lucy Huang" userId="8d578496-9457-459c-a11f-92df8b250202" providerId="ADAL" clId="{C6727DD8-56ED-44ED-A31E-F6094BE8C3E3}" dt="2023-07-19T21:01:18.645" v="169" actId="21"/>
+          <ac:picMkLst>
+            <pc:docMk/>
+            <pc:sldMk cId="3819636605" sldId="259"/>
+            <ac:picMk id="6" creationId="{C36A8B36-E864-438F-C3F7-78072CE97327}"/>
+          </ac:picMkLst>
+        </pc:picChg>
+        <pc:picChg chg="add del mod">
+          <ac:chgData name="Lucy Huang" userId="8d578496-9457-459c-a11f-92df8b250202" providerId="ADAL" clId="{C6727DD8-56ED-44ED-A31E-F6094BE8C3E3}" dt="2023-07-19T20:56:22.663" v="155" actId="21"/>
+          <ac:picMkLst>
+            <pc:docMk/>
+            <pc:sldMk cId="3819636605" sldId="259"/>
+            <ac:picMk id="8" creationId="{F8A059A5-B3DF-10C0-D4D8-0729D2EFDD17}"/>
+          </ac:picMkLst>
+        </pc:picChg>
+        <pc:picChg chg="add del mod">
+          <ac:chgData name="Lucy Huang" userId="8d578496-9457-459c-a11f-92df8b250202" providerId="ADAL" clId="{C6727DD8-56ED-44ED-A31E-F6094BE8C3E3}" dt="2023-07-19T21:01:43.384" v="177" actId="21"/>
+          <ac:picMkLst>
+            <pc:docMk/>
+            <pc:sldMk cId="3819636605" sldId="259"/>
+            <ac:picMk id="10" creationId="{284C9A4B-3621-D4CD-F6A5-6DA9BEA0F88A}"/>
+          </ac:picMkLst>
+        </pc:picChg>
+        <pc:picChg chg="add mod">
+          <ac:chgData name="Lucy Huang" userId="8d578496-9457-459c-a11f-92df8b250202" providerId="ADAL" clId="{C6727DD8-56ED-44ED-A31E-F6094BE8C3E3}" dt="2023-07-19T21:01:47.406" v="178" actId="14100"/>
+          <ac:picMkLst>
+            <pc:docMk/>
+            <pc:sldMk cId="3819636605" sldId="259"/>
+            <ac:picMk id="15" creationId="{71E9C057-8966-632E-7DBB-43CE9425D066}"/>
+          </ac:picMkLst>
+        </pc:picChg>
+        <pc:picChg chg="add mod">
+          <ac:chgData name="Lucy Huang" userId="8d578496-9457-459c-a11f-92df8b250202" providerId="ADAL" clId="{C6727DD8-56ED-44ED-A31E-F6094BE8C3E3}" dt="2023-07-19T21:02:28.015" v="186" actId="1076"/>
+          <ac:picMkLst>
+            <pc:docMk/>
+            <pc:sldMk cId="3819636605" sldId="259"/>
+            <ac:picMk id="17" creationId="{FC45A1E9-5555-4626-E7D1-A89F60192ABE}"/>
+          </ac:picMkLst>
+        </pc:picChg>
+      </pc:sldChg>
+      <pc:sldChg chg="addSp modSp mod ord">
+        <pc:chgData name="Lucy Huang" userId="8d578496-9457-459c-a11f-92df8b250202" providerId="ADAL" clId="{C6727DD8-56ED-44ED-A31E-F6094BE8C3E3}" dt="2023-07-19T20:02:32.276" v="104" actId="1076"/>
+        <pc:sldMkLst>
+          <pc:docMk/>
+          <pc:sldMk cId="3569370174" sldId="260"/>
+        </pc:sldMkLst>
+        <pc:spChg chg="add mod">
+          <ac:chgData name="Lucy Huang" userId="8d578496-9457-459c-a11f-92df8b250202" providerId="ADAL" clId="{C6727DD8-56ED-44ED-A31E-F6094BE8C3E3}" dt="2023-07-19T20:02:32.276" v="104" actId="1076"/>
+          <ac:spMkLst>
+            <pc:docMk/>
+            <pc:sldMk cId="3569370174" sldId="260"/>
+            <ac:spMk id="3" creationId="{DF3FAA24-5F7B-EFF7-903F-394870F19223}"/>
+          </ac:spMkLst>
+        </pc:spChg>
+      </pc:sldChg>
+      <pc:sldChg chg="addSp delSp modSp mod ord">
+        <pc:chgData name="Lucy Huang" userId="8d578496-9457-459c-a11f-92df8b250202" providerId="ADAL" clId="{C6727DD8-56ED-44ED-A31E-F6094BE8C3E3}" dt="2023-07-19T20:03:30.426" v="107"/>
+        <pc:sldMkLst>
+          <pc:docMk/>
+          <pc:sldMk cId="1111217609" sldId="261"/>
+        </pc:sldMkLst>
+        <pc:spChg chg="add del mod">
+          <ac:chgData name="Lucy Huang" userId="8d578496-9457-459c-a11f-92df8b250202" providerId="ADAL" clId="{C6727DD8-56ED-44ED-A31E-F6094BE8C3E3}" dt="2023-07-19T20:02:27.477" v="102" actId="478"/>
+          <ac:spMkLst>
+            <pc:docMk/>
+            <pc:sldMk cId="1111217609" sldId="261"/>
+            <ac:spMk id="5" creationId="{C6AE9E2D-657A-2961-BEBF-9240B5F62E40}"/>
+          </ac:spMkLst>
+        </pc:spChg>
+        <pc:spChg chg="add del mod">
+          <ac:chgData name="Lucy Huang" userId="8d578496-9457-459c-a11f-92df8b250202" providerId="ADAL" clId="{C6727DD8-56ED-44ED-A31E-F6094BE8C3E3}" dt="2023-07-19T20:03:30.426" v="107"/>
+          <ac:spMkLst>
+            <pc:docMk/>
+            <pc:sldMk cId="1111217609" sldId="261"/>
+            <ac:spMk id="6" creationId="{0425C3F2-B552-800C-C7B8-D149E9972BA0}"/>
+          </ac:spMkLst>
+        </pc:spChg>
+      </pc:sldChg>
+      <pc:sldChg chg="addSp delSp modSp new mod">
+        <pc:chgData name="Lucy Huang" userId="8d578496-9457-459c-a11f-92df8b250202" providerId="ADAL" clId="{C6727DD8-56ED-44ED-A31E-F6094BE8C3E3}" dt="2023-07-19T21:02:17.690" v="183" actId="21"/>
+        <pc:sldMkLst>
+          <pc:docMk/>
+          <pc:sldMk cId="1706519594" sldId="262"/>
+        </pc:sldMkLst>
+        <pc:spChg chg="mod">
+          <ac:chgData name="Lucy Huang" userId="8d578496-9457-459c-a11f-92df8b250202" providerId="ADAL" clId="{C6727DD8-56ED-44ED-A31E-F6094BE8C3E3}" dt="2023-07-19T20:01:57.400" v="81" actId="20577"/>
+          <ac:spMkLst>
+            <pc:docMk/>
+            <pc:sldMk cId="1706519594" sldId="262"/>
+            <ac:spMk id="2" creationId="{84E77D92-D745-3C0C-538A-E38E4EA5D7A2}"/>
+          </ac:spMkLst>
+        </pc:spChg>
+        <pc:picChg chg="add del mod">
+          <ac:chgData name="Lucy Huang" userId="8d578496-9457-459c-a11f-92df8b250202" providerId="ADAL" clId="{C6727DD8-56ED-44ED-A31E-F6094BE8C3E3}" dt="2023-07-19T21:02:17.690" v="183" actId="21"/>
+          <ac:picMkLst>
+            <pc:docMk/>
+            <pc:sldMk cId="1706519594" sldId="262"/>
+            <ac:picMk id="4" creationId="{A04024EA-2615-1FBC-75AA-44A0620A5EC3}"/>
           </ac:picMkLst>
         </pc:picChg>
       </pc:sldChg>
@@ -1222,229 +1410,41 @@
     </pc:docChg>
   </pc:docChgLst>
   <pc:docChgLst>
-    <pc:chgData name="Lucy Huang" userId="8d578496-9457-459c-a11f-92df8b250202" providerId="ADAL" clId="{C6727DD8-56ED-44ED-A31E-F6094BE8C3E3}"/>
-    <pc:docChg chg="undo custSel addSld modSld sldOrd">
-      <pc:chgData name="Lucy Huang" userId="8d578496-9457-459c-a11f-92df8b250202" providerId="ADAL" clId="{C6727DD8-56ED-44ED-A31E-F6094BE8C3E3}" dt="2023-07-19T21:02:58.210" v="187" actId="208"/>
+    <pc:chgData name="Guest User" userId="S::urn:spo:anon#ea516d5bfbddd5fd83341af53625b03d3f67b2595679e445efc4f5857a366070::" providerId="AD" clId="Web-{25346240-C5B6-850E-D09C-CB0969BBF519}"/>
+    <pc:docChg chg="modSld">
+      <pc:chgData name="Guest User" userId="S::urn:spo:anon#ea516d5bfbddd5fd83341af53625b03d3f67b2595679e445efc4f5857a366070::" providerId="AD" clId="Web-{25346240-C5B6-850E-D09C-CB0969BBF519}" dt="2023-07-19T19:06:50.547" v="4" actId="14100"/>
       <pc:docMkLst>
         <pc:docMk/>
       </pc:docMkLst>
-      <pc:sldChg chg="delSp modSp mod">
-        <pc:chgData name="Lucy Huang" userId="8d578496-9457-459c-a11f-92df8b250202" providerId="ADAL" clId="{C6727DD8-56ED-44ED-A31E-F6094BE8C3E3}" dt="2023-07-19T20:49:11.332" v="108" actId="21"/>
-        <pc:sldMkLst>
-          <pc:docMk/>
-          <pc:sldMk cId="3621920733" sldId="257"/>
-        </pc:sldMkLst>
-        <pc:spChg chg="mod">
-          <ac:chgData name="Lucy Huang" userId="8d578496-9457-459c-a11f-92df8b250202" providerId="ADAL" clId="{C6727DD8-56ED-44ED-A31E-F6094BE8C3E3}" dt="2023-07-19T20:01:45.303" v="48" actId="20577"/>
-          <ac:spMkLst>
-            <pc:docMk/>
-            <pc:sldMk cId="3621920733" sldId="257"/>
-            <ac:spMk id="2" creationId="{BB02845D-2E6F-9B04-E0E2-2E6F20EC4038}"/>
-          </ac:spMkLst>
-        </pc:spChg>
-        <pc:picChg chg="del">
-          <ac:chgData name="Lucy Huang" userId="8d578496-9457-459c-a11f-92df8b250202" providerId="ADAL" clId="{C6727DD8-56ED-44ED-A31E-F6094BE8C3E3}" dt="2023-07-19T20:49:11.332" v="108" actId="21"/>
-          <ac:picMkLst>
-            <pc:docMk/>
-            <pc:sldMk cId="3621920733" sldId="257"/>
-            <ac:picMk id="4" creationId="{653D21CA-1FAB-D551-7915-26558C74C20B}"/>
-          </ac:picMkLst>
-        </pc:picChg>
-      </pc:sldChg>
-      <pc:sldChg chg="addSp delSp modSp mod ord setBg">
-        <pc:chgData name="Lucy Huang" userId="8d578496-9457-459c-a11f-92df8b250202" providerId="ADAL" clId="{C6727DD8-56ED-44ED-A31E-F6094BE8C3E3}" dt="2023-07-19T21:02:58.210" v="187" actId="208"/>
-        <pc:sldMkLst>
-          <pc:docMk/>
-          <pc:sldMk cId="3819636605" sldId="259"/>
-        </pc:sldMkLst>
-        <pc:spChg chg="mod">
-          <ac:chgData name="Lucy Huang" userId="8d578496-9457-459c-a11f-92df8b250202" providerId="ADAL" clId="{C6727DD8-56ED-44ED-A31E-F6094BE8C3E3}" dt="2023-07-19T20:56:20.634" v="154" actId="26606"/>
-          <ac:spMkLst>
-            <pc:docMk/>
-            <pc:sldMk cId="3819636605" sldId="259"/>
-            <ac:spMk id="2" creationId="{45F25EE0-4A40-BD9F-FC4A-8FCCD3962D82}"/>
-          </ac:spMkLst>
-        </pc:spChg>
-        <pc:spChg chg="del">
-          <ac:chgData name="Lucy Huang" userId="8d578496-9457-459c-a11f-92df8b250202" providerId="ADAL" clId="{C6727DD8-56ED-44ED-A31E-F6094BE8C3E3}" dt="2023-07-19T20:53:38.493" v="110" actId="931"/>
-          <ac:spMkLst>
-            <pc:docMk/>
-            <pc:sldMk cId="3819636605" sldId="259"/>
-            <ac:spMk id="3" creationId="{9C91B660-27F1-8211-49FB-3FC4A6FCAFB1}"/>
-          </ac:spMkLst>
-        </pc:spChg>
-        <pc:spChg chg="add del mod">
-          <ac:chgData name="Lucy Huang" userId="8d578496-9457-459c-a11f-92df8b250202" providerId="ADAL" clId="{C6727DD8-56ED-44ED-A31E-F6094BE8C3E3}" dt="2023-07-19T21:01:29.553" v="170" actId="931"/>
-          <ac:spMkLst>
-            <pc:docMk/>
-            <pc:sldMk cId="3819636605" sldId="259"/>
-            <ac:spMk id="12" creationId="{1E442BF0-692F-F5F3-8D64-CB4635A12B3E}"/>
-          </ac:spMkLst>
-        </pc:spChg>
-        <pc:spChg chg="add del">
-          <ac:chgData name="Lucy Huang" userId="8d578496-9457-459c-a11f-92df8b250202" providerId="ADAL" clId="{C6727DD8-56ED-44ED-A31E-F6094BE8C3E3}" dt="2023-07-19T20:56:20.634" v="154" actId="26606"/>
-          <ac:spMkLst>
-            <pc:docMk/>
-            <pc:sldMk cId="3819636605" sldId="259"/>
-            <ac:spMk id="14" creationId="{9F2927B6-D13D-B867-8DE7-6FE6685BDBA0}"/>
-          </ac:spMkLst>
-        </pc:spChg>
-        <pc:spChg chg="add mod">
-          <ac:chgData name="Lucy Huang" userId="8d578496-9457-459c-a11f-92df8b250202" providerId="ADAL" clId="{C6727DD8-56ED-44ED-A31E-F6094BE8C3E3}" dt="2023-07-19T21:02:58.210" v="187" actId="208"/>
-          <ac:spMkLst>
-            <pc:docMk/>
-            <pc:sldMk cId="3819636605" sldId="259"/>
-            <ac:spMk id="16" creationId="{4BF8B23F-1E17-1F09-72DA-5ADA0FCEB63D}"/>
-          </ac:spMkLst>
-        </pc:spChg>
-        <pc:picChg chg="del">
-          <ac:chgData name="Lucy Huang" userId="8d578496-9457-459c-a11f-92df8b250202" providerId="ADAL" clId="{C6727DD8-56ED-44ED-A31E-F6094BE8C3E3}" dt="2023-07-19T20:49:12.515" v="109" actId="21"/>
-          <ac:picMkLst>
-            <pc:docMk/>
-            <pc:sldMk cId="3819636605" sldId="259"/>
-            <ac:picMk id="4" creationId="{DDC4C5D6-C764-9A39-CA82-577C8C74C140}"/>
-          </ac:picMkLst>
-        </pc:picChg>
-        <pc:picChg chg="add del mod ord">
-          <ac:chgData name="Lucy Huang" userId="8d578496-9457-459c-a11f-92df8b250202" providerId="ADAL" clId="{C6727DD8-56ED-44ED-A31E-F6094BE8C3E3}" dt="2023-07-19T21:01:18.645" v="169" actId="21"/>
-          <ac:picMkLst>
-            <pc:docMk/>
-            <pc:sldMk cId="3819636605" sldId="259"/>
-            <ac:picMk id="6" creationId="{C36A8B36-E864-438F-C3F7-78072CE97327}"/>
-          </ac:picMkLst>
-        </pc:picChg>
-        <pc:picChg chg="add del mod">
-          <ac:chgData name="Lucy Huang" userId="8d578496-9457-459c-a11f-92df8b250202" providerId="ADAL" clId="{C6727DD8-56ED-44ED-A31E-F6094BE8C3E3}" dt="2023-07-19T20:56:22.663" v="155" actId="21"/>
-          <ac:picMkLst>
-            <pc:docMk/>
-            <pc:sldMk cId="3819636605" sldId="259"/>
-            <ac:picMk id="8" creationId="{F8A059A5-B3DF-10C0-D4D8-0729D2EFDD17}"/>
-          </ac:picMkLst>
-        </pc:picChg>
-        <pc:picChg chg="add del mod">
-          <ac:chgData name="Lucy Huang" userId="8d578496-9457-459c-a11f-92df8b250202" providerId="ADAL" clId="{C6727DD8-56ED-44ED-A31E-F6094BE8C3E3}" dt="2023-07-19T21:01:43.384" v="177" actId="21"/>
-          <ac:picMkLst>
-            <pc:docMk/>
-            <pc:sldMk cId="3819636605" sldId="259"/>
-            <ac:picMk id="10" creationId="{284C9A4B-3621-D4CD-F6A5-6DA9BEA0F88A}"/>
-          </ac:picMkLst>
-        </pc:picChg>
-        <pc:picChg chg="add mod">
-          <ac:chgData name="Lucy Huang" userId="8d578496-9457-459c-a11f-92df8b250202" providerId="ADAL" clId="{C6727DD8-56ED-44ED-A31E-F6094BE8C3E3}" dt="2023-07-19T21:01:47.406" v="178" actId="14100"/>
-          <ac:picMkLst>
-            <pc:docMk/>
-            <pc:sldMk cId="3819636605" sldId="259"/>
-            <ac:picMk id="15" creationId="{71E9C057-8966-632E-7DBB-43CE9425D066}"/>
-          </ac:picMkLst>
-        </pc:picChg>
-        <pc:picChg chg="add mod">
-          <ac:chgData name="Lucy Huang" userId="8d578496-9457-459c-a11f-92df8b250202" providerId="ADAL" clId="{C6727DD8-56ED-44ED-A31E-F6094BE8C3E3}" dt="2023-07-19T21:02:28.015" v="186" actId="1076"/>
-          <ac:picMkLst>
-            <pc:docMk/>
-            <pc:sldMk cId="3819636605" sldId="259"/>
-            <ac:picMk id="17" creationId="{FC45A1E9-5555-4626-E7D1-A89F60192ABE}"/>
-          </ac:picMkLst>
-        </pc:picChg>
-      </pc:sldChg>
-      <pc:sldChg chg="addSp modSp mod ord">
-        <pc:chgData name="Lucy Huang" userId="8d578496-9457-459c-a11f-92df8b250202" providerId="ADAL" clId="{C6727DD8-56ED-44ED-A31E-F6094BE8C3E3}" dt="2023-07-19T20:02:32.276" v="104" actId="1076"/>
+      <pc:sldChg chg="modSp">
+        <pc:chgData name="Guest User" userId="S::urn:spo:anon#ea516d5bfbddd5fd83341af53625b03d3f67b2595679e445efc4f5857a366070::" providerId="AD" clId="Web-{25346240-C5B6-850E-D09C-CB0969BBF519}" dt="2023-07-19T19:05:02.368" v="2" actId="1076"/>
         <pc:sldMkLst>
           <pc:docMk/>
           <pc:sldMk cId="3569370174" sldId="260"/>
         </pc:sldMkLst>
-        <pc:spChg chg="add mod">
-          <ac:chgData name="Lucy Huang" userId="8d578496-9457-459c-a11f-92df8b250202" providerId="ADAL" clId="{C6727DD8-56ED-44ED-A31E-F6094BE8C3E3}" dt="2023-07-19T20:02:32.276" v="104" actId="1076"/>
-          <ac:spMkLst>
+        <pc:picChg chg="mod">
+          <ac:chgData name="Guest User" userId="S::urn:spo:anon#ea516d5bfbddd5fd83341af53625b03d3f67b2595679e445efc4f5857a366070::" providerId="AD" clId="Web-{25346240-C5B6-850E-D09C-CB0969BBF519}" dt="2023-07-19T19:05:02.368" v="2" actId="1076"/>
+          <ac:picMkLst>
             <pc:docMk/>
             <pc:sldMk cId="3569370174" sldId="260"/>
-            <ac:spMk id="3" creationId="{DF3FAA24-5F7B-EFF7-903F-394870F19223}"/>
-          </ac:spMkLst>
-        </pc:spChg>
+            <ac:picMk id="6" creationId="{52F29D42-4552-DAB9-6317-7FBACA44894B}"/>
+          </ac:picMkLst>
+        </pc:picChg>
       </pc:sldChg>
-      <pc:sldChg chg="addSp delSp modSp mod ord">
-        <pc:chgData name="Lucy Huang" userId="8d578496-9457-459c-a11f-92df8b250202" providerId="ADAL" clId="{C6727DD8-56ED-44ED-A31E-F6094BE8C3E3}" dt="2023-07-19T20:03:30.426" v="107"/>
+      <pc:sldChg chg="modSp">
+        <pc:chgData name="Guest User" userId="S::urn:spo:anon#ea516d5bfbddd5fd83341af53625b03d3f67b2595679e445efc4f5857a366070::" providerId="AD" clId="Web-{25346240-C5B6-850E-D09C-CB0969BBF519}" dt="2023-07-19T19:06:50.547" v="4" actId="14100"/>
         <pc:sldMkLst>
           <pc:docMk/>
           <pc:sldMk cId="1111217609" sldId="261"/>
         </pc:sldMkLst>
-        <pc:spChg chg="add del mod">
-          <ac:chgData name="Lucy Huang" userId="8d578496-9457-459c-a11f-92df8b250202" providerId="ADAL" clId="{C6727DD8-56ED-44ED-A31E-F6094BE8C3E3}" dt="2023-07-19T20:02:27.477" v="102" actId="478"/>
-          <ac:spMkLst>
+        <pc:picChg chg="mod">
+          <ac:chgData name="Guest User" userId="S::urn:spo:anon#ea516d5bfbddd5fd83341af53625b03d3f67b2595679e445efc4f5857a366070::" providerId="AD" clId="Web-{25346240-C5B6-850E-D09C-CB0969BBF519}" dt="2023-07-19T19:06:50.547" v="4" actId="14100"/>
+          <ac:picMkLst>
             <pc:docMk/>
             <pc:sldMk cId="1111217609" sldId="261"/>
-            <ac:spMk id="5" creationId="{C6AE9E2D-657A-2961-BEBF-9240B5F62E40}"/>
-          </ac:spMkLst>
-        </pc:spChg>
-        <pc:spChg chg="add del mod">
-          <ac:chgData name="Lucy Huang" userId="8d578496-9457-459c-a11f-92df8b250202" providerId="ADAL" clId="{C6727DD8-56ED-44ED-A31E-F6094BE8C3E3}" dt="2023-07-19T20:03:30.426" v="107"/>
-          <ac:spMkLst>
-            <pc:docMk/>
-            <pc:sldMk cId="1111217609" sldId="261"/>
-            <ac:spMk id="6" creationId="{0425C3F2-B552-800C-C7B8-D149E9972BA0}"/>
-          </ac:spMkLst>
-        </pc:spChg>
-      </pc:sldChg>
-      <pc:sldChg chg="addSp delSp modSp new mod">
-        <pc:chgData name="Lucy Huang" userId="8d578496-9457-459c-a11f-92df8b250202" providerId="ADAL" clId="{C6727DD8-56ED-44ED-A31E-F6094BE8C3E3}" dt="2023-07-19T21:02:17.690" v="183" actId="21"/>
-        <pc:sldMkLst>
-          <pc:docMk/>
-          <pc:sldMk cId="1706519594" sldId="262"/>
-        </pc:sldMkLst>
-        <pc:spChg chg="mod">
-          <ac:chgData name="Lucy Huang" userId="8d578496-9457-459c-a11f-92df8b250202" providerId="ADAL" clId="{C6727DD8-56ED-44ED-A31E-F6094BE8C3E3}" dt="2023-07-19T20:01:57.400" v="81" actId="20577"/>
-          <ac:spMkLst>
-            <pc:docMk/>
-            <pc:sldMk cId="1706519594" sldId="262"/>
-            <ac:spMk id="2" creationId="{84E77D92-D745-3C0C-538A-E38E4EA5D7A2}"/>
-          </ac:spMkLst>
-        </pc:spChg>
-        <pc:picChg chg="add del mod">
-          <ac:chgData name="Lucy Huang" userId="8d578496-9457-459c-a11f-92df8b250202" providerId="ADAL" clId="{C6727DD8-56ED-44ED-A31E-F6094BE8C3E3}" dt="2023-07-19T21:02:17.690" v="183" actId="21"/>
-          <ac:picMkLst>
-            <pc:docMk/>
-            <pc:sldMk cId="1706519594" sldId="262"/>
-            <ac:picMk id="4" creationId="{A04024EA-2615-1FBC-75AA-44A0620A5EC3}"/>
+            <ac:picMk id="4" creationId="{B7167C50-499F-75A3-DC5B-A351D0A7C7A1}"/>
           </ac:picMkLst>
         </pc:picChg>
-      </pc:sldChg>
-    </pc:docChg>
-  </pc:docChgLst>
-  <pc:docChgLst>
-    <pc:chgData name="Huang, Lucy Yaoyuan" userId="S::u251639@bcm.edu::8d578496-9457-459c-a11f-92df8b250202" providerId="AD" clId="Web-{AF2C5F12-4717-BC24-9526-1BD85B43B8D8}"/>
-    <pc:docChg chg="modSld">
-      <pc:chgData name="Huang, Lucy Yaoyuan" userId="S::u251639@bcm.edu::8d578496-9457-459c-a11f-92df8b250202" providerId="AD" clId="Web-{AF2C5F12-4717-BC24-9526-1BD85B43B8D8}" dt="2023-07-21T01:13:10.269" v="1" actId="20577"/>
-      <pc:docMkLst>
-        <pc:docMk/>
-      </pc:docMkLst>
-      <pc:sldChg chg="delSp">
-        <pc:chgData name="Huang, Lucy Yaoyuan" userId="S::u251639@bcm.edu::8d578496-9457-459c-a11f-92df8b250202" providerId="AD" clId="Web-{AF2C5F12-4717-BC24-9526-1BD85B43B8D8}" dt="2023-07-21T01:11:17.219" v="0"/>
-        <pc:sldMkLst>
-          <pc:docMk/>
-          <pc:sldMk cId="3569370174" sldId="260"/>
-        </pc:sldMkLst>
-        <pc:spChg chg="del">
-          <ac:chgData name="Huang, Lucy Yaoyuan" userId="S::u251639@bcm.edu::8d578496-9457-459c-a11f-92df8b250202" providerId="AD" clId="Web-{AF2C5F12-4717-BC24-9526-1BD85B43B8D8}" dt="2023-07-21T01:11:17.219" v="0"/>
-          <ac:spMkLst>
-            <pc:docMk/>
-            <pc:sldMk cId="3569370174" sldId="260"/>
-            <ac:spMk id="3" creationId="{DF3FAA24-5F7B-EFF7-903F-394870F19223}"/>
-          </ac:spMkLst>
-        </pc:spChg>
-      </pc:sldChg>
-      <pc:sldChg chg="modSp">
-        <pc:chgData name="Huang, Lucy Yaoyuan" userId="S::u251639@bcm.edu::8d578496-9457-459c-a11f-92df8b250202" providerId="AD" clId="Web-{AF2C5F12-4717-BC24-9526-1BD85B43B8D8}" dt="2023-07-21T01:13:10.269" v="1" actId="20577"/>
-        <pc:sldMkLst>
-          <pc:docMk/>
-          <pc:sldMk cId="3258022718" sldId="263"/>
-        </pc:sldMkLst>
-        <pc:spChg chg="mod">
-          <ac:chgData name="Huang, Lucy Yaoyuan" userId="S::u251639@bcm.edu::8d578496-9457-459c-a11f-92df8b250202" providerId="AD" clId="Web-{AF2C5F12-4717-BC24-9526-1BD85B43B8D8}" dt="2023-07-21T01:13:10.269" v="1" actId="20577"/>
-          <ac:spMkLst>
-            <pc:docMk/>
-            <pc:sldMk cId="3258022718" sldId="263"/>
-            <ac:spMk id="2" creationId="{1F0C129A-B46B-8D5E-E8CC-F44C8BBA237D}"/>
-          </ac:spMkLst>
-        </pc:spChg>
       </pc:sldChg>
     </pc:docChg>
   </pc:docChgLst>
@@ -2264,7 +2264,7 @@
           <a:p>
             <a:fld id="{F81EA58A-236B-4351-AA1B-97F3A2A984DC}" type="datetimeFigureOut">
               <a:rPr lang="en-US" smtClean="0"/>
-              <a:t>8/3/2023</a:t>
+              <a:t>8/9/2023</a:t>
             </a:fld>
             <a:endParaRPr lang="en-US"/>
           </a:p>
@@ -2514,7 +2514,7 @@
           <a:p>
             <a:fld id="{F81EA58A-236B-4351-AA1B-97F3A2A984DC}" type="datetimeFigureOut">
               <a:rPr lang="en-US" smtClean="0"/>
-              <a:t>8/3/2023</a:t>
+              <a:t>8/9/2023</a:t>
             </a:fld>
             <a:endParaRPr lang="en-US"/>
           </a:p>
@@ -2827,7 +2827,7 @@
           <a:p>
             <a:fld id="{F81EA58A-236B-4351-AA1B-97F3A2A984DC}" type="datetimeFigureOut">
               <a:rPr lang="en-US" smtClean="0"/>
-              <a:t>8/3/2023</a:t>
+              <a:t>8/9/2023</a:t>
             </a:fld>
             <a:endParaRPr lang="en-US"/>
           </a:p>
@@ -3159,7 +3159,7 @@
           <a:p>
             <a:fld id="{F81EA58A-236B-4351-AA1B-97F3A2A984DC}" type="datetimeFigureOut">
               <a:rPr lang="en-US" smtClean="0"/>
-              <a:t>8/3/2023</a:t>
+              <a:t>8/9/2023</a:t>
             </a:fld>
             <a:endParaRPr lang="en-US"/>
           </a:p>
@@ -3472,7 +3472,7 @@
           <a:p>
             <a:fld id="{F81EA58A-236B-4351-AA1B-97F3A2A984DC}" type="datetimeFigureOut">
               <a:rPr lang="en-US" smtClean="0"/>
-              <a:t>8/3/2023</a:t>
+              <a:t>8/9/2023</a:t>
             </a:fld>
             <a:endParaRPr lang="en-US"/>
           </a:p>
@@ -3864,7 +3864,7 @@
           <a:p>
             <a:fld id="{F81EA58A-236B-4351-AA1B-97F3A2A984DC}" type="datetimeFigureOut">
               <a:rPr lang="en-US" smtClean="0"/>
-              <a:t>8/3/2023</a:t>
+              <a:t>8/9/2023</a:t>
             </a:fld>
             <a:endParaRPr lang="en-US"/>
           </a:p>
@@ -4032,7 +4032,7 @@
           <a:p>
             <a:fld id="{F81EA58A-236B-4351-AA1B-97F3A2A984DC}" type="datetimeFigureOut">
               <a:rPr lang="en-US" smtClean="0"/>
-              <a:t>8/3/2023</a:t>
+              <a:t>8/9/2023</a:t>
             </a:fld>
             <a:endParaRPr lang="en-US"/>
           </a:p>
@@ -4210,7 +4210,7 @@
           <a:p>
             <a:fld id="{F81EA58A-236B-4351-AA1B-97F3A2A984DC}" type="datetimeFigureOut">
               <a:rPr lang="en-US" smtClean="0"/>
-              <a:t>8/3/2023</a:t>
+              <a:t>8/9/2023</a:t>
             </a:fld>
             <a:endParaRPr lang="en-US"/>
           </a:p>
@@ -4378,7 +4378,7 @@
           <a:p>
             <a:fld id="{F81EA58A-236B-4351-AA1B-97F3A2A984DC}" type="datetimeFigureOut">
               <a:rPr lang="en-US" smtClean="0"/>
-              <a:t>8/3/2023</a:t>
+              <a:t>8/9/2023</a:t>
             </a:fld>
             <a:endParaRPr lang="en-US"/>
           </a:p>
@@ -4624,7 +4624,7 @@
           <a:p>
             <a:fld id="{F81EA58A-236B-4351-AA1B-97F3A2A984DC}" type="datetimeFigureOut">
               <a:rPr lang="en-US" smtClean="0"/>
-              <a:t>8/3/2023</a:t>
+              <a:t>8/9/2023</a:t>
             </a:fld>
             <a:endParaRPr lang="en-US"/>
           </a:p>
@@ -4853,7 +4853,7 @@
           <a:p>
             <a:fld id="{F81EA58A-236B-4351-AA1B-97F3A2A984DC}" type="datetimeFigureOut">
               <a:rPr lang="en-US" smtClean="0"/>
-              <a:t>8/3/2023</a:t>
+              <a:t>8/9/2023</a:t>
             </a:fld>
             <a:endParaRPr lang="en-US"/>
           </a:p>
@@ -5224,7 +5224,7 @@
           <a:p>
             <a:fld id="{F81EA58A-236B-4351-AA1B-97F3A2A984DC}" type="datetimeFigureOut">
               <a:rPr lang="en-US" smtClean="0"/>
-              <a:t>8/3/2023</a:t>
+              <a:t>8/9/2023</a:t>
             </a:fld>
             <a:endParaRPr lang="en-US"/>
           </a:p>
@@ -5346,7 +5346,7 @@
           <a:p>
             <a:fld id="{F81EA58A-236B-4351-AA1B-97F3A2A984DC}" type="datetimeFigureOut">
               <a:rPr lang="en-US" smtClean="0"/>
-              <a:t>8/3/2023</a:t>
+              <a:t>8/9/2023</a:t>
             </a:fld>
             <a:endParaRPr lang="en-US"/>
           </a:p>
@@ -5441,7 +5441,7 @@
           <a:p>
             <a:fld id="{F81EA58A-236B-4351-AA1B-97F3A2A984DC}" type="datetimeFigureOut">
               <a:rPr lang="en-US" smtClean="0"/>
-              <a:t>8/3/2023</a:t>
+              <a:t>8/9/2023</a:t>
             </a:fld>
             <a:endParaRPr lang="en-US"/>
           </a:p>
@@ -5694,7 +5694,7 @@
           <a:p>
             <a:fld id="{F81EA58A-236B-4351-AA1B-97F3A2A984DC}" type="datetimeFigureOut">
               <a:rPr lang="en-US" smtClean="0"/>
-              <a:t>8/3/2023</a:t>
+              <a:t>8/9/2023</a:t>
             </a:fld>
             <a:endParaRPr lang="en-US"/>
           </a:p>
@@ -5997,7 +5997,7 @@
           <a:p>
             <a:fld id="{F81EA58A-236B-4351-AA1B-97F3A2A984DC}" type="datetimeFigureOut">
               <a:rPr lang="en-US" smtClean="0"/>
-              <a:t>8/3/2023</a:t>
+              <a:t>8/9/2023</a:t>
             </a:fld>
             <a:endParaRPr lang="en-US"/>
           </a:p>
@@ -6697,7 +6697,7 @@
           <a:p>
             <a:fld id="{F81EA58A-236B-4351-AA1B-97F3A2A984DC}" type="datetimeFigureOut">
               <a:rPr lang="en-US" smtClean="0"/>
-              <a:t>8/3/2023</a:t>
+              <a:t>8/9/2023</a:t>
             </a:fld>
             <a:endParaRPr lang="en-US"/>
           </a:p>
@@ -8067,6 +8067,131 @@
           <p:cNvPr id="2" name="Title 1">
             <a:extLst>
               <a:ext uri="{FF2B5EF4-FFF2-40B4-BE49-F238E27FC236}">
+                <a16:creationId xmlns:a16="http://schemas.microsoft.com/office/drawing/2014/main" id="{8BB3DD29-ABE6-8A5B-E160-F583233DE005}"/>
+              </a:ext>
+            </a:extLst>
+          </p:cNvPr>
+          <p:cNvSpPr>
+            <a:spLocks noGrp="1"/>
+          </p:cNvSpPr>
+          <p:nvPr>
+            <p:ph type="title"/>
+          </p:nvPr>
+        </p:nvSpPr>
+        <p:spPr/>
+        <p:txBody>
+          <a:bodyPr/>
+          <a:lstStyle/>
+          <a:p>
+            <a:endParaRPr lang="en-US"/>
+          </a:p>
+        </p:txBody>
+      </p:sp>
+      <p:pic>
+        <p:nvPicPr>
+          <p:cNvPr id="5" name="Content Placeholder 4" descr="A graph of a graph showing a number of black dots&#10;&#10;Description automatically generated">
+            <a:extLst>
+              <a:ext uri="{FF2B5EF4-FFF2-40B4-BE49-F238E27FC236}">
+                <a16:creationId xmlns:a16="http://schemas.microsoft.com/office/drawing/2014/main" id="{CA142DBB-2EB1-D659-2F16-A6E6F89F19E2}"/>
+              </a:ext>
+            </a:extLst>
+          </p:cNvPr>
+          <p:cNvPicPr>
+            <a:picLocks noGrp="1" noChangeAspect="1"/>
+          </p:cNvPicPr>
+          <p:nvPr>
+            <p:ph idx="1"/>
+          </p:nvPr>
+        </p:nvPicPr>
+        <p:blipFill>
+          <a:blip r:embed="rId2">
+            <a:extLst>
+              <a:ext uri="{28A0092B-C50C-407E-A947-70E740481C1C}">
+                <a14:useLocalDpi xmlns:a14="http://schemas.microsoft.com/office/drawing/2010/main" val="0"/>
+              </a:ext>
+            </a:extLst>
+          </a:blip>
+          <a:stretch>
+            <a:fillRect/>
+          </a:stretch>
+        </p:blipFill>
+        <p:spPr>
+          <a:xfrm>
+            <a:off x="513067" y="305155"/>
+            <a:ext cx="8566293" cy="6397486"/>
+          </a:xfrm>
+        </p:spPr>
+      </p:pic>
+      <p:sp>
+        <p:nvSpPr>
+          <p:cNvPr id="6" name="TextBox 5">
+            <a:extLst>
+              <a:ext uri="{FF2B5EF4-FFF2-40B4-BE49-F238E27FC236}">
+                <a16:creationId xmlns:a16="http://schemas.microsoft.com/office/drawing/2014/main" id="{17FFD8C0-591A-BDCF-FEBC-5517963E1259}"/>
+              </a:ext>
+            </a:extLst>
+          </p:cNvPr>
+          <p:cNvSpPr txBox="1"/>
+          <p:nvPr/>
+        </p:nvSpPr>
+        <p:spPr>
+          <a:xfrm>
+            <a:off x="6096000" y="1154097"/>
+            <a:ext cx="2356735" cy="369332"/>
+          </a:xfrm>
+          <a:prstGeom prst="rect">
+            <a:avLst/>
+          </a:prstGeom>
+          <a:noFill/>
+        </p:spPr>
+        <p:txBody>
+          <a:bodyPr wrap="none" rtlCol="0">
+            <a:spAutoFit/>
+          </a:bodyPr>
+          <a:lstStyle/>
+          <a:p>
+            <a:r>
+              <a:rPr lang="en-US" dirty="0"/>
+              <a:t>Ask about 0 dropping</a:t>
+            </a:r>
+          </a:p>
+        </p:txBody>
+      </p:sp>
+    </p:spTree>
+    <p:extLst>
+      <p:ext uri="{BB962C8B-B14F-4D97-AF65-F5344CB8AC3E}">
+        <p14:creationId xmlns:p14="http://schemas.microsoft.com/office/powerpoint/2010/main" val="3143633826"/>
+      </p:ext>
+    </p:extLst>
+  </p:cSld>
+  <p:clrMapOvr>
+    <a:masterClrMapping/>
+  </p:clrMapOvr>
+</p:sld>
+</file>
+
+<file path=ppt/slides/slide8.xml><?xml version="1.0" encoding="utf-8"?>
+<p:sld xmlns:a="http://schemas.openxmlformats.org/drawingml/2006/main" xmlns:r="http://schemas.openxmlformats.org/officeDocument/2006/relationships" xmlns:p="http://schemas.openxmlformats.org/presentationml/2006/main">
+  <p:cSld>
+    <p:spTree>
+      <p:nvGrpSpPr>
+        <p:cNvPr id="1" name=""/>
+        <p:cNvGrpSpPr/>
+        <p:nvPr/>
+      </p:nvGrpSpPr>
+      <p:grpSpPr>
+        <a:xfrm>
+          <a:off x="0" y="0"/>
+          <a:ext cx="0" cy="0"/>
+          <a:chOff x="0" y="0"/>
+          <a:chExt cx="0" cy="0"/>
+        </a:xfrm>
+      </p:grpSpPr>
+      <p:sp>
+        <p:nvSpPr>
+          <p:cNvPr id="2" name="Title 1">
+            <a:extLst>
+              <a:ext uri="{FF2B5EF4-FFF2-40B4-BE49-F238E27FC236}">
                 <a16:creationId xmlns:a16="http://schemas.microsoft.com/office/drawing/2014/main" id="{0AD2B499-B286-64E7-20F9-9E43648984DB}"/>
               </a:ext>
             </a:extLst>
@@ -8161,96 +8286,6 @@
 </p:sld>
 </file>
 
-<file path=ppt/slides/slide8.xml><?xml version="1.0" encoding="utf-8"?>
-<p:sld xmlns:a="http://schemas.openxmlformats.org/drawingml/2006/main" xmlns:r="http://schemas.openxmlformats.org/officeDocument/2006/relationships" xmlns:p="http://schemas.openxmlformats.org/presentationml/2006/main">
-  <p:cSld>
-    <p:spTree>
-      <p:nvGrpSpPr>
-        <p:cNvPr id="1" name=""/>
-        <p:cNvGrpSpPr/>
-        <p:nvPr/>
-      </p:nvGrpSpPr>
-      <p:grpSpPr>
-        <a:xfrm>
-          <a:off x="0" y="0"/>
-          <a:ext cx="0" cy="0"/>
-          <a:chOff x="0" y="0"/>
-          <a:chExt cx="0" cy="0"/>
-        </a:xfrm>
-      </p:grpSpPr>
-      <p:sp>
-        <p:nvSpPr>
-          <p:cNvPr id="2" name="Title 1">
-            <a:extLst>
-              <a:ext uri="{FF2B5EF4-FFF2-40B4-BE49-F238E27FC236}">
-                <a16:creationId xmlns:a16="http://schemas.microsoft.com/office/drawing/2014/main" id="{570223BB-D315-D6F1-31BD-536E33E1C0B1}"/>
-              </a:ext>
-            </a:extLst>
-          </p:cNvPr>
-          <p:cNvSpPr>
-            <a:spLocks noGrp="1"/>
-          </p:cNvSpPr>
-          <p:nvPr>
-            <p:ph type="title"/>
-          </p:nvPr>
-        </p:nvSpPr>
-        <p:spPr/>
-        <p:txBody>
-          <a:bodyPr/>
-          <a:lstStyle/>
-          <a:p>
-            <a:endParaRPr lang="en-US"/>
-          </a:p>
-        </p:txBody>
-      </p:sp>
-      <p:pic>
-        <p:nvPicPr>
-          <p:cNvPr id="7" name="Content Placeholder 6" descr="A graph of different colored squares&#10;&#10;Description automatically generated">
-            <a:extLst>
-              <a:ext uri="{FF2B5EF4-FFF2-40B4-BE49-F238E27FC236}">
-                <a16:creationId xmlns:a16="http://schemas.microsoft.com/office/drawing/2014/main" id="{4B5599B9-3CE5-29B1-B8EC-597ED224AA96}"/>
-              </a:ext>
-            </a:extLst>
-          </p:cNvPr>
-          <p:cNvPicPr>
-            <a:picLocks noGrp="1" noChangeAspect="1"/>
-          </p:cNvPicPr>
-          <p:nvPr>
-            <p:ph idx="1"/>
-          </p:nvPr>
-        </p:nvPicPr>
-        <p:blipFill>
-          <a:blip r:embed="rId2">
-            <a:extLst>
-              <a:ext uri="{28A0092B-C50C-407E-A947-70E740481C1C}">
-                <a14:useLocalDpi xmlns:a14="http://schemas.microsoft.com/office/drawing/2010/main" val="0"/>
-              </a:ext>
-            </a:extLst>
-          </a:blip>
-          <a:stretch>
-            <a:fillRect/>
-          </a:stretch>
-        </p:blipFill>
-        <p:spPr>
-          <a:xfrm>
-            <a:off x="303217" y="431817"/>
-            <a:ext cx="9793064" cy="5994366"/>
-          </a:xfrm>
-        </p:spPr>
-      </p:pic>
-    </p:spTree>
-    <p:extLst>
-      <p:ext uri="{BB962C8B-B14F-4D97-AF65-F5344CB8AC3E}">
-        <p14:creationId xmlns:p14="http://schemas.microsoft.com/office/powerpoint/2010/main" val="1697230990"/>
-      </p:ext>
-    </p:extLst>
-  </p:cSld>
-  <p:clrMapOvr>
-    <a:masterClrMapping/>
-  </p:clrMapOvr>
-</p:sld>
-</file>
-
 <file path=ppt/slides/slide9.xml><?xml version="1.0" encoding="utf-8"?>
 <p:sld xmlns:a="http://schemas.openxmlformats.org/drawingml/2006/main" xmlns:r="http://schemas.openxmlformats.org/officeDocument/2006/relationships" xmlns:p="http://schemas.openxmlformats.org/presentationml/2006/main">
   <p:cSld>
@@ -8321,10 +8356,10 @@
   <a:themeElements>
     <a:clrScheme name="Facet">
       <a:dk1>
-        <a:sysClr val="windowText" lastClr="000000"/>
+        <a:sysClr val="windowText" lastClr="FFFFFF"/>
       </a:dk1>
       <a:lt1>
-        <a:sysClr val="window" lastClr="FFFFFF"/>
+        <a:sysClr val="window" lastClr="000000"/>
       </a:lt1>
       <a:dk2>
         <a:srgbClr val="2C3C43"/>

--- a/GSRExploratory.pptx
+++ b/GSRExploratory.pptx
@@ -7,16 +7,12 @@
   <p:sldIdLst>
     <p:sldId id="256" r:id="rId2"/>
     <p:sldId id="259" r:id="rId3"/>
-    <p:sldId id="272" r:id="rId4"/>
-    <p:sldId id="277" r:id="rId5"/>
-    <p:sldId id="276" r:id="rId6"/>
-    <p:sldId id="274" r:id="rId7"/>
-    <p:sldId id="278" r:id="rId8"/>
-    <p:sldId id="275" r:id="rId9"/>
-    <p:sldId id="265" r:id="rId10"/>
-    <p:sldId id="273" r:id="rId11"/>
-    <p:sldId id="271" r:id="rId12"/>
-    <p:sldId id="260" r:id="rId13"/>
+    <p:sldId id="279" r:id="rId4"/>
+    <p:sldId id="278" r:id="rId5"/>
+    <p:sldId id="265" r:id="rId6"/>
+    <p:sldId id="273" r:id="rId7"/>
+    <p:sldId id="271" r:id="rId8"/>
+    <p:sldId id="260" r:id="rId9"/>
   </p:sldIdLst>
   <p:sldSz cx="12192000" cy="6858000"/>
   <p:notesSz cx="6858000" cy="9144000"/>
@@ -7287,303 +7283,6 @@
 </p:sld>
 </file>
 
-<file path=ppt/slides/slide10.xml><?xml version="1.0" encoding="utf-8"?>
-<p:sld xmlns:a="http://schemas.openxmlformats.org/drawingml/2006/main" xmlns:r="http://schemas.openxmlformats.org/officeDocument/2006/relationships" xmlns:p="http://schemas.openxmlformats.org/presentationml/2006/main">
-  <p:cSld>
-    <p:spTree>
-      <p:nvGrpSpPr>
-        <p:cNvPr id="1" name=""/>
-        <p:cNvGrpSpPr/>
-        <p:nvPr/>
-      </p:nvGrpSpPr>
-      <p:grpSpPr>
-        <a:xfrm>
-          <a:off x="0" y="0"/>
-          <a:ext cx="0" cy="0"/>
-          <a:chOff x="0" y="0"/>
-          <a:chExt cx="0" cy="0"/>
-        </a:xfrm>
-      </p:grpSpPr>
-      <p:sp>
-        <p:nvSpPr>
-          <p:cNvPr id="2" name="Title 1">
-            <a:extLst>
-              <a:ext uri="{FF2B5EF4-FFF2-40B4-BE49-F238E27FC236}">
-                <a16:creationId xmlns:a16="http://schemas.microsoft.com/office/drawing/2014/main" id="{DE04C1EC-3EDB-9E8F-837C-5C5ACDB195D8}"/>
-              </a:ext>
-            </a:extLst>
-          </p:cNvPr>
-          <p:cNvSpPr>
-            <a:spLocks noGrp="1"/>
-          </p:cNvSpPr>
-          <p:nvPr>
-            <p:ph type="title"/>
-          </p:nvPr>
-        </p:nvSpPr>
-        <p:spPr/>
-        <p:txBody>
-          <a:bodyPr/>
-          <a:lstStyle/>
-          <a:p>
-            <a:endParaRPr lang="en-US"/>
-          </a:p>
-        </p:txBody>
-      </p:sp>
-      <p:sp>
-        <p:nvSpPr>
-          <p:cNvPr id="3" name="Content Placeholder 2">
-            <a:extLst>
-              <a:ext uri="{FF2B5EF4-FFF2-40B4-BE49-F238E27FC236}">
-                <a16:creationId xmlns:a16="http://schemas.microsoft.com/office/drawing/2014/main" id="{15509778-4A84-BEDA-E5A1-4679D01280F6}"/>
-              </a:ext>
-            </a:extLst>
-          </p:cNvPr>
-          <p:cNvSpPr>
-            <a:spLocks noGrp="1"/>
-          </p:cNvSpPr>
-          <p:nvPr>
-            <p:ph idx="1"/>
-          </p:nvPr>
-        </p:nvSpPr>
-        <p:spPr/>
-        <p:txBody>
-          <a:bodyPr/>
-          <a:lstStyle/>
-          <a:p>
-            <a:endParaRPr lang="en-US"/>
-          </a:p>
-        </p:txBody>
-      </p:sp>
-      <p:pic>
-        <p:nvPicPr>
-          <p:cNvPr id="4" name="Picture 3" descr="A graph with a line and dots&#10;&#10;Description automatically generated">
-            <a:extLst>
-              <a:ext uri="{FF2B5EF4-FFF2-40B4-BE49-F238E27FC236}">
-                <a16:creationId xmlns:a16="http://schemas.microsoft.com/office/drawing/2014/main" id="{C85BC685-7127-87B2-0FE1-7421E3BE6049}"/>
-              </a:ext>
-            </a:extLst>
-          </p:cNvPr>
-          <p:cNvPicPr>
-            <a:picLocks noChangeAspect="1"/>
-          </p:cNvPicPr>
-          <p:nvPr/>
-        </p:nvPicPr>
-        <p:blipFill>
-          <a:blip r:embed="rId2">
-            <a:extLst>
-              <a:ext uri="{28A0092B-C50C-407E-A947-70E740481C1C}">
-                <a14:useLocalDpi xmlns:a14="http://schemas.microsoft.com/office/drawing/2010/main" val="0"/>
-              </a:ext>
-            </a:extLst>
-          </a:blip>
-          <a:stretch>
-            <a:fillRect/>
-          </a:stretch>
-        </p:blipFill>
-        <p:spPr>
-          <a:xfrm>
-            <a:off x="300981" y="87616"/>
-            <a:ext cx="8316486" cy="5658640"/>
-          </a:xfrm>
-          <a:prstGeom prst="rect">
-            <a:avLst/>
-          </a:prstGeom>
-        </p:spPr>
-      </p:pic>
-    </p:spTree>
-    <p:extLst>
-      <p:ext uri="{BB962C8B-B14F-4D97-AF65-F5344CB8AC3E}">
-        <p14:creationId xmlns:p14="http://schemas.microsoft.com/office/powerpoint/2010/main" val="1101351860"/>
-      </p:ext>
-    </p:extLst>
-  </p:cSld>
-  <p:clrMapOvr>
-    <a:masterClrMapping/>
-  </p:clrMapOvr>
-</p:sld>
-</file>
-
-<file path=ppt/slides/slide11.xml><?xml version="1.0" encoding="utf-8"?>
-<p:sld xmlns:a="http://schemas.openxmlformats.org/drawingml/2006/main" xmlns:r="http://schemas.openxmlformats.org/officeDocument/2006/relationships" xmlns:p="http://schemas.openxmlformats.org/presentationml/2006/main">
-  <p:cSld>
-    <p:spTree>
-      <p:nvGrpSpPr>
-        <p:cNvPr id="1" name=""/>
-        <p:cNvGrpSpPr/>
-        <p:nvPr/>
-      </p:nvGrpSpPr>
-      <p:grpSpPr>
-        <a:xfrm>
-          <a:off x="0" y="0"/>
-          <a:ext cx="0" cy="0"/>
-          <a:chOff x="0" y="0"/>
-          <a:chExt cx="0" cy="0"/>
-        </a:xfrm>
-      </p:grpSpPr>
-      <p:sp>
-        <p:nvSpPr>
-          <p:cNvPr id="2" name="Title 1">
-            <a:extLst>
-              <a:ext uri="{FF2B5EF4-FFF2-40B4-BE49-F238E27FC236}">
-                <a16:creationId xmlns:a16="http://schemas.microsoft.com/office/drawing/2014/main" id="{BA781410-7EA5-850C-2187-531EC075D04C}"/>
-              </a:ext>
-            </a:extLst>
-          </p:cNvPr>
-          <p:cNvSpPr>
-            <a:spLocks noGrp="1"/>
-          </p:cNvSpPr>
-          <p:nvPr>
-            <p:ph type="title"/>
-          </p:nvPr>
-        </p:nvSpPr>
-        <p:spPr/>
-        <p:txBody>
-          <a:bodyPr/>
-          <a:lstStyle/>
-          <a:p>
-            <a:endParaRPr lang="en-US"/>
-          </a:p>
-        </p:txBody>
-      </p:sp>
-      <p:pic>
-        <p:nvPicPr>
-          <p:cNvPr id="11" name="Content Placeholder 10" descr="A chart with text and numbers&#10;&#10;Description automatically generated">
-            <a:extLst>
-              <a:ext uri="{FF2B5EF4-FFF2-40B4-BE49-F238E27FC236}">
-                <a16:creationId xmlns:a16="http://schemas.microsoft.com/office/drawing/2014/main" id="{0F9B9D3A-C768-50CD-ABFB-A36F03099935}"/>
-              </a:ext>
-            </a:extLst>
-          </p:cNvPr>
-          <p:cNvPicPr>
-            <a:picLocks noGrp="1" noChangeAspect="1"/>
-          </p:cNvPicPr>
-          <p:nvPr>
-            <p:ph idx="1"/>
-          </p:nvPr>
-        </p:nvPicPr>
-        <p:blipFill>
-          <a:blip r:embed="rId2">
-            <a:extLst>
-              <a:ext uri="{28A0092B-C50C-407E-A947-70E740481C1C}">
-                <a14:useLocalDpi xmlns:a14="http://schemas.microsoft.com/office/drawing/2010/main" val="0"/>
-              </a:ext>
-            </a:extLst>
-          </a:blip>
-          <a:stretch>
-            <a:fillRect/>
-          </a:stretch>
-        </p:blipFill>
-        <p:spPr>
-          <a:xfrm>
-            <a:off x="294951" y="222060"/>
-            <a:ext cx="9505984" cy="6467989"/>
-          </a:xfrm>
-        </p:spPr>
-      </p:pic>
-    </p:spTree>
-    <p:extLst>
-      <p:ext uri="{BB962C8B-B14F-4D97-AF65-F5344CB8AC3E}">
-        <p14:creationId xmlns:p14="http://schemas.microsoft.com/office/powerpoint/2010/main" val="2354495484"/>
-      </p:ext>
-    </p:extLst>
-  </p:cSld>
-  <p:clrMapOvr>
-    <a:masterClrMapping/>
-  </p:clrMapOvr>
-</p:sld>
-</file>
-
-<file path=ppt/slides/slide12.xml><?xml version="1.0" encoding="utf-8"?>
-<p:sld xmlns:a="http://schemas.openxmlformats.org/drawingml/2006/main" xmlns:r="http://schemas.openxmlformats.org/officeDocument/2006/relationships" xmlns:p="http://schemas.openxmlformats.org/presentationml/2006/main">
-  <p:cSld>
-    <p:spTree>
-      <p:nvGrpSpPr>
-        <p:cNvPr id="1" name=""/>
-        <p:cNvGrpSpPr/>
-        <p:nvPr/>
-      </p:nvGrpSpPr>
-      <p:grpSpPr>
-        <a:xfrm>
-          <a:off x="0" y="0"/>
-          <a:ext cx="0" cy="0"/>
-          <a:chOff x="0" y="0"/>
-          <a:chExt cx="0" cy="0"/>
-        </a:xfrm>
-      </p:grpSpPr>
-      <p:sp>
-        <p:nvSpPr>
-          <p:cNvPr id="2" name="Title 1">
-            <a:extLst>
-              <a:ext uri="{FF2B5EF4-FFF2-40B4-BE49-F238E27FC236}">
-                <a16:creationId xmlns:a16="http://schemas.microsoft.com/office/drawing/2014/main" id="{3896878C-053E-531C-5E86-5976AF8E2F82}"/>
-              </a:ext>
-            </a:extLst>
-          </p:cNvPr>
-          <p:cNvSpPr>
-            <a:spLocks noGrp="1"/>
-          </p:cNvSpPr>
-          <p:nvPr>
-            <p:ph type="title"/>
-          </p:nvPr>
-        </p:nvSpPr>
-        <p:spPr/>
-        <p:txBody>
-          <a:bodyPr/>
-          <a:lstStyle/>
-          <a:p>
-            <a:endParaRPr lang="en-US"/>
-          </a:p>
-        </p:txBody>
-      </p:sp>
-      <p:pic>
-        <p:nvPicPr>
-          <p:cNvPr id="4" name="Picture 3" descr="A graph of a graph showing a line&#10;&#10;Description automatically generated">
-            <a:extLst>
-              <a:ext uri="{FF2B5EF4-FFF2-40B4-BE49-F238E27FC236}">
-                <a16:creationId xmlns:a16="http://schemas.microsoft.com/office/drawing/2014/main" id="{92763E31-E572-38DB-7355-57B92F4942AF}"/>
-              </a:ext>
-            </a:extLst>
-          </p:cNvPr>
-          <p:cNvPicPr>
-            <a:picLocks noChangeAspect="1"/>
-          </p:cNvPicPr>
-          <p:nvPr/>
-        </p:nvPicPr>
-        <p:blipFill>
-          <a:blip r:embed="rId2">
-            <a:extLst>
-              <a:ext uri="{28A0092B-C50C-407E-A947-70E740481C1C}">
-                <a14:useLocalDpi xmlns:a14="http://schemas.microsoft.com/office/drawing/2010/main" val="0"/>
-              </a:ext>
-            </a:extLst>
-          </a:blip>
-          <a:stretch>
-            <a:fillRect/>
-          </a:stretch>
-        </p:blipFill>
-        <p:spPr>
-          <a:xfrm>
-            <a:off x="182108" y="133336"/>
-            <a:ext cx="9746087" cy="6631358"/>
-          </a:xfrm>
-          <a:prstGeom prst="rect">
-            <a:avLst/>
-          </a:prstGeom>
-        </p:spPr>
-      </p:pic>
-    </p:spTree>
-    <p:extLst>
-      <p:ext uri="{BB962C8B-B14F-4D97-AF65-F5344CB8AC3E}">
-        <p14:creationId xmlns:p14="http://schemas.microsoft.com/office/powerpoint/2010/main" val="3569370174"/>
-      </p:ext>
-    </p:extLst>
-  </p:cSld>
-  <p:clrMapOvr>
-    <a:masterClrMapping/>
-  </p:clrMapOvr>
-</p:sld>
-</file>
-
 <file path=ppt/slides/slide2.xml><?xml version="1.0" encoding="utf-8"?>
 <p:sld xmlns:a="http://schemas.openxmlformats.org/drawingml/2006/main" xmlns:r="http://schemas.openxmlformats.org/officeDocument/2006/relationships" xmlns:p="http://schemas.openxmlformats.org/presentationml/2006/main">
   <p:cSld>
@@ -7707,7 +7406,7 @@
           <p:cNvPr id="2" name="Title 1">
             <a:extLst>
               <a:ext uri="{FF2B5EF4-FFF2-40B4-BE49-F238E27FC236}">
-                <a16:creationId xmlns:a16="http://schemas.microsoft.com/office/drawing/2014/main" id="{4302107A-3A46-5DAE-1592-ABFC4520F91F}"/>
+                <a16:creationId xmlns:a16="http://schemas.microsoft.com/office/drawing/2014/main" id="{8D0CBF5E-B549-19A4-B31F-39FD77059C8F}"/>
               </a:ext>
             </a:extLst>
           </p:cNvPr>
@@ -7729,10 +7428,10 @@
       </p:sp>
       <p:pic>
         <p:nvPicPr>
-          <p:cNvPr id="7" name="Content Placeholder 6" descr="A graph showing different colored lines&#10;&#10;Description automatically generated">
+          <p:cNvPr id="9" name="Content Placeholder 8" descr="A graph of different colored lines&#10;&#10;Description automatically generated">
             <a:extLst>
               <a:ext uri="{FF2B5EF4-FFF2-40B4-BE49-F238E27FC236}">
-                <a16:creationId xmlns:a16="http://schemas.microsoft.com/office/drawing/2014/main" id="{7170FF35-653D-0B0D-6727-5B51AFA295E3}"/>
+                <a16:creationId xmlns:a16="http://schemas.microsoft.com/office/drawing/2014/main" id="{6B945048-BC51-E122-3024-16D0BD141C07}"/>
               </a:ext>
             </a:extLst>
           </p:cNvPr>
@@ -7757,15 +7456,15 @@
         </p:blipFill>
         <p:spPr>
           <a:xfrm>
-            <a:off x="340538" y="238482"/>
-            <a:ext cx="10036963" cy="6143657"/>
+            <a:off x="89903" y="154235"/>
+            <a:ext cx="8991953" cy="6587855"/>
           </a:xfrm>
         </p:spPr>
       </p:pic>
     </p:spTree>
     <p:extLst>
       <p:ext uri="{BB962C8B-B14F-4D97-AF65-F5344CB8AC3E}">
-        <p14:creationId xmlns:p14="http://schemas.microsoft.com/office/powerpoint/2010/main" val="3633582858"/>
+        <p14:creationId xmlns:p14="http://schemas.microsoft.com/office/powerpoint/2010/main" val="3045049786"/>
       </p:ext>
     </p:extLst>
   </p:cSld>
@@ -7797,276 +7496,6 @@
           <p:cNvPr id="2" name="Title 1">
             <a:extLst>
               <a:ext uri="{FF2B5EF4-FFF2-40B4-BE49-F238E27FC236}">
-                <a16:creationId xmlns:a16="http://schemas.microsoft.com/office/drawing/2014/main" id="{29D96E52-8A24-3AF9-C46B-E9A3586B66D0}"/>
-              </a:ext>
-            </a:extLst>
-          </p:cNvPr>
-          <p:cNvSpPr>
-            <a:spLocks noGrp="1"/>
-          </p:cNvSpPr>
-          <p:nvPr>
-            <p:ph type="title"/>
-          </p:nvPr>
-        </p:nvSpPr>
-        <p:spPr/>
-        <p:txBody>
-          <a:bodyPr/>
-          <a:lstStyle/>
-          <a:p>
-            <a:endParaRPr lang="en-US"/>
-          </a:p>
-        </p:txBody>
-      </p:sp>
-      <p:pic>
-        <p:nvPicPr>
-          <p:cNvPr id="7" name="Content Placeholder 6" descr="A graph of different colored lines&#10;&#10;Description automatically generated">
-            <a:extLst>
-              <a:ext uri="{FF2B5EF4-FFF2-40B4-BE49-F238E27FC236}">
-                <a16:creationId xmlns:a16="http://schemas.microsoft.com/office/drawing/2014/main" id="{0DC48CD6-1C07-2AB0-57D4-566CA2ABCB19}"/>
-              </a:ext>
-            </a:extLst>
-          </p:cNvPr>
-          <p:cNvPicPr>
-            <a:picLocks noGrp="1" noChangeAspect="1"/>
-          </p:cNvPicPr>
-          <p:nvPr>
-            <p:ph idx="1"/>
-          </p:nvPr>
-        </p:nvPicPr>
-        <p:blipFill>
-          <a:blip r:embed="rId2">
-            <a:extLst>
-              <a:ext uri="{28A0092B-C50C-407E-A947-70E740481C1C}">
-                <a14:useLocalDpi xmlns:a14="http://schemas.microsoft.com/office/drawing/2010/main" val="0"/>
-              </a:ext>
-            </a:extLst>
-          </a:blip>
-          <a:stretch>
-            <a:fillRect/>
-          </a:stretch>
-        </p:blipFill>
-        <p:spPr>
-          <a:xfrm>
-            <a:off x="269950" y="78669"/>
-            <a:ext cx="10714448" cy="6555595"/>
-          </a:xfrm>
-        </p:spPr>
-      </p:pic>
-    </p:spTree>
-    <p:extLst>
-      <p:ext uri="{BB962C8B-B14F-4D97-AF65-F5344CB8AC3E}">
-        <p14:creationId xmlns:p14="http://schemas.microsoft.com/office/powerpoint/2010/main" val="2159866637"/>
-      </p:ext>
-    </p:extLst>
-  </p:cSld>
-  <p:clrMapOvr>
-    <a:masterClrMapping/>
-  </p:clrMapOvr>
-</p:sld>
-</file>
-
-<file path=ppt/slides/slide5.xml><?xml version="1.0" encoding="utf-8"?>
-<p:sld xmlns:a="http://schemas.openxmlformats.org/drawingml/2006/main" xmlns:r="http://schemas.openxmlformats.org/officeDocument/2006/relationships" xmlns:p="http://schemas.openxmlformats.org/presentationml/2006/main">
-  <p:cSld>
-    <p:spTree>
-      <p:nvGrpSpPr>
-        <p:cNvPr id="1" name=""/>
-        <p:cNvGrpSpPr/>
-        <p:nvPr/>
-      </p:nvGrpSpPr>
-      <p:grpSpPr>
-        <a:xfrm>
-          <a:off x="0" y="0"/>
-          <a:ext cx="0" cy="0"/>
-          <a:chOff x="0" y="0"/>
-          <a:chExt cx="0" cy="0"/>
-        </a:xfrm>
-      </p:grpSpPr>
-      <p:sp>
-        <p:nvSpPr>
-          <p:cNvPr id="2" name="Title 1">
-            <a:extLst>
-              <a:ext uri="{FF2B5EF4-FFF2-40B4-BE49-F238E27FC236}">
-                <a16:creationId xmlns:a16="http://schemas.microsoft.com/office/drawing/2014/main" id="{6CF6CB8D-7EE5-E221-1DF5-31BE0D56F9A1}"/>
-              </a:ext>
-            </a:extLst>
-          </p:cNvPr>
-          <p:cNvSpPr>
-            <a:spLocks noGrp="1"/>
-          </p:cNvSpPr>
-          <p:nvPr>
-            <p:ph type="title"/>
-          </p:nvPr>
-        </p:nvSpPr>
-        <p:spPr/>
-        <p:txBody>
-          <a:bodyPr/>
-          <a:lstStyle/>
-          <a:p>
-            <a:endParaRPr lang="en-US"/>
-          </a:p>
-        </p:txBody>
-      </p:sp>
-      <p:pic>
-        <p:nvPicPr>
-          <p:cNvPr id="5" name="Content Placeholder 4" descr="A graph of different colored lines&#10;&#10;Description automatically generated">
-            <a:extLst>
-              <a:ext uri="{FF2B5EF4-FFF2-40B4-BE49-F238E27FC236}">
-                <a16:creationId xmlns:a16="http://schemas.microsoft.com/office/drawing/2014/main" id="{C2752F19-5C9E-2563-6C64-8EB7735F3D81}"/>
-              </a:ext>
-            </a:extLst>
-          </p:cNvPr>
-          <p:cNvPicPr>
-            <a:picLocks noGrp="1" noChangeAspect="1"/>
-          </p:cNvPicPr>
-          <p:nvPr>
-            <p:ph idx="1"/>
-          </p:nvPr>
-        </p:nvPicPr>
-        <p:blipFill>
-          <a:blip r:embed="rId2">
-            <a:extLst>
-              <a:ext uri="{28A0092B-C50C-407E-A947-70E740481C1C}">
-                <a14:useLocalDpi xmlns:a14="http://schemas.microsoft.com/office/drawing/2010/main" val="0"/>
-              </a:ext>
-            </a:extLst>
-          </a:blip>
-          <a:stretch>
-            <a:fillRect/>
-          </a:stretch>
-        </p:blipFill>
-        <p:spPr>
-          <a:xfrm>
-            <a:off x="397268" y="609600"/>
-            <a:ext cx="9670291" cy="5919216"/>
-          </a:xfrm>
-        </p:spPr>
-      </p:pic>
-    </p:spTree>
-    <p:extLst>
-      <p:ext uri="{BB962C8B-B14F-4D97-AF65-F5344CB8AC3E}">
-        <p14:creationId xmlns:p14="http://schemas.microsoft.com/office/powerpoint/2010/main" val="1692230384"/>
-      </p:ext>
-    </p:extLst>
-  </p:cSld>
-  <p:clrMapOvr>
-    <a:masterClrMapping/>
-  </p:clrMapOvr>
-</p:sld>
-</file>
-
-<file path=ppt/slides/slide6.xml><?xml version="1.0" encoding="utf-8"?>
-<p:sld xmlns:a="http://schemas.openxmlformats.org/drawingml/2006/main" xmlns:r="http://schemas.openxmlformats.org/officeDocument/2006/relationships" xmlns:p="http://schemas.openxmlformats.org/presentationml/2006/main">
-  <p:cSld>
-    <p:spTree>
-      <p:nvGrpSpPr>
-        <p:cNvPr id="1" name=""/>
-        <p:cNvGrpSpPr/>
-        <p:nvPr/>
-      </p:nvGrpSpPr>
-      <p:grpSpPr>
-        <a:xfrm>
-          <a:off x="0" y="0"/>
-          <a:ext cx="0" cy="0"/>
-          <a:chOff x="0" y="0"/>
-          <a:chExt cx="0" cy="0"/>
-        </a:xfrm>
-      </p:grpSpPr>
-      <p:sp>
-        <p:nvSpPr>
-          <p:cNvPr id="2" name="Title 1">
-            <a:extLst>
-              <a:ext uri="{FF2B5EF4-FFF2-40B4-BE49-F238E27FC236}">
-                <a16:creationId xmlns:a16="http://schemas.microsoft.com/office/drawing/2014/main" id="{22E1B499-142B-98B8-FE4F-43A8004A88B8}"/>
-              </a:ext>
-            </a:extLst>
-          </p:cNvPr>
-          <p:cNvSpPr>
-            <a:spLocks noGrp="1"/>
-          </p:cNvSpPr>
-          <p:nvPr>
-            <p:ph type="title"/>
-          </p:nvPr>
-        </p:nvSpPr>
-        <p:spPr/>
-        <p:txBody>
-          <a:bodyPr/>
-          <a:lstStyle/>
-          <a:p>
-            <a:endParaRPr lang="en-US"/>
-          </a:p>
-        </p:txBody>
-      </p:sp>
-      <p:pic>
-        <p:nvPicPr>
-          <p:cNvPr id="10" name="Content Placeholder 9" descr="A graph of different colored lines&#10;&#10;Description automatically generated">
-            <a:extLst>
-              <a:ext uri="{FF2B5EF4-FFF2-40B4-BE49-F238E27FC236}">
-                <a16:creationId xmlns:a16="http://schemas.microsoft.com/office/drawing/2014/main" id="{E7046B8C-D7F2-691D-ACCC-5D762452374F}"/>
-              </a:ext>
-            </a:extLst>
-          </p:cNvPr>
-          <p:cNvPicPr>
-            <a:picLocks noGrp="1" noChangeAspect="1"/>
-          </p:cNvPicPr>
-          <p:nvPr>
-            <p:ph idx="1"/>
-          </p:nvPr>
-        </p:nvPicPr>
-        <p:blipFill>
-          <a:blip r:embed="rId2">
-            <a:extLst>
-              <a:ext uri="{28A0092B-C50C-407E-A947-70E740481C1C}">
-                <a14:useLocalDpi xmlns:a14="http://schemas.microsoft.com/office/drawing/2010/main" val="0"/>
-              </a:ext>
-            </a:extLst>
-          </a:blip>
-          <a:stretch>
-            <a:fillRect/>
-          </a:stretch>
-        </p:blipFill>
-        <p:spPr>
-          <a:xfrm>
-            <a:off x="360692" y="441516"/>
-            <a:ext cx="10109217" cy="6187884"/>
-          </a:xfrm>
-        </p:spPr>
-      </p:pic>
-    </p:spTree>
-    <p:extLst>
-      <p:ext uri="{BB962C8B-B14F-4D97-AF65-F5344CB8AC3E}">
-        <p14:creationId xmlns:p14="http://schemas.microsoft.com/office/powerpoint/2010/main" val="3591010953"/>
-      </p:ext>
-    </p:extLst>
-  </p:cSld>
-  <p:clrMapOvr>
-    <a:masterClrMapping/>
-  </p:clrMapOvr>
-</p:sld>
-</file>
-
-<file path=ppt/slides/slide7.xml><?xml version="1.0" encoding="utf-8"?>
-<p:sld xmlns:a="http://schemas.openxmlformats.org/drawingml/2006/main" xmlns:r="http://schemas.openxmlformats.org/officeDocument/2006/relationships" xmlns:p="http://schemas.openxmlformats.org/presentationml/2006/main">
-  <p:cSld>
-    <p:spTree>
-      <p:nvGrpSpPr>
-        <p:cNvPr id="1" name=""/>
-        <p:cNvGrpSpPr/>
-        <p:nvPr/>
-      </p:nvGrpSpPr>
-      <p:grpSpPr>
-        <a:xfrm>
-          <a:off x="0" y="0"/>
-          <a:ext cx="0" cy="0"/>
-          <a:chOff x="0" y="0"/>
-          <a:chExt cx="0" cy="0"/>
-        </a:xfrm>
-      </p:grpSpPr>
-      <p:sp>
-        <p:nvSpPr>
-          <p:cNvPr id="2" name="Title 1">
-            <a:extLst>
-              <a:ext uri="{FF2B5EF4-FFF2-40B4-BE49-F238E27FC236}">
                 <a16:creationId xmlns:a16="http://schemas.microsoft.com/office/drawing/2014/main" id="{8BB3DD29-ABE6-8A5B-E160-F583233DE005}"/>
               </a:ext>
             </a:extLst>
@@ -8170,123 +7599,7 @@
 </p:sld>
 </file>
 
-<file path=ppt/slides/slide8.xml><?xml version="1.0" encoding="utf-8"?>
-<p:sld xmlns:a="http://schemas.openxmlformats.org/drawingml/2006/main" xmlns:r="http://schemas.openxmlformats.org/officeDocument/2006/relationships" xmlns:p="http://schemas.openxmlformats.org/presentationml/2006/main">
-  <p:cSld>
-    <p:spTree>
-      <p:nvGrpSpPr>
-        <p:cNvPr id="1" name=""/>
-        <p:cNvGrpSpPr/>
-        <p:nvPr/>
-      </p:nvGrpSpPr>
-      <p:grpSpPr>
-        <a:xfrm>
-          <a:off x="0" y="0"/>
-          <a:ext cx="0" cy="0"/>
-          <a:chOff x="0" y="0"/>
-          <a:chExt cx="0" cy="0"/>
-        </a:xfrm>
-      </p:grpSpPr>
-      <p:sp>
-        <p:nvSpPr>
-          <p:cNvPr id="2" name="Title 1">
-            <a:extLst>
-              <a:ext uri="{FF2B5EF4-FFF2-40B4-BE49-F238E27FC236}">
-                <a16:creationId xmlns:a16="http://schemas.microsoft.com/office/drawing/2014/main" id="{0AD2B499-B286-64E7-20F9-9E43648984DB}"/>
-              </a:ext>
-            </a:extLst>
-          </p:cNvPr>
-          <p:cNvSpPr>
-            <a:spLocks noGrp="1"/>
-          </p:cNvSpPr>
-          <p:nvPr>
-            <p:ph type="title"/>
-          </p:nvPr>
-        </p:nvSpPr>
-        <p:spPr/>
-        <p:txBody>
-          <a:bodyPr/>
-          <a:lstStyle/>
-          <a:p>
-            <a:endParaRPr lang="en-US"/>
-          </a:p>
-        </p:txBody>
-      </p:sp>
-      <p:sp>
-        <p:nvSpPr>
-          <p:cNvPr id="3" name="Content Placeholder 2">
-            <a:extLst>
-              <a:ext uri="{FF2B5EF4-FFF2-40B4-BE49-F238E27FC236}">
-                <a16:creationId xmlns:a16="http://schemas.microsoft.com/office/drawing/2014/main" id="{8211BC14-5B15-8A43-F78D-9A0D2AEB0750}"/>
-              </a:ext>
-            </a:extLst>
-          </p:cNvPr>
-          <p:cNvSpPr>
-            <a:spLocks noGrp="1"/>
-          </p:cNvSpPr>
-          <p:nvPr>
-            <p:ph idx="1"/>
-          </p:nvPr>
-        </p:nvSpPr>
-        <p:spPr/>
-        <p:txBody>
-          <a:bodyPr/>
-          <a:lstStyle/>
-          <a:p>
-            <a:endParaRPr lang="en-US"/>
-          </a:p>
-        </p:txBody>
-      </p:sp>
-      <p:pic>
-        <p:nvPicPr>
-          <p:cNvPr id="4" name="Picture 3" descr="A graph showing different colored lines&#10;&#10;Description automatically generated">
-            <a:extLst>
-              <a:ext uri="{FF2B5EF4-FFF2-40B4-BE49-F238E27FC236}">
-                <a16:creationId xmlns:a16="http://schemas.microsoft.com/office/drawing/2014/main" id="{BD47BA79-A7FA-CC7D-2C21-93B130DACA70}"/>
-              </a:ext>
-            </a:extLst>
-          </p:cNvPr>
-          <p:cNvPicPr>
-            <a:picLocks noChangeAspect="1"/>
-          </p:cNvPicPr>
-          <p:nvPr/>
-        </p:nvPicPr>
-        <p:blipFill>
-          <a:blip r:embed="rId2">
-            <a:extLst>
-              <a:ext uri="{28A0092B-C50C-407E-A947-70E740481C1C}">
-                <a14:useLocalDpi xmlns:a14="http://schemas.microsoft.com/office/drawing/2010/main" val="0"/>
-              </a:ext>
-            </a:extLst>
-          </a:blip>
-          <a:stretch>
-            <a:fillRect/>
-          </a:stretch>
-        </p:blipFill>
-        <p:spPr>
-          <a:xfrm>
-            <a:off x="393870" y="490127"/>
-            <a:ext cx="9602540" cy="5877745"/>
-          </a:xfrm>
-          <a:prstGeom prst="rect">
-            <a:avLst/>
-          </a:prstGeom>
-        </p:spPr>
-      </p:pic>
-    </p:spTree>
-    <p:extLst>
-      <p:ext uri="{BB962C8B-B14F-4D97-AF65-F5344CB8AC3E}">
-        <p14:creationId xmlns:p14="http://schemas.microsoft.com/office/powerpoint/2010/main" val="3939932716"/>
-      </p:ext>
-    </p:extLst>
-  </p:cSld>
-  <p:clrMapOvr>
-    <a:masterClrMapping/>
-  </p:clrMapOvr>
-</p:sld>
-</file>
-
-<file path=ppt/slides/slide9.xml><?xml version="1.0" encoding="utf-8"?>
+<file path=ppt/slides/slide5.xml><?xml version="1.0" encoding="utf-8"?>
 <p:sld xmlns:a="http://schemas.openxmlformats.org/drawingml/2006/main" xmlns:r="http://schemas.openxmlformats.org/officeDocument/2006/relationships" xmlns:p="http://schemas.openxmlformats.org/presentationml/2006/main">
   <p:cSld>
     <p:spTree>
@@ -8342,6 +7655,303 @@
     <p:extLst>
       <p:ext uri="{BB962C8B-B14F-4D97-AF65-F5344CB8AC3E}">
         <p14:creationId xmlns:p14="http://schemas.microsoft.com/office/powerpoint/2010/main" val="3440815627"/>
+      </p:ext>
+    </p:extLst>
+  </p:cSld>
+  <p:clrMapOvr>
+    <a:masterClrMapping/>
+  </p:clrMapOvr>
+</p:sld>
+</file>
+
+<file path=ppt/slides/slide6.xml><?xml version="1.0" encoding="utf-8"?>
+<p:sld xmlns:a="http://schemas.openxmlformats.org/drawingml/2006/main" xmlns:r="http://schemas.openxmlformats.org/officeDocument/2006/relationships" xmlns:p="http://schemas.openxmlformats.org/presentationml/2006/main">
+  <p:cSld>
+    <p:spTree>
+      <p:nvGrpSpPr>
+        <p:cNvPr id="1" name=""/>
+        <p:cNvGrpSpPr/>
+        <p:nvPr/>
+      </p:nvGrpSpPr>
+      <p:grpSpPr>
+        <a:xfrm>
+          <a:off x="0" y="0"/>
+          <a:ext cx="0" cy="0"/>
+          <a:chOff x="0" y="0"/>
+          <a:chExt cx="0" cy="0"/>
+        </a:xfrm>
+      </p:grpSpPr>
+      <p:sp>
+        <p:nvSpPr>
+          <p:cNvPr id="2" name="Title 1">
+            <a:extLst>
+              <a:ext uri="{FF2B5EF4-FFF2-40B4-BE49-F238E27FC236}">
+                <a16:creationId xmlns:a16="http://schemas.microsoft.com/office/drawing/2014/main" id="{DE04C1EC-3EDB-9E8F-837C-5C5ACDB195D8}"/>
+              </a:ext>
+            </a:extLst>
+          </p:cNvPr>
+          <p:cNvSpPr>
+            <a:spLocks noGrp="1"/>
+          </p:cNvSpPr>
+          <p:nvPr>
+            <p:ph type="title"/>
+          </p:nvPr>
+        </p:nvSpPr>
+        <p:spPr/>
+        <p:txBody>
+          <a:bodyPr/>
+          <a:lstStyle/>
+          <a:p>
+            <a:endParaRPr lang="en-US"/>
+          </a:p>
+        </p:txBody>
+      </p:sp>
+      <p:sp>
+        <p:nvSpPr>
+          <p:cNvPr id="3" name="Content Placeholder 2">
+            <a:extLst>
+              <a:ext uri="{FF2B5EF4-FFF2-40B4-BE49-F238E27FC236}">
+                <a16:creationId xmlns:a16="http://schemas.microsoft.com/office/drawing/2014/main" id="{15509778-4A84-BEDA-E5A1-4679D01280F6}"/>
+              </a:ext>
+            </a:extLst>
+          </p:cNvPr>
+          <p:cNvSpPr>
+            <a:spLocks noGrp="1"/>
+          </p:cNvSpPr>
+          <p:nvPr>
+            <p:ph idx="1"/>
+          </p:nvPr>
+        </p:nvSpPr>
+        <p:spPr/>
+        <p:txBody>
+          <a:bodyPr/>
+          <a:lstStyle/>
+          <a:p>
+            <a:endParaRPr lang="en-US"/>
+          </a:p>
+        </p:txBody>
+      </p:sp>
+      <p:pic>
+        <p:nvPicPr>
+          <p:cNvPr id="4" name="Picture 3" descr="A graph with a line and dots&#10;&#10;Description automatically generated">
+            <a:extLst>
+              <a:ext uri="{FF2B5EF4-FFF2-40B4-BE49-F238E27FC236}">
+                <a16:creationId xmlns:a16="http://schemas.microsoft.com/office/drawing/2014/main" id="{C85BC685-7127-87B2-0FE1-7421E3BE6049}"/>
+              </a:ext>
+            </a:extLst>
+          </p:cNvPr>
+          <p:cNvPicPr>
+            <a:picLocks noChangeAspect="1"/>
+          </p:cNvPicPr>
+          <p:nvPr/>
+        </p:nvPicPr>
+        <p:blipFill>
+          <a:blip r:embed="rId2">
+            <a:extLst>
+              <a:ext uri="{28A0092B-C50C-407E-A947-70E740481C1C}">
+                <a14:useLocalDpi xmlns:a14="http://schemas.microsoft.com/office/drawing/2010/main" val="0"/>
+              </a:ext>
+            </a:extLst>
+          </a:blip>
+          <a:stretch>
+            <a:fillRect/>
+          </a:stretch>
+        </p:blipFill>
+        <p:spPr>
+          <a:xfrm>
+            <a:off x="300981" y="87616"/>
+            <a:ext cx="8316486" cy="5658640"/>
+          </a:xfrm>
+          <a:prstGeom prst="rect">
+            <a:avLst/>
+          </a:prstGeom>
+        </p:spPr>
+      </p:pic>
+    </p:spTree>
+    <p:extLst>
+      <p:ext uri="{BB962C8B-B14F-4D97-AF65-F5344CB8AC3E}">
+        <p14:creationId xmlns:p14="http://schemas.microsoft.com/office/powerpoint/2010/main" val="1101351860"/>
+      </p:ext>
+    </p:extLst>
+  </p:cSld>
+  <p:clrMapOvr>
+    <a:masterClrMapping/>
+  </p:clrMapOvr>
+</p:sld>
+</file>
+
+<file path=ppt/slides/slide7.xml><?xml version="1.0" encoding="utf-8"?>
+<p:sld xmlns:a="http://schemas.openxmlformats.org/drawingml/2006/main" xmlns:r="http://schemas.openxmlformats.org/officeDocument/2006/relationships" xmlns:p="http://schemas.openxmlformats.org/presentationml/2006/main">
+  <p:cSld>
+    <p:spTree>
+      <p:nvGrpSpPr>
+        <p:cNvPr id="1" name=""/>
+        <p:cNvGrpSpPr/>
+        <p:nvPr/>
+      </p:nvGrpSpPr>
+      <p:grpSpPr>
+        <a:xfrm>
+          <a:off x="0" y="0"/>
+          <a:ext cx="0" cy="0"/>
+          <a:chOff x="0" y="0"/>
+          <a:chExt cx="0" cy="0"/>
+        </a:xfrm>
+      </p:grpSpPr>
+      <p:sp>
+        <p:nvSpPr>
+          <p:cNvPr id="2" name="Title 1">
+            <a:extLst>
+              <a:ext uri="{FF2B5EF4-FFF2-40B4-BE49-F238E27FC236}">
+                <a16:creationId xmlns:a16="http://schemas.microsoft.com/office/drawing/2014/main" id="{BA781410-7EA5-850C-2187-531EC075D04C}"/>
+              </a:ext>
+            </a:extLst>
+          </p:cNvPr>
+          <p:cNvSpPr>
+            <a:spLocks noGrp="1"/>
+          </p:cNvSpPr>
+          <p:nvPr>
+            <p:ph type="title"/>
+          </p:nvPr>
+        </p:nvSpPr>
+        <p:spPr/>
+        <p:txBody>
+          <a:bodyPr/>
+          <a:lstStyle/>
+          <a:p>
+            <a:endParaRPr lang="en-US"/>
+          </a:p>
+        </p:txBody>
+      </p:sp>
+      <p:pic>
+        <p:nvPicPr>
+          <p:cNvPr id="11" name="Content Placeholder 10" descr="A chart with text and numbers&#10;&#10;Description automatically generated">
+            <a:extLst>
+              <a:ext uri="{FF2B5EF4-FFF2-40B4-BE49-F238E27FC236}">
+                <a16:creationId xmlns:a16="http://schemas.microsoft.com/office/drawing/2014/main" id="{0F9B9D3A-C768-50CD-ABFB-A36F03099935}"/>
+              </a:ext>
+            </a:extLst>
+          </p:cNvPr>
+          <p:cNvPicPr>
+            <a:picLocks noGrp="1" noChangeAspect="1"/>
+          </p:cNvPicPr>
+          <p:nvPr>
+            <p:ph idx="1"/>
+          </p:nvPr>
+        </p:nvPicPr>
+        <p:blipFill>
+          <a:blip r:embed="rId2">
+            <a:extLst>
+              <a:ext uri="{28A0092B-C50C-407E-A947-70E740481C1C}">
+                <a14:useLocalDpi xmlns:a14="http://schemas.microsoft.com/office/drawing/2010/main" val="0"/>
+              </a:ext>
+            </a:extLst>
+          </a:blip>
+          <a:stretch>
+            <a:fillRect/>
+          </a:stretch>
+        </p:blipFill>
+        <p:spPr>
+          <a:xfrm>
+            <a:off x="294951" y="222060"/>
+            <a:ext cx="9505984" cy="6467989"/>
+          </a:xfrm>
+        </p:spPr>
+      </p:pic>
+    </p:spTree>
+    <p:extLst>
+      <p:ext uri="{BB962C8B-B14F-4D97-AF65-F5344CB8AC3E}">
+        <p14:creationId xmlns:p14="http://schemas.microsoft.com/office/powerpoint/2010/main" val="2354495484"/>
+      </p:ext>
+    </p:extLst>
+  </p:cSld>
+  <p:clrMapOvr>
+    <a:masterClrMapping/>
+  </p:clrMapOvr>
+</p:sld>
+</file>
+
+<file path=ppt/slides/slide8.xml><?xml version="1.0" encoding="utf-8"?>
+<p:sld xmlns:a="http://schemas.openxmlformats.org/drawingml/2006/main" xmlns:r="http://schemas.openxmlformats.org/officeDocument/2006/relationships" xmlns:p="http://schemas.openxmlformats.org/presentationml/2006/main">
+  <p:cSld>
+    <p:spTree>
+      <p:nvGrpSpPr>
+        <p:cNvPr id="1" name=""/>
+        <p:cNvGrpSpPr/>
+        <p:nvPr/>
+      </p:nvGrpSpPr>
+      <p:grpSpPr>
+        <a:xfrm>
+          <a:off x="0" y="0"/>
+          <a:ext cx="0" cy="0"/>
+          <a:chOff x="0" y="0"/>
+          <a:chExt cx="0" cy="0"/>
+        </a:xfrm>
+      </p:grpSpPr>
+      <p:sp>
+        <p:nvSpPr>
+          <p:cNvPr id="2" name="Title 1">
+            <a:extLst>
+              <a:ext uri="{FF2B5EF4-FFF2-40B4-BE49-F238E27FC236}">
+                <a16:creationId xmlns:a16="http://schemas.microsoft.com/office/drawing/2014/main" id="{3896878C-053E-531C-5E86-5976AF8E2F82}"/>
+              </a:ext>
+            </a:extLst>
+          </p:cNvPr>
+          <p:cNvSpPr>
+            <a:spLocks noGrp="1"/>
+          </p:cNvSpPr>
+          <p:nvPr>
+            <p:ph type="title"/>
+          </p:nvPr>
+        </p:nvSpPr>
+        <p:spPr/>
+        <p:txBody>
+          <a:bodyPr/>
+          <a:lstStyle/>
+          <a:p>
+            <a:endParaRPr lang="en-US"/>
+          </a:p>
+        </p:txBody>
+      </p:sp>
+      <p:pic>
+        <p:nvPicPr>
+          <p:cNvPr id="4" name="Picture 3" descr="A graph of a graph showing a line&#10;&#10;Description automatically generated">
+            <a:extLst>
+              <a:ext uri="{FF2B5EF4-FFF2-40B4-BE49-F238E27FC236}">
+                <a16:creationId xmlns:a16="http://schemas.microsoft.com/office/drawing/2014/main" id="{92763E31-E572-38DB-7355-57B92F4942AF}"/>
+              </a:ext>
+            </a:extLst>
+          </p:cNvPr>
+          <p:cNvPicPr>
+            <a:picLocks noChangeAspect="1"/>
+          </p:cNvPicPr>
+          <p:nvPr/>
+        </p:nvPicPr>
+        <p:blipFill>
+          <a:blip r:embed="rId2">
+            <a:extLst>
+              <a:ext uri="{28A0092B-C50C-407E-A947-70E740481C1C}">
+                <a14:useLocalDpi xmlns:a14="http://schemas.microsoft.com/office/drawing/2010/main" val="0"/>
+              </a:ext>
+            </a:extLst>
+          </a:blip>
+          <a:stretch>
+            <a:fillRect/>
+          </a:stretch>
+        </p:blipFill>
+        <p:spPr>
+          <a:xfrm>
+            <a:off x="182108" y="133336"/>
+            <a:ext cx="9746087" cy="6631358"/>
+          </a:xfrm>
+          <a:prstGeom prst="rect">
+            <a:avLst/>
+          </a:prstGeom>
+        </p:spPr>
+      </p:pic>
+    </p:spTree>
+    <p:extLst>
+      <p:ext uri="{BB962C8B-B14F-4D97-AF65-F5344CB8AC3E}">
+        <p14:creationId xmlns:p14="http://schemas.microsoft.com/office/powerpoint/2010/main" val="3569370174"/>
       </p:ext>
     </p:extLst>
   </p:cSld>

--- a/GSRExploratory.pptx
+++ b/GSRExploratory.pptx
@@ -7428,10 +7428,10 @@
       </p:sp>
       <p:pic>
         <p:nvPicPr>
-          <p:cNvPr id="9" name="Content Placeholder 8" descr="A graph of different colored lines&#10;&#10;Description automatically generated">
+          <p:cNvPr id="6" name="Content Placeholder 5" descr="A graph of different colored lines&#10;&#10;Description automatically generated">
             <a:extLst>
               <a:ext uri="{FF2B5EF4-FFF2-40B4-BE49-F238E27FC236}">
-                <a16:creationId xmlns:a16="http://schemas.microsoft.com/office/drawing/2014/main" id="{6B945048-BC51-E122-3024-16D0BD141C07}"/>
+                <a16:creationId xmlns:a16="http://schemas.microsoft.com/office/drawing/2014/main" id="{1B2E858C-1E05-32EF-4B1F-84AF79D634AC}"/>
               </a:ext>
             </a:extLst>
           </p:cNvPr>
@@ -7456,8 +7456,8 @@
         </p:blipFill>
         <p:spPr>
           <a:xfrm>
-            <a:off x="89903" y="154235"/>
-            <a:ext cx="8991953" cy="6587855"/>
+            <a:off x="382866" y="287400"/>
+            <a:ext cx="8477646" cy="6211054"/>
           </a:xfrm>
         </p:spPr>
       </p:pic>

--- a/GSRExploratory.pptx
+++ b/GSRExploratory.pptx
@@ -9,10 +9,11 @@
     <p:sldId id="259" r:id="rId3"/>
     <p:sldId id="279" r:id="rId4"/>
     <p:sldId id="278" r:id="rId5"/>
-    <p:sldId id="265" r:id="rId6"/>
-    <p:sldId id="273" r:id="rId7"/>
-    <p:sldId id="271" r:id="rId8"/>
-    <p:sldId id="260" r:id="rId9"/>
+    <p:sldId id="280" r:id="rId6"/>
+    <p:sldId id="265" r:id="rId7"/>
+    <p:sldId id="273" r:id="rId8"/>
+    <p:sldId id="271" r:id="rId9"/>
+    <p:sldId id="260" r:id="rId10"/>
   </p:sldIdLst>
   <p:sldSz cx="12192000" cy="6858000"/>
   <p:notesSz cx="6858000" cy="9144000"/>
@@ -126,1395 +127,6 @@
     <p1510:client id="{C6727DD8-56ED-44ED-A31E-F6094BE8C3E3}" v="59" dt="2023-08-02T18:51:05.376"/>
   </p1510:revLst>
 </p1510:revInfo>
-</file>
-
-<file path=ppt/changesInfos/changesInfo1.xml><?xml version="1.0" encoding="utf-8"?>
-<pc:chgInfo xmlns:a="http://schemas.openxmlformats.org/drawingml/2006/main" xmlns:r="http://schemas.openxmlformats.org/officeDocument/2006/relationships" xmlns:ac="http://schemas.microsoft.com/office/drawing/2013/main/command" xmlns:pc="http://schemas.microsoft.com/office/powerpoint/2013/main/command">
-  <pc:docChgLst>
-    <pc:chgData name="Huang, Lucy Yaoyuan" userId="S::u251639@bcm.edu::8d578496-9457-459c-a11f-92df8b250202" providerId="AD" clId="Web-{AF2C5F12-4717-BC24-9526-1BD85B43B8D8}"/>
-    <pc:docChg chg="modSld">
-      <pc:chgData name="Huang, Lucy Yaoyuan" userId="S::u251639@bcm.edu::8d578496-9457-459c-a11f-92df8b250202" providerId="AD" clId="Web-{AF2C5F12-4717-BC24-9526-1BD85B43B8D8}" dt="2023-07-21T01:13:10.269" v="1" actId="20577"/>
-      <pc:docMkLst>
-        <pc:docMk/>
-      </pc:docMkLst>
-      <pc:sldChg chg="delSp">
-        <pc:chgData name="Huang, Lucy Yaoyuan" userId="S::u251639@bcm.edu::8d578496-9457-459c-a11f-92df8b250202" providerId="AD" clId="Web-{AF2C5F12-4717-BC24-9526-1BD85B43B8D8}" dt="2023-07-21T01:11:17.219" v="0"/>
-        <pc:sldMkLst>
-          <pc:docMk/>
-          <pc:sldMk cId="3569370174" sldId="260"/>
-        </pc:sldMkLst>
-        <pc:spChg chg="del">
-          <ac:chgData name="Huang, Lucy Yaoyuan" userId="S::u251639@bcm.edu::8d578496-9457-459c-a11f-92df8b250202" providerId="AD" clId="Web-{AF2C5F12-4717-BC24-9526-1BD85B43B8D8}" dt="2023-07-21T01:11:17.219" v="0"/>
-          <ac:spMkLst>
-            <pc:docMk/>
-            <pc:sldMk cId="3569370174" sldId="260"/>
-            <ac:spMk id="3" creationId="{DF3FAA24-5F7B-EFF7-903F-394870F19223}"/>
-          </ac:spMkLst>
-        </pc:spChg>
-      </pc:sldChg>
-      <pc:sldChg chg="modSp">
-        <pc:chgData name="Huang, Lucy Yaoyuan" userId="S::u251639@bcm.edu::8d578496-9457-459c-a11f-92df8b250202" providerId="AD" clId="Web-{AF2C5F12-4717-BC24-9526-1BD85B43B8D8}" dt="2023-07-21T01:13:10.269" v="1" actId="20577"/>
-        <pc:sldMkLst>
-          <pc:docMk/>
-          <pc:sldMk cId="3258022718" sldId="263"/>
-        </pc:sldMkLst>
-        <pc:spChg chg="mod">
-          <ac:chgData name="Huang, Lucy Yaoyuan" userId="S::u251639@bcm.edu::8d578496-9457-459c-a11f-92df8b250202" providerId="AD" clId="Web-{AF2C5F12-4717-BC24-9526-1BD85B43B8D8}" dt="2023-07-21T01:13:10.269" v="1" actId="20577"/>
-          <ac:spMkLst>
-            <pc:docMk/>
-            <pc:sldMk cId="3258022718" sldId="263"/>
-            <ac:spMk id="2" creationId="{1F0C129A-B46B-8D5E-E8CC-F44C8BBA237D}"/>
-          </ac:spMkLst>
-        </pc:spChg>
-      </pc:sldChg>
-    </pc:docChg>
-  </pc:docChgLst>
-  <pc:docChgLst>
-    <pc:chgData name="Huang, Lucy Yaoyuan" userId="8d578496-9457-459c-a11f-92df8b250202" providerId="ADAL" clId="{C6727DD8-56ED-44ED-A31E-F6094BE8C3E3}"/>
-    <pc:docChg chg="undo custSel addSld delSld modSld sldOrd">
-      <pc:chgData name="Huang, Lucy Yaoyuan" userId="8d578496-9457-459c-a11f-92df8b250202" providerId="ADAL" clId="{C6727DD8-56ED-44ED-A31E-F6094BE8C3E3}" dt="2023-08-02T18:51:10.161" v="415" actId="14100"/>
-      <pc:docMkLst>
-        <pc:docMk/>
-      </pc:docMkLst>
-      <pc:sldChg chg="del">
-        <pc:chgData name="Huang, Lucy Yaoyuan" userId="8d578496-9457-459c-a11f-92df8b250202" providerId="ADAL" clId="{C6727DD8-56ED-44ED-A31E-F6094BE8C3E3}" dt="2023-07-20T16:52:28.659" v="4" actId="2696"/>
-        <pc:sldMkLst>
-          <pc:docMk/>
-          <pc:sldMk cId="3621920733" sldId="257"/>
-        </pc:sldMkLst>
-      </pc:sldChg>
-      <pc:sldChg chg="addSp delSp modSp mod">
-        <pc:chgData name="Huang, Lucy Yaoyuan" userId="8d578496-9457-459c-a11f-92df8b250202" providerId="ADAL" clId="{C6727DD8-56ED-44ED-A31E-F6094BE8C3E3}" dt="2023-07-26T20:40:25.586" v="286" actId="1076"/>
-        <pc:sldMkLst>
-          <pc:docMk/>
-          <pc:sldMk cId="3819636605" sldId="259"/>
-        </pc:sldMkLst>
-        <pc:spChg chg="add mod">
-          <ac:chgData name="Huang, Lucy Yaoyuan" userId="8d578496-9457-459c-a11f-92df8b250202" providerId="ADAL" clId="{C6727DD8-56ED-44ED-A31E-F6094BE8C3E3}" dt="2023-07-24T15:20:39.062" v="171" actId="21"/>
-          <ac:spMkLst>
-            <pc:docMk/>
-            <pc:sldMk cId="3819636605" sldId="259"/>
-            <ac:spMk id="4" creationId="{5FA5D9FA-6E40-BFC4-202D-C69E4B845EFE}"/>
-          </ac:spMkLst>
-        </pc:spChg>
-        <pc:spChg chg="del">
-          <ac:chgData name="Huang, Lucy Yaoyuan" userId="8d578496-9457-459c-a11f-92df8b250202" providerId="ADAL" clId="{C6727DD8-56ED-44ED-A31E-F6094BE8C3E3}" dt="2023-07-24T15:20:40.578" v="172" actId="21"/>
-          <ac:spMkLst>
-            <pc:docMk/>
-            <pc:sldMk cId="3819636605" sldId="259"/>
-            <ac:spMk id="16" creationId="{4BF8B23F-1E17-1F09-72DA-5ADA0FCEB63D}"/>
-          </ac:spMkLst>
-        </pc:spChg>
-        <pc:picChg chg="add mod ord modCrop">
-          <ac:chgData name="Huang, Lucy Yaoyuan" userId="8d578496-9457-459c-a11f-92df8b250202" providerId="ADAL" clId="{C6727DD8-56ED-44ED-A31E-F6094BE8C3E3}" dt="2023-07-26T20:40:25.586" v="286" actId="1076"/>
-          <ac:picMkLst>
-            <pc:docMk/>
-            <pc:sldMk cId="3819636605" sldId="259"/>
-            <ac:picMk id="3" creationId="{E40C9698-F172-CC60-59E4-0A884289E7B6}"/>
-          </ac:picMkLst>
-        </pc:picChg>
-        <pc:picChg chg="add del mod">
-          <ac:chgData name="Huang, Lucy Yaoyuan" userId="8d578496-9457-459c-a11f-92df8b250202" providerId="ADAL" clId="{C6727DD8-56ED-44ED-A31E-F6094BE8C3E3}" dt="2023-07-26T20:39:49.272" v="275" actId="21"/>
-          <ac:picMkLst>
-            <pc:docMk/>
-            <pc:sldMk cId="3819636605" sldId="259"/>
-            <ac:picMk id="4" creationId="{FC5DE6DE-9603-8A33-5DA7-9D8D0B51F306}"/>
-          </ac:picMkLst>
-        </pc:picChg>
-        <pc:picChg chg="add del mod ord modCrop">
-          <ac:chgData name="Huang, Lucy Yaoyuan" userId="8d578496-9457-459c-a11f-92df8b250202" providerId="ADAL" clId="{C6727DD8-56ED-44ED-A31E-F6094BE8C3E3}" dt="2023-07-26T20:39:58.250" v="280" actId="21"/>
-          <ac:picMkLst>
-            <pc:docMk/>
-            <pc:sldMk cId="3819636605" sldId="259"/>
-            <ac:picMk id="5" creationId="{BBA26E92-2589-3662-C5A1-66BF7D24FCBD}"/>
-          </ac:picMkLst>
-        </pc:picChg>
-        <pc:picChg chg="add mod">
-          <ac:chgData name="Huang, Lucy Yaoyuan" userId="8d578496-9457-459c-a11f-92df8b250202" providerId="ADAL" clId="{C6727DD8-56ED-44ED-A31E-F6094BE8C3E3}" dt="2023-07-26T20:40:25.586" v="286" actId="1076"/>
-          <ac:picMkLst>
-            <pc:docMk/>
-            <pc:sldMk cId="3819636605" sldId="259"/>
-            <ac:picMk id="7" creationId="{DE9C86CE-3320-6820-B987-5515DE63C37E}"/>
-          </ac:picMkLst>
-        </pc:picChg>
-        <pc:picChg chg="del">
-          <ac:chgData name="Huang, Lucy Yaoyuan" userId="8d578496-9457-459c-a11f-92df8b250202" providerId="ADAL" clId="{C6727DD8-56ED-44ED-A31E-F6094BE8C3E3}" dt="2023-07-24T15:20:39.062" v="171" actId="21"/>
-          <ac:picMkLst>
-            <pc:docMk/>
-            <pc:sldMk cId="3819636605" sldId="259"/>
-            <ac:picMk id="15" creationId="{71E9C057-8966-632E-7DBB-43CE9425D066}"/>
-          </ac:picMkLst>
-        </pc:picChg>
-        <pc:picChg chg="del mod">
-          <ac:chgData name="Huang, Lucy Yaoyuan" userId="8d578496-9457-459c-a11f-92df8b250202" providerId="ADAL" clId="{C6727DD8-56ED-44ED-A31E-F6094BE8C3E3}" dt="2023-07-26T16:32:08.808" v="230" actId="21"/>
-          <ac:picMkLst>
-            <pc:docMk/>
-            <pc:sldMk cId="3819636605" sldId="259"/>
-            <ac:picMk id="17" creationId="{FC45A1E9-5555-4626-E7D1-A89F60192ABE}"/>
-          </ac:picMkLst>
-        </pc:picChg>
-      </pc:sldChg>
-      <pc:sldChg chg="addSp delSp modSp mod">
-        <pc:chgData name="Huang, Lucy Yaoyuan" userId="8d578496-9457-459c-a11f-92df8b250202" providerId="ADAL" clId="{C6727DD8-56ED-44ED-A31E-F6094BE8C3E3}" dt="2023-07-27T14:27:34.779" v="329" actId="14100"/>
-        <pc:sldMkLst>
-          <pc:docMk/>
-          <pc:sldMk cId="3569370174" sldId="260"/>
-        </pc:sldMkLst>
-        <pc:spChg chg="add mod">
-          <ac:chgData name="Huang, Lucy Yaoyuan" userId="8d578496-9457-459c-a11f-92df8b250202" providerId="ADAL" clId="{C6727DD8-56ED-44ED-A31E-F6094BE8C3E3}" dt="2023-07-24T15:20:05.835" v="166" actId="21"/>
-          <ac:spMkLst>
-            <pc:docMk/>
-            <pc:sldMk cId="3569370174" sldId="260"/>
-            <ac:spMk id="8" creationId="{8CBD2917-A041-560E-F00E-492D968DD9DD}"/>
-          </ac:spMkLst>
-        </pc:spChg>
-        <pc:picChg chg="add del mod">
-          <ac:chgData name="Huang, Lucy Yaoyuan" userId="8d578496-9457-459c-a11f-92df8b250202" providerId="ADAL" clId="{C6727DD8-56ED-44ED-A31E-F6094BE8C3E3}" dt="2023-07-24T15:19:46.223" v="161" actId="21"/>
-          <ac:picMkLst>
-            <pc:docMk/>
-            <pc:sldMk cId="3569370174" sldId="260"/>
-            <ac:picMk id="3" creationId="{29E82151-6BAD-4B9D-852C-AE29B7FBA26D}"/>
-          </ac:picMkLst>
-        </pc:picChg>
-        <pc:picChg chg="add mod">
-          <ac:chgData name="Huang, Lucy Yaoyuan" userId="8d578496-9457-459c-a11f-92df8b250202" providerId="ADAL" clId="{C6727DD8-56ED-44ED-A31E-F6094BE8C3E3}" dt="2023-07-27T14:27:34.779" v="329" actId="14100"/>
-          <ac:picMkLst>
-            <pc:docMk/>
-            <pc:sldMk cId="3569370174" sldId="260"/>
-            <ac:picMk id="4" creationId="{92763E31-E572-38DB-7355-57B92F4942AF}"/>
-          </ac:picMkLst>
-        </pc:picChg>
-        <pc:picChg chg="add del mod">
-          <ac:chgData name="Huang, Lucy Yaoyuan" userId="8d578496-9457-459c-a11f-92df8b250202" providerId="ADAL" clId="{C6727DD8-56ED-44ED-A31E-F6094BE8C3E3}" dt="2023-07-27T14:27:21.709" v="324" actId="21"/>
-          <ac:picMkLst>
-            <pc:docMk/>
-            <pc:sldMk cId="3569370174" sldId="260"/>
-            <ac:picMk id="5" creationId="{3BD145AB-1439-8F2D-7195-A8CC531ACB81}"/>
-          </ac:picMkLst>
-        </pc:picChg>
-        <pc:picChg chg="del">
-          <ac:chgData name="Huang, Lucy Yaoyuan" userId="8d578496-9457-459c-a11f-92df8b250202" providerId="ADAL" clId="{C6727DD8-56ED-44ED-A31E-F6094BE8C3E3}" dt="2023-07-24T15:20:05.835" v="166" actId="21"/>
-          <ac:picMkLst>
-            <pc:docMk/>
-            <pc:sldMk cId="3569370174" sldId="260"/>
-            <ac:picMk id="6" creationId="{52F29D42-4552-DAB9-6317-7FBACA44894B}"/>
-          </ac:picMkLst>
-        </pc:picChg>
-      </pc:sldChg>
-      <pc:sldChg chg="modSp del mod">
-        <pc:chgData name="Huang, Lucy Yaoyuan" userId="8d578496-9457-459c-a11f-92df8b250202" providerId="ADAL" clId="{C6727DD8-56ED-44ED-A31E-F6094BE8C3E3}" dt="2023-07-27T14:23:06.677" v="323" actId="2696"/>
-        <pc:sldMkLst>
-          <pc:docMk/>
-          <pc:sldMk cId="1111217609" sldId="261"/>
-        </pc:sldMkLst>
-        <pc:picChg chg="mod">
-          <ac:chgData name="Huang, Lucy Yaoyuan" userId="8d578496-9457-459c-a11f-92df8b250202" providerId="ADAL" clId="{C6727DD8-56ED-44ED-A31E-F6094BE8C3E3}" dt="2023-07-24T18:54:10.979" v="215" actId="1076"/>
-          <ac:picMkLst>
-            <pc:docMk/>
-            <pc:sldMk cId="1111217609" sldId="261"/>
-            <ac:picMk id="4" creationId="{B7167C50-499F-75A3-DC5B-A351D0A7C7A1}"/>
-          </ac:picMkLst>
-        </pc:picChg>
-      </pc:sldChg>
-      <pc:sldChg chg="addSp delSp modSp del mod ord">
-        <pc:chgData name="Huang, Lucy Yaoyuan" userId="8d578496-9457-459c-a11f-92df8b250202" providerId="ADAL" clId="{C6727DD8-56ED-44ED-A31E-F6094BE8C3E3}" dt="2023-07-21T16:36:22.508" v="123" actId="2696"/>
-        <pc:sldMkLst>
-          <pc:docMk/>
-          <pc:sldMk cId="1706519594" sldId="262"/>
-        </pc:sldMkLst>
-        <pc:spChg chg="del">
-          <ac:chgData name="Huang, Lucy Yaoyuan" userId="8d578496-9457-459c-a11f-92df8b250202" providerId="ADAL" clId="{C6727DD8-56ED-44ED-A31E-F6094BE8C3E3}" dt="2023-07-20T16:53:05.661" v="5" actId="931"/>
-          <ac:spMkLst>
-            <pc:docMk/>
-            <pc:sldMk cId="1706519594" sldId="262"/>
-            <ac:spMk id="3" creationId="{EE339A91-CA98-EC34-E627-8D1DEEBE5641}"/>
-          </ac:spMkLst>
-        </pc:spChg>
-        <pc:spChg chg="add mod">
-          <ac:chgData name="Huang, Lucy Yaoyuan" userId="8d578496-9457-459c-a11f-92df8b250202" providerId="ADAL" clId="{C6727DD8-56ED-44ED-A31E-F6094BE8C3E3}" dt="2023-07-20T16:53:33.651" v="24" actId="21"/>
-          <ac:spMkLst>
-            <pc:docMk/>
-            <pc:sldMk cId="1706519594" sldId="262"/>
-            <ac:spMk id="17" creationId="{3AB40F1C-5A67-5B3C-AF26-464CDE7C65B3}"/>
-          </ac:spMkLst>
-        </pc:spChg>
-        <pc:picChg chg="add del mod">
-          <ac:chgData name="Huang, Lucy Yaoyuan" userId="8d578496-9457-459c-a11f-92df8b250202" providerId="ADAL" clId="{C6727DD8-56ED-44ED-A31E-F6094BE8C3E3}" dt="2023-07-20T16:53:33.651" v="24" actId="21"/>
-          <ac:picMkLst>
-            <pc:docMk/>
-            <pc:sldMk cId="1706519594" sldId="262"/>
-            <ac:picMk id="5" creationId="{F0B42F8B-ED7C-939E-257B-897A0A57F47D}"/>
-          </ac:picMkLst>
-        </pc:picChg>
-        <pc:picChg chg="add del mod">
-          <ac:chgData name="Huang, Lucy Yaoyuan" userId="8d578496-9457-459c-a11f-92df8b250202" providerId="ADAL" clId="{C6727DD8-56ED-44ED-A31E-F6094BE8C3E3}" dt="2023-07-20T16:53:55.039" v="27" actId="21"/>
-          <ac:picMkLst>
-            <pc:docMk/>
-            <pc:sldMk cId="1706519594" sldId="262"/>
-            <ac:picMk id="7" creationId="{84CB160A-3D27-65C5-8D42-2800E6BE1E2F}"/>
-          </ac:picMkLst>
-        </pc:picChg>
-        <pc:picChg chg="add del mod">
-          <ac:chgData name="Huang, Lucy Yaoyuan" userId="8d578496-9457-459c-a11f-92df8b250202" providerId="ADAL" clId="{C6727DD8-56ED-44ED-A31E-F6094BE8C3E3}" dt="2023-07-20T16:54:04.018" v="29" actId="21"/>
-          <ac:picMkLst>
-            <pc:docMk/>
-            <pc:sldMk cId="1706519594" sldId="262"/>
-            <ac:picMk id="9" creationId="{2A224320-138F-9D40-3B5C-7702AA49A545}"/>
-          </ac:picMkLst>
-        </pc:picChg>
-        <pc:picChg chg="add del mod">
-          <ac:chgData name="Huang, Lucy Yaoyuan" userId="8d578496-9457-459c-a11f-92df8b250202" providerId="ADAL" clId="{C6727DD8-56ED-44ED-A31E-F6094BE8C3E3}" dt="2023-07-20T16:54:06.619" v="30" actId="21"/>
-          <ac:picMkLst>
-            <pc:docMk/>
-            <pc:sldMk cId="1706519594" sldId="262"/>
-            <ac:picMk id="11" creationId="{E4676FFE-1D43-017C-C9D3-3843A9335AA7}"/>
-          </ac:picMkLst>
-        </pc:picChg>
-        <pc:picChg chg="add del mod">
-          <ac:chgData name="Huang, Lucy Yaoyuan" userId="8d578496-9457-459c-a11f-92df8b250202" providerId="ADAL" clId="{C6727DD8-56ED-44ED-A31E-F6094BE8C3E3}" dt="2023-07-20T16:54:16.901" v="34" actId="21"/>
-          <ac:picMkLst>
-            <pc:docMk/>
-            <pc:sldMk cId="1706519594" sldId="262"/>
-            <ac:picMk id="13" creationId="{68114FAA-8BA3-FE41-27BE-130DDDFACC18}"/>
-          </ac:picMkLst>
-        </pc:picChg>
-        <pc:picChg chg="add del mod">
-          <ac:chgData name="Huang, Lucy Yaoyuan" userId="8d578496-9457-459c-a11f-92df8b250202" providerId="ADAL" clId="{C6727DD8-56ED-44ED-A31E-F6094BE8C3E3}" dt="2023-07-21T16:36:02.552" v="112" actId="21"/>
-          <ac:picMkLst>
-            <pc:docMk/>
-            <pc:sldMk cId="1706519594" sldId="262"/>
-            <ac:picMk id="15" creationId="{FD861568-245C-C379-C527-1BAE681E69F5}"/>
-          </ac:picMkLst>
-        </pc:picChg>
-      </pc:sldChg>
-      <pc:sldChg chg="add del">
-        <pc:chgData name="Huang, Lucy Yaoyuan" userId="8d578496-9457-459c-a11f-92df8b250202" providerId="ADAL" clId="{C6727DD8-56ED-44ED-A31E-F6094BE8C3E3}" dt="2023-07-20T16:52:27.121" v="3" actId="2696"/>
-        <pc:sldMkLst>
-          <pc:docMk/>
-          <pc:sldMk cId="1230639476" sldId="263"/>
-        </pc:sldMkLst>
-      </pc:sldChg>
-      <pc:sldChg chg="add del">
-        <pc:chgData name="Huang, Lucy Yaoyuan" userId="8d578496-9457-459c-a11f-92df8b250202" providerId="ADAL" clId="{C6727DD8-56ED-44ED-A31E-F6094BE8C3E3}" dt="2023-07-20T16:52:22.186" v="1" actId="2696"/>
-        <pc:sldMkLst>
-          <pc:docMk/>
-          <pc:sldMk cId="1384778610" sldId="263"/>
-        </pc:sldMkLst>
-      </pc:sldChg>
-      <pc:sldChg chg="addSp delSp modSp new del mod ord">
-        <pc:chgData name="Huang, Lucy Yaoyuan" userId="8d578496-9457-459c-a11f-92df8b250202" providerId="ADAL" clId="{C6727DD8-56ED-44ED-A31E-F6094BE8C3E3}" dt="2023-08-02T18:43:41.303" v="366" actId="2696"/>
-        <pc:sldMkLst>
-          <pc:docMk/>
-          <pc:sldMk cId="3258022718" sldId="263"/>
-        </pc:sldMkLst>
-        <pc:spChg chg="del">
-          <ac:chgData name="Huang, Lucy Yaoyuan" userId="8d578496-9457-459c-a11f-92df8b250202" providerId="ADAL" clId="{C6727DD8-56ED-44ED-A31E-F6094BE8C3E3}" dt="2023-07-24T16:02:12.794" v="179" actId="931"/>
-          <ac:spMkLst>
-            <pc:docMk/>
-            <pc:sldMk cId="3258022718" sldId="263"/>
-            <ac:spMk id="3" creationId="{2E7E022C-2BC8-46FC-35FF-06F891165883}"/>
-          </ac:spMkLst>
-        </pc:spChg>
-        <pc:spChg chg="add mod">
-          <ac:chgData name="Huang, Lucy Yaoyuan" userId="8d578496-9457-459c-a11f-92df8b250202" providerId="ADAL" clId="{C6727DD8-56ED-44ED-A31E-F6094BE8C3E3}" dt="2023-08-02T18:43:22.922" v="361" actId="21"/>
-          <ac:spMkLst>
-            <pc:docMk/>
-            <pc:sldMk cId="3258022718" sldId="263"/>
-            <ac:spMk id="4" creationId="{2DA0DED7-2D25-F862-CA42-02641B59A8E1}"/>
-          </ac:spMkLst>
-        </pc:spChg>
-        <pc:spChg chg="add del mod">
-          <ac:chgData name="Huang, Lucy Yaoyuan" userId="8d578496-9457-459c-a11f-92df8b250202" providerId="ADAL" clId="{C6727DD8-56ED-44ED-A31E-F6094BE8C3E3}" dt="2023-07-26T20:47:44.393" v="291" actId="931"/>
-          <ac:spMkLst>
-            <pc:docMk/>
-            <pc:sldMk cId="3258022718" sldId="263"/>
-            <ac:spMk id="4" creationId="{9AA6D0D8-C4C3-1180-2F7C-0DE955D80DF7}"/>
-          </ac:spMkLst>
-        </pc:spChg>
-        <pc:picChg chg="add del mod">
-          <ac:chgData name="Huang, Lucy Yaoyuan" userId="8d578496-9457-459c-a11f-92df8b250202" providerId="ADAL" clId="{C6727DD8-56ED-44ED-A31E-F6094BE8C3E3}" dt="2023-07-24T15:20:47.776" v="175" actId="21"/>
-          <ac:picMkLst>
-            <pc:docMk/>
-            <pc:sldMk cId="3258022718" sldId="263"/>
-            <ac:picMk id="4" creationId="{C28B74FA-1E1C-0620-9D3E-9CAE8D3E2FD9}"/>
-          </ac:picMkLst>
-        </pc:picChg>
-        <pc:picChg chg="add del mod">
-          <ac:chgData name="Huang, Lucy Yaoyuan" userId="8d578496-9457-459c-a11f-92df8b250202" providerId="ADAL" clId="{C6727DD8-56ED-44ED-A31E-F6094BE8C3E3}" dt="2023-07-21T16:33:50.324" v="82" actId="21"/>
-          <ac:picMkLst>
-            <pc:docMk/>
-            <pc:sldMk cId="3258022718" sldId="263"/>
-            <ac:picMk id="5" creationId="{B01EA1BF-0C7B-F935-4ECA-1FB0DC18DF9D}"/>
-          </ac:picMkLst>
-        </pc:picChg>
-        <pc:picChg chg="add del mod">
-          <ac:chgData name="Huang, Lucy Yaoyuan" userId="8d578496-9457-459c-a11f-92df8b250202" providerId="ADAL" clId="{C6727DD8-56ED-44ED-A31E-F6094BE8C3E3}" dt="2023-07-24T15:20:47.171" v="174" actId="21"/>
-          <ac:picMkLst>
-            <pc:docMk/>
-            <pc:sldMk cId="3258022718" sldId="263"/>
-            <ac:picMk id="6" creationId="{588000E7-8578-6123-442C-EB33EB42D614}"/>
-          </ac:picMkLst>
-        </pc:picChg>
-        <pc:picChg chg="add del mod">
-          <ac:chgData name="Huang, Lucy Yaoyuan" userId="8d578496-9457-459c-a11f-92df8b250202" providerId="ADAL" clId="{C6727DD8-56ED-44ED-A31E-F6094BE8C3E3}" dt="2023-08-02T18:43:22.922" v="361" actId="21"/>
-          <ac:picMkLst>
-            <pc:docMk/>
-            <pc:sldMk cId="3258022718" sldId="263"/>
-            <ac:picMk id="6" creationId="{A26109B3-39C8-0B60-6D52-B27F62372CBD}"/>
-          </ac:picMkLst>
-        </pc:picChg>
-        <pc:picChg chg="add del mod">
-          <ac:chgData name="Huang, Lucy Yaoyuan" userId="8d578496-9457-459c-a11f-92df8b250202" providerId="ADAL" clId="{C6727DD8-56ED-44ED-A31E-F6094BE8C3E3}" dt="2023-07-24T16:02:15.219" v="182" actId="21"/>
-          <ac:picMkLst>
-            <pc:docMk/>
-            <pc:sldMk cId="3258022718" sldId="263"/>
-            <ac:picMk id="7" creationId="{0A7BB2F6-94B5-E5EC-5AED-585F5AF44031}"/>
-          </ac:picMkLst>
-        </pc:picChg>
-        <pc:picChg chg="add del mod">
-          <ac:chgData name="Huang, Lucy Yaoyuan" userId="8d578496-9457-459c-a11f-92df8b250202" providerId="ADAL" clId="{C6727DD8-56ED-44ED-A31E-F6094BE8C3E3}" dt="2023-07-26T20:47:28.663" v="287" actId="21"/>
-          <ac:picMkLst>
-            <pc:docMk/>
-            <pc:sldMk cId="3258022718" sldId="263"/>
-            <ac:picMk id="8" creationId="{F77CCAB1-A4D3-A044-C42D-3C4A4DCC11FA}"/>
-          </ac:picMkLst>
-        </pc:picChg>
-      </pc:sldChg>
-      <pc:sldChg chg="addSp delSp modSp new del mod ord">
-        <pc:chgData name="Huang, Lucy Yaoyuan" userId="8d578496-9457-459c-a11f-92df8b250202" providerId="ADAL" clId="{C6727DD8-56ED-44ED-A31E-F6094BE8C3E3}" dt="2023-08-02T18:43:41.303" v="366" actId="2696"/>
-        <pc:sldMkLst>
-          <pc:docMk/>
-          <pc:sldMk cId="615164269" sldId="264"/>
-        </pc:sldMkLst>
-        <pc:spChg chg="del">
-          <ac:chgData name="Huang, Lucy Yaoyuan" userId="8d578496-9457-459c-a11f-92df8b250202" providerId="ADAL" clId="{C6727DD8-56ED-44ED-A31E-F6094BE8C3E3}" dt="2023-07-21T17:00:20.121" v="142" actId="931"/>
-          <ac:spMkLst>
-            <pc:docMk/>
-            <pc:sldMk cId="615164269" sldId="264"/>
-            <ac:spMk id="3" creationId="{564D0753-648D-6133-1B45-8E8298398451}"/>
-          </ac:spMkLst>
-        </pc:spChg>
-        <pc:spChg chg="add del mod">
-          <ac:chgData name="Huang, Lucy Yaoyuan" userId="8d578496-9457-459c-a11f-92df8b250202" providerId="ADAL" clId="{C6727DD8-56ED-44ED-A31E-F6094BE8C3E3}" dt="2023-07-26T20:47:55.152" v="296" actId="931"/>
-          <ac:spMkLst>
-            <pc:docMk/>
-            <pc:sldMk cId="615164269" sldId="264"/>
-            <ac:spMk id="4" creationId="{5F5B669A-8CA3-578B-66C5-9DE7D85D2C84}"/>
-          </ac:spMkLst>
-        </pc:spChg>
-        <pc:spChg chg="add mod">
-          <ac:chgData name="Huang, Lucy Yaoyuan" userId="8d578496-9457-459c-a11f-92df8b250202" providerId="ADAL" clId="{C6727DD8-56ED-44ED-A31E-F6094BE8C3E3}" dt="2023-08-02T18:43:24.897" v="362" actId="21"/>
-          <ac:spMkLst>
-            <pc:docMk/>
-            <pc:sldMk cId="615164269" sldId="264"/>
-            <ac:spMk id="5" creationId="{696B8697-8F09-9E61-A204-BE916D8406D6}"/>
-          </ac:spMkLst>
-        </pc:spChg>
-        <pc:spChg chg="add del mod">
-          <ac:chgData name="Huang, Lucy Yaoyuan" userId="8d578496-9457-459c-a11f-92df8b250202" providerId="ADAL" clId="{C6727DD8-56ED-44ED-A31E-F6094BE8C3E3}" dt="2023-07-24T16:03:55.399" v="185" actId="931"/>
-          <ac:spMkLst>
-            <pc:docMk/>
-            <pc:sldMk cId="615164269" sldId="264"/>
-            <ac:spMk id="9" creationId="{1F070129-BF1D-EC19-5990-C0936EFD6ECE}"/>
-          </ac:spMkLst>
-        </pc:spChg>
-        <pc:picChg chg="add del mod">
-          <ac:chgData name="Huang, Lucy Yaoyuan" userId="8d578496-9457-459c-a11f-92df8b250202" providerId="ADAL" clId="{C6727DD8-56ED-44ED-A31E-F6094BE8C3E3}" dt="2023-07-24T15:20:56.658" v="178" actId="21"/>
-          <ac:picMkLst>
-            <pc:docMk/>
-            <pc:sldMk cId="615164269" sldId="264"/>
-            <ac:picMk id="4" creationId="{CF76A0A1-56B3-B6D2-182C-DE06F2CC66FB}"/>
-          </ac:picMkLst>
-        </pc:picChg>
-        <pc:picChg chg="add del mod ord">
-          <ac:chgData name="Huang, Lucy Yaoyuan" userId="8d578496-9457-459c-a11f-92df8b250202" providerId="ADAL" clId="{C6727DD8-56ED-44ED-A31E-F6094BE8C3E3}" dt="2023-08-02T18:43:27.438" v="363" actId="21"/>
-          <ac:picMkLst>
-            <pc:docMk/>
-            <pc:sldMk cId="615164269" sldId="264"/>
-            <ac:picMk id="4" creationId="{D9B3D76D-0176-0108-98A2-7563FF0FC309}"/>
-          </ac:picMkLst>
-        </pc:picChg>
-        <pc:picChg chg="add del mod">
-          <ac:chgData name="Huang, Lucy Yaoyuan" userId="8d578496-9457-459c-a11f-92df8b250202" providerId="ADAL" clId="{C6727DD8-56ED-44ED-A31E-F6094BE8C3E3}" dt="2023-07-24T15:20:55.751" v="177" actId="21"/>
-          <ac:picMkLst>
-            <pc:docMk/>
-            <pc:sldMk cId="615164269" sldId="264"/>
-            <ac:picMk id="5" creationId="{A5DF9C7F-B1D7-68A4-9DCC-DE97BA2BC774}"/>
-          </ac:picMkLst>
-        </pc:picChg>
-        <pc:picChg chg="add del mod">
-          <ac:chgData name="Huang, Lucy Yaoyuan" userId="8d578496-9457-459c-a11f-92df8b250202" providerId="ADAL" clId="{C6727DD8-56ED-44ED-A31E-F6094BE8C3E3}" dt="2023-07-26T20:47:32.137" v="288" actId="21"/>
-          <ac:picMkLst>
-            <pc:docMk/>
-            <pc:sldMk cId="615164269" sldId="264"/>
-            <ac:picMk id="6" creationId="{F32DEDF4-A2BC-E8A9-B980-8E3F707DDA76}"/>
-          </ac:picMkLst>
-        </pc:picChg>
-        <pc:picChg chg="add del mod">
-          <ac:chgData name="Huang, Lucy Yaoyuan" userId="8d578496-9457-459c-a11f-92df8b250202" providerId="ADAL" clId="{C6727DD8-56ED-44ED-A31E-F6094BE8C3E3}" dt="2023-07-21T17:00:33.871" v="151" actId="21"/>
-          <ac:picMkLst>
-            <pc:docMk/>
-            <pc:sldMk cId="615164269" sldId="264"/>
-            <ac:picMk id="7" creationId="{E92DE8D8-7122-3EEF-A9D3-4D5E4299E96A}"/>
-          </ac:picMkLst>
-        </pc:picChg>
-        <pc:picChg chg="add del mod">
-          <ac:chgData name="Huang, Lucy Yaoyuan" userId="8d578496-9457-459c-a11f-92df8b250202" providerId="ADAL" clId="{C6727DD8-56ED-44ED-A31E-F6094BE8C3E3}" dt="2023-08-02T18:43:24.897" v="362" actId="21"/>
-          <ac:picMkLst>
-            <pc:docMk/>
-            <pc:sldMk cId="615164269" sldId="264"/>
-            <ac:picMk id="7" creationId="{FE454610-6EF9-B724-DFDA-E83CA5CB560F}"/>
-          </ac:picMkLst>
-        </pc:picChg>
-      </pc:sldChg>
-      <pc:sldChg chg="addSp delSp modSp new mod ord">
-        <pc:chgData name="Huang, Lucy Yaoyuan" userId="8d578496-9457-459c-a11f-92df8b250202" providerId="ADAL" clId="{C6727DD8-56ED-44ED-A31E-F6094BE8C3E3}" dt="2023-07-27T14:52:23.576" v="355" actId="21"/>
-        <pc:sldMkLst>
-          <pc:docMk/>
-          <pc:sldMk cId="3440815627" sldId="265"/>
-        </pc:sldMkLst>
-        <pc:spChg chg="add del mod">
-          <ac:chgData name="Huang, Lucy Yaoyuan" userId="8d578496-9457-459c-a11f-92df8b250202" providerId="ADAL" clId="{C6727DD8-56ED-44ED-A31E-F6094BE8C3E3}" dt="2023-07-27T14:52:05.209" v="347" actId="21"/>
-          <ac:spMkLst>
-            <pc:docMk/>
-            <pc:sldMk cId="3440815627" sldId="265"/>
-            <ac:spMk id="3" creationId="{6D23FF69-A830-EDCE-41FF-620C0E1B8B6B}"/>
-          </ac:spMkLst>
-        </pc:spChg>
-        <pc:spChg chg="del">
-          <ac:chgData name="Huang, Lucy Yaoyuan" userId="8d578496-9457-459c-a11f-92df8b250202" providerId="ADAL" clId="{C6727DD8-56ED-44ED-A31E-F6094BE8C3E3}" dt="2023-07-21T15:32:56.470" v="52" actId="931"/>
-          <ac:spMkLst>
-            <pc:docMk/>
-            <pc:sldMk cId="3440815627" sldId="265"/>
-            <ac:spMk id="3" creationId="{7D05E1DB-57C7-A50B-9A42-B42773686FAE}"/>
-          </ac:spMkLst>
-        </pc:spChg>
-        <pc:spChg chg="add del mod">
-          <ac:chgData name="Huang, Lucy Yaoyuan" userId="8d578496-9457-459c-a11f-92df8b250202" providerId="ADAL" clId="{C6727DD8-56ED-44ED-A31E-F6094BE8C3E3}" dt="2023-07-27T14:52:13.514" v="349" actId="931"/>
-          <ac:spMkLst>
-            <pc:docMk/>
-            <pc:sldMk cId="3440815627" sldId="265"/>
-            <ac:spMk id="6" creationId="{A6A32279-A251-95A0-AC3E-978C50C08A44}"/>
-          </ac:spMkLst>
-        </pc:spChg>
-        <pc:spChg chg="add del mod">
-          <ac:chgData name="Huang, Lucy Yaoyuan" userId="8d578496-9457-459c-a11f-92df8b250202" providerId="ADAL" clId="{C6727DD8-56ED-44ED-A31E-F6094BE8C3E3}" dt="2023-07-21T16:50:01" v="125" actId="931"/>
-          <ac:spMkLst>
-            <pc:docMk/>
-            <pc:sldMk cId="3440815627" sldId="265"/>
-            <ac:spMk id="9" creationId="{FE4DC221-662B-D86C-81D3-A48AB5279476}"/>
-          </ac:spMkLst>
-        </pc:spChg>
-        <pc:spChg chg="add del mod">
-          <ac:chgData name="Huang, Lucy Yaoyuan" userId="8d578496-9457-459c-a11f-92df8b250202" providerId="ADAL" clId="{C6727DD8-56ED-44ED-A31E-F6094BE8C3E3}" dt="2023-07-21T16:52:48.854" v="135" actId="931"/>
-          <ac:spMkLst>
-            <pc:docMk/>
-            <pc:sldMk cId="3440815627" sldId="265"/>
-            <ac:spMk id="13" creationId="{03C465C1-9244-587C-DD89-AAC243F82AD9}"/>
-          </ac:spMkLst>
-        </pc:spChg>
-        <pc:picChg chg="add del mod">
-          <ac:chgData name="Huang, Lucy Yaoyuan" userId="8d578496-9457-459c-a11f-92df8b250202" providerId="ADAL" clId="{C6727DD8-56ED-44ED-A31E-F6094BE8C3E3}" dt="2023-07-21T15:32:31.624" v="51" actId="21"/>
-          <ac:picMkLst>
-            <pc:docMk/>
-            <pc:sldMk cId="3440815627" sldId="265"/>
-            <ac:picMk id="4" creationId="{1922F1C2-327D-6BA0-BDAE-15EC67CAC470}"/>
-          </ac:picMkLst>
-        </pc:picChg>
-        <pc:picChg chg="add del mod">
-          <ac:chgData name="Huang, Lucy Yaoyuan" userId="8d578496-9457-459c-a11f-92df8b250202" providerId="ADAL" clId="{C6727DD8-56ED-44ED-A31E-F6094BE8C3E3}" dt="2023-07-27T14:52:23.576" v="355" actId="21"/>
-          <ac:picMkLst>
-            <pc:docMk/>
-            <pc:sldMk cId="3440815627" sldId="265"/>
-            <ac:picMk id="4" creationId="{D79F61B5-03F3-60A4-E79C-279AF328FFC7}"/>
-          </ac:picMkLst>
-        </pc:picChg>
-        <pc:picChg chg="add del mod">
-          <ac:chgData name="Huang, Lucy Yaoyuan" userId="8d578496-9457-459c-a11f-92df8b250202" providerId="ADAL" clId="{C6727DD8-56ED-44ED-A31E-F6094BE8C3E3}" dt="2023-07-21T16:41:53.899" v="124" actId="21"/>
-          <ac:picMkLst>
-            <pc:docMk/>
-            <pc:sldMk cId="3440815627" sldId="265"/>
-            <ac:picMk id="6" creationId="{E2FAD9C7-1433-7B14-E492-81635BBA45A3}"/>
-          </ac:picMkLst>
-        </pc:picChg>
-        <pc:picChg chg="add del mod">
-          <ac:chgData name="Huang, Lucy Yaoyuan" userId="8d578496-9457-459c-a11f-92df8b250202" providerId="ADAL" clId="{C6727DD8-56ED-44ED-A31E-F6094BE8C3E3}" dt="2023-07-24T18:53:01.291" v="211" actId="21"/>
-          <ac:picMkLst>
-            <pc:docMk/>
-            <pc:sldMk cId="3440815627" sldId="265"/>
-            <ac:picMk id="7" creationId="{030362E7-255F-E61E-DF51-F745F385B872}"/>
-          </ac:picMkLst>
-        </pc:picChg>
-        <pc:picChg chg="add mod">
-          <ac:chgData name="Huang, Lucy Yaoyuan" userId="8d578496-9457-459c-a11f-92df8b250202" providerId="ADAL" clId="{C6727DD8-56ED-44ED-A31E-F6094BE8C3E3}" dt="2023-07-27T14:52:18.439" v="353" actId="14100"/>
-          <ac:picMkLst>
-            <pc:docMk/>
-            <pc:sldMk cId="3440815627" sldId="265"/>
-            <ac:picMk id="8" creationId="{2F0A1629-8E93-77B1-5B81-E730B2AF606A}"/>
-          </ac:picMkLst>
-        </pc:picChg>
-        <pc:picChg chg="add del mod">
-          <ac:chgData name="Huang, Lucy Yaoyuan" userId="8d578496-9457-459c-a11f-92df8b250202" providerId="ADAL" clId="{C6727DD8-56ED-44ED-A31E-F6094BE8C3E3}" dt="2023-07-21T16:50:42.324" v="134" actId="21"/>
-          <ac:picMkLst>
-            <pc:docMk/>
-            <pc:sldMk cId="3440815627" sldId="265"/>
-            <ac:picMk id="11" creationId="{9DB2859C-8F67-AF22-F7B6-B4DB03CAEDFB}"/>
-          </ac:picMkLst>
-        </pc:picChg>
-        <pc:picChg chg="add del mod">
-          <ac:chgData name="Huang, Lucy Yaoyuan" userId="8d578496-9457-459c-a11f-92df8b250202" providerId="ADAL" clId="{C6727DD8-56ED-44ED-A31E-F6094BE8C3E3}" dt="2023-07-27T14:52:06.264" v="348" actId="21"/>
-          <ac:picMkLst>
-            <pc:docMk/>
-            <pc:sldMk cId="3440815627" sldId="265"/>
-            <ac:picMk id="15" creationId="{12995218-E15D-1BF6-FC89-D4960BD4F01D}"/>
-          </ac:picMkLst>
-        </pc:picChg>
-      </pc:sldChg>
-      <pc:sldChg chg="addSp delSp modSp new del mod ord">
-        <pc:chgData name="Huang, Lucy Yaoyuan" userId="8d578496-9457-459c-a11f-92df8b250202" providerId="ADAL" clId="{C6727DD8-56ED-44ED-A31E-F6094BE8C3E3}" dt="2023-07-26T20:48:37.946" v="306" actId="2696"/>
-        <pc:sldMkLst>
-          <pc:docMk/>
-          <pc:sldMk cId="2478913466" sldId="266"/>
-        </pc:sldMkLst>
-        <pc:spChg chg="del">
-          <ac:chgData name="Huang, Lucy Yaoyuan" userId="8d578496-9457-459c-a11f-92df8b250202" providerId="ADAL" clId="{C6727DD8-56ED-44ED-A31E-F6094BE8C3E3}" dt="2023-07-24T16:04:57.420" v="191" actId="931"/>
-          <ac:spMkLst>
-            <pc:docMk/>
-            <pc:sldMk cId="2478913466" sldId="266"/>
-            <ac:spMk id="3" creationId="{B7F48021-E6EB-BC4C-056D-C9317626A450}"/>
-          </ac:spMkLst>
-        </pc:spChg>
-        <pc:spChg chg="add del mod">
-          <ac:chgData name="Huang, Lucy Yaoyuan" userId="8d578496-9457-459c-a11f-92df8b250202" providerId="ADAL" clId="{C6727DD8-56ED-44ED-A31E-F6094BE8C3E3}" dt="2023-07-26T20:48:00.674" v="299" actId="931"/>
-          <ac:spMkLst>
-            <pc:docMk/>
-            <pc:sldMk cId="2478913466" sldId="266"/>
-            <ac:spMk id="4" creationId="{1C3B60BB-36A3-D146-3ED0-490764AF194B}"/>
-          </ac:spMkLst>
-        </pc:spChg>
-        <pc:spChg chg="add del mod">
-          <ac:chgData name="Huang, Lucy Yaoyuan" userId="8d578496-9457-459c-a11f-92df8b250202" providerId="ADAL" clId="{C6727DD8-56ED-44ED-A31E-F6094BE8C3E3}" dt="2023-07-26T20:48:23.357" v="303" actId="931"/>
-          <ac:spMkLst>
-            <pc:docMk/>
-            <pc:sldMk cId="2478913466" sldId="266"/>
-            <ac:spMk id="9" creationId="{A71B99B8-EE32-59A9-ED4E-259B5E323601}"/>
-          </ac:spMkLst>
-        </pc:spChg>
-        <pc:picChg chg="add del mod">
-          <ac:chgData name="Huang, Lucy Yaoyuan" userId="8d578496-9457-459c-a11f-92df8b250202" providerId="ADAL" clId="{C6727DD8-56ED-44ED-A31E-F6094BE8C3E3}" dt="2023-07-24T16:03:59.452" v="188" actId="21"/>
-          <ac:picMkLst>
-            <pc:docMk/>
-            <pc:sldMk cId="2478913466" sldId="266"/>
-            <ac:picMk id="4" creationId="{7C708B12-9B4F-A94E-DF5E-D0061D12FDA9}"/>
-          </ac:picMkLst>
-        </pc:picChg>
-        <pc:picChg chg="add del mod">
-          <ac:chgData name="Huang, Lucy Yaoyuan" userId="8d578496-9457-459c-a11f-92df8b250202" providerId="ADAL" clId="{C6727DD8-56ED-44ED-A31E-F6094BE8C3E3}" dt="2023-07-24T16:03:58.963" v="187" actId="21"/>
-          <ac:picMkLst>
-            <pc:docMk/>
-            <pc:sldMk cId="2478913466" sldId="266"/>
-            <ac:picMk id="5" creationId="{140FB795-15BD-3869-43A4-CD3F47708363}"/>
-          </ac:picMkLst>
-        </pc:picChg>
-        <pc:picChg chg="add del mod">
-          <ac:chgData name="Huang, Lucy Yaoyuan" userId="8d578496-9457-459c-a11f-92df8b250202" providerId="ADAL" clId="{C6727DD8-56ED-44ED-A31E-F6094BE8C3E3}" dt="2023-07-26T20:48:17.902" v="302" actId="21"/>
-          <ac:picMkLst>
-            <pc:docMk/>
-            <pc:sldMk cId="2478913466" sldId="266"/>
-            <ac:picMk id="6" creationId="{1353C95F-F8CA-3C96-9427-65BD32686FF6}"/>
-          </ac:picMkLst>
-        </pc:picChg>
-        <pc:picChg chg="add del mod">
-          <ac:chgData name="Huang, Lucy Yaoyuan" userId="8d578496-9457-459c-a11f-92df8b250202" providerId="ADAL" clId="{C6727DD8-56ED-44ED-A31E-F6094BE8C3E3}" dt="2023-07-26T20:47:36.047" v="290" actId="21"/>
-          <ac:picMkLst>
-            <pc:docMk/>
-            <pc:sldMk cId="2478913466" sldId="266"/>
-            <ac:picMk id="7" creationId="{53A2D24D-4A12-5ECD-B04C-F7832AFB474C}"/>
-          </ac:picMkLst>
-        </pc:picChg>
-        <pc:picChg chg="add mod">
-          <ac:chgData name="Huang, Lucy Yaoyuan" userId="8d578496-9457-459c-a11f-92df8b250202" providerId="ADAL" clId="{C6727DD8-56ED-44ED-A31E-F6094BE8C3E3}" dt="2023-07-26T20:48:24.251" v="305" actId="962"/>
-          <ac:picMkLst>
-            <pc:docMk/>
-            <pc:sldMk cId="2478913466" sldId="266"/>
-            <ac:picMk id="11" creationId="{35D1696F-8A78-8FD7-7B7B-F7737F19D4C1}"/>
-          </ac:picMkLst>
-        </pc:picChg>
-      </pc:sldChg>
-      <pc:sldChg chg="addSp delSp modSp new del mod">
-        <pc:chgData name="Huang, Lucy Yaoyuan" userId="8d578496-9457-459c-a11f-92df8b250202" providerId="ADAL" clId="{C6727DD8-56ED-44ED-A31E-F6094BE8C3E3}" dt="2023-07-24T16:05:57.136" v="205" actId="2696"/>
-        <pc:sldMkLst>
-          <pc:docMk/>
-          <pc:sldMk cId="3117702661" sldId="267"/>
-        </pc:sldMkLst>
-        <pc:spChg chg="del">
-          <ac:chgData name="Huang, Lucy Yaoyuan" userId="8d578496-9457-459c-a11f-92df8b250202" providerId="ADAL" clId="{C6727DD8-56ED-44ED-A31E-F6094BE8C3E3}" dt="2023-07-21T16:33:37.735" v="70" actId="931"/>
-          <ac:spMkLst>
-            <pc:docMk/>
-            <pc:sldMk cId="3117702661" sldId="267"/>
-            <ac:spMk id="3" creationId="{97015FA2-F0C3-C34B-5D96-57349790989B}"/>
-          </ac:spMkLst>
-        </pc:spChg>
-        <pc:spChg chg="add mod">
-          <ac:chgData name="Huang, Lucy Yaoyuan" userId="8d578496-9457-459c-a11f-92df8b250202" providerId="ADAL" clId="{C6727DD8-56ED-44ED-A31E-F6094BE8C3E3}" dt="2023-07-24T16:05:53.670" v="203" actId="21"/>
-          <ac:spMkLst>
-            <pc:docMk/>
-            <pc:sldMk cId="3117702661" sldId="267"/>
-            <ac:spMk id="8" creationId="{E262BC3C-7084-9C5D-3126-D3C1D3BB6E3B}"/>
-          </ac:spMkLst>
-        </pc:spChg>
-        <pc:spChg chg="add del mod">
-          <ac:chgData name="Huang, Lucy Yaoyuan" userId="8d578496-9457-459c-a11f-92df8b250202" providerId="ADAL" clId="{C6727DD8-56ED-44ED-A31E-F6094BE8C3E3}" dt="2023-07-24T16:05:52.008" v="200" actId="931"/>
-          <ac:spMkLst>
-            <pc:docMk/>
-            <pc:sldMk cId="3117702661" sldId="267"/>
-            <ac:spMk id="14" creationId="{517103B9-F56A-030E-749D-AE82BF0F202A}"/>
-          </ac:spMkLst>
-        </pc:spChg>
-        <pc:picChg chg="add del mod">
-          <ac:chgData name="Huang, Lucy Yaoyuan" userId="8d578496-9457-459c-a11f-92df8b250202" providerId="ADAL" clId="{C6727DD8-56ED-44ED-A31E-F6094BE8C3E3}" dt="2023-07-24T16:05:47.331" v="199" actId="21"/>
-          <ac:picMkLst>
-            <pc:docMk/>
-            <pc:sldMk cId="3117702661" sldId="267"/>
-            <ac:picMk id="3" creationId="{E225FAEF-173D-568D-377B-1CCC7AA8DBCD}"/>
-          </ac:picMkLst>
-        </pc:picChg>
-        <pc:picChg chg="add del mod">
-          <ac:chgData name="Huang, Lucy Yaoyuan" userId="8d578496-9457-459c-a11f-92df8b250202" providerId="ADAL" clId="{C6727DD8-56ED-44ED-A31E-F6094BE8C3E3}" dt="2023-07-24T16:04:02.123" v="190" actId="21"/>
-          <ac:picMkLst>
-            <pc:docMk/>
-            <pc:sldMk cId="3117702661" sldId="267"/>
-            <ac:picMk id="4" creationId="{8472C08C-7514-AECD-AA33-217FF7629424}"/>
-          </ac:picMkLst>
-        </pc:picChg>
-        <pc:picChg chg="add del mod">
-          <ac:chgData name="Huang, Lucy Yaoyuan" userId="8d578496-9457-459c-a11f-92df8b250202" providerId="ADAL" clId="{C6727DD8-56ED-44ED-A31E-F6094BE8C3E3}" dt="2023-07-21T16:34:15.437" v="87" actId="21"/>
-          <ac:picMkLst>
-            <pc:docMk/>
-            <pc:sldMk cId="3117702661" sldId="267"/>
-            <ac:picMk id="6" creationId="{048460F3-7E4D-DEAA-8048-8743CEDF241C}"/>
-          </ac:picMkLst>
-        </pc:picChg>
-        <pc:picChg chg="add del mod">
-          <ac:chgData name="Huang, Lucy Yaoyuan" userId="8d578496-9457-459c-a11f-92df8b250202" providerId="ADAL" clId="{C6727DD8-56ED-44ED-A31E-F6094BE8C3E3}" dt="2023-07-24T16:05:53.670" v="203" actId="21"/>
-          <ac:picMkLst>
-            <pc:docMk/>
-            <pc:sldMk cId="3117702661" sldId="267"/>
-            <ac:picMk id="6" creationId="{DF9F0AD3-46C5-92DB-0DCF-0A3153A35BF4}"/>
-          </ac:picMkLst>
-        </pc:picChg>
-        <pc:picChg chg="add del mod">
-          <ac:chgData name="Huang, Lucy Yaoyuan" userId="8d578496-9457-459c-a11f-92df8b250202" providerId="ADAL" clId="{C6727DD8-56ED-44ED-A31E-F6094BE8C3E3}" dt="2023-07-21T16:33:46.467" v="80" actId="21"/>
-          <ac:picMkLst>
-            <pc:docMk/>
-            <pc:sldMk cId="3117702661" sldId="267"/>
-            <ac:picMk id="8" creationId="{5F042AB8-6CBD-59A0-500D-3B3802B5EBE1}"/>
-          </ac:picMkLst>
-        </pc:picChg>
-        <pc:picChg chg="add del mod">
-          <ac:chgData name="Huang, Lucy Yaoyuan" userId="8d578496-9457-459c-a11f-92df8b250202" providerId="ADAL" clId="{C6727DD8-56ED-44ED-A31E-F6094BE8C3E3}" dt="2023-07-21T16:34:03.256" v="84" actId="21"/>
-          <ac:picMkLst>
-            <pc:docMk/>
-            <pc:sldMk cId="3117702661" sldId="267"/>
-            <ac:picMk id="10" creationId="{7F359EB5-7BE9-982C-A1D9-6ED015BDA778}"/>
-          </ac:picMkLst>
-        </pc:picChg>
-        <pc:picChg chg="add del mod">
-          <ac:chgData name="Huang, Lucy Yaoyuan" userId="8d578496-9457-459c-a11f-92df8b250202" providerId="ADAL" clId="{C6727DD8-56ED-44ED-A31E-F6094BE8C3E3}" dt="2023-07-24T16:04:01.684" v="189" actId="21"/>
-          <ac:picMkLst>
-            <pc:docMk/>
-            <pc:sldMk cId="3117702661" sldId="267"/>
-            <ac:picMk id="12" creationId="{290D1AF4-8F77-17D5-39D8-13FE2249CE98}"/>
-          </ac:picMkLst>
-        </pc:picChg>
-      </pc:sldChg>
-      <pc:sldChg chg="new del">
-        <pc:chgData name="Huang, Lucy Yaoyuan" userId="8d578496-9457-459c-a11f-92df8b250202" providerId="ADAL" clId="{C6727DD8-56ED-44ED-A31E-F6094BE8C3E3}" dt="2023-07-20T16:54:25.810" v="36" actId="2696"/>
-        <pc:sldMkLst>
-          <pc:docMk/>
-          <pc:sldMk cId="2051689477" sldId="268"/>
-        </pc:sldMkLst>
-      </pc:sldChg>
-      <pc:sldChg chg="addSp delSp modSp new del mod ord">
-        <pc:chgData name="Huang, Lucy Yaoyuan" userId="8d578496-9457-459c-a11f-92df8b250202" providerId="ADAL" clId="{C6727DD8-56ED-44ED-A31E-F6094BE8C3E3}" dt="2023-08-02T18:43:41.303" v="366" actId="2696"/>
-        <pc:sldMkLst>
-          <pc:docMk/>
-          <pc:sldMk cId="2942796610" sldId="268"/>
-        </pc:sldMkLst>
-        <pc:spChg chg="del">
-          <ac:chgData name="Huang, Lucy Yaoyuan" userId="8d578496-9457-459c-a11f-92df8b250202" providerId="ADAL" clId="{C6727DD8-56ED-44ED-A31E-F6094BE8C3E3}" dt="2023-07-24T16:06:02.153" v="206" actId="931"/>
-          <ac:spMkLst>
-            <pc:docMk/>
-            <pc:sldMk cId="2942796610" sldId="268"/>
-            <ac:spMk id="3" creationId="{2CE57ECA-0CDE-03DC-7AA1-69EA36CC24A8}"/>
-          </ac:spMkLst>
-        </pc:spChg>
-        <pc:spChg chg="add del mod">
-          <ac:chgData name="Huang, Lucy Yaoyuan" userId="8d578496-9457-459c-a11f-92df8b250202" providerId="ADAL" clId="{C6727DD8-56ED-44ED-A31E-F6094BE8C3E3}" dt="2023-07-26T20:47:49.600" v="293" actId="931"/>
-          <ac:spMkLst>
-            <pc:docMk/>
-            <pc:sldMk cId="2942796610" sldId="268"/>
-            <ac:spMk id="4" creationId="{D27EC19F-D90D-914A-8AFB-39FCD0058928}"/>
-          </ac:spMkLst>
-        </pc:spChg>
-        <pc:spChg chg="add mod">
-          <ac:chgData name="Huang, Lucy Yaoyuan" userId="8d578496-9457-459c-a11f-92df8b250202" providerId="ADAL" clId="{C6727DD8-56ED-44ED-A31E-F6094BE8C3E3}" dt="2023-08-02T18:43:29.244" v="364" actId="21"/>
-          <ac:spMkLst>
-            <pc:docMk/>
-            <pc:sldMk cId="2942796610" sldId="268"/>
-            <ac:spMk id="4" creationId="{E41156D5-A0BC-EF24-EAE5-FB9FDFBF30C7}"/>
-          </ac:spMkLst>
-        </pc:spChg>
-        <pc:picChg chg="add del mod">
-          <ac:chgData name="Huang, Lucy Yaoyuan" userId="8d578496-9457-459c-a11f-92df8b250202" providerId="ADAL" clId="{C6727DD8-56ED-44ED-A31E-F6094BE8C3E3}" dt="2023-07-26T20:47:33.827" v="289" actId="21"/>
-          <ac:picMkLst>
-            <pc:docMk/>
-            <pc:sldMk cId="2942796610" sldId="268"/>
-            <ac:picMk id="5" creationId="{A3BFA30E-9C9A-6B37-4842-C2E5019F3D55}"/>
-          </ac:picMkLst>
-        </pc:picChg>
-        <pc:picChg chg="add del mod">
-          <ac:chgData name="Huang, Lucy Yaoyuan" userId="8d578496-9457-459c-a11f-92df8b250202" providerId="ADAL" clId="{C6727DD8-56ED-44ED-A31E-F6094BE8C3E3}" dt="2023-08-02T18:43:29.244" v="364" actId="21"/>
-          <ac:picMkLst>
-            <pc:docMk/>
-            <pc:sldMk cId="2942796610" sldId="268"/>
-            <ac:picMk id="7" creationId="{88947826-9FA4-5EB1-1B8B-56D7172C5AD7}"/>
-          </ac:picMkLst>
-        </pc:picChg>
-      </pc:sldChg>
-      <pc:sldChg chg="addSp delSp modSp new del mod">
-        <pc:chgData name="Huang, Lucy Yaoyuan" userId="8d578496-9457-459c-a11f-92df8b250202" providerId="ADAL" clId="{C6727DD8-56ED-44ED-A31E-F6094BE8C3E3}" dt="2023-07-26T20:48:42.631" v="307" actId="2696"/>
-        <pc:sldMkLst>
-          <pc:docMk/>
-          <pc:sldMk cId="3218181755" sldId="269"/>
-        </pc:sldMkLst>
-        <pc:spChg chg="del">
-          <ac:chgData name="Huang, Lucy Yaoyuan" userId="8d578496-9457-459c-a11f-92df8b250202" providerId="ADAL" clId="{C6727DD8-56ED-44ED-A31E-F6094BE8C3E3}" dt="2023-07-26T16:17:53.627" v="220" actId="931"/>
-          <ac:spMkLst>
-            <pc:docMk/>
-            <pc:sldMk cId="3218181755" sldId="269"/>
-            <ac:spMk id="3" creationId="{0FE56575-DF1D-882A-6420-9BBEEF6F2F18}"/>
-          </ac:spMkLst>
-        </pc:spChg>
-        <pc:picChg chg="add mod">
-          <ac:chgData name="Huang, Lucy Yaoyuan" userId="8d578496-9457-459c-a11f-92df8b250202" providerId="ADAL" clId="{C6727DD8-56ED-44ED-A31E-F6094BE8C3E3}" dt="2023-07-26T16:18:01.296" v="224" actId="14100"/>
-          <ac:picMkLst>
-            <pc:docMk/>
-            <pc:sldMk cId="3218181755" sldId="269"/>
-            <ac:picMk id="5" creationId="{5E26184A-7AE4-2AEF-B1C2-F61F0D5A5911}"/>
-          </ac:picMkLst>
-        </pc:picChg>
-      </pc:sldChg>
-      <pc:sldChg chg="addSp delSp modSp new mod">
-        <pc:chgData name="Huang, Lucy Yaoyuan" userId="8d578496-9457-459c-a11f-92df8b250202" providerId="ADAL" clId="{C6727DD8-56ED-44ED-A31E-F6094BE8C3E3}" dt="2023-08-02T18:47:40.964" v="379" actId="1076"/>
-        <pc:sldMkLst>
-          <pc:docMk/>
-          <pc:sldMk cId="1697230990" sldId="270"/>
-        </pc:sldMkLst>
-        <pc:spChg chg="del">
-          <ac:chgData name="Huang, Lucy Yaoyuan" userId="8d578496-9457-459c-a11f-92df8b250202" providerId="ADAL" clId="{C6727DD8-56ED-44ED-A31E-F6094BE8C3E3}" dt="2023-07-26T16:18:09.456" v="225" actId="931"/>
-          <ac:spMkLst>
-            <pc:docMk/>
-            <pc:sldMk cId="1697230990" sldId="270"/>
-            <ac:spMk id="3" creationId="{D662BE06-B0B7-A6D7-72A0-9B3C42DA14E2}"/>
-          </ac:spMkLst>
-        </pc:spChg>
-        <pc:spChg chg="add del mod">
-          <ac:chgData name="Huang, Lucy Yaoyuan" userId="8d578496-9457-459c-a11f-92df8b250202" providerId="ADAL" clId="{C6727DD8-56ED-44ED-A31E-F6094BE8C3E3}" dt="2023-08-02T18:47:32.354" v="374" actId="931"/>
-          <ac:spMkLst>
-            <pc:docMk/>
-            <pc:sldMk cId="1697230990" sldId="270"/>
-            <ac:spMk id="4" creationId="{7B621A27-C46C-809B-8DFA-FFC9E46B0FB8}"/>
-          </ac:spMkLst>
-        </pc:spChg>
-        <pc:picChg chg="add del mod">
-          <ac:chgData name="Huang, Lucy Yaoyuan" userId="8d578496-9457-459c-a11f-92df8b250202" providerId="ADAL" clId="{C6727DD8-56ED-44ED-A31E-F6094BE8C3E3}" dt="2023-08-02T18:43:18.189" v="360" actId="21"/>
-          <ac:picMkLst>
-            <pc:docMk/>
-            <pc:sldMk cId="1697230990" sldId="270"/>
-            <ac:picMk id="5" creationId="{76E452E3-418E-822E-6F43-E1799D4667C0}"/>
-          </ac:picMkLst>
-        </pc:picChg>
-        <pc:picChg chg="add mod">
-          <ac:chgData name="Huang, Lucy Yaoyuan" userId="8d578496-9457-459c-a11f-92df8b250202" providerId="ADAL" clId="{C6727DD8-56ED-44ED-A31E-F6094BE8C3E3}" dt="2023-08-02T18:47:40.964" v="379" actId="1076"/>
-          <ac:picMkLst>
-            <pc:docMk/>
-            <pc:sldMk cId="1697230990" sldId="270"/>
-            <ac:picMk id="7" creationId="{4B5599B9-3CE5-29B1-B8EC-597ED224AA96}"/>
-          </ac:picMkLst>
-        </pc:picChg>
-      </pc:sldChg>
-      <pc:sldChg chg="addSp delSp modSp new mod">
-        <pc:chgData name="Huang, Lucy Yaoyuan" userId="8d578496-9457-459c-a11f-92df8b250202" providerId="ADAL" clId="{C6727DD8-56ED-44ED-A31E-F6094BE8C3E3}" dt="2023-07-27T14:43:52.510" v="341" actId="14100"/>
-        <pc:sldMkLst>
-          <pc:docMk/>
-          <pc:sldMk cId="2354495484" sldId="271"/>
-        </pc:sldMkLst>
-        <pc:spChg chg="del">
-          <ac:chgData name="Huang, Lucy Yaoyuan" userId="8d578496-9457-459c-a11f-92df8b250202" providerId="ADAL" clId="{C6727DD8-56ED-44ED-A31E-F6094BE8C3E3}" dt="2023-07-26T19:21:27.772" v="265" actId="931"/>
-          <ac:spMkLst>
-            <pc:docMk/>
-            <pc:sldMk cId="2354495484" sldId="271"/>
-            <ac:spMk id="3" creationId="{1D52C3FD-6C25-06D4-9759-1CDFEE5131C2}"/>
-          </ac:spMkLst>
-        </pc:spChg>
-        <pc:spChg chg="add del mod">
-          <ac:chgData name="Huang, Lucy Yaoyuan" userId="8d578496-9457-459c-a11f-92df8b250202" providerId="ADAL" clId="{C6727DD8-56ED-44ED-A31E-F6094BE8C3E3}" dt="2023-07-27T14:36:28.222" v="331" actId="931"/>
-          <ac:spMkLst>
-            <pc:docMk/>
-            <pc:sldMk cId="2354495484" sldId="271"/>
-            <ac:spMk id="4" creationId="{2C3CD2A0-EA46-30EC-CCF3-176CCB28D1D5}"/>
-          </ac:spMkLst>
-        </pc:spChg>
-        <pc:spChg chg="add del mod">
-          <ac:chgData name="Huang, Lucy Yaoyuan" userId="8d578496-9457-459c-a11f-92df8b250202" providerId="ADAL" clId="{C6727DD8-56ED-44ED-A31E-F6094BE8C3E3}" dt="2023-07-27T14:43:48.952" v="337" actId="931"/>
-          <ac:spMkLst>
-            <pc:docMk/>
-            <pc:sldMk cId="2354495484" sldId="271"/>
-            <ac:spMk id="9" creationId="{ECA88E77-56DF-1A24-0140-BF31727B2C0C}"/>
-          </ac:spMkLst>
-        </pc:spChg>
-        <pc:picChg chg="add del mod">
-          <ac:chgData name="Huang, Lucy Yaoyuan" userId="8d578496-9457-459c-a11f-92df8b250202" providerId="ADAL" clId="{C6727DD8-56ED-44ED-A31E-F6094BE8C3E3}" dt="2023-07-27T14:36:21.687" v="330" actId="21"/>
-          <ac:picMkLst>
-            <pc:docMk/>
-            <pc:sldMk cId="2354495484" sldId="271"/>
-            <ac:picMk id="5" creationId="{47FFE6E6-A6C6-AF7D-49A8-EC9E4CE5ACF5}"/>
-          </ac:picMkLst>
-        </pc:picChg>
-        <pc:picChg chg="add del mod">
-          <ac:chgData name="Huang, Lucy Yaoyuan" userId="8d578496-9457-459c-a11f-92df8b250202" providerId="ADAL" clId="{C6727DD8-56ED-44ED-A31E-F6094BE8C3E3}" dt="2023-07-27T14:43:43.642" v="336" actId="21"/>
-          <ac:picMkLst>
-            <pc:docMk/>
-            <pc:sldMk cId="2354495484" sldId="271"/>
-            <ac:picMk id="7" creationId="{4DD1C910-26F9-1A1A-61A4-EEFC0694142B}"/>
-          </ac:picMkLst>
-        </pc:picChg>
-        <pc:picChg chg="add mod">
-          <ac:chgData name="Huang, Lucy Yaoyuan" userId="8d578496-9457-459c-a11f-92df8b250202" providerId="ADAL" clId="{C6727DD8-56ED-44ED-A31E-F6094BE8C3E3}" dt="2023-07-27T14:43:52.510" v="341" actId="14100"/>
-          <ac:picMkLst>
-            <pc:docMk/>
-            <pc:sldMk cId="2354495484" sldId="271"/>
-            <ac:picMk id="11" creationId="{0F9B9D3A-C768-50CD-ABFB-A36F03099935}"/>
-          </ac:picMkLst>
-        </pc:picChg>
-      </pc:sldChg>
-      <pc:sldChg chg="addSp delSp modSp new mod">
-        <pc:chgData name="Huang, Lucy Yaoyuan" userId="8d578496-9457-459c-a11f-92df8b250202" providerId="ADAL" clId="{C6727DD8-56ED-44ED-A31E-F6094BE8C3E3}" dt="2023-08-02T18:48:30.596" v="392" actId="21"/>
-        <pc:sldMkLst>
-          <pc:docMk/>
-          <pc:sldMk cId="3633582858" sldId="272"/>
-        </pc:sldMkLst>
-        <pc:spChg chg="del">
-          <ac:chgData name="Huang, Lucy Yaoyuan" userId="8d578496-9457-459c-a11f-92df8b250202" providerId="ADAL" clId="{C6727DD8-56ED-44ED-A31E-F6094BE8C3E3}" dt="2023-07-26T21:41:21.312" v="316" actId="931"/>
-          <ac:spMkLst>
-            <pc:docMk/>
-            <pc:sldMk cId="3633582858" sldId="272"/>
-            <ac:spMk id="3" creationId="{21AFAEC6-E76F-5BB4-9641-61CDF061CB99}"/>
-          </ac:spMkLst>
-        </pc:spChg>
-        <pc:spChg chg="add del mod">
-          <ac:chgData name="Huang, Lucy Yaoyuan" userId="8d578496-9457-459c-a11f-92df8b250202" providerId="ADAL" clId="{C6727DD8-56ED-44ED-A31E-F6094BE8C3E3}" dt="2023-08-02T18:43:55.060" v="367" actId="931"/>
-          <ac:spMkLst>
-            <pc:docMk/>
-            <pc:sldMk cId="3633582858" sldId="272"/>
-            <ac:spMk id="4" creationId="{ECBAEB01-67E8-BB1E-1A96-BF5AD0D30074}"/>
-          </ac:spMkLst>
-        </pc:spChg>
-        <pc:picChg chg="add del mod">
-          <ac:chgData name="Huang, Lucy Yaoyuan" userId="8d578496-9457-459c-a11f-92df8b250202" providerId="ADAL" clId="{C6727DD8-56ED-44ED-A31E-F6094BE8C3E3}" dt="2023-08-02T18:43:33.006" v="365" actId="21"/>
-          <ac:picMkLst>
-            <pc:docMk/>
-            <pc:sldMk cId="3633582858" sldId="272"/>
-            <ac:picMk id="5" creationId="{2ED39E74-D794-753C-4457-0B44646FD100}"/>
-          </ac:picMkLst>
-        </pc:picChg>
-        <pc:picChg chg="add mod">
-          <ac:chgData name="Huang, Lucy Yaoyuan" userId="8d578496-9457-459c-a11f-92df8b250202" providerId="ADAL" clId="{C6727DD8-56ED-44ED-A31E-F6094BE8C3E3}" dt="2023-08-02T18:48:13.253" v="386" actId="14100"/>
-          <ac:picMkLst>
-            <pc:docMk/>
-            <pc:sldMk cId="3633582858" sldId="272"/>
-            <ac:picMk id="7" creationId="{7170FF35-653D-0B0D-6727-5B51AFA295E3}"/>
-          </ac:picMkLst>
-        </pc:picChg>
-        <pc:picChg chg="add del mod">
-          <ac:chgData name="Huang, Lucy Yaoyuan" userId="8d578496-9457-459c-a11f-92df8b250202" providerId="ADAL" clId="{C6727DD8-56ED-44ED-A31E-F6094BE8C3E3}" dt="2023-08-02T18:48:30.596" v="392" actId="21"/>
-          <ac:picMkLst>
-            <pc:docMk/>
-            <pc:sldMk cId="3633582858" sldId="272"/>
-            <ac:picMk id="9" creationId="{A8D4E465-8614-BA2C-54D9-78A523684E30}"/>
-          </ac:picMkLst>
-        </pc:picChg>
-        <pc:picChg chg="add del mod">
-          <ac:chgData name="Huang, Lucy Yaoyuan" userId="8d578496-9457-459c-a11f-92df8b250202" providerId="ADAL" clId="{C6727DD8-56ED-44ED-A31E-F6094BE8C3E3}" dt="2023-08-02T18:48:15.726" v="387" actId="21"/>
-          <ac:picMkLst>
-            <pc:docMk/>
-            <pc:sldMk cId="3633582858" sldId="272"/>
-            <ac:picMk id="11" creationId="{9F965E14-98FC-CA94-4949-1BD6EF9BB908}"/>
-          </ac:picMkLst>
-        </pc:picChg>
-      </pc:sldChg>
-      <pc:sldChg chg="addSp modSp new mod">
-        <pc:chgData name="Huang, Lucy Yaoyuan" userId="8d578496-9457-459c-a11f-92df8b250202" providerId="ADAL" clId="{C6727DD8-56ED-44ED-A31E-F6094BE8C3E3}" dt="2023-07-27T14:52:27.890" v="357" actId="1076"/>
-        <pc:sldMkLst>
-          <pc:docMk/>
-          <pc:sldMk cId="1101351860" sldId="273"/>
-        </pc:sldMkLst>
-        <pc:picChg chg="add mod">
-          <ac:chgData name="Huang, Lucy Yaoyuan" userId="8d578496-9457-459c-a11f-92df8b250202" providerId="ADAL" clId="{C6727DD8-56ED-44ED-A31E-F6094BE8C3E3}" dt="2023-07-27T14:52:27.890" v="357" actId="1076"/>
-          <ac:picMkLst>
-            <pc:docMk/>
-            <pc:sldMk cId="1101351860" sldId="273"/>
-            <ac:picMk id="4" creationId="{C85BC685-7127-87B2-0FE1-7421E3BE6049}"/>
-          </ac:picMkLst>
-        </pc:picChg>
-      </pc:sldChg>
-      <pc:sldChg chg="addSp delSp modSp new mod ord">
-        <pc:chgData name="Huang, Lucy Yaoyuan" userId="8d578496-9457-459c-a11f-92df8b250202" providerId="ADAL" clId="{C6727DD8-56ED-44ED-A31E-F6094BE8C3E3}" dt="2023-08-02T18:50:36.907" v="409"/>
-        <pc:sldMkLst>
-          <pc:docMk/>
-          <pc:sldMk cId="3591010953" sldId="274"/>
-        </pc:sldMkLst>
-        <pc:spChg chg="del">
-          <ac:chgData name="Huang, Lucy Yaoyuan" userId="8d578496-9457-459c-a11f-92df8b250202" providerId="ADAL" clId="{C6727DD8-56ED-44ED-A31E-F6094BE8C3E3}" dt="2023-08-02T18:49:37.769" v="397" actId="931"/>
-          <ac:spMkLst>
-            <pc:docMk/>
-            <pc:sldMk cId="3591010953" sldId="274"/>
-            <ac:spMk id="3" creationId="{F23984A0-BE87-1E45-88F1-5FDB9DA7E4BF}"/>
-          </ac:spMkLst>
-        </pc:spChg>
-        <pc:spChg chg="add del mod">
-          <ac:chgData name="Huang, Lucy Yaoyuan" userId="8d578496-9457-459c-a11f-92df8b250202" providerId="ADAL" clId="{C6727DD8-56ED-44ED-A31E-F6094BE8C3E3}" dt="2023-08-02T18:50:19.429" v="403" actId="931"/>
-          <ac:spMkLst>
-            <pc:docMk/>
-            <pc:sldMk cId="3591010953" sldId="274"/>
-            <ac:spMk id="8" creationId="{90D8AE54-9933-239F-FC82-79C483A90904}"/>
-          </ac:spMkLst>
-        </pc:spChg>
-        <pc:picChg chg="add del mod">
-          <ac:chgData name="Huang, Lucy Yaoyuan" userId="8d578496-9457-459c-a11f-92df8b250202" providerId="ADAL" clId="{C6727DD8-56ED-44ED-A31E-F6094BE8C3E3}" dt="2023-08-02T18:48:44.545" v="396" actId="21"/>
-          <ac:picMkLst>
-            <pc:docMk/>
-            <pc:sldMk cId="3591010953" sldId="274"/>
-            <ac:picMk id="4" creationId="{13153BBC-8BCF-DE6D-26C9-C64481E80054}"/>
-          </ac:picMkLst>
-        </pc:picChg>
-        <pc:picChg chg="add del mod">
-          <ac:chgData name="Huang, Lucy Yaoyuan" userId="8d578496-9457-459c-a11f-92df8b250202" providerId="ADAL" clId="{C6727DD8-56ED-44ED-A31E-F6094BE8C3E3}" dt="2023-08-02T18:49:46.294" v="402" actId="21"/>
-          <ac:picMkLst>
-            <pc:docMk/>
-            <pc:sldMk cId="3591010953" sldId="274"/>
-            <ac:picMk id="6" creationId="{CF9F15B4-E5A7-AED0-6310-2C0F5E5A2D57}"/>
-          </ac:picMkLst>
-        </pc:picChg>
-        <pc:picChg chg="add mod">
-          <ac:chgData name="Huang, Lucy Yaoyuan" userId="8d578496-9457-459c-a11f-92df8b250202" providerId="ADAL" clId="{C6727DD8-56ED-44ED-A31E-F6094BE8C3E3}" dt="2023-08-02T18:50:27.279" v="407" actId="14100"/>
-          <ac:picMkLst>
-            <pc:docMk/>
-            <pc:sldMk cId="3591010953" sldId="274"/>
-            <ac:picMk id="10" creationId="{E7046B8C-D7F2-691D-ACCC-5D762452374F}"/>
-          </ac:picMkLst>
-        </pc:picChg>
-      </pc:sldChg>
-      <pc:sldChg chg="new del">
-        <pc:chgData name="Huang, Lucy Yaoyuan" userId="8d578496-9457-459c-a11f-92df8b250202" providerId="ADAL" clId="{C6727DD8-56ED-44ED-A31E-F6094BE8C3E3}" dt="2023-07-27T15:31:24.905" v="359" actId="2696"/>
-        <pc:sldMkLst>
-          <pc:docMk/>
-          <pc:sldMk cId="3763532179" sldId="274"/>
-        </pc:sldMkLst>
-      </pc:sldChg>
-      <pc:sldChg chg="addSp modSp new mod">
-        <pc:chgData name="Huang, Lucy Yaoyuan" userId="8d578496-9457-459c-a11f-92df8b250202" providerId="ADAL" clId="{C6727DD8-56ED-44ED-A31E-F6094BE8C3E3}" dt="2023-08-02T18:48:36.813" v="395" actId="1076"/>
-        <pc:sldMkLst>
-          <pc:docMk/>
-          <pc:sldMk cId="3939932716" sldId="275"/>
-        </pc:sldMkLst>
-        <pc:picChg chg="add mod">
-          <ac:chgData name="Huang, Lucy Yaoyuan" userId="8d578496-9457-459c-a11f-92df8b250202" providerId="ADAL" clId="{C6727DD8-56ED-44ED-A31E-F6094BE8C3E3}" dt="2023-08-02T18:48:36.813" v="395" actId="1076"/>
-          <ac:picMkLst>
-            <pc:docMk/>
-            <pc:sldMk cId="3939932716" sldId="275"/>
-            <ac:picMk id="4" creationId="{BD47BA79-A7FA-CC7D-2C21-93B130DACA70}"/>
-          </ac:picMkLst>
-        </pc:picChg>
-      </pc:sldChg>
-      <pc:sldChg chg="addSp delSp modSp new mod">
-        <pc:chgData name="Huang, Lucy Yaoyuan" userId="8d578496-9457-459c-a11f-92df8b250202" providerId="ADAL" clId="{C6727DD8-56ED-44ED-A31E-F6094BE8C3E3}" dt="2023-08-02T18:51:10.161" v="415" actId="14100"/>
-        <pc:sldMkLst>
-          <pc:docMk/>
-          <pc:sldMk cId="1692230384" sldId="276"/>
-        </pc:sldMkLst>
-        <pc:spChg chg="del">
-          <ac:chgData name="Huang, Lucy Yaoyuan" userId="8d578496-9457-459c-a11f-92df8b250202" providerId="ADAL" clId="{C6727DD8-56ED-44ED-A31E-F6094BE8C3E3}" dt="2023-08-02T18:51:05.375" v="411" actId="931"/>
-          <ac:spMkLst>
-            <pc:docMk/>
-            <pc:sldMk cId="1692230384" sldId="276"/>
-            <ac:spMk id="3" creationId="{F7356801-408C-2504-91FC-55364834426F}"/>
-          </ac:spMkLst>
-        </pc:spChg>
-        <pc:picChg chg="add mod">
-          <ac:chgData name="Huang, Lucy Yaoyuan" userId="8d578496-9457-459c-a11f-92df8b250202" providerId="ADAL" clId="{C6727DD8-56ED-44ED-A31E-F6094BE8C3E3}" dt="2023-08-02T18:51:10.161" v="415" actId="14100"/>
-          <ac:picMkLst>
-            <pc:docMk/>
-            <pc:sldMk cId="1692230384" sldId="276"/>
-            <ac:picMk id="5" creationId="{C2752F19-5C9E-2563-6C64-8EB7735F3D81}"/>
-          </ac:picMkLst>
-        </pc:picChg>
-      </pc:sldChg>
-    </pc:docChg>
-  </pc:docChgLst>
-  <pc:docChgLst>
-    <pc:chgData name="Lucy Huang" userId="8d578496-9457-459c-a11f-92df8b250202" providerId="ADAL" clId="{C6727DD8-56ED-44ED-A31E-F6094BE8C3E3}"/>
-    <pc:docChg chg="undo custSel addSld modSld sldOrd">
-      <pc:chgData name="Lucy Huang" userId="8d578496-9457-459c-a11f-92df8b250202" providerId="ADAL" clId="{C6727DD8-56ED-44ED-A31E-F6094BE8C3E3}" dt="2023-07-19T21:02:58.210" v="187" actId="208"/>
-      <pc:docMkLst>
-        <pc:docMk/>
-      </pc:docMkLst>
-      <pc:sldChg chg="delSp modSp mod">
-        <pc:chgData name="Lucy Huang" userId="8d578496-9457-459c-a11f-92df8b250202" providerId="ADAL" clId="{C6727DD8-56ED-44ED-A31E-F6094BE8C3E3}" dt="2023-07-19T20:49:11.332" v="108" actId="21"/>
-        <pc:sldMkLst>
-          <pc:docMk/>
-          <pc:sldMk cId="3621920733" sldId="257"/>
-        </pc:sldMkLst>
-        <pc:spChg chg="mod">
-          <ac:chgData name="Lucy Huang" userId="8d578496-9457-459c-a11f-92df8b250202" providerId="ADAL" clId="{C6727DD8-56ED-44ED-A31E-F6094BE8C3E3}" dt="2023-07-19T20:01:45.303" v="48" actId="20577"/>
-          <ac:spMkLst>
-            <pc:docMk/>
-            <pc:sldMk cId="3621920733" sldId="257"/>
-            <ac:spMk id="2" creationId="{BB02845D-2E6F-9B04-E0E2-2E6F20EC4038}"/>
-          </ac:spMkLst>
-        </pc:spChg>
-        <pc:picChg chg="del">
-          <ac:chgData name="Lucy Huang" userId="8d578496-9457-459c-a11f-92df8b250202" providerId="ADAL" clId="{C6727DD8-56ED-44ED-A31E-F6094BE8C3E3}" dt="2023-07-19T20:49:11.332" v="108" actId="21"/>
-          <ac:picMkLst>
-            <pc:docMk/>
-            <pc:sldMk cId="3621920733" sldId="257"/>
-            <ac:picMk id="4" creationId="{653D21CA-1FAB-D551-7915-26558C74C20B}"/>
-          </ac:picMkLst>
-        </pc:picChg>
-      </pc:sldChg>
-      <pc:sldChg chg="addSp delSp modSp mod ord setBg">
-        <pc:chgData name="Lucy Huang" userId="8d578496-9457-459c-a11f-92df8b250202" providerId="ADAL" clId="{C6727DD8-56ED-44ED-A31E-F6094BE8C3E3}" dt="2023-07-19T21:02:58.210" v="187" actId="208"/>
-        <pc:sldMkLst>
-          <pc:docMk/>
-          <pc:sldMk cId="3819636605" sldId="259"/>
-        </pc:sldMkLst>
-        <pc:spChg chg="mod">
-          <ac:chgData name="Lucy Huang" userId="8d578496-9457-459c-a11f-92df8b250202" providerId="ADAL" clId="{C6727DD8-56ED-44ED-A31E-F6094BE8C3E3}" dt="2023-07-19T20:56:20.634" v="154" actId="26606"/>
-          <ac:spMkLst>
-            <pc:docMk/>
-            <pc:sldMk cId="3819636605" sldId="259"/>
-            <ac:spMk id="2" creationId="{45F25EE0-4A40-BD9F-FC4A-8FCCD3962D82}"/>
-          </ac:spMkLst>
-        </pc:spChg>
-        <pc:spChg chg="del">
-          <ac:chgData name="Lucy Huang" userId="8d578496-9457-459c-a11f-92df8b250202" providerId="ADAL" clId="{C6727DD8-56ED-44ED-A31E-F6094BE8C3E3}" dt="2023-07-19T20:53:38.493" v="110" actId="931"/>
-          <ac:spMkLst>
-            <pc:docMk/>
-            <pc:sldMk cId="3819636605" sldId="259"/>
-            <ac:spMk id="3" creationId="{9C91B660-27F1-8211-49FB-3FC4A6FCAFB1}"/>
-          </ac:spMkLst>
-        </pc:spChg>
-        <pc:spChg chg="add del mod">
-          <ac:chgData name="Lucy Huang" userId="8d578496-9457-459c-a11f-92df8b250202" providerId="ADAL" clId="{C6727DD8-56ED-44ED-A31E-F6094BE8C3E3}" dt="2023-07-19T21:01:29.553" v="170" actId="931"/>
-          <ac:spMkLst>
-            <pc:docMk/>
-            <pc:sldMk cId="3819636605" sldId="259"/>
-            <ac:spMk id="12" creationId="{1E442BF0-692F-F5F3-8D64-CB4635A12B3E}"/>
-          </ac:spMkLst>
-        </pc:spChg>
-        <pc:spChg chg="add del">
-          <ac:chgData name="Lucy Huang" userId="8d578496-9457-459c-a11f-92df8b250202" providerId="ADAL" clId="{C6727DD8-56ED-44ED-A31E-F6094BE8C3E3}" dt="2023-07-19T20:56:20.634" v="154" actId="26606"/>
-          <ac:spMkLst>
-            <pc:docMk/>
-            <pc:sldMk cId="3819636605" sldId="259"/>
-            <ac:spMk id="14" creationId="{9F2927B6-D13D-B867-8DE7-6FE6685BDBA0}"/>
-          </ac:spMkLst>
-        </pc:spChg>
-        <pc:spChg chg="add mod">
-          <ac:chgData name="Lucy Huang" userId="8d578496-9457-459c-a11f-92df8b250202" providerId="ADAL" clId="{C6727DD8-56ED-44ED-A31E-F6094BE8C3E3}" dt="2023-07-19T21:02:58.210" v="187" actId="208"/>
-          <ac:spMkLst>
-            <pc:docMk/>
-            <pc:sldMk cId="3819636605" sldId="259"/>
-            <ac:spMk id="16" creationId="{4BF8B23F-1E17-1F09-72DA-5ADA0FCEB63D}"/>
-          </ac:spMkLst>
-        </pc:spChg>
-        <pc:picChg chg="del">
-          <ac:chgData name="Lucy Huang" userId="8d578496-9457-459c-a11f-92df8b250202" providerId="ADAL" clId="{C6727DD8-56ED-44ED-A31E-F6094BE8C3E3}" dt="2023-07-19T20:49:12.515" v="109" actId="21"/>
-          <ac:picMkLst>
-            <pc:docMk/>
-            <pc:sldMk cId="3819636605" sldId="259"/>
-            <ac:picMk id="4" creationId="{DDC4C5D6-C764-9A39-CA82-577C8C74C140}"/>
-          </ac:picMkLst>
-        </pc:picChg>
-        <pc:picChg chg="add del mod ord">
-          <ac:chgData name="Lucy Huang" userId="8d578496-9457-459c-a11f-92df8b250202" providerId="ADAL" clId="{C6727DD8-56ED-44ED-A31E-F6094BE8C3E3}" dt="2023-07-19T21:01:18.645" v="169" actId="21"/>
-          <ac:picMkLst>
-            <pc:docMk/>
-            <pc:sldMk cId="3819636605" sldId="259"/>
-            <ac:picMk id="6" creationId="{C36A8B36-E864-438F-C3F7-78072CE97327}"/>
-          </ac:picMkLst>
-        </pc:picChg>
-        <pc:picChg chg="add del mod">
-          <ac:chgData name="Lucy Huang" userId="8d578496-9457-459c-a11f-92df8b250202" providerId="ADAL" clId="{C6727DD8-56ED-44ED-A31E-F6094BE8C3E3}" dt="2023-07-19T20:56:22.663" v="155" actId="21"/>
-          <ac:picMkLst>
-            <pc:docMk/>
-            <pc:sldMk cId="3819636605" sldId="259"/>
-            <ac:picMk id="8" creationId="{F8A059A5-B3DF-10C0-D4D8-0729D2EFDD17}"/>
-          </ac:picMkLst>
-        </pc:picChg>
-        <pc:picChg chg="add del mod">
-          <ac:chgData name="Lucy Huang" userId="8d578496-9457-459c-a11f-92df8b250202" providerId="ADAL" clId="{C6727DD8-56ED-44ED-A31E-F6094BE8C3E3}" dt="2023-07-19T21:01:43.384" v="177" actId="21"/>
-          <ac:picMkLst>
-            <pc:docMk/>
-            <pc:sldMk cId="3819636605" sldId="259"/>
-            <ac:picMk id="10" creationId="{284C9A4B-3621-D4CD-F6A5-6DA9BEA0F88A}"/>
-          </ac:picMkLst>
-        </pc:picChg>
-        <pc:picChg chg="add mod">
-          <ac:chgData name="Lucy Huang" userId="8d578496-9457-459c-a11f-92df8b250202" providerId="ADAL" clId="{C6727DD8-56ED-44ED-A31E-F6094BE8C3E3}" dt="2023-07-19T21:01:47.406" v="178" actId="14100"/>
-          <ac:picMkLst>
-            <pc:docMk/>
-            <pc:sldMk cId="3819636605" sldId="259"/>
-            <ac:picMk id="15" creationId="{71E9C057-8966-632E-7DBB-43CE9425D066}"/>
-          </ac:picMkLst>
-        </pc:picChg>
-        <pc:picChg chg="add mod">
-          <ac:chgData name="Lucy Huang" userId="8d578496-9457-459c-a11f-92df8b250202" providerId="ADAL" clId="{C6727DD8-56ED-44ED-A31E-F6094BE8C3E3}" dt="2023-07-19T21:02:28.015" v="186" actId="1076"/>
-          <ac:picMkLst>
-            <pc:docMk/>
-            <pc:sldMk cId="3819636605" sldId="259"/>
-            <ac:picMk id="17" creationId="{FC45A1E9-5555-4626-E7D1-A89F60192ABE}"/>
-          </ac:picMkLst>
-        </pc:picChg>
-      </pc:sldChg>
-      <pc:sldChg chg="addSp modSp mod ord">
-        <pc:chgData name="Lucy Huang" userId="8d578496-9457-459c-a11f-92df8b250202" providerId="ADAL" clId="{C6727DD8-56ED-44ED-A31E-F6094BE8C3E3}" dt="2023-07-19T20:02:32.276" v="104" actId="1076"/>
-        <pc:sldMkLst>
-          <pc:docMk/>
-          <pc:sldMk cId="3569370174" sldId="260"/>
-        </pc:sldMkLst>
-        <pc:spChg chg="add mod">
-          <ac:chgData name="Lucy Huang" userId="8d578496-9457-459c-a11f-92df8b250202" providerId="ADAL" clId="{C6727DD8-56ED-44ED-A31E-F6094BE8C3E3}" dt="2023-07-19T20:02:32.276" v="104" actId="1076"/>
-          <ac:spMkLst>
-            <pc:docMk/>
-            <pc:sldMk cId="3569370174" sldId="260"/>
-            <ac:spMk id="3" creationId="{DF3FAA24-5F7B-EFF7-903F-394870F19223}"/>
-          </ac:spMkLst>
-        </pc:spChg>
-      </pc:sldChg>
-      <pc:sldChg chg="addSp delSp modSp mod ord">
-        <pc:chgData name="Lucy Huang" userId="8d578496-9457-459c-a11f-92df8b250202" providerId="ADAL" clId="{C6727DD8-56ED-44ED-A31E-F6094BE8C3E3}" dt="2023-07-19T20:03:30.426" v="107"/>
-        <pc:sldMkLst>
-          <pc:docMk/>
-          <pc:sldMk cId="1111217609" sldId="261"/>
-        </pc:sldMkLst>
-        <pc:spChg chg="add del mod">
-          <ac:chgData name="Lucy Huang" userId="8d578496-9457-459c-a11f-92df8b250202" providerId="ADAL" clId="{C6727DD8-56ED-44ED-A31E-F6094BE8C3E3}" dt="2023-07-19T20:02:27.477" v="102" actId="478"/>
-          <ac:spMkLst>
-            <pc:docMk/>
-            <pc:sldMk cId="1111217609" sldId="261"/>
-            <ac:spMk id="5" creationId="{C6AE9E2D-657A-2961-BEBF-9240B5F62E40}"/>
-          </ac:spMkLst>
-        </pc:spChg>
-        <pc:spChg chg="add del mod">
-          <ac:chgData name="Lucy Huang" userId="8d578496-9457-459c-a11f-92df8b250202" providerId="ADAL" clId="{C6727DD8-56ED-44ED-A31E-F6094BE8C3E3}" dt="2023-07-19T20:03:30.426" v="107"/>
-          <ac:spMkLst>
-            <pc:docMk/>
-            <pc:sldMk cId="1111217609" sldId="261"/>
-            <ac:spMk id="6" creationId="{0425C3F2-B552-800C-C7B8-D149E9972BA0}"/>
-          </ac:spMkLst>
-        </pc:spChg>
-      </pc:sldChg>
-      <pc:sldChg chg="addSp delSp modSp new mod">
-        <pc:chgData name="Lucy Huang" userId="8d578496-9457-459c-a11f-92df8b250202" providerId="ADAL" clId="{C6727DD8-56ED-44ED-A31E-F6094BE8C3E3}" dt="2023-07-19T21:02:17.690" v="183" actId="21"/>
-        <pc:sldMkLst>
-          <pc:docMk/>
-          <pc:sldMk cId="1706519594" sldId="262"/>
-        </pc:sldMkLst>
-        <pc:spChg chg="mod">
-          <ac:chgData name="Lucy Huang" userId="8d578496-9457-459c-a11f-92df8b250202" providerId="ADAL" clId="{C6727DD8-56ED-44ED-A31E-F6094BE8C3E3}" dt="2023-07-19T20:01:57.400" v="81" actId="20577"/>
-          <ac:spMkLst>
-            <pc:docMk/>
-            <pc:sldMk cId="1706519594" sldId="262"/>
-            <ac:spMk id="2" creationId="{84E77D92-D745-3C0C-538A-E38E4EA5D7A2}"/>
-          </ac:spMkLst>
-        </pc:spChg>
-        <pc:picChg chg="add del mod">
-          <ac:chgData name="Lucy Huang" userId="8d578496-9457-459c-a11f-92df8b250202" providerId="ADAL" clId="{C6727DD8-56ED-44ED-A31E-F6094BE8C3E3}" dt="2023-07-19T21:02:17.690" v="183" actId="21"/>
-          <ac:picMkLst>
-            <pc:docMk/>
-            <pc:sldMk cId="1706519594" sldId="262"/>
-            <ac:picMk id="4" creationId="{A04024EA-2615-1FBC-75AA-44A0620A5EC3}"/>
-          </ac:picMkLst>
-        </pc:picChg>
-      </pc:sldChg>
-    </pc:docChg>
-  </pc:docChgLst>
-  <pc:docChgLst>
-    <pc:chgData name="Huang, Lucy Yaoyuan" userId="8d578496-9457-459c-a11f-92df8b250202" providerId="ADAL" clId="{454A55F0-2694-4033-B5B3-89B47321DA88}"/>
-    <pc:docChg chg="custSel addSld modSld sldOrd">
-      <pc:chgData name="Huang, Lucy Yaoyuan" userId="8d578496-9457-459c-a11f-92df8b250202" providerId="ADAL" clId="{454A55F0-2694-4033-B5B3-89B47321DA88}" dt="2023-08-03T17:03:29.087" v="10" actId="14100"/>
-      <pc:docMkLst>
-        <pc:docMk/>
-      </pc:docMkLst>
-      <pc:sldChg chg="ord">
-        <pc:chgData name="Huang, Lucy Yaoyuan" userId="8d578496-9457-459c-a11f-92df8b250202" providerId="ADAL" clId="{454A55F0-2694-4033-B5B3-89B47321DA88}" dt="2023-08-03T16:57:55.066" v="3"/>
-        <pc:sldMkLst>
-          <pc:docMk/>
-          <pc:sldMk cId="3591010953" sldId="274"/>
-        </pc:sldMkLst>
-      </pc:sldChg>
-      <pc:sldChg chg="ord">
-        <pc:chgData name="Huang, Lucy Yaoyuan" userId="8d578496-9457-459c-a11f-92df8b250202" providerId="ADAL" clId="{454A55F0-2694-4033-B5B3-89B47321DA88}" dt="2023-08-03T16:57:52.401" v="1"/>
-        <pc:sldMkLst>
-          <pc:docMk/>
-          <pc:sldMk cId="3939932716" sldId="275"/>
-        </pc:sldMkLst>
-      </pc:sldChg>
-      <pc:sldChg chg="addSp delSp modSp new mod">
-        <pc:chgData name="Huang, Lucy Yaoyuan" userId="8d578496-9457-459c-a11f-92df8b250202" providerId="ADAL" clId="{454A55F0-2694-4033-B5B3-89B47321DA88}" dt="2023-08-03T17:03:29.087" v="10" actId="14100"/>
-        <pc:sldMkLst>
-          <pc:docMk/>
-          <pc:sldMk cId="2159866637" sldId="277"/>
-        </pc:sldMkLst>
-        <pc:spChg chg="del">
-          <ac:chgData name="Huang, Lucy Yaoyuan" userId="8d578496-9457-459c-a11f-92df8b250202" providerId="ADAL" clId="{454A55F0-2694-4033-B5B3-89B47321DA88}" dt="2023-08-03T17:03:25.363" v="7" actId="931"/>
-          <ac:spMkLst>
-            <pc:docMk/>
-            <pc:sldMk cId="2159866637" sldId="277"/>
-            <ac:spMk id="3" creationId="{FF98DB80-9543-3A7A-AA34-ACDFB4DF2020}"/>
-          </ac:spMkLst>
-        </pc:spChg>
-        <pc:picChg chg="add del">
-          <ac:chgData name="Huang, Lucy Yaoyuan" userId="8d578496-9457-459c-a11f-92df8b250202" providerId="ADAL" clId="{454A55F0-2694-4033-B5B3-89B47321DA88}" dt="2023-08-03T17:03:18.245" v="6" actId="21"/>
-          <ac:picMkLst>
-            <pc:docMk/>
-            <pc:sldMk cId="2159866637" sldId="277"/>
-            <ac:picMk id="5" creationId="{6BBF462F-34CC-9C65-8E23-89241B86F0EA}"/>
-          </ac:picMkLst>
-        </pc:picChg>
-        <pc:picChg chg="add mod">
-          <ac:chgData name="Huang, Lucy Yaoyuan" userId="8d578496-9457-459c-a11f-92df8b250202" providerId="ADAL" clId="{454A55F0-2694-4033-B5B3-89B47321DA88}" dt="2023-08-03T17:03:29.087" v="10" actId="14100"/>
-          <ac:picMkLst>
-            <pc:docMk/>
-            <pc:sldMk cId="2159866637" sldId="277"/>
-            <ac:picMk id="7" creationId="{0DC48CD6-1C07-2AB0-57D4-566CA2ABCB19}"/>
-          </ac:picMkLst>
-        </pc:picChg>
-      </pc:sldChg>
-    </pc:docChg>
-  </pc:docChgLst>
-  <pc:docChgLst>
-    <pc:chgData name="Guest User" userId="S::urn:spo:anon#ea516d5bfbddd5fd83341af53625b03d3f67b2595679e445efc4f5857a366070::" providerId="AD" clId="Web-{25346240-C5B6-850E-D09C-CB0969BBF519}"/>
-    <pc:docChg chg="modSld">
-      <pc:chgData name="Guest User" userId="S::urn:spo:anon#ea516d5bfbddd5fd83341af53625b03d3f67b2595679e445efc4f5857a366070::" providerId="AD" clId="Web-{25346240-C5B6-850E-D09C-CB0969BBF519}" dt="2023-07-19T19:06:50.547" v="4" actId="14100"/>
-      <pc:docMkLst>
-        <pc:docMk/>
-      </pc:docMkLst>
-      <pc:sldChg chg="modSp">
-        <pc:chgData name="Guest User" userId="S::urn:spo:anon#ea516d5bfbddd5fd83341af53625b03d3f67b2595679e445efc4f5857a366070::" providerId="AD" clId="Web-{25346240-C5B6-850E-D09C-CB0969BBF519}" dt="2023-07-19T19:05:02.368" v="2" actId="1076"/>
-        <pc:sldMkLst>
-          <pc:docMk/>
-          <pc:sldMk cId="3569370174" sldId="260"/>
-        </pc:sldMkLst>
-        <pc:picChg chg="mod">
-          <ac:chgData name="Guest User" userId="S::urn:spo:anon#ea516d5bfbddd5fd83341af53625b03d3f67b2595679e445efc4f5857a366070::" providerId="AD" clId="Web-{25346240-C5B6-850E-D09C-CB0969BBF519}" dt="2023-07-19T19:05:02.368" v="2" actId="1076"/>
-          <ac:picMkLst>
-            <pc:docMk/>
-            <pc:sldMk cId="3569370174" sldId="260"/>
-            <ac:picMk id="6" creationId="{52F29D42-4552-DAB9-6317-7FBACA44894B}"/>
-          </ac:picMkLst>
-        </pc:picChg>
-      </pc:sldChg>
-      <pc:sldChg chg="modSp">
-        <pc:chgData name="Guest User" userId="S::urn:spo:anon#ea516d5bfbddd5fd83341af53625b03d3f67b2595679e445efc4f5857a366070::" providerId="AD" clId="Web-{25346240-C5B6-850E-D09C-CB0969BBF519}" dt="2023-07-19T19:06:50.547" v="4" actId="14100"/>
-        <pc:sldMkLst>
-          <pc:docMk/>
-          <pc:sldMk cId="1111217609" sldId="261"/>
-        </pc:sldMkLst>
-        <pc:picChg chg="mod">
-          <ac:chgData name="Guest User" userId="S::urn:spo:anon#ea516d5bfbddd5fd83341af53625b03d3f67b2595679e445efc4f5857a366070::" providerId="AD" clId="Web-{25346240-C5B6-850E-D09C-CB0969BBF519}" dt="2023-07-19T19:06:50.547" v="4" actId="14100"/>
-          <ac:picMkLst>
-            <pc:docMk/>
-            <pc:sldMk cId="1111217609" sldId="261"/>
-            <ac:picMk id="4" creationId="{B7167C50-499F-75A3-DC5B-A351D0A7C7A1}"/>
-          </ac:picMkLst>
-        </pc:picChg>
-      </pc:sldChg>
-    </pc:docChg>
-  </pc:docChgLst>
-  <pc:docChgLst>
-    <pc:chgData name="Huang, Lucy Yaoyuan" userId="S::u251639@bcm.edu::8d578496-9457-459c-a11f-92df8b250202" providerId="AD" clId="Web-{E4D5A729-547F-075B-7B03-AF1FD24B1328}"/>
-    <pc:docChg chg="modSld">
-      <pc:chgData name="Huang, Lucy Yaoyuan" userId="S::u251639@bcm.edu::8d578496-9457-459c-a11f-92df8b250202" providerId="AD" clId="Web-{E4D5A729-547F-075B-7B03-AF1FD24B1328}" dt="2023-07-26T14:37:11.313" v="12"/>
-      <pc:docMkLst>
-        <pc:docMk/>
-      </pc:docMkLst>
-      <pc:sldChg chg="addSp delSp modSp">
-        <pc:chgData name="Huang, Lucy Yaoyuan" userId="S::u251639@bcm.edu::8d578496-9457-459c-a11f-92df8b250202" providerId="AD" clId="Web-{E4D5A729-547F-075B-7B03-AF1FD24B1328}" dt="2023-07-26T14:36:28.483" v="10" actId="1076"/>
-        <pc:sldMkLst>
-          <pc:docMk/>
-          <pc:sldMk cId="3819636605" sldId="259"/>
-        </pc:sldMkLst>
-        <pc:spChg chg="del">
-          <ac:chgData name="Huang, Lucy Yaoyuan" userId="S::u251639@bcm.edu::8d578496-9457-459c-a11f-92df8b250202" providerId="AD" clId="Web-{E4D5A729-547F-075B-7B03-AF1FD24B1328}" dt="2023-07-26T14:36:17.155" v="4"/>
-          <ac:spMkLst>
-            <pc:docMk/>
-            <pc:sldMk cId="3819636605" sldId="259"/>
-            <ac:spMk id="2" creationId="{45F25EE0-4A40-BD9F-FC4A-8FCCD3962D82}"/>
-          </ac:spMkLst>
-        </pc:spChg>
-        <pc:spChg chg="del mod">
-          <ac:chgData name="Huang, Lucy Yaoyuan" userId="S::u251639@bcm.edu::8d578496-9457-459c-a11f-92df8b250202" providerId="AD" clId="Web-{E4D5A729-547F-075B-7B03-AF1FD24B1328}" dt="2023-07-26T14:36:12.686" v="3"/>
-          <ac:spMkLst>
-            <pc:docMk/>
-            <pc:sldMk cId="3819636605" sldId="259"/>
-            <ac:spMk id="4" creationId="{5FA5D9FA-6E40-BFC4-202D-C69E4B845EFE}"/>
-          </ac:spMkLst>
-        </pc:spChg>
-        <pc:picChg chg="add del mod">
-          <ac:chgData name="Huang, Lucy Yaoyuan" userId="S::u251639@bcm.edu::8d578496-9457-459c-a11f-92df8b250202" providerId="AD" clId="Web-{E4D5A729-547F-075B-7B03-AF1FD24B1328}" dt="2023-07-26T14:36:28.483" v="10" actId="1076"/>
-          <ac:picMkLst>
-            <pc:docMk/>
-            <pc:sldMk cId="3819636605" sldId="259"/>
-            <ac:picMk id="17" creationId="{FC45A1E9-5555-4626-E7D1-A89F60192ABE}"/>
-          </ac:picMkLst>
-        </pc:picChg>
-      </pc:sldChg>
-      <pc:sldChg chg="delSp">
-        <pc:chgData name="Huang, Lucy Yaoyuan" userId="S::u251639@bcm.edu::8d578496-9457-459c-a11f-92df8b250202" providerId="AD" clId="Web-{E4D5A729-547F-075B-7B03-AF1FD24B1328}" dt="2023-07-26T14:37:11.313" v="12"/>
-        <pc:sldMkLst>
-          <pc:docMk/>
-          <pc:sldMk cId="3569370174" sldId="260"/>
-        </pc:sldMkLst>
-        <pc:spChg chg="del">
-          <ac:chgData name="Huang, Lucy Yaoyuan" userId="S::u251639@bcm.edu::8d578496-9457-459c-a11f-92df8b250202" providerId="AD" clId="Web-{E4D5A729-547F-075B-7B03-AF1FD24B1328}" dt="2023-07-26T14:37:11.313" v="12"/>
-          <ac:spMkLst>
-            <pc:docMk/>
-            <pc:sldMk cId="3569370174" sldId="260"/>
-            <ac:spMk id="8" creationId="{8CBD2917-A041-560E-F00E-492D968DD9DD}"/>
-          </ac:spMkLst>
-        </pc:spChg>
-      </pc:sldChg>
-      <pc:sldChg chg="delSp">
-        <pc:chgData name="Huang, Lucy Yaoyuan" userId="S::u251639@bcm.edu::8d578496-9457-459c-a11f-92df8b250202" providerId="AD" clId="Web-{E4D5A729-547F-075B-7B03-AF1FD24B1328}" dt="2023-07-26T14:36:56.968" v="11"/>
-        <pc:sldMkLst>
-          <pc:docMk/>
-          <pc:sldMk cId="3440815627" sldId="265"/>
-        </pc:sldMkLst>
-        <pc:spChg chg="del">
-          <ac:chgData name="Huang, Lucy Yaoyuan" userId="S::u251639@bcm.edu::8d578496-9457-459c-a11f-92df8b250202" providerId="AD" clId="Web-{E4D5A729-547F-075B-7B03-AF1FD24B1328}" dt="2023-07-26T14:36:56.968" v="11"/>
-          <ac:spMkLst>
-            <pc:docMk/>
-            <pc:sldMk cId="3440815627" sldId="265"/>
-            <ac:spMk id="2" creationId="{6154EA44-CDD3-21BD-E57A-DFFBC2BC8D1F}"/>
-          </ac:spMkLst>
-        </pc:spChg>
-      </pc:sldChg>
-    </pc:docChg>
-  </pc:docChgLst>
-</pc:chgInfo>
 </file>
 
 <file path=ppt/slideLayouts/slideLayout1.xml><?xml version="1.0" encoding="utf-8"?>
@@ -2260,7 +872,7 @@
           <a:p>
             <a:fld id="{F81EA58A-236B-4351-AA1B-97F3A2A984DC}" type="datetimeFigureOut">
               <a:rPr lang="en-US" smtClean="0"/>
-              <a:t>8/9/2023</a:t>
+              <a:t>8/10/2023</a:t>
             </a:fld>
             <a:endParaRPr lang="en-US"/>
           </a:p>
@@ -2510,7 +1122,7 @@
           <a:p>
             <a:fld id="{F81EA58A-236B-4351-AA1B-97F3A2A984DC}" type="datetimeFigureOut">
               <a:rPr lang="en-US" smtClean="0"/>
-              <a:t>8/9/2023</a:t>
+              <a:t>8/10/2023</a:t>
             </a:fld>
             <a:endParaRPr lang="en-US"/>
           </a:p>
@@ -2823,7 +1435,7 @@
           <a:p>
             <a:fld id="{F81EA58A-236B-4351-AA1B-97F3A2A984DC}" type="datetimeFigureOut">
               <a:rPr lang="en-US" smtClean="0"/>
-              <a:t>8/9/2023</a:t>
+              <a:t>8/10/2023</a:t>
             </a:fld>
             <a:endParaRPr lang="en-US"/>
           </a:p>
@@ -3155,7 +1767,7 @@
           <a:p>
             <a:fld id="{F81EA58A-236B-4351-AA1B-97F3A2A984DC}" type="datetimeFigureOut">
               <a:rPr lang="en-US" smtClean="0"/>
-              <a:t>8/9/2023</a:t>
+              <a:t>8/10/2023</a:t>
             </a:fld>
             <a:endParaRPr lang="en-US"/>
           </a:p>
@@ -3468,7 +2080,7 @@
           <a:p>
             <a:fld id="{F81EA58A-236B-4351-AA1B-97F3A2A984DC}" type="datetimeFigureOut">
               <a:rPr lang="en-US" smtClean="0"/>
-              <a:t>8/9/2023</a:t>
+              <a:t>8/10/2023</a:t>
             </a:fld>
             <a:endParaRPr lang="en-US"/>
           </a:p>
@@ -3860,7 +2472,7 @@
           <a:p>
             <a:fld id="{F81EA58A-236B-4351-AA1B-97F3A2A984DC}" type="datetimeFigureOut">
               <a:rPr lang="en-US" smtClean="0"/>
-              <a:t>8/9/2023</a:t>
+              <a:t>8/10/2023</a:t>
             </a:fld>
             <a:endParaRPr lang="en-US"/>
           </a:p>
@@ -4028,7 +2640,7 @@
           <a:p>
             <a:fld id="{F81EA58A-236B-4351-AA1B-97F3A2A984DC}" type="datetimeFigureOut">
               <a:rPr lang="en-US" smtClean="0"/>
-              <a:t>8/9/2023</a:t>
+              <a:t>8/10/2023</a:t>
             </a:fld>
             <a:endParaRPr lang="en-US"/>
           </a:p>
@@ -4206,7 +2818,7 @@
           <a:p>
             <a:fld id="{F81EA58A-236B-4351-AA1B-97F3A2A984DC}" type="datetimeFigureOut">
               <a:rPr lang="en-US" smtClean="0"/>
-              <a:t>8/9/2023</a:t>
+              <a:t>8/10/2023</a:t>
             </a:fld>
             <a:endParaRPr lang="en-US"/>
           </a:p>
@@ -4374,7 +2986,7 @@
           <a:p>
             <a:fld id="{F81EA58A-236B-4351-AA1B-97F3A2A984DC}" type="datetimeFigureOut">
               <a:rPr lang="en-US" smtClean="0"/>
-              <a:t>8/9/2023</a:t>
+              <a:t>8/10/2023</a:t>
             </a:fld>
             <a:endParaRPr lang="en-US"/>
           </a:p>
@@ -4620,7 +3232,7 @@
           <a:p>
             <a:fld id="{F81EA58A-236B-4351-AA1B-97F3A2A984DC}" type="datetimeFigureOut">
               <a:rPr lang="en-US" smtClean="0"/>
-              <a:t>8/9/2023</a:t>
+              <a:t>8/10/2023</a:t>
             </a:fld>
             <a:endParaRPr lang="en-US"/>
           </a:p>
@@ -4849,7 +3461,7 @@
           <a:p>
             <a:fld id="{F81EA58A-236B-4351-AA1B-97F3A2A984DC}" type="datetimeFigureOut">
               <a:rPr lang="en-US" smtClean="0"/>
-              <a:t>8/9/2023</a:t>
+              <a:t>8/10/2023</a:t>
             </a:fld>
             <a:endParaRPr lang="en-US"/>
           </a:p>
@@ -5220,7 +3832,7 @@
           <a:p>
             <a:fld id="{F81EA58A-236B-4351-AA1B-97F3A2A984DC}" type="datetimeFigureOut">
               <a:rPr lang="en-US" smtClean="0"/>
-              <a:t>8/9/2023</a:t>
+              <a:t>8/10/2023</a:t>
             </a:fld>
             <a:endParaRPr lang="en-US"/>
           </a:p>
@@ -5342,7 +3954,7 @@
           <a:p>
             <a:fld id="{F81EA58A-236B-4351-AA1B-97F3A2A984DC}" type="datetimeFigureOut">
               <a:rPr lang="en-US" smtClean="0"/>
-              <a:t>8/9/2023</a:t>
+              <a:t>8/10/2023</a:t>
             </a:fld>
             <a:endParaRPr lang="en-US"/>
           </a:p>
@@ -5437,7 +4049,7 @@
           <a:p>
             <a:fld id="{F81EA58A-236B-4351-AA1B-97F3A2A984DC}" type="datetimeFigureOut">
               <a:rPr lang="en-US" smtClean="0"/>
-              <a:t>8/9/2023</a:t>
+              <a:t>8/10/2023</a:t>
             </a:fld>
             <a:endParaRPr lang="en-US"/>
           </a:p>
@@ -5690,7 +4302,7 @@
           <a:p>
             <a:fld id="{F81EA58A-236B-4351-AA1B-97F3A2A984DC}" type="datetimeFigureOut">
               <a:rPr lang="en-US" smtClean="0"/>
-              <a:t>8/9/2023</a:t>
+              <a:t>8/10/2023</a:t>
             </a:fld>
             <a:endParaRPr lang="en-US"/>
           </a:p>
@@ -5993,7 +4605,7 @@
           <a:p>
             <a:fld id="{F81EA58A-236B-4351-AA1B-97F3A2A984DC}" type="datetimeFigureOut">
               <a:rPr lang="en-US" smtClean="0"/>
-              <a:t>8/9/2023</a:t>
+              <a:t>8/10/2023</a:t>
             </a:fld>
             <a:endParaRPr lang="en-US"/>
           </a:p>
@@ -6693,7 +5305,7 @@
           <a:p>
             <a:fld id="{F81EA58A-236B-4351-AA1B-97F3A2A984DC}" type="datetimeFigureOut">
               <a:rPr lang="en-US" smtClean="0"/>
-              <a:t>8/9/2023</a:t>
+              <a:t>8/10/2023</a:t>
             </a:fld>
             <a:endParaRPr lang="en-US"/>
           </a:p>
@@ -7616,6 +6228,96 @@
           <a:chExt cx="0" cy="0"/>
         </a:xfrm>
       </p:grpSpPr>
+      <p:sp>
+        <p:nvSpPr>
+          <p:cNvPr id="2" name="Title 1">
+            <a:extLst>
+              <a:ext uri="{FF2B5EF4-FFF2-40B4-BE49-F238E27FC236}">
+                <a16:creationId xmlns:a16="http://schemas.microsoft.com/office/drawing/2014/main" id="{6554C54F-F04E-E56C-90A9-9867D62D1C63}"/>
+              </a:ext>
+            </a:extLst>
+          </p:cNvPr>
+          <p:cNvSpPr>
+            <a:spLocks noGrp="1"/>
+          </p:cNvSpPr>
+          <p:nvPr>
+            <p:ph type="title"/>
+          </p:nvPr>
+        </p:nvSpPr>
+        <p:spPr/>
+        <p:txBody>
+          <a:bodyPr/>
+          <a:lstStyle/>
+          <a:p>
+            <a:endParaRPr lang="en-US"/>
+          </a:p>
+        </p:txBody>
+      </p:sp>
+      <p:pic>
+        <p:nvPicPr>
+          <p:cNvPr id="5" name="Content Placeholder 4" descr="A graph of a number of different sizes of objects&#10;&#10;Description automatically generated with medium confidence">
+            <a:extLst>
+              <a:ext uri="{FF2B5EF4-FFF2-40B4-BE49-F238E27FC236}">
+                <a16:creationId xmlns:a16="http://schemas.microsoft.com/office/drawing/2014/main" id="{466DB014-B202-D216-4006-96C121AC03F7}"/>
+              </a:ext>
+            </a:extLst>
+          </p:cNvPr>
+          <p:cNvPicPr>
+            <a:picLocks noGrp="1" noChangeAspect="1"/>
+          </p:cNvPicPr>
+          <p:nvPr>
+            <p:ph idx="1"/>
+          </p:nvPr>
+        </p:nvPicPr>
+        <p:blipFill>
+          <a:blip r:embed="rId2">
+            <a:extLst>
+              <a:ext uri="{28A0092B-C50C-407E-A947-70E740481C1C}">
+                <a14:useLocalDpi xmlns:a14="http://schemas.microsoft.com/office/drawing/2010/main" val="0"/>
+              </a:ext>
+            </a:extLst>
+          </a:blip>
+          <a:stretch>
+            <a:fillRect/>
+          </a:stretch>
+        </p:blipFill>
+        <p:spPr>
+          <a:xfrm>
+            <a:off x="363401" y="451861"/>
+            <a:ext cx="10849453" cy="5930466"/>
+          </a:xfrm>
+        </p:spPr>
+      </p:pic>
+    </p:spTree>
+    <p:extLst>
+      <p:ext uri="{BB962C8B-B14F-4D97-AF65-F5344CB8AC3E}">
+        <p14:creationId xmlns:p14="http://schemas.microsoft.com/office/powerpoint/2010/main" val="3862105535"/>
+      </p:ext>
+    </p:extLst>
+  </p:cSld>
+  <p:clrMapOvr>
+    <a:masterClrMapping/>
+  </p:clrMapOvr>
+</p:sld>
+</file>
+
+<file path=ppt/slides/slide6.xml><?xml version="1.0" encoding="utf-8"?>
+<p:sld xmlns:a="http://schemas.openxmlformats.org/drawingml/2006/main" xmlns:r="http://schemas.openxmlformats.org/officeDocument/2006/relationships" xmlns:p="http://schemas.openxmlformats.org/presentationml/2006/main">
+  <p:cSld>
+    <p:spTree>
+      <p:nvGrpSpPr>
+        <p:cNvPr id="1" name=""/>
+        <p:cNvGrpSpPr/>
+        <p:nvPr/>
+      </p:nvGrpSpPr>
+      <p:grpSpPr>
+        <a:xfrm>
+          <a:off x="0" y="0"/>
+          <a:ext cx="0" cy="0"/>
+          <a:chOff x="0" y="0"/>
+          <a:chExt cx="0" cy="0"/>
+        </a:xfrm>
+      </p:grpSpPr>
       <p:pic>
         <p:nvPicPr>
           <p:cNvPr id="8" name="Content Placeholder 7" descr="A graph with lines and numbers&#10;&#10;Description automatically generated">
@@ -7664,7 +6366,7 @@
 </p:sld>
 </file>
 
-<file path=ppt/slides/slide6.xml><?xml version="1.0" encoding="utf-8"?>
+<file path=ppt/slides/slide7.xml><?xml version="1.0" encoding="utf-8"?>
 <p:sld xmlns:a="http://schemas.openxmlformats.org/drawingml/2006/main" xmlns:r="http://schemas.openxmlformats.org/officeDocument/2006/relationships" xmlns:p="http://schemas.openxmlformats.org/presentationml/2006/main">
   <p:cSld>
     <p:spTree>
@@ -7780,7 +6482,7 @@
 </p:sld>
 </file>
 
-<file path=ppt/slides/slide7.xml><?xml version="1.0" encoding="utf-8"?>
+<file path=ppt/slides/slide8.xml><?xml version="1.0" encoding="utf-8"?>
 <p:sld xmlns:a="http://schemas.openxmlformats.org/drawingml/2006/main" xmlns:r="http://schemas.openxmlformats.org/officeDocument/2006/relationships" xmlns:p="http://schemas.openxmlformats.org/presentationml/2006/main">
   <p:cSld>
     <p:spTree>
@@ -7870,7 +6572,7 @@
 </p:sld>
 </file>
 
-<file path=ppt/slides/slide8.xml><?xml version="1.0" encoding="utf-8"?>
+<file path=ppt/slides/slide9.xml><?xml version="1.0" encoding="utf-8"?>
 <p:sld xmlns:a="http://schemas.openxmlformats.org/drawingml/2006/main" xmlns:r="http://schemas.openxmlformats.org/officeDocument/2006/relationships" xmlns:p="http://schemas.openxmlformats.org/presentationml/2006/main">
   <p:cSld>
     <p:spTree>

--- a/GSRExploratory.pptx
+++ b/GSRExploratory.pptx
@@ -10,10 +10,11 @@
     <p:sldId id="279" r:id="rId4"/>
     <p:sldId id="278" r:id="rId5"/>
     <p:sldId id="280" r:id="rId6"/>
-    <p:sldId id="265" r:id="rId7"/>
-    <p:sldId id="273" r:id="rId8"/>
-    <p:sldId id="271" r:id="rId9"/>
-    <p:sldId id="260" r:id="rId10"/>
+    <p:sldId id="281" r:id="rId7"/>
+    <p:sldId id="265" r:id="rId8"/>
+    <p:sldId id="273" r:id="rId9"/>
+    <p:sldId id="271" r:id="rId10"/>
+    <p:sldId id="260" r:id="rId11"/>
   </p:sldIdLst>
   <p:sldSz cx="12192000" cy="6858000"/>
   <p:notesSz cx="6858000" cy="9144000"/>
@@ -872,7 +873,7 @@
           <a:p>
             <a:fld id="{F81EA58A-236B-4351-AA1B-97F3A2A984DC}" type="datetimeFigureOut">
               <a:rPr lang="en-US" smtClean="0"/>
-              <a:t>8/10/2023</a:t>
+              <a:t>8/11/2023</a:t>
             </a:fld>
             <a:endParaRPr lang="en-US"/>
           </a:p>
@@ -1122,7 +1123,7 @@
           <a:p>
             <a:fld id="{F81EA58A-236B-4351-AA1B-97F3A2A984DC}" type="datetimeFigureOut">
               <a:rPr lang="en-US" smtClean="0"/>
-              <a:t>8/10/2023</a:t>
+              <a:t>8/11/2023</a:t>
             </a:fld>
             <a:endParaRPr lang="en-US"/>
           </a:p>
@@ -1435,7 +1436,7 @@
           <a:p>
             <a:fld id="{F81EA58A-236B-4351-AA1B-97F3A2A984DC}" type="datetimeFigureOut">
               <a:rPr lang="en-US" smtClean="0"/>
-              <a:t>8/10/2023</a:t>
+              <a:t>8/11/2023</a:t>
             </a:fld>
             <a:endParaRPr lang="en-US"/>
           </a:p>
@@ -1767,7 +1768,7 @@
           <a:p>
             <a:fld id="{F81EA58A-236B-4351-AA1B-97F3A2A984DC}" type="datetimeFigureOut">
               <a:rPr lang="en-US" smtClean="0"/>
-              <a:t>8/10/2023</a:t>
+              <a:t>8/11/2023</a:t>
             </a:fld>
             <a:endParaRPr lang="en-US"/>
           </a:p>
@@ -2080,7 +2081,7 @@
           <a:p>
             <a:fld id="{F81EA58A-236B-4351-AA1B-97F3A2A984DC}" type="datetimeFigureOut">
               <a:rPr lang="en-US" smtClean="0"/>
-              <a:t>8/10/2023</a:t>
+              <a:t>8/11/2023</a:t>
             </a:fld>
             <a:endParaRPr lang="en-US"/>
           </a:p>
@@ -2472,7 +2473,7 @@
           <a:p>
             <a:fld id="{F81EA58A-236B-4351-AA1B-97F3A2A984DC}" type="datetimeFigureOut">
               <a:rPr lang="en-US" smtClean="0"/>
-              <a:t>8/10/2023</a:t>
+              <a:t>8/11/2023</a:t>
             </a:fld>
             <a:endParaRPr lang="en-US"/>
           </a:p>
@@ -2640,7 +2641,7 @@
           <a:p>
             <a:fld id="{F81EA58A-236B-4351-AA1B-97F3A2A984DC}" type="datetimeFigureOut">
               <a:rPr lang="en-US" smtClean="0"/>
-              <a:t>8/10/2023</a:t>
+              <a:t>8/11/2023</a:t>
             </a:fld>
             <a:endParaRPr lang="en-US"/>
           </a:p>
@@ -2818,7 +2819,7 @@
           <a:p>
             <a:fld id="{F81EA58A-236B-4351-AA1B-97F3A2A984DC}" type="datetimeFigureOut">
               <a:rPr lang="en-US" smtClean="0"/>
-              <a:t>8/10/2023</a:t>
+              <a:t>8/11/2023</a:t>
             </a:fld>
             <a:endParaRPr lang="en-US"/>
           </a:p>
@@ -2986,7 +2987,7 @@
           <a:p>
             <a:fld id="{F81EA58A-236B-4351-AA1B-97F3A2A984DC}" type="datetimeFigureOut">
               <a:rPr lang="en-US" smtClean="0"/>
-              <a:t>8/10/2023</a:t>
+              <a:t>8/11/2023</a:t>
             </a:fld>
             <a:endParaRPr lang="en-US"/>
           </a:p>
@@ -3232,7 +3233,7 @@
           <a:p>
             <a:fld id="{F81EA58A-236B-4351-AA1B-97F3A2A984DC}" type="datetimeFigureOut">
               <a:rPr lang="en-US" smtClean="0"/>
-              <a:t>8/10/2023</a:t>
+              <a:t>8/11/2023</a:t>
             </a:fld>
             <a:endParaRPr lang="en-US"/>
           </a:p>
@@ -3461,7 +3462,7 @@
           <a:p>
             <a:fld id="{F81EA58A-236B-4351-AA1B-97F3A2A984DC}" type="datetimeFigureOut">
               <a:rPr lang="en-US" smtClean="0"/>
-              <a:t>8/10/2023</a:t>
+              <a:t>8/11/2023</a:t>
             </a:fld>
             <a:endParaRPr lang="en-US"/>
           </a:p>
@@ -3832,7 +3833,7 @@
           <a:p>
             <a:fld id="{F81EA58A-236B-4351-AA1B-97F3A2A984DC}" type="datetimeFigureOut">
               <a:rPr lang="en-US" smtClean="0"/>
-              <a:t>8/10/2023</a:t>
+              <a:t>8/11/2023</a:t>
             </a:fld>
             <a:endParaRPr lang="en-US"/>
           </a:p>
@@ -3954,7 +3955,7 @@
           <a:p>
             <a:fld id="{F81EA58A-236B-4351-AA1B-97F3A2A984DC}" type="datetimeFigureOut">
               <a:rPr lang="en-US" smtClean="0"/>
-              <a:t>8/10/2023</a:t>
+              <a:t>8/11/2023</a:t>
             </a:fld>
             <a:endParaRPr lang="en-US"/>
           </a:p>
@@ -4049,7 +4050,7 @@
           <a:p>
             <a:fld id="{F81EA58A-236B-4351-AA1B-97F3A2A984DC}" type="datetimeFigureOut">
               <a:rPr lang="en-US" smtClean="0"/>
-              <a:t>8/10/2023</a:t>
+              <a:t>8/11/2023</a:t>
             </a:fld>
             <a:endParaRPr lang="en-US"/>
           </a:p>
@@ -4302,7 +4303,7 @@
           <a:p>
             <a:fld id="{F81EA58A-236B-4351-AA1B-97F3A2A984DC}" type="datetimeFigureOut">
               <a:rPr lang="en-US" smtClean="0"/>
-              <a:t>8/10/2023</a:t>
+              <a:t>8/11/2023</a:t>
             </a:fld>
             <a:endParaRPr lang="en-US"/>
           </a:p>
@@ -4605,7 +4606,7 @@
           <a:p>
             <a:fld id="{F81EA58A-236B-4351-AA1B-97F3A2A984DC}" type="datetimeFigureOut">
               <a:rPr lang="en-US" smtClean="0"/>
-              <a:t>8/10/2023</a:t>
+              <a:t>8/11/2023</a:t>
             </a:fld>
             <a:endParaRPr lang="en-US"/>
           </a:p>
@@ -5305,7 +5306,7 @@
           <a:p>
             <a:fld id="{F81EA58A-236B-4351-AA1B-97F3A2A984DC}" type="datetimeFigureOut">
               <a:rPr lang="en-US" smtClean="0"/>
-              <a:t>8/10/2023</a:t>
+              <a:t>8/11/2023</a:t>
             </a:fld>
             <a:endParaRPr lang="en-US"/>
           </a:p>
@@ -5895,6 +5896,97 @@
 </p:sld>
 </file>
 
+<file path=ppt/slides/slide10.xml><?xml version="1.0" encoding="utf-8"?>
+<p:sld xmlns:a="http://schemas.openxmlformats.org/drawingml/2006/main" xmlns:r="http://schemas.openxmlformats.org/officeDocument/2006/relationships" xmlns:p="http://schemas.openxmlformats.org/presentationml/2006/main">
+  <p:cSld>
+    <p:spTree>
+      <p:nvGrpSpPr>
+        <p:cNvPr id="1" name=""/>
+        <p:cNvGrpSpPr/>
+        <p:nvPr/>
+      </p:nvGrpSpPr>
+      <p:grpSpPr>
+        <a:xfrm>
+          <a:off x="0" y="0"/>
+          <a:ext cx="0" cy="0"/>
+          <a:chOff x="0" y="0"/>
+          <a:chExt cx="0" cy="0"/>
+        </a:xfrm>
+      </p:grpSpPr>
+      <p:sp>
+        <p:nvSpPr>
+          <p:cNvPr id="2" name="Title 1">
+            <a:extLst>
+              <a:ext uri="{FF2B5EF4-FFF2-40B4-BE49-F238E27FC236}">
+                <a16:creationId xmlns:a16="http://schemas.microsoft.com/office/drawing/2014/main" id="{3896878C-053E-531C-5E86-5976AF8E2F82}"/>
+              </a:ext>
+            </a:extLst>
+          </p:cNvPr>
+          <p:cNvSpPr>
+            <a:spLocks noGrp="1"/>
+          </p:cNvSpPr>
+          <p:nvPr>
+            <p:ph type="title"/>
+          </p:nvPr>
+        </p:nvSpPr>
+        <p:spPr/>
+        <p:txBody>
+          <a:bodyPr/>
+          <a:lstStyle/>
+          <a:p>
+            <a:endParaRPr lang="en-US"/>
+          </a:p>
+        </p:txBody>
+      </p:sp>
+      <p:pic>
+        <p:nvPicPr>
+          <p:cNvPr id="4" name="Picture 3" descr="A graph of a graph showing a line&#10;&#10;Description automatically generated">
+            <a:extLst>
+              <a:ext uri="{FF2B5EF4-FFF2-40B4-BE49-F238E27FC236}">
+                <a16:creationId xmlns:a16="http://schemas.microsoft.com/office/drawing/2014/main" id="{92763E31-E572-38DB-7355-57B92F4942AF}"/>
+              </a:ext>
+            </a:extLst>
+          </p:cNvPr>
+          <p:cNvPicPr>
+            <a:picLocks noChangeAspect="1"/>
+          </p:cNvPicPr>
+          <p:nvPr/>
+        </p:nvPicPr>
+        <p:blipFill>
+          <a:blip r:embed="rId2">
+            <a:extLst>
+              <a:ext uri="{28A0092B-C50C-407E-A947-70E740481C1C}">
+                <a14:useLocalDpi xmlns:a14="http://schemas.microsoft.com/office/drawing/2010/main" val="0"/>
+              </a:ext>
+            </a:extLst>
+          </a:blip>
+          <a:stretch>
+            <a:fillRect/>
+          </a:stretch>
+        </p:blipFill>
+        <p:spPr>
+          <a:xfrm>
+            <a:off x="182108" y="133336"/>
+            <a:ext cx="9746087" cy="6631358"/>
+          </a:xfrm>
+          <a:prstGeom prst="rect">
+            <a:avLst/>
+          </a:prstGeom>
+        </p:spPr>
+      </p:pic>
+    </p:spTree>
+    <p:extLst>
+      <p:ext uri="{BB962C8B-B14F-4D97-AF65-F5344CB8AC3E}">
+        <p14:creationId xmlns:p14="http://schemas.microsoft.com/office/powerpoint/2010/main" val="3569370174"/>
+      </p:ext>
+    </p:extLst>
+  </p:cSld>
+  <p:clrMapOvr>
+    <a:masterClrMapping/>
+  </p:clrMapOvr>
+</p:sld>
+</file>
+
 <file path=ppt/slides/slide2.xml><?xml version="1.0" encoding="utf-8"?>
 <p:sld xmlns:a="http://schemas.openxmlformats.org/drawingml/2006/main" xmlns:r="http://schemas.openxmlformats.org/officeDocument/2006/relationships" xmlns:p="http://schemas.openxmlformats.org/presentationml/2006/main">
   <p:cSld>
@@ -6318,6 +6410,96 @@
           <a:chExt cx="0" cy="0"/>
         </a:xfrm>
       </p:grpSpPr>
+      <p:sp>
+        <p:nvSpPr>
+          <p:cNvPr id="2" name="Title 1">
+            <a:extLst>
+              <a:ext uri="{FF2B5EF4-FFF2-40B4-BE49-F238E27FC236}">
+                <a16:creationId xmlns:a16="http://schemas.microsoft.com/office/drawing/2014/main" id="{3584690D-4D81-045E-387A-BDDE698D06D5}"/>
+              </a:ext>
+            </a:extLst>
+          </p:cNvPr>
+          <p:cNvSpPr>
+            <a:spLocks noGrp="1"/>
+          </p:cNvSpPr>
+          <p:nvPr>
+            <p:ph type="title"/>
+          </p:nvPr>
+        </p:nvSpPr>
+        <p:spPr/>
+        <p:txBody>
+          <a:bodyPr/>
+          <a:lstStyle/>
+          <a:p>
+            <a:endParaRPr lang="en-US"/>
+          </a:p>
+        </p:txBody>
+      </p:sp>
+      <p:pic>
+        <p:nvPicPr>
+          <p:cNvPr id="5" name="Content Placeholder 4" descr="A graph of a graph showing the difference between a number of columns&#10;&#10;Description automatically generated with medium confidence">
+            <a:extLst>
+              <a:ext uri="{FF2B5EF4-FFF2-40B4-BE49-F238E27FC236}">
+                <a16:creationId xmlns:a16="http://schemas.microsoft.com/office/drawing/2014/main" id="{CA6392D0-50E3-A840-7042-F666F6CEED8B}"/>
+              </a:ext>
+            </a:extLst>
+          </p:cNvPr>
+          <p:cNvPicPr>
+            <a:picLocks noGrp="1" noChangeAspect="1"/>
+          </p:cNvPicPr>
+          <p:nvPr>
+            <p:ph idx="1"/>
+          </p:nvPr>
+        </p:nvPicPr>
+        <p:blipFill>
+          <a:blip r:embed="rId2">
+            <a:extLst>
+              <a:ext uri="{28A0092B-C50C-407E-A947-70E740481C1C}">
+                <a14:useLocalDpi xmlns:a14="http://schemas.microsoft.com/office/drawing/2010/main" val="0"/>
+              </a:ext>
+            </a:extLst>
+          </a:blip>
+          <a:stretch>
+            <a:fillRect/>
+          </a:stretch>
+        </p:blipFill>
+        <p:spPr>
+          <a:xfrm>
+            <a:off x="302430" y="276370"/>
+            <a:ext cx="10826552" cy="6115194"/>
+          </a:xfrm>
+        </p:spPr>
+      </p:pic>
+    </p:spTree>
+    <p:extLst>
+      <p:ext uri="{BB962C8B-B14F-4D97-AF65-F5344CB8AC3E}">
+        <p14:creationId xmlns:p14="http://schemas.microsoft.com/office/powerpoint/2010/main" val="177671733"/>
+      </p:ext>
+    </p:extLst>
+  </p:cSld>
+  <p:clrMapOvr>
+    <a:masterClrMapping/>
+  </p:clrMapOvr>
+</p:sld>
+</file>
+
+<file path=ppt/slides/slide7.xml><?xml version="1.0" encoding="utf-8"?>
+<p:sld xmlns:a="http://schemas.openxmlformats.org/drawingml/2006/main" xmlns:r="http://schemas.openxmlformats.org/officeDocument/2006/relationships" xmlns:p="http://schemas.openxmlformats.org/presentationml/2006/main">
+  <p:cSld>
+    <p:spTree>
+      <p:nvGrpSpPr>
+        <p:cNvPr id="1" name=""/>
+        <p:cNvGrpSpPr/>
+        <p:nvPr/>
+      </p:nvGrpSpPr>
+      <p:grpSpPr>
+        <a:xfrm>
+          <a:off x="0" y="0"/>
+          <a:ext cx="0" cy="0"/>
+          <a:chOff x="0" y="0"/>
+          <a:chExt cx="0" cy="0"/>
+        </a:xfrm>
+      </p:grpSpPr>
       <p:pic>
         <p:nvPicPr>
           <p:cNvPr id="8" name="Content Placeholder 7" descr="A graph with lines and numbers&#10;&#10;Description automatically generated">
@@ -6366,122 +6548,6 @@
 </p:sld>
 </file>
 
-<file path=ppt/slides/slide7.xml><?xml version="1.0" encoding="utf-8"?>
-<p:sld xmlns:a="http://schemas.openxmlformats.org/drawingml/2006/main" xmlns:r="http://schemas.openxmlformats.org/officeDocument/2006/relationships" xmlns:p="http://schemas.openxmlformats.org/presentationml/2006/main">
-  <p:cSld>
-    <p:spTree>
-      <p:nvGrpSpPr>
-        <p:cNvPr id="1" name=""/>
-        <p:cNvGrpSpPr/>
-        <p:nvPr/>
-      </p:nvGrpSpPr>
-      <p:grpSpPr>
-        <a:xfrm>
-          <a:off x="0" y="0"/>
-          <a:ext cx="0" cy="0"/>
-          <a:chOff x="0" y="0"/>
-          <a:chExt cx="0" cy="0"/>
-        </a:xfrm>
-      </p:grpSpPr>
-      <p:sp>
-        <p:nvSpPr>
-          <p:cNvPr id="2" name="Title 1">
-            <a:extLst>
-              <a:ext uri="{FF2B5EF4-FFF2-40B4-BE49-F238E27FC236}">
-                <a16:creationId xmlns:a16="http://schemas.microsoft.com/office/drawing/2014/main" id="{DE04C1EC-3EDB-9E8F-837C-5C5ACDB195D8}"/>
-              </a:ext>
-            </a:extLst>
-          </p:cNvPr>
-          <p:cNvSpPr>
-            <a:spLocks noGrp="1"/>
-          </p:cNvSpPr>
-          <p:nvPr>
-            <p:ph type="title"/>
-          </p:nvPr>
-        </p:nvSpPr>
-        <p:spPr/>
-        <p:txBody>
-          <a:bodyPr/>
-          <a:lstStyle/>
-          <a:p>
-            <a:endParaRPr lang="en-US"/>
-          </a:p>
-        </p:txBody>
-      </p:sp>
-      <p:sp>
-        <p:nvSpPr>
-          <p:cNvPr id="3" name="Content Placeholder 2">
-            <a:extLst>
-              <a:ext uri="{FF2B5EF4-FFF2-40B4-BE49-F238E27FC236}">
-                <a16:creationId xmlns:a16="http://schemas.microsoft.com/office/drawing/2014/main" id="{15509778-4A84-BEDA-E5A1-4679D01280F6}"/>
-              </a:ext>
-            </a:extLst>
-          </p:cNvPr>
-          <p:cNvSpPr>
-            <a:spLocks noGrp="1"/>
-          </p:cNvSpPr>
-          <p:nvPr>
-            <p:ph idx="1"/>
-          </p:nvPr>
-        </p:nvSpPr>
-        <p:spPr/>
-        <p:txBody>
-          <a:bodyPr/>
-          <a:lstStyle/>
-          <a:p>
-            <a:endParaRPr lang="en-US"/>
-          </a:p>
-        </p:txBody>
-      </p:sp>
-      <p:pic>
-        <p:nvPicPr>
-          <p:cNvPr id="4" name="Picture 3" descr="A graph with a line and dots&#10;&#10;Description automatically generated">
-            <a:extLst>
-              <a:ext uri="{FF2B5EF4-FFF2-40B4-BE49-F238E27FC236}">
-                <a16:creationId xmlns:a16="http://schemas.microsoft.com/office/drawing/2014/main" id="{C85BC685-7127-87B2-0FE1-7421E3BE6049}"/>
-              </a:ext>
-            </a:extLst>
-          </p:cNvPr>
-          <p:cNvPicPr>
-            <a:picLocks noChangeAspect="1"/>
-          </p:cNvPicPr>
-          <p:nvPr/>
-        </p:nvPicPr>
-        <p:blipFill>
-          <a:blip r:embed="rId2">
-            <a:extLst>
-              <a:ext uri="{28A0092B-C50C-407E-A947-70E740481C1C}">
-                <a14:useLocalDpi xmlns:a14="http://schemas.microsoft.com/office/drawing/2010/main" val="0"/>
-              </a:ext>
-            </a:extLst>
-          </a:blip>
-          <a:stretch>
-            <a:fillRect/>
-          </a:stretch>
-        </p:blipFill>
-        <p:spPr>
-          <a:xfrm>
-            <a:off x="300981" y="87616"/>
-            <a:ext cx="8316486" cy="5658640"/>
-          </a:xfrm>
-          <a:prstGeom prst="rect">
-            <a:avLst/>
-          </a:prstGeom>
-        </p:spPr>
-      </p:pic>
-    </p:spTree>
-    <p:extLst>
-      <p:ext uri="{BB962C8B-B14F-4D97-AF65-F5344CB8AC3E}">
-        <p14:creationId xmlns:p14="http://schemas.microsoft.com/office/powerpoint/2010/main" val="1101351860"/>
-      </p:ext>
-    </p:extLst>
-  </p:cSld>
-  <p:clrMapOvr>
-    <a:masterClrMapping/>
-  </p:clrMapOvr>
-</p:sld>
-</file>
-
 <file path=ppt/slides/slide8.xml><?xml version="1.0" encoding="utf-8"?>
 <p:sld xmlns:a="http://schemas.openxmlformats.org/drawingml/2006/main" xmlns:r="http://schemas.openxmlformats.org/officeDocument/2006/relationships" xmlns:p="http://schemas.openxmlformats.org/presentationml/2006/main">
   <p:cSld>
@@ -6504,7 +6570,7 @@
           <p:cNvPr id="2" name="Title 1">
             <a:extLst>
               <a:ext uri="{FF2B5EF4-FFF2-40B4-BE49-F238E27FC236}">
-                <a16:creationId xmlns:a16="http://schemas.microsoft.com/office/drawing/2014/main" id="{BA781410-7EA5-850C-2187-531EC075D04C}"/>
+                <a16:creationId xmlns:a16="http://schemas.microsoft.com/office/drawing/2014/main" id="{DE04C1EC-3EDB-9E8F-837C-5C5ACDB195D8}"/>
               </a:ext>
             </a:extLst>
           </p:cNvPr>
@@ -6526,10 +6592,10 @@
       </p:sp>
       <p:pic>
         <p:nvPicPr>
-          <p:cNvPr id="11" name="Content Placeholder 10" descr="A chart with text and numbers&#10;&#10;Description automatically generated">
+          <p:cNvPr id="6" name="Content Placeholder 5" descr="A graph with a line and dots&#10;&#10;Description automatically generated">
             <a:extLst>
               <a:ext uri="{FF2B5EF4-FFF2-40B4-BE49-F238E27FC236}">
-                <a16:creationId xmlns:a16="http://schemas.microsoft.com/office/drawing/2014/main" id="{0F9B9D3A-C768-50CD-ABFB-A36F03099935}"/>
+                <a16:creationId xmlns:a16="http://schemas.microsoft.com/office/drawing/2014/main" id="{71EAF9B6-4B0B-B4CB-057A-6A6B4DBDA708}"/>
               </a:ext>
             </a:extLst>
           </p:cNvPr>
@@ -6554,15 +6620,15 @@
         </p:blipFill>
         <p:spPr>
           <a:xfrm>
-            <a:off x="294951" y="222060"/>
-            <a:ext cx="9505984" cy="6467989"/>
+            <a:off x="221675" y="167481"/>
+            <a:ext cx="10299828" cy="5817683"/>
           </a:xfrm>
         </p:spPr>
       </p:pic>
     </p:spTree>
     <p:extLst>
       <p:ext uri="{BB962C8B-B14F-4D97-AF65-F5344CB8AC3E}">
-        <p14:creationId xmlns:p14="http://schemas.microsoft.com/office/powerpoint/2010/main" val="2354495484"/>
+        <p14:creationId xmlns:p14="http://schemas.microsoft.com/office/powerpoint/2010/main" val="1101351860"/>
       </p:ext>
     </p:extLst>
   </p:cSld>
@@ -6594,7 +6660,7 @@
           <p:cNvPr id="2" name="Title 1">
             <a:extLst>
               <a:ext uri="{FF2B5EF4-FFF2-40B4-BE49-F238E27FC236}">
-                <a16:creationId xmlns:a16="http://schemas.microsoft.com/office/drawing/2014/main" id="{3896878C-053E-531C-5E86-5976AF8E2F82}"/>
+                <a16:creationId xmlns:a16="http://schemas.microsoft.com/office/drawing/2014/main" id="{BA781410-7EA5-850C-2187-531EC075D04C}"/>
               </a:ext>
             </a:extLst>
           </p:cNvPr>
@@ -6616,17 +6682,19 @@
       </p:sp>
       <p:pic>
         <p:nvPicPr>
-          <p:cNvPr id="4" name="Picture 3" descr="A graph of a graph showing a line&#10;&#10;Description automatically generated">
+          <p:cNvPr id="11" name="Content Placeholder 10" descr="A chart with text and numbers&#10;&#10;Description automatically generated">
             <a:extLst>
               <a:ext uri="{FF2B5EF4-FFF2-40B4-BE49-F238E27FC236}">
-                <a16:creationId xmlns:a16="http://schemas.microsoft.com/office/drawing/2014/main" id="{92763E31-E572-38DB-7355-57B92F4942AF}"/>
+                <a16:creationId xmlns:a16="http://schemas.microsoft.com/office/drawing/2014/main" id="{0F9B9D3A-C768-50CD-ABFB-A36F03099935}"/>
               </a:ext>
             </a:extLst>
           </p:cNvPr>
           <p:cNvPicPr>
-            <a:picLocks noChangeAspect="1"/>
+            <a:picLocks noGrp="1" noChangeAspect="1"/>
           </p:cNvPicPr>
-          <p:nvPr/>
+          <p:nvPr>
+            <p:ph idx="1"/>
+          </p:nvPr>
         </p:nvPicPr>
         <p:blipFill>
           <a:blip r:embed="rId2">
@@ -6642,18 +6710,15 @@
         </p:blipFill>
         <p:spPr>
           <a:xfrm>
-            <a:off x="182108" y="133336"/>
-            <a:ext cx="9746087" cy="6631358"/>
+            <a:off x="294951" y="222060"/>
+            <a:ext cx="9505984" cy="6467989"/>
           </a:xfrm>
-          <a:prstGeom prst="rect">
-            <a:avLst/>
-          </a:prstGeom>
         </p:spPr>
       </p:pic>
     </p:spTree>
     <p:extLst>
       <p:ext uri="{BB962C8B-B14F-4D97-AF65-F5344CB8AC3E}">
-        <p14:creationId xmlns:p14="http://schemas.microsoft.com/office/powerpoint/2010/main" val="3569370174"/>
+        <p14:creationId xmlns:p14="http://schemas.microsoft.com/office/powerpoint/2010/main" val="2354495484"/>
       </p:ext>
     </p:extLst>
   </p:cSld>

--- a/GSRExploratory.pptx
+++ b/GSRExploratory.pptx
@@ -6132,10 +6132,10 @@
       </p:sp>
       <p:pic>
         <p:nvPicPr>
-          <p:cNvPr id="6" name="Content Placeholder 5" descr="A graph of different colored lines&#10;&#10;Description automatically generated">
+          <p:cNvPr id="7" name="Content Placeholder 6" descr="A graph of different colored lines&#10;&#10;Description automatically generated">
             <a:extLst>
               <a:ext uri="{FF2B5EF4-FFF2-40B4-BE49-F238E27FC236}">
-                <a16:creationId xmlns:a16="http://schemas.microsoft.com/office/drawing/2014/main" id="{1B2E858C-1E05-32EF-4B1F-84AF79D634AC}"/>
+                <a16:creationId xmlns:a16="http://schemas.microsoft.com/office/drawing/2014/main" id="{ED501EE9-1261-96B7-7AD6-49D6B42EF07F}"/>
               </a:ext>
             </a:extLst>
           </p:cNvPr>
@@ -6160,8 +6160,8 @@
         </p:blipFill>
         <p:spPr>
           <a:xfrm>
-            <a:off x="382866" y="287400"/>
-            <a:ext cx="8477646" cy="6211054"/>
+            <a:off x="237776" y="202479"/>
+            <a:ext cx="11431589" cy="6456939"/>
           </a:xfrm>
         </p:spPr>
       </p:pic>

--- a/GSRExploratory.pptx
+++ b/GSRExploratory.pptx
@@ -5940,10 +5940,10 @@
       </p:sp>
       <p:pic>
         <p:nvPicPr>
-          <p:cNvPr id="4" name="Picture 3" descr="A graph of a graph showing a line&#10;&#10;Description automatically generated">
+          <p:cNvPr id="7" name="Picture 6" descr="A graph of a graph with a line&#10;&#10;Description automatically generated with medium confidence">
             <a:extLst>
               <a:ext uri="{FF2B5EF4-FFF2-40B4-BE49-F238E27FC236}">
-                <a16:creationId xmlns:a16="http://schemas.microsoft.com/office/drawing/2014/main" id="{92763E31-E572-38DB-7355-57B92F4942AF}"/>
+                <a16:creationId xmlns:a16="http://schemas.microsoft.com/office/drawing/2014/main" id="{52D9D195-E47F-35D9-25DB-DCAE3469BEBF}"/>
               </a:ext>
             </a:extLst>
           </p:cNvPr>
@@ -5966,8 +5966,8 @@
         </p:blipFill>
         <p:spPr>
           <a:xfrm>
-            <a:off x="182108" y="133336"/>
-            <a:ext cx="9746087" cy="6631358"/>
+            <a:off x="126766" y="223599"/>
+            <a:ext cx="11474107" cy="6492226"/>
           </a:xfrm>
           <a:prstGeom prst="rect">
             <a:avLst/>

--- a/GSRExploratory.pptx
+++ b/GSRExploratory.pptx
@@ -9,12 +9,17 @@
     <p:sldId id="259" r:id="rId3"/>
     <p:sldId id="279" r:id="rId4"/>
     <p:sldId id="278" r:id="rId5"/>
-    <p:sldId id="280" r:id="rId6"/>
-    <p:sldId id="281" r:id="rId7"/>
-    <p:sldId id="265" r:id="rId8"/>
-    <p:sldId id="273" r:id="rId9"/>
-    <p:sldId id="271" r:id="rId10"/>
-    <p:sldId id="260" r:id="rId11"/>
+    <p:sldId id="285" r:id="rId6"/>
+    <p:sldId id="286" r:id="rId7"/>
+    <p:sldId id="282" r:id="rId8"/>
+    <p:sldId id="280" r:id="rId9"/>
+    <p:sldId id="284" r:id="rId10"/>
+    <p:sldId id="283" r:id="rId11"/>
+    <p:sldId id="281" r:id="rId12"/>
+    <p:sldId id="265" r:id="rId13"/>
+    <p:sldId id="273" r:id="rId14"/>
+    <p:sldId id="271" r:id="rId15"/>
+    <p:sldId id="260" r:id="rId16"/>
   </p:sldIdLst>
   <p:sldSz cx="12192000" cy="6858000"/>
   <p:notesSz cx="6858000" cy="9144000"/>
@@ -873,7 +878,7 @@
           <a:p>
             <a:fld id="{F81EA58A-236B-4351-AA1B-97F3A2A984DC}" type="datetimeFigureOut">
               <a:rPr lang="en-US" smtClean="0"/>
-              <a:t>8/11/2023</a:t>
+              <a:t>8/15/2023</a:t>
             </a:fld>
             <a:endParaRPr lang="en-US"/>
           </a:p>
@@ -1123,7 +1128,7 @@
           <a:p>
             <a:fld id="{F81EA58A-236B-4351-AA1B-97F3A2A984DC}" type="datetimeFigureOut">
               <a:rPr lang="en-US" smtClean="0"/>
-              <a:t>8/11/2023</a:t>
+              <a:t>8/15/2023</a:t>
             </a:fld>
             <a:endParaRPr lang="en-US"/>
           </a:p>
@@ -1436,7 +1441,7 @@
           <a:p>
             <a:fld id="{F81EA58A-236B-4351-AA1B-97F3A2A984DC}" type="datetimeFigureOut">
               <a:rPr lang="en-US" smtClean="0"/>
-              <a:t>8/11/2023</a:t>
+              <a:t>8/15/2023</a:t>
             </a:fld>
             <a:endParaRPr lang="en-US"/>
           </a:p>
@@ -1768,7 +1773,7 @@
           <a:p>
             <a:fld id="{F81EA58A-236B-4351-AA1B-97F3A2A984DC}" type="datetimeFigureOut">
               <a:rPr lang="en-US" smtClean="0"/>
-              <a:t>8/11/2023</a:t>
+              <a:t>8/15/2023</a:t>
             </a:fld>
             <a:endParaRPr lang="en-US"/>
           </a:p>
@@ -2081,7 +2086,7 @@
           <a:p>
             <a:fld id="{F81EA58A-236B-4351-AA1B-97F3A2A984DC}" type="datetimeFigureOut">
               <a:rPr lang="en-US" smtClean="0"/>
-              <a:t>8/11/2023</a:t>
+              <a:t>8/15/2023</a:t>
             </a:fld>
             <a:endParaRPr lang="en-US"/>
           </a:p>
@@ -2473,7 +2478,7 @@
           <a:p>
             <a:fld id="{F81EA58A-236B-4351-AA1B-97F3A2A984DC}" type="datetimeFigureOut">
               <a:rPr lang="en-US" smtClean="0"/>
-              <a:t>8/11/2023</a:t>
+              <a:t>8/15/2023</a:t>
             </a:fld>
             <a:endParaRPr lang="en-US"/>
           </a:p>
@@ -2641,7 +2646,7 @@
           <a:p>
             <a:fld id="{F81EA58A-236B-4351-AA1B-97F3A2A984DC}" type="datetimeFigureOut">
               <a:rPr lang="en-US" smtClean="0"/>
-              <a:t>8/11/2023</a:t>
+              <a:t>8/15/2023</a:t>
             </a:fld>
             <a:endParaRPr lang="en-US"/>
           </a:p>
@@ -2819,7 +2824,7 @@
           <a:p>
             <a:fld id="{F81EA58A-236B-4351-AA1B-97F3A2A984DC}" type="datetimeFigureOut">
               <a:rPr lang="en-US" smtClean="0"/>
-              <a:t>8/11/2023</a:t>
+              <a:t>8/15/2023</a:t>
             </a:fld>
             <a:endParaRPr lang="en-US"/>
           </a:p>
@@ -2987,7 +2992,7 @@
           <a:p>
             <a:fld id="{F81EA58A-236B-4351-AA1B-97F3A2A984DC}" type="datetimeFigureOut">
               <a:rPr lang="en-US" smtClean="0"/>
-              <a:t>8/11/2023</a:t>
+              <a:t>8/15/2023</a:t>
             </a:fld>
             <a:endParaRPr lang="en-US"/>
           </a:p>
@@ -3233,7 +3238,7 @@
           <a:p>
             <a:fld id="{F81EA58A-236B-4351-AA1B-97F3A2A984DC}" type="datetimeFigureOut">
               <a:rPr lang="en-US" smtClean="0"/>
-              <a:t>8/11/2023</a:t>
+              <a:t>8/15/2023</a:t>
             </a:fld>
             <a:endParaRPr lang="en-US"/>
           </a:p>
@@ -3462,7 +3467,7 @@
           <a:p>
             <a:fld id="{F81EA58A-236B-4351-AA1B-97F3A2A984DC}" type="datetimeFigureOut">
               <a:rPr lang="en-US" smtClean="0"/>
-              <a:t>8/11/2023</a:t>
+              <a:t>8/15/2023</a:t>
             </a:fld>
             <a:endParaRPr lang="en-US"/>
           </a:p>
@@ -3833,7 +3838,7 @@
           <a:p>
             <a:fld id="{F81EA58A-236B-4351-AA1B-97F3A2A984DC}" type="datetimeFigureOut">
               <a:rPr lang="en-US" smtClean="0"/>
-              <a:t>8/11/2023</a:t>
+              <a:t>8/15/2023</a:t>
             </a:fld>
             <a:endParaRPr lang="en-US"/>
           </a:p>
@@ -3955,7 +3960,7 @@
           <a:p>
             <a:fld id="{F81EA58A-236B-4351-AA1B-97F3A2A984DC}" type="datetimeFigureOut">
               <a:rPr lang="en-US" smtClean="0"/>
-              <a:t>8/11/2023</a:t>
+              <a:t>8/15/2023</a:t>
             </a:fld>
             <a:endParaRPr lang="en-US"/>
           </a:p>
@@ -4050,7 +4055,7 @@
           <a:p>
             <a:fld id="{F81EA58A-236B-4351-AA1B-97F3A2A984DC}" type="datetimeFigureOut">
               <a:rPr lang="en-US" smtClean="0"/>
-              <a:t>8/11/2023</a:t>
+              <a:t>8/15/2023</a:t>
             </a:fld>
             <a:endParaRPr lang="en-US"/>
           </a:p>
@@ -4303,7 +4308,7 @@
           <a:p>
             <a:fld id="{F81EA58A-236B-4351-AA1B-97F3A2A984DC}" type="datetimeFigureOut">
               <a:rPr lang="en-US" smtClean="0"/>
-              <a:t>8/11/2023</a:t>
+              <a:t>8/15/2023</a:t>
             </a:fld>
             <a:endParaRPr lang="en-US"/>
           </a:p>
@@ -4606,7 +4611,7 @@
           <a:p>
             <a:fld id="{F81EA58A-236B-4351-AA1B-97F3A2A984DC}" type="datetimeFigureOut">
               <a:rPr lang="en-US" smtClean="0"/>
-              <a:t>8/11/2023</a:t>
+              <a:t>8/15/2023</a:t>
             </a:fld>
             <a:endParaRPr lang="en-US"/>
           </a:p>
@@ -5306,7 +5311,7 @@
           <a:p>
             <a:fld id="{F81EA58A-236B-4351-AA1B-97F3A2A984DC}" type="datetimeFigureOut">
               <a:rPr lang="en-US" smtClean="0"/>
-              <a:t>8/11/2023</a:t>
+              <a:t>8/15/2023</a:t>
             </a:fld>
             <a:endParaRPr lang="en-US"/>
           </a:p>
@@ -5918,6 +5923,457 @@
           <p:cNvPr id="2" name="Title 1">
             <a:extLst>
               <a:ext uri="{FF2B5EF4-FFF2-40B4-BE49-F238E27FC236}">
+                <a16:creationId xmlns:a16="http://schemas.microsoft.com/office/drawing/2014/main" id="{49C4C1CC-14D5-F25C-2DD9-7354F8E46900}"/>
+              </a:ext>
+            </a:extLst>
+          </p:cNvPr>
+          <p:cNvSpPr>
+            <a:spLocks noGrp="1"/>
+          </p:cNvSpPr>
+          <p:nvPr>
+            <p:ph type="title"/>
+          </p:nvPr>
+        </p:nvSpPr>
+        <p:spPr/>
+        <p:txBody>
+          <a:bodyPr/>
+          <a:lstStyle/>
+          <a:p>
+            <a:endParaRPr lang="en-US"/>
+          </a:p>
+        </p:txBody>
+      </p:sp>
+      <p:sp>
+        <p:nvSpPr>
+          <p:cNvPr id="3" name="Content Placeholder 2">
+            <a:extLst>
+              <a:ext uri="{FF2B5EF4-FFF2-40B4-BE49-F238E27FC236}">
+                <a16:creationId xmlns:a16="http://schemas.microsoft.com/office/drawing/2014/main" id="{217336A4-1AAF-53E7-9ED9-CA537E5D5581}"/>
+              </a:ext>
+            </a:extLst>
+          </p:cNvPr>
+          <p:cNvSpPr>
+            <a:spLocks noGrp="1"/>
+          </p:cNvSpPr>
+          <p:nvPr>
+            <p:ph idx="1"/>
+          </p:nvPr>
+        </p:nvSpPr>
+        <p:spPr/>
+        <p:txBody>
+          <a:bodyPr/>
+          <a:lstStyle/>
+          <a:p>
+            <a:endParaRPr lang="en-US"/>
+          </a:p>
+        </p:txBody>
+      </p:sp>
+      <p:pic>
+        <p:nvPicPr>
+          <p:cNvPr id="4" name="Picture 3" descr="A graph showing a number of certifications&#10;&#10;Description automatically generated">
+            <a:extLst>
+              <a:ext uri="{FF2B5EF4-FFF2-40B4-BE49-F238E27FC236}">
+                <a16:creationId xmlns:a16="http://schemas.microsoft.com/office/drawing/2014/main" id="{4A79D93A-2456-D3FC-E7A9-292766D60B0B}"/>
+              </a:ext>
+            </a:extLst>
+          </p:cNvPr>
+          <p:cNvPicPr>
+            <a:picLocks noChangeAspect="1"/>
+          </p:cNvPicPr>
+          <p:nvPr/>
+        </p:nvPicPr>
+        <p:blipFill>
+          <a:blip r:embed="rId2">
+            <a:extLst>
+              <a:ext uri="{28A0092B-C50C-407E-A947-70E740481C1C}">
+                <a14:useLocalDpi xmlns:a14="http://schemas.microsoft.com/office/drawing/2010/main" val="0"/>
+              </a:ext>
+            </a:extLst>
+          </a:blip>
+          <a:stretch>
+            <a:fillRect/>
+          </a:stretch>
+        </p:blipFill>
+        <p:spPr>
+          <a:xfrm>
+            <a:off x="257382" y="350586"/>
+            <a:ext cx="11537913" cy="4704299"/>
+          </a:xfrm>
+          <a:prstGeom prst="rect">
+            <a:avLst/>
+          </a:prstGeom>
+        </p:spPr>
+      </p:pic>
+    </p:spTree>
+    <p:extLst>
+      <p:ext uri="{BB962C8B-B14F-4D97-AF65-F5344CB8AC3E}">
+        <p14:creationId xmlns:p14="http://schemas.microsoft.com/office/powerpoint/2010/main" val="2084203760"/>
+      </p:ext>
+    </p:extLst>
+  </p:cSld>
+  <p:clrMapOvr>
+    <a:masterClrMapping/>
+  </p:clrMapOvr>
+</p:sld>
+</file>
+
+<file path=ppt/slides/slide11.xml><?xml version="1.0" encoding="utf-8"?>
+<p:sld xmlns:a="http://schemas.openxmlformats.org/drawingml/2006/main" xmlns:r="http://schemas.openxmlformats.org/officeDocument/2006/relationships" xmlns:p="http://schemas.openxmlformats.org/presentationml/2006/main">
+  <p:cSld>
+    <p:spTree>
+      <p:nvGrpSpPr>
+        <p:cNvPr id="1" name=""/>
+        <p:cNvGrpSpPr/>
+        <p:nvPr/>
+      </p:nvGrpSpPr>
+      <p:grpSpPr>
+        <a:xfrm>
+          <a:off x="0" y="0"/>
+          <a:ext cx="0" cy="0"/>
+          <a:chOff x="0" y="0"/>
+          <a:chExt cx="0" cy="0"/>
+        </a:xfrm>
+      </p:grpSpPr>
+      <p:sp>
+        <p:nvSpPr>
+          <p:cNvPr id="2" name="Title 1">
+            <a:extLst>
+              <a:ext uri="{FF2B5EF4-FFF2-40B4-BE49-F238E27FC236}">
+                <a16:creationId xmlns:a16="http://schemas.microsoft.com/office/drawing/2014/main" id="{3584690D-4D81-045E-387A-BDDE698D06D5}"/>
+              </a:ext>
+            </a:extLst>
+          </p:cNvPr>
+          <p:cNvSpPr>
+            <a:spLocks noGrp="1"/>
+          </p:cNvSpPr>
+          <p:nvPr>
+            <p:ph type="title"/>
+          </p:nvPr>
+        </p:nvSpPr>
+        <p:spPr/>
+        <p:txBody>
+          <a:bodyPr/>
+          <a:lstStyle/>
+          <a:p>
+            <a:endParaRPr lang="en-US"/>
+          </a:p>
+        </p:txBody>
+      </p:sp>
+      <p:pic>
+        <p:nvPicPr>
+          <p:cNvPr id="5" name="Content Placeholder 4" descr="A graph of a graph showing the difference between a number of columns&#10;&#10;Description automatically generated with medium confidence">
+            <a:extLst>
+              <a:ext uri="{FF2B5EF4-FFF2-40B4-BE49-F238E27FC236}">
+                <a16:creationId xmlns:a16="http://schemas.microsoft.com/office/drawing/2014/main" id="{CA6392D0-50E3-A840-7042-F666F6CEED8B}"/>
+              </a:ext>
+            </a:extLst>
+          </p:cNvPr>
+          <p:cNvPicPr>
+            <a:picLocks noGrp="1" noChangeAspect="1"/>
+          </p:cNvPicPr>
+          <p:nvPr>
+            <p:ph idx="1"/>
+          </p:nvPr>
+        </p:nvPicPr>
+        <p:blipFill>
+          <a:blip r:embed="rId2">
+            <a:extLst>
+              <a:ext uri="{28A0092B-C50C-407E-A947-70E740481C1C}">
+                <a14:useLocalDpi xmlns:a14="http://schemas.microsoft.com/office/drawing/2010/main" val="0"/>
+              </a:ext>
+            </a:extLst>
+          </a:blip>
+          <a:stretch>
+            <a:fillRect/>
+          </a:stretch>
+        </p:blipFill>
+        <p:spPr>
+          <a:xfrm>
+            <a:off x="302430" y="276370"/>
+            <a:ext cx="10826552" cy="6115194"/>
+          </a:xfrm>
+        </p:spPr>
+      </p:pic>
+    </p:spTree>
+    <p:extLst>
+      <p:ext uri="{BB962C8B-B14F-4D97-AF65-F5344CB8AC3E}">
+        <p14:creationId xmlns:p14="http://schemas.microsoft.com/office/powerpoint/2010/main" val="177671733"/>
+      </p:ext>
+    </p:extLst>
+  </p:cSld>
+  <p:clrMapOvr>
+    <a:masterClrMapping/>
+  </p:clrMapOvr>
+</p:sld>
+</file>
+
+<file path=ppt/slides/slide12.xml><?xml version="1.0" encoding="utf-8"?>
+<p:sld xmlns:a="http://schemas.openxmlformats.org/drawingml/2006/main" xmlns:r="http://schemas.openxmlformats.org/officeDocument/2006/relationships" xmlns:p="http://schemas.openxmlformats.org/presentationml/2006/main">
+  <p:cSld>
+    <p:spTree>
+      <p:nvGrpSpPr>
+        <p:cNvPr id="1" name=""/>
+        <p:cNvGrpSpPr/>
+        <p:nvPr/>
+      </p:nvGrpSpPr>
+      <p:grpSpPr>
+        <a:xfrm>
+          <a:off x="0" y="0"/>
+          <a:ext cx="0" cy="0"/>
+          <a:chOff x="0" y="0"/>
+          <a:chExt cx="0" cy="0"/>
+        </a:xfrm>
+      </p:grpSpPr>
+      <p:pic>
+        <p:nvPicPr>
+          <p:cNvPr id="8" name="Content Placeholder 7" descr="A graph with lines and numbers&#10;&#10;Description automatically generated">
+            <a:extLst>
+              <a:ext uri="{FF2B5EF4-FFF2-40B4-BE49-F238E27FC236}">
+                <a16:creationId xmlns:a16="http://schemas.microsoft.com/office/drawing/2014/main" id="{2F0A1629-8E93-77B1-5B81-E730B2AF606A}"/>
+              </a:ext>
+            </a:extLst>
+          </p:cNvPr>
+          <p:cNvPicPr>
+            <a:picLocks noGrp="1" noChangeAspect="1"/>
+          </p:cNvPicPr>
+          <p:nvPr>
+            <p:ph idx="1"/>
+          </p:nvPr>
+        </p:nvPicPr>
+        <p:blipFill>
+          <a:blip r:embed="rId2">
+            <a:extLst>
+              <a:ext uri="{28A0092B-C50C-407E-A947-70E740481C1C}">
+                <a14:useLocalDpi xmlns:a14="http://schemas.microsoft.com/office/drawing/2010/main" val="0"/>
+              </a:ext>
+            </a:extLst>
+          </a:blip>
+          <a:stretch>
+            <a:fillRect/>
+          </a:stretch>
+        </p:blipFill>
+        <p:spPr>
+          <a:xfrm>
+            <a:off x="0" y="94044"/>
+            <a:ext cx="9363092" cy="6370764"/>
+          </a:xfrm>
+        </p:spPr>
+      </p:pic>
+    </p:spTree>
+    <p:extLst>
+      <p:ext uri="{BB962C8B-B14F-4D97-AF65-F5344CB8AC3E}">
+        <p14:creationId xmlns:p14="http://schemas.microsoft.com/office/powerpoint/2010/main" val="3440815627"/>
+      </p:ext>
+    </p:extLst>
+  </p:cSld>
+  <p:clrMapOvr>
+    <a:masterClrMapping/>
+  </p:clrMapOvr>
+</p:sld>
+</file>
+
+<file path=ppt/slides/slide13.xml><?xml version="1.0" encoding="utf-8"?>
+<p:sld xmlns:a="http://schemas.openxmlformats.org/drawingml/2006/main" xmlns:r="http://schemas.openxmlformats.org/officeDocument/2006/relationships" xmlns:p="http://schemas.openxmlformats.org/presentationml/2006/main">
+  <p:cSld>
+    <p:spTree>
+      <p:nvGrpSpPr>
+        <p:cNvPr id="1" name=""/>
+        <p:cNvGrpSpPr/>
+        <p:nvPr/>
+      </p:nvGrpSpPr>
+      <p:grpSpPr>
+        <a:xfrm>
+          <a:off x="0" y="0"/>
+          <a:ext cx="0" cy="0"/>
+          <a:chOff x="0" y="0"/>
+          <a:chExt cx="0" cy="0"/>
+        </a:xfrm>
+      </p:grpSpPr>
+      <p:sp>
+        <p:nvSpPr>
+          <p:cNvPr id="2" name="Title 1">
+            <a:extLst>
+              <a:ext uri="{FF2B5EF4-FFF2-40B4-BE49-F238E27FC236}">
+                <a16:creationId xmlns:a16="http://schemas.microsoft.com/office/drawing/2014/main" id="{DE04C1EC-3EDB-9E8F-837C-5C5ACDB195D8}"/>
+              </a:ext>
+            </a:extLst>
+          </p:cNvPr>
+          <p:cNvSpPr>
+            <a:spLocks noGrp="1"/>
+          </p:cNvSpPr>
+          <p:nvPr>
+            <p:ph type="title"/>
+          </p:nvPr>
+        </p:nvSpPr>
+        <p:spPr/>
+        <p:txBody>
+          <a:bodyPr/>
+          <a:lstStyle/>
+          <a:p>
+            <a:endParaRPr lang="en-US"/>
+          </a:p>
+        </p:txBody>
+      </p:sp>
+      <p:pic>
+        <p:nvPicPr>
+          <p:cNvPr id="6" name="Content Placeholder 5" descr="A graph with a line and dots&#10;&#10;Description automatically generated">
+            <a:extLst>
+              <a:ext uri="{FF2B5EF4-FFF2-40B4-BE49-F238E27FC236}">
+                <a16:creationId xmlns:a16="http://schemas.microsoft.com/office/drawing/2014/main" id="{71EAF9B6-4B0B-B4CB-057A-6A6B4DBDA708}"/>
+              </a:ext>
+            </a:extLst>
+          </p:cNvPr>
+          <p:cNvPicPr>
+            <a:picLocks noGrp="1" noChangeAspect="1"/>
+          </p:cNvPicPr>
+          <p:nvPr>
+            <p:ph idx="1"/>
+          </p:nvPr>
+        </p:nvPicPr>
+        <p:blipFill>
+          <a:blip r:embed="rId2">
+            <a:extLst>
+              <a:ext uri="{28A0092B-C50C-407E-A947-70E740481C1C}">
+                <a14:useLocalDpi xmlns:a14="http://schemas.microsoft.com/office/drawing/2010/main" val="0"/>
+              </a:ext>
+            </a:extLst>
+          </a:blip>
+          <a:stretch>
+            <a:fillRect/>
+          </a:stretch>
+        </p:blipFill>
+        <p:spPr>
+          <a:xfrm>
+            <a:off x="221675" y="167481"/>
+            <a:ext cx="10299828" cy="5817683"/>
+          </a:xfrm>
+        </p:spPr>
+      </p:pic>
+    </p:spTree>
+    <p:extLst>
+      <p:ext uri="{BB962C8B-B14F-4D97-AF65-F5344CB8AC3E}">
+        <p14:creationId xmlns:p14="http://schemas.microsoft.com/office/powerpoint/2010/main" val="1101351860"/>
+      </p:ext>
+    </p:extLst>
+  </p:cSld>
+  <p:clrMapOvr>
+    <a:masterClrMapping/>
+  </p:clrMapOvr>
+</p:sld>
+</file>
+
+<file path=ppt/slides/slide14.xml><?xml version="1.0" encoding="utf-8"?>
+<p:sld xmlns:a="http://schemas.openxmlformats.org/drawingml/2006/main" xmlns:r="http://schemas.openxmlformats.org/officeDocument/2006/relationships" xmlns:p="http://schemas.openxmlformats.org/presentationml/2006/main">
+  <p:cSld>
+    <p:spTree>
+      <p:nvGrpSpPr>
+        <p:cNvPr id="1" name=""/>
+        <p:cNvGrpSpPr/>
+        <p:nvPr/>
+      </p:nvGrpSpPr>
+      <p:grpSpPr>
+        <a:xfrm>
+          <a:off x="0" y="0"/>
+          <a:ext cx="0" cy="0"/>
+          <a:chOff x="0" y="0"/>
+          <a:chExt cx="0" cy="0"/>
+        </a:xfrm>
+      </p:grpSpPr>
+      <p:sp>
+        <p:nvSpPr>
+          <p:cNvPr id="2" name="Title 1">
+            <a:extLst>
+              <a:ext uri="{FF2B5EF4-FFF2-40B4-BE49-F238E27FC236}">
+                <a16:creationId xmlns:a16="http://schemas.microsoft.com/office/drawing/2014/main" id="{BA781410-7EA5-850C-2187-531EC075D04C}"/>
+              </a:ext>
+            </a:extLst>
+          </p:cNvPr>
+          <p:cNvSpPr>
+            <a:spLocks noGrp="1"/>
+          </p:cNvSpPr>
+          <p:nvPr>
+            <p:ph type="title"/>
+          </p:nvPr>
+        </p:nvSpPr>
+        <p:spPr/>
+        <p:txBody>
+          <a:bodyPr/>
+          <a:lstStyle/>
+          <a:p>
+            <a:endParaRPr lang="en-US"/>
+          </a:p>
+        </p:txBody>
+      </p:sp>
+      <p:pic>
+        <p:nvPicPr>
+          <p:cNvPr id="11" name="Content Placeholder 10" descr="A chart with text and numbers&#10;&#10;Description automatically generated">
+            <a:extLst>
+              <a:ext uri="{FF2B5EF4-FFF2-40B4-BE49-F238E27FC236}">
+                <a16:creationId xmlns:a16="http://schemas.microsoft.com/office/drawing/2014/main" id="{0F9B9D3A-C768-50CD-ABFB-A36F03099935}"/>
+              </a:ext>
+            </a:extLst>
+          </p:cNvPr>
+          <p:cNvPicPr>
+            <a:picLocks noGrp="1" noChangeAspect="1"/>
+          </p:cNvPicPr>
+          <p:nvPr>
+            <p:ph idx="1"/>
+          </p:nvPr>
+        </p:nvPicPr>
+        <p:blipFill>
+          <a:blip r:embed="rId2">
+            <a:extLst>
+              <a:ext uri="{28A0092B-C50C-407E-A947-70E740481C1C}">
+                <a14:useLocalDpi xmlns:a14="http://schemas.microsoft.com/office/drawing/2010/main" val="0"/>
+              </a:ext>
+            </a:extLst>
+          </a:blip>
+          <a:stretch>
+            <a:fillRect/>
+          </a:stretch>
+        </p:blipFill>
+        <p:spPr>
+          <a:xfrm>
+            <a:off x="294951" y="222060"/>
+            <a:ext cx="9505984" cy="6467989"/>
+          </a:xfrm>
+        </p:spPr>
+      </p:pic>
+    </p:spTree>
+    <p:extLst>
+      <p:ext uri="{BB962C8B-B14F-4D97-AF65-F5344CB8AC3E}">
+        <p14:creationId xmlns:p14="http://schemas.microsoft.com/office/powerpoint/2010/main" val="2354495484"/>
+      </p:ext>
+    </p:extLst>
+  </p:cSld>
+  <p:clrMapOvr>
+    <a:masterClrMapping/>
+  </p:clrMapOvr>
+</p:sld>
+</file>
+
+<file path=ppt/slides/slide15.xml><?xml version="1.0" encoding="utf-8"?>
+<p:sld xmlns:a="http://schemas.openxmlformats.org/drawingml/2006/main" xmlns:r="http://schemas.openxmlformats.org/officeDocument/2006/relationships" xmlns:p="http://schemas.openxmlformats.org/presentationml/2006/main">
+  <p:cSld>
+    <p:spTree>
+      <p:nvGrpSpPr>
+        <p:cNvPr id="1" name=""/>
+        <p:cNvGrpSpPr/>
+        <p:nvPr/>
+      </p:nvGrpSpPr>
+      <p:grpSpPr>
+        <a:xfrm>
+          <a:off x="0" y="0"/>
+          <a:ext cx="0" cy="0"/>
+          <a:chOff x="0" y="0"/>
+          <a:chExt cx="0" cy="0"/>
+        </a:xfrm>
+      </p:grpSpPr>
+      <p:sp>
+        <p:nvSpPr>
+          <p:cNvPr id="2" name="Title 1">
+            <a:extLst>
+              <a:ext uri="{FF2B5EF4-FFF2-40B4-BE49-F238E27FC236}">
                 <a16:creationId xmlns:a16="http://schemas.microsoft.com/office/drawing/2014/main" id="{3896878C-053E-531C-5E86-5976AF8E2F82}"/>
               </a:ext>
             </a:extLst>
@@ -6325,6 +6781,328 @@
           <p:cNvPr id="2" name="Title 1">
             <a:extLst>
               <a:ext uri="{FF2B5EF4-FFF2-40B4-BE49-F238E27FC236}">
+                <a16:creationId xmlns:a16="http://schemas.microsoft.com/office/drawing/2014/main" id="{867E5E8C-93E0-8D07-4169-D3FFE8A02549}"/>
+              </a:ext>
+            </a:extLst>
+          </p:cNvPr>
+          <p:cNvSpPr>
+            <a:spLocks noGrp="1"/>
+          </p:cNvSpPr>
+          <p:nvPr>
+            <p:ph type="title"/>
+          </p:nvPr>
+        </p:nvSpPr>
+        <p:spPr/>
+        <p:txBody>
+          <a:bodyPr/>
+          <a:lstStyle/>
+          <a:p>
+            <a:endParaRPr lang="en-US"/>
+          </a:p>
+        </p:txBody>
+      </p:sp>
+      <p:pic>
+        <p:nvPicPr>
+          <p:cNvPr id="7" name="Picture 6" descr="A graph with black dots and blue line&#10;&#10;Description automatically generated">
+            <a:extLst>
+              <a:ext uri="{FF2B5EF4-FFF2-40B4-BE49-F238E27FC236}">
+                <a16:creationId xmlns:a16="http://schemas.microsoft.com/office/drawing/2014/main" id="{8CA69FF9-D7DE-188A-CB0C-573295044504}"/>
+              </a:ext>
+            </a:extLst>
+          </p:cNvPr>
+          <p:cNvPicPr>
+            <a:picLocks noChangeAspect="1"/>
+          </p:cNvPicPr>
+          <p:nvPr/>
+        </p:nvPicPr>
+        <p:blipFill>
+          <a:blip r:embed="rId2">
+            <a:extLst>
+              <a:ext uri="{28A0092B-C50C-407E-A947-70E740481C1C}">
+                <a14:useLocalDpi xmlns:a14="http://schemas.microsoft.com/office/drawing/2010/main" val="0"/>
+              </a:ext>
+            </a:extLst>
+          </a:blip>
+          <a:stretch>
+            <a:fillRect/>
+          </a:stretch>
+        </p:blipFill>
+        <p:spPr>
+          <a:xfrm>
+            <a:off x="290056" y="480970"/>
+            <a:ext cx="11490843" cy="5077349"/>
+          </a:xfrm>
+          <a:prstGeom prst="rect">
+            <a:avLst/>
+          </a:prstGeom>
+        </p:spPr>
+      </p:pic>
+      <p:sp>
+        <p:nvSpPr>
+          <p:cNvPr id="15" name="Content Placeholder 14">
+            <a:extLst>
+              <a:ext uri="{FF2B5EF4-FFF2-40B4-BE49-F238E27FC236}">
+                <a16:creationId xmlns:a16="http://schemas.microsoft.com/office/drawing/2014/main" id="{F0BDC78D-2382-7842-1F38-180E88285EFA}"/>
+              </a:ext>
+            </a:extLst>
+          </p:cNvPr>
+          <p:cNvSpPr>
+            <a:spLocks noGrp="1"/>
+          </p:cNvSpPr>
+          <p:nvPr>
+            <p:ph idx="1"/>
+          </p:nvPr>
+        </p:nvSpPr>
+        <p:spPr/>
+        <p:txBody>
+          <a:bodyPr/>
+          <a:lstStyle/>
+          <a:p>
+            <a:endParaRPr lang="en-US" dirty="0"/>
+          </a:p>
+        </p:txBody>
+      </p:sp>
+    </p:spTree>
+    <p:extLst>
+      <p:ext uri="{BB962C8B-B14F-4D97-AF65-F5344CB8AC3E}">
+        <p14:creationId xmlns:p14="http://schemas.microsoft.com/office/powerpoint/2010/main" val="1185561612"/>
+      </p:ext>
+    </p:extLst>
+  </p:cSld>
+  <p:clrMapOvr>
+    <a:masterClrMapping/>
+  </p:clrMapOvr>
+</p:sld>
+</file>
+
+<file path=ppt/slides/slide6.xml><?xml version="1.0" encoding="utf-8"?>
+<p:sld xmlns:a="http://schemas.openxmlformats.org/drawingml/2006/main" xmlns:r="http://schemas.openxmlformats.org/officeDocument/2006/relationships" xmlns:p="http://schemas.openxmlformats.org/presentationml/2006/main">
+  <p:cSld>
+    <p:spTree>
+      <p:nvGrpSpPr>
+        <p:cNvPr id="1" name=""/>
+        <p:cNvGrpSpPr/>
+        <p:nvPr/>
+      </p:nvGrpSpPr>
+      <p:grpSpPr>
+        <a:xfrm>
+          <a:off x="0" y="0"/>
+          <a:ext cx="0" cy="0"/>
+          <a:chOff x="0" y="0"/>
+          <a:chExt cx="0" cy="0"/>
+        </a:xfrm>
+      </p:grpSpPr>
+      <p:sp>
+        <p:nvSpPr>
+          <p:cNvPr id="2" name="Title 1">
+            <a:extLst>
+              <a:ext uri="{FF2B5EF4-FFF2-40B4-BE49-F238E27FC236}">
+                <a16:creationId xmlns:a16="http://schemas.microsoft.com/office/drawing/2014/main" id="{673253D2-761F-19F0-6A95-DDA8485E05A0}"/>
+              </a:ext>
+            </a:extLst>
+          </p:cNvPr>
+          <p:cNvSpPr>
+            <a:spLocks noGrp="1"/>
+          </p:cNvSpPr>
+          <p:nvPr>
+            <p:ph type="title"/>
+          </p:nvPr>
+        </p:nvSpPr>
+        <p:spPr/>
+        <p:txBody>
+          <a:bodyPr/>
+          <a:lstStyle/>
+          <a:p>
+            <a:endParaRPr lang="en-US"/>
+          </a:p>
+        </p:txBody>
+      </p:sp>
+      <p:sp>
+        <p:nvSpPr>
+          <p:cNvPr id="3" name="Content Placeholder 2">
+            <a:extLst>
+              <a:ext uri="{FF2B5EF4-FFF2-40B4-BE49-F238E27FC236}">
+                <a16:creationId xmlns:a16="http://schemas.microsoft.com/office/drawing/2014/main" id="{4DC0BCF9-6F0E-BE70-CBB7-24A60F5AFC34}"/>
+              </a:ext>
+            </a:extLst>
+          </p:cNvPr>
+          <p:cNvSpPr>
+            <a:spLocks noGrp="1"/>
+          </p:cNvSpPr>
+          <p:nvPr>
+            <p:ph idx="1"/>
+          </p:nvPr>
+        </p:nvSpPr>
+        <p:spPr/>
+        <p:txBody>
+          <a:bodyPr/>
+          <a:lstStyle/>
+          <a:p>
+            <a:endParaRPr lang="en-US" dirty="0"/>
+          </a:p>
+        </p:txBody>
+      </p:sp>
+      <p:pic>
+        <p:nvPicPr>
+          <p:cNvPr id="4" name="Picture 3" descr="A graph showing the growth of time&#10;&#10;Description automatically generated">
+            <a:extLst>
+              <a:ext uri="{FF2B5EF4-FFF2-40B4-BE49-F238E27FC236}">
+                <a16:creationId xmlns:a16="http://schemas.microsoft.com/office/drawing/2014/main" id="{CCF1E75D-3E00-E77B-BB48-C982B6A32CD8}"/>
+              </a:ext>
+            </a:extLst>
+          </p:cNvPr>
+          <p:cNvPicPr>
+            <a:picLocks noChangeAspect="1"/>
+          </p:cNvPicPr>
+          <p:nvPr/>
+        </p:nvPicPr>
+        <p:blipFill>
+          <a:blip r:embed="rId2">
+            <a:extLst>
+              <a:ext uri="{28A0092B-C50C-407E-A947-70E740481C1C}">
+                <a14:useLocalDpi xmlns:a14="http://schemas.microsoft.com/office/drawing/2010/main" val="0"/>
+              </a:ext>
+            </a:extLst>
+          </a:blip>
+          <a:stretch>
+            <a:fillRect/>
+          </a:stretch>
+        </p:blipFill>
+        <p:spPr>
+          <a:xfrm>
+            <a:off x="306492" y="222649"/>
+            <a:ext cx="10982619" cy="4852785"/>
+          </a:xfrm>
+          <a:prstGeom prst="rect">
+            <a:avLst/>
+          </a:prstGeom>
+        </p:spPr>
+      </p:pic>
+    </p:spTree>
+    <p:extLst>
+      <p:ext uri="{BB962C8B-B14F-4D97-AF65-F5344CB8AC3E}">
+        <p14:creationId xmlns:p14="http://schemas.microsoft.com/office/powerpoint/2010/main" val="1773223509"/>
+      </p:ext>
+    </p:extLst>
+  </p:cSld>
+  <p:clrMapOvr>
+    <a:masterClrMapping/>
+  </p:clrMapOvr>
+</p:sld>
+</file>
+
+<file path=ppt/slides/slide7.xml><?xml version="1.0" encoding="utf-8"?>
+<p:sld xmlns:a="http://schemas.openxmlformats.org/drawingml/2006/main" xmlns:r="http://schemas.openxmlformats.org/officeDocument/2006/relationships" xmlns:p="http://schemas.openxmlformats.org/presentationml/2006/main">
+  <p:cSld>
+    <p:spTree>
+      <p:nvGrpSpPr>
+        <p:cNvPr id="1" name=""/>
+        <p:cNvGrpSpPr/>
+        <p:nvPr/>
+      </p:nvGrpSpPr>
+      <p:grpSpPr>
+        <a:xfrm>
+          <a:off x="0" y="0"/>
+          <a:ext cx="0" cy="0"/>
+          <a:chOff x="0" y="0"/>
+          <a:chExt cx="0" cy="0"/>
+        </a:xfrm>
+      </p:grpSpPr>
+      <p:sp>
+        <p:nvSpPr>
+          <p:cNvPr id="2" name="Title 1">
+            <a:extLst>
+              <a:ext uri="{FF2B5EF4-FFF2-40B4-BE49-F238E27FC236}">
+                <a16:creationId xmlns:a16="http://schemas.microsoft.com/office/drawing/2014/main" id="{FE809CF0-CF51-99F7-3DDE-1AB0ADFB1192}"/>
+              </a:ext>
+            </a:extLst>
+          </p:cNvPr>
+          <p:cNvSpPr>
+            <a:spLocks noGrp="1"/>
+          </p:cNvSpPr>
+          <p:nvPr>
+            <p:ph type="title"/>
+          </p:nvPr>
+        </p:nvSpPr>
+        <p:spPr/>
+        <p:txBody>
+          <a:bodyPr/>
+          <a:lstStyle/>
+          <a:p>
+            <a:endParaRPr lang="en-US"/>
+          </a:p>
+        </p:txBody>
+      </p:sp>
+      <p:pic>
+        <p:nvPicPr>
+          <p:cNvPr id="9" name="Content Placeholder 8" descr="A graph showing a number of certifications&#10;&#10;Description automatically generated">
+            <a:extLst>
+              <a:ext uri="{FF2B5EF4-FFF2-40B4-BE49-F238E27FC236}">
+                <a16:creationId xmlns:a16="http://schemas.microsoft.com/office/drawing/2014/main" id="{9BFF6637-4870-5E99-F334-1EC1859663F4}"/>
+              </a:ext>
+            </a:extLst>
+          </p:cNvPr>
+          <p:cNvPicPr>
+            <a:picLocks noGrp="1" noChangeAspect="1"/>
+          </p:cNvPicPr>
+          <p:nvPr>
+            <p:ph idx="1"/>
+          </p:nvPr>
+        </p:nvPicPr>
+        <p:blipFill>
+          <a:blip r:embed="rId2">
+            <a:extLst>
+              <a:ext uri="{28A0092B-C50C-407E-A947-70E740481C1C}">
+                <a14:useLocalDpi xmlns:a14="http://schemas.microsoft.com/office/drawing/2010/main" val="0"/>
+              </a:ext>
+            </a:extLst>
+          </a:blip>
+          <a:stretch>
+            <a:fillRect/>
+          </a:stretch>
+        </p:blipFill>
+        <p:spPr>
+          <a:xfrm>
+            <a:off x="399135" y="277570"/>
+            <a:ext cx="11375561" cy="5239652"/>
+          </a:xfrm>
+        </p:spPr>
+      </p:pic>
+    </p:spTree>
+    <p:extLst>
+      <p:ext uri="{BB962C8B-B14F-4D97-AF65-F5344CB8AC3E}">
+        <p14:creationId xmlns:p14="http://schemas.microsoft.com/office/powerpoint/2010/main" val="426527598"/>
+      </p:ext>
+    </p:extLst>
+  </p:cSld>
+  <p:clrMapOvr>
+    <a:masterClrMapping/>
+  </p:clrMapOvr>
+</p:sld>
+</file>
+
+<file path=ppt/slides/slide8.xml><?xml version="1.0" encoding="utf-8"?>
+<p:sld xmlns:a="http://schemas.openxmlformats.org/drawingml/2006/main" xmlns:r="http://schemas.openxmlformats.org/officeDocument/2006/relationships" xmlns:p="http://schemas.openxmlformats.org/presentationml/2006/main">
+  <p:cSld>
+    <p:spTree>
+      <p:nvGrpSpPr>
+        <p:cNvPr id="1" name=""/>
+        <p:cNvGrpSpPr/>
+        <p:nvPr/>
+      </p:nvGrpSpPr>
+      <p:grpSpPr>
+        <a:xfrm>
+          <a:off x="0" y="0"/>
+          <a:ext cx="0" cy="0"/>
+          <a:chOff x="0" y="0"/>
+          <a:chExt cx="0" cy="0"/>
+        </a:xfrm>
+      </p:grpSpPr>
+      <p:sp>
+        <p:nvSpPr>
+          <p:cNvPr id="2" name="Title 1">
+            <a:extLst>
+              <a:ext uri="{FF2B5EF4-FFF2-40B4-BE49-F238E27FC236}">
                 <a16:creationId xmlns:a16="http://schemas.microsoft.com/office/drawing/2014/main" id="{6554C54F-F04E-E56C-90A9-9867D62D1C63}"/>
               </a:ext>
             </a:extLst>
@@ -6393,251 +7171,6 @@
 </p:sld>
 </file>
 
-<file path=ppt/slides/slide6.xml><?xml version="1.0" encoding="utf-8"?>
-<p:sld xmlns:a="http://schemas.openxmlformats.org/drawingml/2006/main" xmlns:r="http://schemas.openxmlformats.org/officeDocument/2006/relationships" xmlns:p="http://schemas.openxmlformats.org/presentationml/2006/main">
-  <p:cSld>
-    <p:spTree>
-      <p:nvGrpSpPr>
-        <p:cNvPr id="1" name=""/>
-        <p:cNvGrpSpPr/>
-        <p:nvPr/>
-      </p:nvGrpSpPr>
-      <p:grpSpPr>
-        <a:xfrm>
-          <a:off x="0" y="0"/>
-          <a:ext cx="0" cy="0"/>
-          <a:chOff x="0" y="0"/>
-          <a:chExt cx="0" cy="0"/>
-        </a:xfrm>
-      </p:grpSpPr>
-      <p:sp>
-        <p:nvSpPr>
-          <p:cNvPr id="2" name="Title 1">
-            <a:extLst>
-              <a:ext uri="{FF2B5EF4-FFF2-40B4-BE49-F238E27FC236}">
-                <a16:creationId xmlns:a16="http://schemas.microsoft.com/office/drawing/2014/main" id="{3584690D-4D81-045E-387A-BDDE698D06D5}"/>
-              </a:ext>
-            </a:extLst>
-          </p:cNvPr>
-          <p:cNvSpPr>
-            <a:spLocks noGrp="1"/>
-          </p:cNvSpPr>
-          <p:nvPr>
-            <p:ph type="title"/>
-          </p:nvPr>
-        </p:nvSpPr>
-        <p:spPr/>
-        <p:txBody>
-          <a:bodyPr/>
-          <a:lstStyle/>
-          <a:p>
-            <a:endParaRPr lang="en-US"/>
-          </a:p>
-        </p:txBody>
-      </p:sp>
-      <p:pic>
-        <p:nvPicPr>
-          <p:cNvPr id="5" name="Content Placeholder 4" descr="A graph of a graph showing the difference between a number of columns&#10;&#10;Description automatically generated with medium confidence">
-            <a:extLst>
-              <a:ext uri="{FF2B5EF4-FFF2-40B4-BE49-F238E27FC236}">
-                <a16:creationId xmlns:a16="http://schemas.microsoft.com/office/drawing/2014/main" id="{CA6392D0-50E3-A840-7042-F666F6CEED8B}"/>
-              </a:ext>
-            </a:extLst>
-          </p:cNvPr>
-          <p:cNvPicPr>
-            <a:picLocks noGrp="1" noChangeAspect="1"/>
-          </p:cNvPicPr>
-          <p:nvPr>
-            <p:ph idx="1"/>
-          </p:nvPr>
-        </p:nvPicPr>
-        <p:blipFill>
-          <a:blip r:embed="rId2">
-            <a:extLst>
-              <a:ext uri="{28A0092B-C50C-407E-A947-70E740481C1C}">
-                <a14:useLocalDpi xmlns:a14="http://schemas.microsoft.com/office/drawing/2010/main" val="0"/>
-              </a:ext>
-            </a:extLst>
-          </a:blip>
-          <a:stretch>
-            <a:fillRect/>
-          </a:stretch>
-        </p:blipFill>
-        <p:spPr>
-          <a:xfrm>
-            <a:off x="302430" y="276370"/>
-            <a:ext cx="10826552" cy="6115194"/>
-          </a:xfrm>
-        </p:spPr>
-      </p:pic>
-    </p:spTree>
-    <p:extLst>
-      <p:ext uri="{BB962C8B-B14F-4D97-AF65-F5344CB8AC3E}">
-        <p14:creationId xmlns:p14="http://schemas.microsoft.com/office/powerpoint/2010/main" val="177671733"/>
-      </p:ext>
-    </p:extLst>
-  </p:cSld>
-  <p:clrMapOvr>
-    <a:masterClrMapping/>
-  </p:clrMapOvr>
-</p:sld>
-</file>
-
-<file path=ppt/slides/slide7.xml><?xml version="1.0" encoding="utf-8"?>
-<p:sld xmlns:a="http://schemas.openxmlformats.org/drawingml/2006/main" xmlns:r="http://schemas.openxmlformats.org/officeDocument/2006/relationships" xmlns:p="http://schemas.openxmlformats.org/presentationml/2006/main">
-  <p:cSld>
-    <p:spTree>
-      <p:nvGrpSpPr>
-        <p:cNvPr id="1" name=""/>
-        <p:cNvGrpSpPr/>
-        <p:nvPr/>
-      </p:nvGrpSpPr>
-      <p:grpSpPr>
-        <a:xfrm>
-          <a:off x="0" y="0"/>
-          <a:ext cx="0" cy="0"/>
-          <a:chOff x="0" y="0"/>
-          <a:chExt cx="0" cy="0"/>
-        </a:xfrm>
-      </p:grpSpPr>
-      <p:pic>
-        <p:nvPicPr>
-          <p:cNvPr id="8" name="Content Placeholder 7" descr="A graph with lines and numbers&#10;&#10;Description automatically generated">
-            <a:extLst>
-              <a:ext uri="{FF2B5EF4-FFF2-40B4-BE49-F238E27FC236}">
-                <a16:creationId xmlns:a16="http://schemas.microsoft.com/office/drawing/2014/main" id="{2F0A1629-8E93-77B1-5B81-E730B2AF606A}"/>
-              </a:ext>
-            </a:extLst>
-          </p:cNvPr>
-          <p:cNvPicPr>
-            <a:picLocks noGrp="1" noChangeAspect="1"/>
-          </p:cNvPicPr>
-          <p:nvPr>
-            <p:ph idx="1"/>
-          </p:nvPr>
-        </p:nvPicPr>
-        <p:blipFill>
-          <a:blip r:embed="rId2">
-            <a:extLst>
-              <a:ext uri="{28A0092B-C50C-407E-A947-70E740481C1C}">
-                <a14:useLocalDpi xmlns:a14="http://schemas.microsoft.com/office/drawing/2010/main" val="0"/>
-              </a:ext>
-            </a:extLst>
-          </a:blip>
-          <a:stretch>
-            <a:fillRect/>
-          </a:stretch>
-        </p:blipFill>
-        <p:spPr>
-          <a:xfrm>
-            <a:off x="0" y="94044"/>
-            <a:ext cx="9363092" cy="6370764"/>
-          </a:xfrm>
-        </p:spPr>
-      </p:pic>
-    </p:spTree>
-    <p:extLst>
-      <p:ext uri="{BB962C8B-B14F-4D97-AF65-F5344CB8AC3E}">
-        <p14:creationId xmlns:p14="http://schemas.microsoft.com/office/powerpoint/2010/main" val="3440815627"/>
-      </p:ext>
-    </p:extLst>
-  </p:cSld>
-  <p:clrMapOvr>
-    <a:masterClrMapping/>
-  </p:clrMapOvr>
-</p:sld>
-</file>
-
-<file path=ppt/slides/slide8.xml><?xml version="1.0" encoding="utf-8"?>
-<p:sld xmlns:a="http://schemas.openxmlformats.org/drawingml/2006/main" xmlns:r="http://schemas.openxmlformats.org/officeDocument/2006/relationships" xmlns:p="http://schemas.openxmlformats.org/presentationml/2006/main">
-  <p:cSld>
-    <p:spTree>
-      <p:nvGrpSpPr>
-        <p:cNvPr id="1" name=""/>
-        <p:cNvGrpSpPr/>
-        <p:nvPr/>
-      </p:nvGrpSpPr>
-      <p:grpSpPr>
-        <a:xfrm>
-          <a:off x="0" y="0"/>
-          <a:ext cx="0" cy="0"/>
-          <a:chOff x="0" y="0"/>
-          <a:chExt cx="0" cy="0"/>
-        </a:xfrm>
-      </p:grpSpPr>
-      <p:sp>
-        <p:nvSpPr>
-          <p:cNvPr id="2" name="Title 1">
-            <a:extLst>
-              <a:ext uri="{FF2B5EF4-FFF2-40B4-BE49-F238E27FC236}">
-                <a16:creationId xmlns:a16="http://schemas.microsoft.com/office/drawing/2014/main" id="{DE04C1EC-3EDB-9E8F-837C-5C5ACDB195D8}"/>
-              </a:ext>
-            </a:extLst>
-          </p:cNvPr>
-          <p:cNvSpPr>
-            <a:spLocks noGrp="1"/>
-          </p:cNvSpPr>
-          <p:nvPr>
-            <p:ph type="title"/>
-          </p:nvPr>
-        </p:nvSpPr>
-        <p:spPr/>
-        <p:txBody>
-          <a:bodyPr/>
-          <a:lstStyle/>
-          <a:p>
-            <a:endParaRPr lang="en-US"/>
-          </a:p>
-        </p:txBody>
-      </p:sp>
-      <p:pic>
-        <p:nvPicPr>
-          <p:cNvPr id="6" name="Content Placeholder 5" descr="A graph with a line and dots&#10;&#10;Description automatically generated">
-            <a:extLst>
-              <a:ext uri="{FF2B5EF4-FFF2-40B4-BE49-F238E27FC236}">
-                <a16:creationId xmlns:a16="http://schemas.microsoft.com/office/drawing/2014/main" id="{71EAF9B6-4B0B-B4CB-057A-6A6B4DBDA708}"/>
-              </a:ext>
-            </a:extLst>
-          </p:cNvPr>
-          <p:cNvPicPr>
-            <a:picLocks noGrp="1" noChangeAspect="1"/>
-          </p:cNvPicPr>
-          <p:nvPr>
-            <p:ph idx="1"/>
-          </p:nvPr>
-        </p:nvPicPr>
-        <p:blipFill>
-          <a:blip r:embed="rId2">
-            <a:extLst>
-              <a:ext uri="{28A0092B-C50C-407E-A947-70E740481C1C}">
-                <a14:useLocalDpi xmlns:a14="http://schemas.microsoft.com/office/drawing/2010/main" val="0"/>
-              </a:ext>
-            </a:extLst>
-          </a:blip>
-          <a:stretch>
-            <a:fillRect/>
-          </a:stretch>
-        </p:blipFill>
-        <p:spPr>
-          <a:xfrm>
-            <a:off x="221675" y="167481"/>
-            <a:ext cx="10299828" cy="5817683"/>
-          </a:xfrm>
-        </p:spPr>
-      </p:pic>
-    </p:spTree>
-    <p:extLst>
-      <p:ext uri="{BB962C8B-B14F-4D97-AF65-F5344CB8AC3E}">
-        <p14:creationId xmlns:p14="http://schemas.microsoft.com/office/powerpoint/2010/main" val="1101351860"/>
-      </p:ext>
-    </p:extLst>
-  </p:cSld>
-  <p:clrMapOvr>
-    <a:masterClrMapping/>
-  </p:clrMapOvr>
-</p:sld>
-</file>
-
 <file path=ppt/slides/slide9.xml><?xml version="1.0" encoding="utf-8"?>
 <p:sld xmlns:a="http://schemas.openxmlformats.org/drawingml/2006/main" xmlns:r="http://schemas.openxmlformats.org/officeDocument/2006/relationships" xmlns:p="http://schemas.openxmlformats.org/presentationml/2006/main">
   <p:cSld>
@@ -6660,7 +7193,7 @@
           <p:cNvPr id="2" name="Title 1">
             <a:extLst>
               <a:ext uri="{FF2B5EF4-FFF2-40B4-BE49-F238E27FC236}">
-                <a16:creationId xmlns:a16="http://schemas.microsoft.com/office/drawing/2014/main" id="{BA781410-7EA5-850C-2187-531EC075D04C}"/>
+                <a16:creationId xmlns:a16="http://schemas.microsoft.com/office/drawing/2014/main" id="{B420D005-088A-69CE-454A-968DA69426CF}"/>
               </a:ext>
             </a:extLst>
           </p:cNvPr>
@@ -6680,21 +7213,44 @@
           </a:p>
         </p:txBody>
       </p:sp>
+      <p:sp>
+        <p:nvSpPr>
+          <p:cNvPr id="3" name="Content Placeholder 2">
+            <a:extLst>
+              <a:ext uri="{FF2B5EF4-FFF2-40B4-BE49-F238E27FC236}">
+                <a16:creationId xmlns:a16="http://schemas.microsoft.com/office/drawing/2014/main" id="{A6468B46-5CBA-3189-7B95-F48D806C0288}"/>
+              </a:ext>
+            </a:extLst>
+          </p:cNvPr>
+          <p:cNvSpPr>
+            <a:spLocks noGrp="1"/>
+          </p:cNvSpPr>
+          <p:nvPr>
+            <p:ph idx="1"/>
+          </p:nvPr>
+        </p:nvSpPr>
+        <p:spPr/>
+        <p:txBody>
+          <a:bodyPr/>
+          <a:lstStyle/>
+          <a:p>
+            <a:endParaRPr lang="en-US"/>
+          </a:p>
+        </p:txBody>
+      </p:sp>
       <p:pic>
         <p:nvPicPr>
-          <p:cNvPr id="11" name="Content Placeholder 10" descr="A chart with text and numbers&#10;&#10;Description automatically generated">
+          <p:cNvPr id="4" name="Picture 3" descr="A graph of a graph showing the difference between a line and a line&#10;&#10;Description automatically generated with medium confidence">
             <a:extLst>
               <a:ext uri="{FF2B5EF4-FFF2-40B4-BE49-F238E27FC236}">
-                <a16:creationId xmlns:a16="http://schemas.microsoft.com/office/drawing/2014/main" id="{0F9B9D3A-C768-50CD-ABFB-A36F03099935}"/>
+                <a16:creationId xmlns:a16="http://schemas.microsoft.com/office/drawing/2014/main" id="{EDF1D591-EFE3-BD13-ACFC-058358A37EC8}"/>
               </a:ext>
             </a:extLst>
           </p:cNvPr>
           <p:cNvPicPr>
-            <a:picLocks noGrp="1" noChangeAspect="1"/>
+            <a:picLocks noChangeAspect="1"/>
           </p:cNvPicPr>
-          <p:nvPr>
-            <p:ph idx="1"/>
-          </p:nvPr>
+          <p:nvPr/>
         </p:nvPicPr>
         <p:blipFill>
           <a:blip r:embed="rId2">
@@ -6710,15 +7266,18 @@
         </p:blipFill>
         <p:spPr>
           <a:xfrm>
-            <a:off x="294951" y="222060"/>
-            <a:ext cx="9505984" cy="6467989"/>
+            <a:off x="212173" y="350586"/>
+            <a:ext cx="11840298" cy="4827589"/>
           </a:xfrm>
+          <a:prstGeom prst="rect">
+            <a:avLst/>
+          </a:prstGeom>
         </p:spPr>
       </p:pic>
     </p:spTree>
     <p:extLst>
       <p:ext uri="{BB962C8B-B14F-4D97-AF65-F5344CB8AC3E}">
-        <p14:creationId xmlns:p14="http://schemas.microsoft.com/office/powerpoint/2010/main" val="2354495484"/>
+        <p14:creationId xmlns:p14="http://schemas.microsoft.com/office/powerpoint/2010/main" val="2762488910"/>
       </p:ext>
     </p:extLst>
   </p:cSld>

--- a/GSRExploratory.pptx
+++ b/GSRExploratory.pptx
@@ -14,8 +14,8 @@
     <p:sldId id="282" r:id="rId8"/>
     <p:sldId id="280" r:id="rId9"/>
     <p:sldId id="284" r:id="rId10"/>
-    <p:sldId id="283" r:id="rId11"/>
-    <p:sldId id="281" r:id="rId12"/>
+    <p:sldId id="281" r:id="rId11"/>
+    <p:sldId id="283" r:id="rId12"/>
     <p:sldId id="265" r:id="rId13"/>
     <p:sldId id="273" r:id="rId14"/>
     <p:sldId id="271" r:id="rId15"/>
@@ -5923,6 +5923,148 @@
           <p:cNvPr id="2" name="Title 1">
             <a:extLst>
               <a:ext uri="{FF2B5EF4-FFF2-40B4-BE49-F238E27FC236}">
+                <a16:creationId xmlns:a16="http://schemas.microsoft.com/office/drawing/2014/main" id="{3584690D-4D81-045E-387A-BDDE698D06D5}"/>
+              </a:ext>
+            </a:extLst>
+          </p:cNvPr>
+          <p:cNvSpPr>
+            <a:spLocks noGrp="1"/>
+          </p:cNvSpPr>
+          <p:nvPr>
+            <p:ph type="title"/>
+          </p:nvPr>
+        </p:nvSpPr>
+        <p:spPr/>
+        <p:txBody>
+          <a:bodyPr/>
+          <a:lstStyle/>
+          <a:p>
+            <a:endParaRPr lang="en-US"/>
+          </a:p>
+        </p:txBody>
+      </p:sp>
+      <p:pic>
+        <p:nvPicPr>
+          <p:cNvPr id="5" name="Content Placeholder 4" descr="A graph of a graph showing the difference between a number of columns&#10;&#10;Description automatically generated with medium confidence">
+            <a:extLst>
+              <a:ext uri="{FF2B5EF4-FFF2-40B4-BE49-F238E27FC236}">
+                <a16:creationId xmlns:a16="http://schemas.microsoft.com/office/drawing/2014/main" id="{CA6392D0-50E3-A840-7042-F666F6CEED8B}"/>
+              </a:ext>
+            </a:extLst>
+          </p:cNvPr>
+          <p:cNvPicPr>
+            <a:picLocks noGrp="1" noChangeAspect="1"/>
+          </p:cNvPicPr>
+          <p:nvPr>
+            <p:ph idx="1"/>
+          </p:nvPr>
+        </p:nvPicPr>
+        <p:blipFill>
+          <a:blip r:embed="rId2">
+            <a:extLst>
+              <a:ext uri="{28A0092B-C50C-407E-A947-70E740481C1C}">
+                <a14:useLocalDpi xmlns:a14="http://schemas.microsoft.com/office/drawing/2010/main" val="0"/>
+              </a:ext>
+            </a:extLst>
+          </a:blip>
+          <a:stretch>
+            <a:fillRect/>
+          </a:stretch>
+        </p:blipFill>
+        <p:spPr>
+          <a:xfrm>
+            <a:off x="302430" y="276370"/>
+            <a:ext cx="10826552" cy="6115194"/>
+          </a:xfrm>
+        </p:spPr>
+      </p:pic>
+      <p:sp>
+        <p:nvSpPr>
+          <p:cNvPr id="3" name="Oval 2">
+            <a:extLst>
+              <a:ext uri="{FF2B5EF4-FFF2-40B4-BE49-F238E27FC236}">
+                <a16:creationId xmlns:a16="http://schemas.microsoft.com/office/drawing/2014/main" id="{DEACAA62-C1BC-4E83-BC1F-F9C505D8EF0F}"/>
+              </a:ext>
+            </a:extLst>
+          </p:cNvPr>
+          <p:cNvSpPr/>
+          <p:nvPr/>
+        </p:nvSpPr>
+        <p:spPr>
+          <a:xfrm>
+            <a:off x="10130319" y="609600"/>
+            <a:ext cx="842481" cy="934948"/>
+          </a:xfrm>
+          <a:prstGeom prst="ellipse">
+            <a:avLst/>
+          </a:prstGeom>
+          <a:solidFill>
+            <a:schemeClr val="accent4">
+              <a:lumMod val="60000"/>
+              <a:lumOff val="40000"/>
+            </a:schemeClr>
+          </a:solidFill>
+        </p:spPr>
+        <p:style>
+          <a:lnRef idx="2">
+            <a:schemeClr val="accent1">
+              <a:shade val="15000"/>
+            </a:schemeClr>
+          </a:lnRef>
+          <a:fillRef idx="1">
+            <a:schemeClr val="accent1"/>
+          </a:fillRef>
+          <a:effectRef idx="0">
+            <a:schemeClr val="accent1"/>
+          </a:effectRef>
+          <a:fontRef idx="minor">
+            <a:schemeClr val="lt1"/>
+          </a:fontRef>
+        </p:style>
+        <p:txBody>
+          <a:bodyPr rtlCol="0" anchor="ctr"/>
+          <a:lstStyle/>
+          <a:p>
+            <a:pPr algn="ctr"/>
+            <a:endParaRPr lang="en-US"/>
+          </a:p>
+        </p:txBody>
+      </p:sp>
+    </p:spTree>
+    <p:extLst>
+      <p:ext uri="{BB962C8B-B14F-4D97-AF65-F5344CB8AC3E}">
+        <p14:creationId xmlns:p14="http://schemas.microsoft.com/office/powerpoint/2010/main" val="177671733"/>
+      </p:ext>
+    </p:extLst>
+  </p:cSld>
+  <p:clrMapOvr>
+    <a:masterClrMapping/>
+  </p:clrMapOvr>
+</p:sld>
+</file>
+
+<file path=ppt/slides/slide11.xml><?xml version="1.0" encoding="utf-8"?>
+<p:sld xmlns:a="http://schemas.openxmlformats.org/drawingml/2006/main" xmlns:r="http://schemas.openxmlformats.org/officeDocument/2006/relationships" xmlns:p="http://schemas.openxmlformats.org/presentationml/2006/main">
+  <p:cSld>
+    <p:spTree>
+      <p:nvGrpSpPr>
+        <p:cNvPr id="1" name=""/>
+        <p:cNvGrpSpPr/>
+        <p:nvPr/>
+      </p:nvGrpSpPr>
+      <p:grpSpPr>
+        <a:xfrm>
+          <a:off x="0" y="0"/>
+          <a:ext cx="0" cy="0"/>
+          <a:chOff x="0" y="0"/>
+          <a:chExt cx="0" cy="0"/>
+        </a:xfrm>
+      </p:grpSpPr>
+      <p:sp>
+        <p:nvSpPr>
+          <p:cNvPr id="2" name="Title 1">
+            <a:extLst>
+              <a:ext uri="{FF2B5EF4-FFF2-40B4-BE49-F238E27FC236}">
                 <a16:creationId xmlns:a16="http://schemas.microsoft.com/office/drawing/2014/main" id="{49C4C1CC-14D5-F25C-2DD9-7354F8E46900}"/>
               </a:ext>
             </a:extLst>
@@ -6004,100 +6146,62 @@
           </a:prstGeom>
         </p:spPr>
       </p:pic>
+      <p:sp>
+        <p:nvSpPr>
+          <p:cNvPr id="5" name="Oval 4">
+            <a:extLst>
+              <a:ext uri="{FF2B5EF4-FFF2-40B4-BE49-F238E27FC236}">
+                <a16:creationId xmlns:a16="http://schemas.microsoft.com/office/drawing/2014/main" id="{1B8A20A3-F1DA-74D5-95CB-644FEE2B3FCD}"/>
+              </a:ext>
+            </a:extLst>
+          </p:cNvPr>
+          <p:cNvSpPr/>
+          <p:nvPr/>
+        </p:nvSpPr>
+        <p:spPr>
+          <a:xfrm>
+            <a:off x="10828962" y="821933"/>
+            <a:ext cx="842481" cy="934948"/>
+          </a:xfrm>
+          <a:prstGeom prst="ellipse">
+            <a:avLst/>
+          </a:prstGeom>
+          <a:solidFill>
+            <a:schemeClr val="accent4">
+              <a:lumMod val="60000"/>
+              <a:lumOff val="40000"/>
+            </a:schemeClr>
+          </a:solidFill>
+        </p:spPr>
+        <p:style>
+          <a:lnRef idx="2">
+            <a:schemeClr val="accent1">
+              <a:shade val="15000"/>
+            </a:schemeClr>
+          </a:lnRef>
+          <a:fillRef idx="1">
+            <a:schemeClr val="accent1"/>
+          </a:fillRef>
+          <a:effectRef idx="0">
+            <a:schemeClr val="accent1"/>
+          </a:effectRef>
+          <a:fontRef idx="minor">
+            <a:schemeClr val="lt1"/>
+          </a:fontRef>
+        </p:style>
+        <p:txBody>
+          <a:bodyPr rtlCol="0" anchor="ctr"/>
+          <a:lstStyle/>
+          <a:p>
+            <a:pPr algn="ctr"/>
+            <a:endParaRPr lang="en-US"/>
+          </a:p>
+        </p:txBody>
+      </p:sp>
     </p:spTree>
     <p:extLst>
       <p:ext uri="{BB962C8B-B14F-4D97-AF65-F5344CB8AC3E}">
         <p14:creationId xmlns:p14="http://schemas.microsoft.com/office/powerpoint/2010/main" val="2084203760"/>
-      </p:ext>
-    </p:extLst>
-  </p:cSld>
-  <p:clrMapOvr>
-    <a:masterClrMapping/>
-  </p:clrMapOvr>
-</p:sld>
-</file>
-
-<file path=ppt/slides/slide11.xml><?xml version="1.0" encoding="utf-8"?>
-<p:sld xmlns:a="http://schemas.openxmlformats.org/drawingml/2006/main" xmlns:r="http://schemas.openxmlformats.org/officeDocument/2006/relationships" xmlns:p="http://schemas.openxmlformats.org/presentationml/2006/main">
-  <p:cSld>
-    <p:spTree>
-      <p:nvGrpSpPr>
-        <p:cNvPr id="1" name=""/>
-        <p:cNvGrpSpPr/>
-        <p:nvPr/>
-      </p:nvGrpSpPr>
-      <p:grpSpPr>
-        <a:xfrm>
-          <a:off x="0" y="0"/>
-          <a:ext cx="0" cy="0"/>
-          <a:chOff x="0" y="0"/>
-          <a:chExt cx="0" cy="0"/>
-        </a:xfrm>
-      </p:grpSpPr>
-      <p:sp>
-        <p:nvSpPr>
-          <p:cNvPr id="2" name="Title 1">
-            <a:extLst>
-              <a:ext uri="{FF2B5EF4-FFF2-40B4-BE49-F238E27FC236}">
-                <a16:creationId xmlns:a16="http://schemas.microsoft.com/office/drawing/2014/main" id="{3584690D-4D81-045E-387A-BDDE698D06D5}"/>
-              </a:ext>
-            </a:extLst>
-          </p:cNvPr>
-          <p:cNvSpPr>
-            <a:spLocks noGrp="1"/>
-          </p:cNvSpPr>
-          <p:nvPr>
-            <p:ph type="title"/>
-          </p:nvPr>
-        </p:nvSpPr>
-        <p:spPr/>
-        <p:txBody>
-          <a:bodyPr/>
-          <a:lstStyle/>
-          <a:p>
-            <a:endParaRPr lang="en-US"/>
-          </a:p>
-        </p:txBody>
-      </p:sp>
-      <p:pic>
-        <p:nvPicPr>
-          <p:cNvPr id="5" name="Content Placeholder 4" descr="A graph of a graph showing the difference between a number of columns&#10;&#10;Description automatically generated with medium confidence">
-            <a:extLst>
-              <a:ext uri="{FF2B5EF4-FFF2-40B4-BE49-F238E27FC236}">
-                <a16:creationId xmlns:a16="http://schemas.microsoft.com/office/drawing/2014/main" id="{CA6392D0-50E3-A840-7042-F666F6CEED8B}"/>
-              </a:ext>
-            </a:extLst>
-          </p:cNvPr>
-          <p:cNvPicPr>
-            <a:picLocks noGrp="1" noChangeAspect="1"/>
-          </p:cNvPicPr>
-          <p:nvPr>
-            <p:ph idx="1"/>
-          </p:nvPr>
-        </p:nvPicPr>
-        <p:blipFill>
-          <a:blip r:embed="rId2">
-            <a:extLst>
-              <a:ext uri="{28A0092B-C50C-407E-A947-70E740481C1C}">
-                <a14:useLocalDpi xmlns:a14="http://schemas.microsoft.com/office/drawing/2010/main" val="0"/>
-              </a:ext>
-            </a:extLst>
-          </a:blip>
-          <a:stretch>
-            <a:fillRect/>
-          </a:stretch>
-        </p:blipFill>
-        <p:spPr>
-          <a:xfrm>
-            <a:off x="302430" y="276370"/>
-            <a:ext cx="10826552" cy="6115194"/>
-          </a:xfrm>
-        </p:spPr>
-      </p:pic>
-    </p:spTree>
-    <p:extLst>
-      <p:ext uri="{BB962C8B-B14F-4D97-AF65-F5344CB8AC3E}">
-        <p14:creationId xmlns:p14="http://schemas.microsoft.com/office/powerpoint/2010/main" val="177671733"/>
       </p:ext>
     </p:extLst>
   </p:cSld>
@@ -6746,6 +6850,58 @@
           </a:p>
         </p:txBody>
       </p:sp>
+      <p:sp>
+        <p:nvSpPr>
+          <p:cNvPr id="3" name="Oval 2">
+            <a:extLst>
+              <a:ext uri="{FF2B5EF4-FFF2-40B4-BE49-F238E27FC236}">
+                <a16:creationId xmlns:a16="http://schemas.microsoft.com/office/drawing/2014/main" id="{23735CDA-006D-83B0-3E89-A8DBC4C4B044}"/>
+              </a:ext>
+            </a:extLst>
+          </p:cNvPr>
+          <p:cNvSpPr/>
+          <p:nvPr/>
+        </p:nvSpPr>
+        <p:spPr>
+          <a:xfrm>
+            <a:off x="8107602" y="414375"/>
+            <a:ext cx="842481" cy="934948"/>
+          </a:xfrm>
+          <a:prstGeom prst="ellipse">
+            <a:avLst/>
+          </a:prstGeom>
+          <a:solidFill>
+            <a:schemeClr val="accent4">
+              <a:lumMod val="60000"/>
+              <a:lumOff val="40000"/>
+            </a:schemeClr>
+          </a:solidFill>
+        </p:spPr>
+        <p:style>
+          <a:lnRef idx="2">
+            <a:schemeClr val="accent1">
+              <a:shade val="15000"/>
+            </a:schemeClr>
+          </a:lnRef>
+          <a:fillRef idx="1">
+            <a:schemeClr val="accent1"/>
+          </a:fillRef>
+          <a:effectRef idx="0">
+            <a:schemeClr val="accent1"/>
+          </a:effectRef>
+          <a:fontRef idx="minor">
+            <a:schemeClr val="lt1"/>
+          </a:fontRef>
+        </p:style>
+        <p:txBody>
+          <a:bodyPr rtlCol="0" anchor="ctr"/>
+          <a:lstStyle/>
+          <a:p>
+            <a:pPr algn="ctr"/>
+            <a:endParaRPr lang="en-US"/>
+          </a:p>
+        </p:txBody>
+      </p:sp>
     </p:spTree>
     <p:extLst>
       <p:ext uri="{BB962C8B-B14F-4D97-AF65-F5344CB8AC3E}">
@@ -6862,6 +7018,58 @@
           </a:p>
         </p:txBody>
       </p:sp>
+      <p:sp>
+        <p:nvSpPr>
+          <p:cNvPr id="16" name="Oval 15">
+            <a:extLst>
+              <a:ext uri="{FF2B5EF4-FFF2-40B4-BE49-F238E27FC236}">
+                <a16:creationId xmlns:a16="http://schemas.microsoft.com/office/drawing/2014/main" id="{E06B41FB-32EC-1218-3385-6FA4DA5964A0}"/>
+              </a:ext>
+            </a:extLst>
+          </p:cNvPr>
+          <p:cNvSpPr/>
+          <p:nvPr/>
+        </p:nvSpPr>
+        <p:spPr>
+          <a:xfrm>
+            <a:off x="10828962" y="821933"/>
+            <a:ext cx="842481" cy="934948"/>
+          </a:xfrm>
+          <a:prstGeom prst="ellipse">
+            <a:avLst/>
+          </a:prstGeom>
+          <a:solidFill>
+            <a:schemeClr val="accent4">
+              <a:lumMod val="60000"/>
+              <a:lumOff val="40000"/>
+            </a:schemeClr>
+          </a:solidFill>
+        </p:spPr>
+        <p:style>
+          <a:lnRef idx="2">
+            <a:schemeClr val="accent1">
+              <a:shade val="15000"/>
+            </a:schemeClr>
+          </a:lnRef>
+          <a:fillRef idx="1">
+            <a:schemeClr val="accent1"/>
+          </a:fillRef>
+          <a:effectRef idx="0">
+            <a:schemeClr val="accent1"/>
+          </a:effectRef>
+          <a:fontRef idx="minor">
+            <a:schemeClr val="lt1"/>
+          </a:fontRef>
+        </p:style>
+        <p:txBody>
+          <a:bodyPr rtlCol="0" anchor="ctr"/>
+          <a:lstStyle/>
+          <a:p>
+            <a:pPr algn="ctr"/>
+            <a:endParaRPr lang="en-US"/>
+          </a:p>
+        </p:txBody>
+      </p:sp>
     </p:spTree>
     <p:extLst>
       <p:ext uri="{BB962C8B-B14F-4D97-AF65-F5344CB8AC3E}">
@@ -6978,6 +7186,58 @@
           </a:prstGeom>
         </p:spPr>
       </p:pic>
+      <p:sp>
+        <p:nvSpPr>
+          <p:cNvPr id="5" name="Oval 4">
+            <a:extLst>
+              <a:ext uri="{FF2B5EF4-FFF2-40B4-BE49-F238E27FC236}">
+                <a16:creationId xmlns:a16="http://schemas.microsoft.com/office/drawing/2014/main" id="{D98D32E5-30B8-D8D0-424B-7EBE58408A82}"/>
+              </a:ext>
+            </a:extLst>
+          </p:cNvPr>
+          <p:cNvSpPr/>
+          <p:nvPr/>
+        </p:nvSpPr>
+        <p:spPr>
+          <a:xfrm>
+            <a:off x="10294706" y="609600"/>
+            <a:ext cx="842481" cy="934948"/>
+          </a:xfrm>
+          <a:prstGeom prst="ellipse">
+            <a:avLst/>
+          </a:prstGeom>
+          <a:solidFill>
+            <a:schemeClr val="accent4">
+              <a:lumMod val="60000"/>
+              <a:lumOff val="40000"/>
+            </a:schemeClr>
+          </a:solidFill>
+        </p:spPr>
+        <p:style>
+          <a:lnRef idx="2">
+            <a:schemeClr val="accent1">
+              <a:shade val="15000"/>
+            </a:schemeClr>
+          </a:lnRef>
+          <a:fillRef idx="1">
+            <a:schemeClr val="accent1"/>
+          </a:fillRef>
+          <a:effectRef idx="0">
+            <a:schemeClr val="accent1"/>
+          </a:effectRef>
+          <a:fontRef idx="minor">
+            <a:schemeClr val="lt1"/>
+          </a:fontRef>
+        </p:style>
+        <p:txBody>
+          <a:bodyPr rtlCol="0" anchor="ctr"/>
+          <a:lstStyle/>
+          <a:p>
+            <a:pPr algn="ctr"/>
+            <a:endParaRPr lang="en-US"/>
+          </a:p>
+        </p:txBody>
+      </p:sp>
     </p:spTree>
     <p:extLst>
       <p:ext uri="{BB962C8B-B14F-4D97-AF65-F5344CB8AC3E}">
@@ -7068,6 +7328,58 @@
           </a:xfrm>
         </p:spPr>
       </p:pic>
+      <p:sp>
+        <p:nvSpPr>
+          <p:cNvPr id="10" name="Oval 9">
+            <a:extLst>
+              <a:ext uri="{FF2B5EF4-FFF2-40B4-BE49-F238E27FC236}">
+                <a16:creationId xmlns:a16="http://schemas.microsoft.com/office/drawing/2014/main" id="{78181738-3DDD-9780-EC0F-5198A3CAE2D5}"/>
+              </a:ext>
+            </a:extLst>
+          </p:cNvPr>
+          <p:cNvSpPr/>
+          <p:nvPr/>
+        </p:nvSpPr>
+        <p:spPr>
+          <a:xfrm>
+            <a:off x="10798139" y="405830"/>
+            <a:ext cx="842481" cy="934948"/>
+          </a:xfrm>
+          <a:prstGeom prst="ellipse">
+            <a:avLst/>
+          </a:prstGeom>
+          <a:solidFill>
+            <a:schemeClr val="accent4">
+              <a:lumMod val="60000"/>
+              <a:lumOff val="40000"/>
+            </a:schemeClr>
+          </a:solidFill>
+        </p:spPr>
+        <p:style>
+          <a:lnRef idx="2">
+            <a:schemeClr val="accent1">
+              <a:shade val="15000"/>
+            </a:schemeClr>
+          </a:lnRef>
+          <a:fillRef idx="1">
+            <a:schemeClr val="accent1"/>
+          </a:fillRef>
+          <a:effectRef idx="0">
+            <a:schemeClr val="accent1"/>
+          </a:effectRef>
+          <a:fontRef idx="minor">
+            <a:schemeClr val="lt1"/>
+          </a:fontRef>
+        </p:style>
+        <p:txBody>
+          <a:bodyPr rtlCol="0" anchor="ctr"/>
+          <a:lstStyle/>
+          <a:p>
+            <a:pPr algn="ctr"/>
+            <a:endParaRPr lang="en-US"/>
+          </a:p>
+        </p:txBody>
+      </p:sp>
     </p:spTree>
     <p:extLst>
       <p:ext uri="{BB962C8B-B14F-4D97-AF65-F5344CB8AC3E}">
@@ -7158,6 +7470,58 @@
           </a:xfrm>
         </p:spPr>
       </p:pic>
+      <p:sp>
+        <p:nvSpPr>
+          <p:cNvPr id="3" name="Oval 2">
+            <a:extLst>
+              <a:ext uri="{FF2B5EF4-FFF2-40B4-BE49-F238E27FC236}">
+                <a16:creationId xmlns:a16="http://schemas.microsoft.com/office/drawing/2014/main" id="{749ED22B-6ACA-C3BC-A4E2-E8CDE15F285D}"/>
+              </a:ext>
+            </a:extLst>
+          </p:cNvPr>
+          <p:cNvSpPr/>
+          <p:nvPr/>
+        </p:nvSpPr>
+        <p:spPr>
+          <a:xfrm>
+            <a:off x="9976207" y="609600"/>
+            <a:ext cx="842481" cy="934948"/>
+          </a:xfrm>
+          <a:prstGeom prst="ellipse">
+            <a:avLst/>
+          </a:prstGeom>
+          <a:solidFill>
+            <a:schemeClr val="accent4">
+              <a:lumMod val="60000"/>
+              <a:lumOff val="40000"/>
+            </a:schemeClr>
+          </a:solidFill>
+        </p:spPr>
+        <p:style>
+          <a:lnRef idx="2">
+            <a:schemeClr val="accent1">
+              <a:shade val="15000"/>
+            </a:schemeClr>
+          </a:lnRef>
+          <a:fillRef idx="1">
+            <a:schemeClr val="accent1"/>
+          </a:fillRef>
+          <a:effectRef idx="0">
+            <a:schemeClr val="accent1"/>
+          </a:effectRef>
+          <a:fontRef idx="minor">
+            <a:schemeClr val="lt1"/>
+          </a:fontRef>
+        </p:style>
+        <p:txBody>
+          <a:bodyPr rtlCol="0" anchor="ctr"/>
+          <a:lstStyle/>
+          <a:p>
+            <a:pPr algn="ctr"/>
+            <a:endParaRPr lang="en-US"/>
+          </a:p>
+        </p:txBody>
+      </p:sp>
     </p:spTree>
     <p:extLst>
       <p:ext uri="{BB962C8B-B14F-4D97-AF65-F5344CB8AC3E}">
@@ -7274,6 +7638,58 @@
           </a:prstGeom>
         </p:spPr>
       </p:pic>
+      <p:sp>
+        <p:nvSpPr>
+          <p:cNvPr id="5" name="Oval 4">
+            <a:extLst>
+              <a:ext uri="{FF2B5EF4-FFF2-40B4-BE49-F238E27FC236}">
+                <a16:creationId xmlns:a16="http://schemas.microsoft.com/office/drawing/2014/main" id="{6A8D9CB8-B003-2C5C-16A1-C0247ABEAED8}"/>
+              </a:ext>
+            </a:extLst>
+          </p:cNvPr>
+          <p:cNvSpPr/>
+          <p:nvPr/>
+        </p:nvSpPr>
+        <p:spPr>
+          <a:xfrm>
+            <a:off x="10828962" y="821933"/>
+            <a:ext cx="842481" cy="934948"/>
+          </a:xfrm>
+          <a:prstGeom prst="ellipse">
+            <a:avLst/>
+          </a:prstGeom>
+          <a:solidFill>
+            <a:schemeClr val="accent4">
+              <a:lumMod val="60000"/>
+              <a:lumOff val="40000"/>
+            </a:schemeClr>
+          </a:solidFill>
+        </p:spPr>
+        <p:style>
+          <a:lnRef idx="2">
+            <a:schemeClr val="accent1">
+              <a:shade val="15000"/>
+            </a:schemeClr>
+          </a:lnRef>
+          <a:fillRef idx="1">
+            <a:schemeClr val="accent1"/>
+          </a:fillRef>
+          <a:effectRef idx="0">
+            <a:schemeClr val="accent1"/>
+          </a:effectRef>
+          <a:fontRef idx="minor">
+            <a:schemeClr val="lt1"/>
+          </a:fontRef>
+        </p:style>
+        <p:txBody>
+          <a:bodyPr rtlCol="0" anchor="ctr"/>
+          <a:lstStyle/>
+          <a:p>
+            <a:pPr algn="ctr"/>
+            <a:endParaRPr lang="en-US"/>
+          </a:p>
+        </p:txBody>
+      </p:sp>
     </p:spTree>
     <p:extLst>
       <p:ext uri="{BB962C8B-B14F-4D97-AF65-F5344CB8AC3E}">

--- a/GSRExploratory.pptx
+++ b/GSRExploratory.pptx
@@ -4,22 +4,27 @@
   <p:sldMasterIdLst>
     <p:sldMasterId id="2147483677" r:id="rId1"/>
   </p:sldMasterIdLst>
+  <p:notesMasterIdLst>
+    <p:notesMasterId r:id="rId19"/>
+  </p:notesMasterIdLst>
   <p:sldIdLst>
     <p:sldId id="256" r:id="rId2"/>
-    <p:sldId id="259" r:id="rId3"/>
-    <p:sldId id="279" r:id="rId4"/>
-    <p:sldId id="278" r:id="rId5"/>
-    <p:sldId id="285" r:id="rId6"/>
-    <p:sldId id="286" r:id="rId7"/>
-    <p:sldId id="282" r:id="rId8"/>
-    <p:sldId id="280" r:id="rId9"/>
-    <p:sldId id="284" r:id="rId10"/>
-    <p:sldId id="281" r:id="rId11"/>
-    <p:sldId id="283" r:id="rId12"/>
-    <p:sldId id="265" r:id="rId13"/>
-    <p:sldId id="273" r:id="rId14"/>
-    <p:sldId id="271" r:id="rId15"/>
-    <p:sldId id="260" r:id="rId16"/>
+    <p:sldId id="287" r:id="rId3"/>
+    <p:sldId id="259" r:id="rId4"/>
+    <p:sldId id="279" r:id="rId5"/>
+    <p:sldId id="288" r:id="rId6"/>
+    <p:sldId id="260" r:id="rId7"/>
+    <p:sldId id="278" r:id="rId8"/>
+    <p:sldId id="282" r:id="rId9"/>
+    <p:sldId id="283" r:id="rId10"/>
+    <p:sldId id="284" r:id="rId11"/>
+    <p:sldId id="280" r:id="rId12"/>
+    <p:sldId id="281" r:id="rId13"/>
+    <p:sldId id="285" r:id="rId14"/>
+    <p:sldId id="286" r:id="rId15"/>
+    <p:sldId id="265" r:id="rId16"/>
+    <p:sldId id="273" r:id="rId17"/>
+    <p:sldId id="271" r:id="rId18"/>
   </p:sldIdLst>
   <p:sldSz cx="12192000" cy="6858000"/>
   <p:notesSz cx="6858000" cy="9144000"/>
@@ -133,6 +138,439 @@
     <p1510:client id="{C6727DD8-56ED-44ED-A31E-F6094BE8C3E3}" v="59" dt="2023-08-02T18:51:05.376"/>
   </p1510:revLst>
 </p1510:revInfo>
+</file>
+
+<file path=ppt/notesMasters/notesMaster1.xml><?xml version="1.0" encoding="utf-8"?>
+<p:notesMaster xmlns:a="http://schemas.openxmlformats.org/drawingml/2006/main" xmlns:r="http://schemas.openxmlformats.org/officeDocument/2006/relationships" xmlns:p="http://schemas.openxmlformats.org/presentationml/2006/main">
+  <p:cSld>
+    <p:bg>
+      <p:bgRef idx="1001">
+        <a:schemeClr val="bg1"/>
+      </p:bgRef>
+    </p:bg>
+    <p:spTree>
+      <p:nvGrpSpPr>
+        <p:cNvPr id="1" name=""/>
+        <p:cNvGrpSpPr/>
+        <p:nvPr/>
+      </p:nvGrpSpPr>
+      <p:grpSpPr>
+        <a:xfrm>
+          <a:off x="0" y="0"/>
+          <a:ext cx="0" cy="0"/>
+          <a:chOff x="0" y="0"/>
+          <a:chExt cx="0" cy="0"/>
+        </a:xfrm>
+      </p:grpSpPr>
+      <p:sp>
+        <p:nvSpPr>
+          <p:cNvPr id="2" name="Header Placeholder 1"/>
+          <p:cNvSpPr>
+            <a:spLocks noGrp="1"/>
+          </p:cNvSpPr>
+          <p:nvPr>
+            <p:ph type="hdr" sz="quarter"/>
+          </p:nvPr>
+        </p:nvSpPr>
+        <p:spPr>
+          <a:xfrm>
+            <a:off x="0" y="0"/>
+            <a:ext cx="2971800" cy="458788"/>
+          </a:xfrm>
+          <a:prstGeom prst="rect">
+            <a:avLst/>
+          </a:prstGeom>
+        </p:spPr>
+        <p:txBody>
+          <a:bodyPr vert="horz" lIns="91440" tIns="45720" rIns="91440" bIns="45720" rtlCol="0"/>
+          <a:lstStyle>
+            <a:lvl1pPr algn="l">
+              <a:defRPr sz="1200"/>
+            </a:lvl1pPr>
+          </a:lstStyle>
+          <a:p>
+            <a:endParaRPr lang="en-US"/>
+          </a:p>
+        </p:txBody>
+      </p:sp>
+      <p:sp>
+        <p:nvSpPr>
+          <p:cNvPr id="3" name="Date Placeholder 2"/>
+          <p:cNvSpPr>
+            <a:spLocks noGrp="1"/>
+          </p:cNvSpPr>
+          <p:nvPr>
+            <p:ph type="dt" idx="1"/>
+          </p:nvPr>
+        </p:nvSpPr>
+        <p:spPr>
+          <a:xfrm>
+            <a:off x="3884613" y="0"/>
+            <a:ext cx="2971800" cy="458788"/>
+          </a:xfrm>
+          <a:prstGeom prst="rect">
+            <a:avLst/>
+          </a:prstGeom>
+        </p:spPr>
+        <p:txBody>
+          <a:bodyPr vert="horz" lIns="91440" tIns="45720" rIns="91440" bIns="45720" rtlCol="0"/>
+          <a:lstStyle>
+            <a:lvl1pPr algn="r">
+              <a:defRPr sz="1200"/>
+            </a:lvl1pPr>
+          </a:lstStyle>
+          <a:p>
+            <a:fld id="{EFA30412-74C9-49E7-83D9-2B587E82F359}" type="datetimeFigureOut">
+              <a:rPr lang="en-US" smtClean="0"/>
+              <a:t>8/16/2023</a:t>
+            </a:fld>
+            <a:endParaRPr lang="en-US"/>
+          </a:p>
+        </p:txBody>
+      </p:sp>
+      <p:sp>
+        <p:nvSpPr>
+          <p:cNvPr id="4" name="Slide Image Placeholder 3"/>
+          <p:cNvSpPr>
+            <a:spLocks noGrp="1" noRot="1" noChangeAspect="1"/>
+          </p:cNvSpPr>
+          <p:nvPr>
+            <p:ph type="sldImg" idx="2"/>
+          </p:nvPr>
+        </p:nvSpPr>
+        <p:spPr>
+          <a:xfrm>
+            <a:off x="685800" y="1143000"/>
+            <a:ext cx="5486400" cy="3086100"/>
+          </a:xfrm>
+          <a:prstGeom prst="rect">
+            <a:avLst/>
+          </a:prstGeom>
+          <a:noFill/>
+          <a:ln w="12700">
+            <a:solidFill>
+              <a:prstClr val="black"/>
+            </a:solidFill>
+          </a:ln>
+        </p:spPr>
+        <p:txBody>
+          <a:bodyPr vert="horz" lIns="91440" tIns="45720" rIns="91440" bIns="45720" rtlCol="0" anchor="ctr"/>
+          <a:lstStyle/>
+          <a:p>
+            <a:endParaRPr lang="en-US"/>
+          </a:p>
+        </p:txBody>
+      </p:sp>
+      <p:sp>
+        <p:nvSpPr>
+          <p:cNvPr id="5" name="Notes Placeholder 4"/>
+          <p:cNvSpPr>
+            <a:spLocks noGrp="1"/>
+          </p:cNvSpPr>
+          <p:nvPr>
+            <p:ph type="body" sz="quarter" idx="3"/>
+          </p:nvPr>
+        </p:nvSpPr>
+        <p:spPr>
+          <a:xfrm>
+            <a:off x="685800" y="4400550"/>
+            <a:ext cx="5486400" cy="3600450"/>
+          </a:xfrm>
+          <a:prstGeom prst="rect">
+            <a:avLst/>
+          </a:prstGeom>
+        </p:spPr>
+        <p:txBody>
+          <a:bodyPr vert="horz" lIns="91440" tIns="45720" rIns="91440" bIns="45720" rtlCol="0"/>
+          <a:lstStyle/>
+          <a:p>
+            <a:pPr lvl="0"/>
+            <a:r>
+              <a:rPr lang="en-US"/>
+              <a:t>Click to edit Master text styles</a:t>
+            </a:r>
+          </a:p>
+          <a:p>
+            <a:pPr lvl="1"/>
+            <a:r>
+              <a:rPr lang="en-US"/>
+              <a:t>Second level</a:t>
+            </a:r>
+          </a:p>
+          <a:p>
+            <a:pPr lvl="2"/>
+            <a:r>
+              <a:rPr lang="en-US"/>
+              <a:t>Third level</a:t>
+            </a:r>
+          </a:p>
+          <a:p>
+            <a:pPr lvl="3"/>
+            <a:r>
+              <a:rPr lang="en-US"/>
+              <a:t>Fourth level</a:t>
+            </a:r>
+          </a:p>
+          <a:p>
+            <a:pPr lvl="4"/>
+            <a:r>
+              <a:rPr lang="en-US"/>
+              <a:t>Fifth level</a:t>
+            </a:r>
+          </a:p>
+        </p:txBody>
+      </p:sp>
+      <p:sp>
+        <p:nvSpPr>
+          <p:cNvPr id="6" name="Footer Placeholder 5"/>
+          <p:cNvSpPr>
+            <a:spLocks noGrp="1"/>
+          </p:cNvSpPr>
+          <p:nvPr>
+            <p:ph type="ftr" sz="quarter" idx="4"/>
+          </p:nvPr>
+        </p:nvSpPr>
+        <p:spPr>
+          <a:xfrm>
+            <a:off x="0" y="8685213"/>
+            <a:ext cx="2971800" cy="458787"/>
+          </a:xfrm>
+          <a:prstGeom prst="rect">
+            <a:avLst/>
+          </a:prstGeom>
+        </p:spPr>
+        <p:txBody>
+          <a:bodyPr vert="horz" lIns="91440" tIns="45720" rIns="91440" bIns="45720" rtlCol="0" anchor="b"/>
+          <a:lstStyle>
+            <a:lvl1pPr algn="l">
+              <a:defRPr sz="1200"/>
+            </a:lvl1pPr>
+          </a:lstStyle>
+          <a:p>
+            <a:endParaRPr lang="en-US"/>
+          </a:p>
+        </p:txBody>
+      </p:sp>
+      <p:sp>
+        <p:nvSpPr>
+          <p:cNvPr id="7" name="Slide Number Placeholder 6"/>
+          <p:cNvSpPr>
+            <a:spLocks noGrp="1"/>
+          </p:cNvSpPr>
+          <p:nvPr>
+            <p:ph type="sldNum" sz="quarter" idx="5"/>
+          </p:nvPr>
+        </p:nvSpPr>
+        <p:spPr>
+          <a:xfrm>
+            <a:off x="3884613" y="8685213"/>
+            <a:ext cx="2971800" cy="458787"/>
+          </a:xfrm>
+          <a:prstGeom prst="rect">
+            <a:avLst/>
+          </a:prstGeom>
+        </p:spPr>
+        <p:txBody>
+          <a:bodyPr vert="horz" lIns="91440" tIns="45720" rIns="91440" bIns="45720" rtlCol="0" anchor="b"/>
+          <a:lstStyle>
+            <a:lvl1pPr algn="r">
+              <a:defRPr sz="1200"/>
+            </a:lvl1pPr>
+          </a:lstStyle>
+          <a:p>
+            <a:fld id="{31C57A7F-5AE8-4270-A6C4-EC25D5F1C131}" type="slidenum">
+              <a:rPr lang="en-US" smtClean="0"/>
+              <a:t>‹#›</a:t>
+            </a:fld>
+            <a:endParaRPr lang="en-US"/>
+          </a:p>
+        </p:txBody>
+      </p:sp>
+    </p:spTree>
+    <p:extLst>
+      <p:ext uri="{BB962C8B-B14F-4D97-AF65-F5344CB8AC3E}">
+        <p14:creationId xmlns:p14="http://schemas.microsoft.com/office/powerpoint/2010/main" val="2474311080"/>
+      </p:ext>
+    </p:extLst>
+  </p:cSld>
+  <p:clrMap bg1="lt1" tx1="dk1" bg2="lt2" tx2="dk2" accent1="accent1" accent2="accent2" accent3="accent3" accent4="accent4" accent5="accent5" accent6="accent6" hlink="hlink" folHlink="folHlink"/>
+  <p:notesStyle>
+    <a:lvl1pPr marL="0" algn="l" defTabSz="914400" rtl="0" eaLnBrk="1" latinLnBrk="0" hangingPunct="1">
+      <a:defRPr sz="1200" kern="1200">
+        <a:solidFill>
+          <a:schemeClr val="tx1"/>
+        </a:solidFill>
+        <a:latin typeface="+mn-lt"/>
+        <a:ea typeface="+mn-ea"/>
+        <a:cs typeface="+mn-cs"/>
+      </a:defRPr>
+    </a:lvl1pPr>
+    <a:lvl2pPr marL="457200" algn="l" defTabSz="914400" rtl="0" eaLnBrk="1" latinLnBrk="0" hangingPunct="1">
+      <a:defRPr sz="1200" kern="1200">
+        <a:solidFill>
+          <a:schemeClr val="tx1"/>
+        </a:solidFill>
+        <a:latin typeface="+mn-lt"/>
+        <a:ea typeface="+mn-ea"/>
+        <a:cs typeface="+mn-cs"/>
+      </a:defRPr>
+    </a:lvl2pPr>
+    <a:lvl3pPr marL="914400" algn="l" defTabSz="914400" rtl="0" eaLnBrk="1" latinLnBrk="0" hangingPunct="1">
+      <a:defRPr sz="1200" kern="1200">
+        <a:solidFill>
+          <a:schemeClr val="tx1"/>
+        </a:solidFill>
+        <a:latin typeface="+mn-lt"/>
+        <a:ea typeface="+mn-ea"/>
+        <a:cs typeface="+mn-cs"/>
+      </a:defRPr>
+    </a:lvl3pPr>
+    <a:lvl4pPr marL="1371600" algn="l" defTabSz="914400" rtl="0" eaLnBrk="1" latinLnBrk="0" hangingPunct="1">
+      <a:defRPr sz="1200" kern="1200">
+        <a:solidFill>
+          <a:schemeClr val="tx1"/>
+        </a:solidFill>
+        <a:latin typeface="+mn-lt"/>
+        <a:ea typeface="+mn-ea"/>
+        <a:cs typeface="+mn-cs"/>
+      </a:defRPr>
+    </a:lvl4pPr>
+    <a:lvl5pPr marL="1828800" algn="l" defTabSz="914400" rtl="0" eaLnBrk="1" latinLnBrk="0" hangingPunct="1">
+      <a:defRPr sz="1200" kern="1200">
+        <a:solidFill>
+          <a:schemeClr val="tx1"/>
+        </a:solidFill>
+        <a:latin typeface="+mn-lt"/>
+        <a:ea typeface="+mn-ea"/>
+        <a:cs typeface="+mn-cs"/>
+      </a:defRPr>
+    </a:lvl5pPr>
+    <a:lvl6pPr marL="2286000" algn="l" defTabSz="914400" rtl="0" eaLnBrk="1" latinLnBrk="0" hangingPunct="1">
+      <a:defRPr sz="1200" kern="1200">
+        <a:solidFill>
+          <a:schemeClr val="tx1"/>
+        </a:solidFill>
+        <a:latin typeface="+mn-lt"/>
+        <a:ea typeface="+mn-ea"/>
+        <a:cs typeface="+mn-cs"/>
+      </a:defRPr>
+    </a:lvl6pPr>
+    <a:lvl7pPr marL="2743200" algn="l" defTabSz="914400" rtl="0" eaLnBrk="1" latinLnBrk="0" hangingPunct="1">
+      <a:defRPr sz="1200" kern="1200">
+        <a:solidFill>
+          <a:schemeClr val="tx1"/>
+        </a:solidFill>
+        <a:latin typeface="+mn-lt"/>
+        <a:ea typeface="+mn-ea"/>
+        <a:cs typeface="+mn-cs"/>
+      </a:defRPr>
+    </a:lvl7pPr>
+    <a:lvl8pPr marL="3200400" algn="l" defTabSz="914400" rtl="0" eaLnBrk="1" latinLnBrk="0" hangingPunct="1">
+      <a:defRPr sz="1200" kern="1200">
+        <a:solidFill>
+          <a:schemeClr val="tx1"/>
+        </a:solidFill>
+        <a:latin typeface="+mn-lt"/>
+        <a:ea typeface="+mn-ea"/>
+        <a:cs typeface="+mn-cs"/>
+      </a:defRPr>
+    </a:lvl8pPr>
+    <a:lvl9pPr marL="3657600" algn="l" defTabSz="914400" rtl="0" eaLnBrk="1" latinLnBrk="0" hangingPunct="1">
+      <a:defRPr sz="1200" kern="1200">
+        <a:solidFill>
+          <a:schemeClr val="tx1"/>
+        </a:solidFill>
+        <a:latin typeface="+mn-lt"/>
+        <a:ea typeface="+mn-ea"/>
+        <a:cs typeface="+mn-cs"/>
+      </a:defRPr>
+    </a:lvl9pPr>
+  </p:notesStyle>
+</p:notesMaster>
+</file>
+
+<file path=ppt/notesSlides/notesSlide1.xml><?xml version="1.0" encoding="utf-8"?>
+<p:notes xmlns:a="http://schemas.openxmlformats.org/drawingml/2006/main" xmlns:r="http://schemas.openxmlformats.org/officeDocument/2006/relationships" xmlns:p="http://schemas.openxmlformats.org/presentationml/2006/main">
+  <p:cSld>
+    <p:spTree>
+      <p:nvGrpSpPr>
+        <p:cNvPr id="1" name=""/>
+        <p:cNvGrpSpPr/>
+        <p:nvPr/>
+      </p:nvGrpSpPr>
+      <p:grpSpPr>
+        <a:xfrm>
+          <a:off x="0" y="0"/>
+          <a:ext cx="0" cy="0"/>
+          <a:chOff x="0" y="0"/>
+          <a:chExt cx="0" cy="0"/>
+        </a:xfrm>
+      </p:grpSpPr>
+      <p:sp>
+        <p:nvSpPr>
+          <p:cNvPr id="2" name="Slide Image Placeholder 1"/>
+          <p:cNvSpPr>
+            <a:spLocks noGrp="1" noRot="1" noChangeAspect="1"/>
+          </p:cNvSpPr>
+          <p:nvPr>
+            <p:ph type="sldImg"/>
+          </p:nvPr>
+        </p:nvSpPr>
+        <p:spPr/>
+      </p:sp>
+      <p:sp>
+        <p:nvSpPr>
+          <p:cNvPr id="3" name="Notes Placeholder 2"/>
+          <p:cNvSpPr>
+            <a:spLocks noGrp="1"/>
+          </p:cNvSpPr>
+          <p:nvPr>
+            <p:ph type="body" idx="1"/>
+          </p:nvPr>
+        </p:nvSpPr>
+        <p:spPr/>
+        <p:txBody>
+          <a:bodyPr/>
+          <a:lstStyle/>
+          <a:p>
+            <a:endParaRPr lang="en-US" dirty="0"/>
+          </a:p>
+        </p:txBody>
+      </p:sp>
+      <p:sp>
+        <p:nvSpPr>
+          <p:cNvPr id="4" name="Slide Number Placeholder 3"/>
+          <p:cNvSpPr>
+            <a:spLocks noGrp="1"/>
+          </p:cNvSpPr>
+          <p:nvPr>
+            <p:ph type="sldNum" sz="quarter" idx="5"/>
+          </p:nvPr>
+        </p:nvSpPr>
+        <p:spPr/>
+        <p:txBody>
+          <a:bodyPr/>
+          <a:lstStyle/>
+          <a:p>
+            <a:fld id="{31C57A7F-5AE8-4270-A6C4-EC25D5F1C131}" type="slidenum">
+              <a:rPr lang="en-US" smtClean="0"/>
+              <a:t>2</a:t>
+            </a:fld>
+            <a:endParaRPr lang="en-US"/>
+          </a:p>
+        </p:txBody>
+      </p:sp>
+    </p:spTree>
+    <p:extLst>
+      <p:ext uri="{BB962C8B-B14F-4D97-AF65-F5344CB8AC3E}">
+        <p14:creationId xmlns:p14="http://schemas.microsoft.com/office/powerpoint/2010/main" val="1189685488"/>
+      </p:ext>
+    </p:extLst>
+  </p:cSld>
+  <p:clrMapOvr>
+    <a:masterClrMapping/>
+  </p:clrMapOvr>
+</p:notes>
 </file>
 
 <file path=ppt/slideLayouts/slideLayout1.xml><?xml version="1.0" encoding="utf-8"?>
@@ -878,7 +1316,7 @@
           <a:p>
             <a:fld id="{F81EA58A-236B-4351-AA1B-97F3A2A984DC}" type="datetimeFigureOut">
               <a:rPr lang="en-US" smtClean="0"/>
-              <a:t>8/15/2023</a:t>
+              <a:t>8/16/2023</a:t>
             </a:fld>
             <a:endParaRPr lang="en-US"/>
           </a:p>
@@ -1128,7 +1566,7 @@
           <a:p>
             <a:fld id="{F81EA58A-236B-4351-AA1B-97F3A2A984DC}" type="datetimeFigureOut">
               <a:rPr lang="en-US" smtClean="0"/>
-              <a:t>8/15/2023</a:t>
+              <a:t>8/16/2023</a:t>
             </a:fld>
             <a:endParaRPr lang="en-US"/>
           </a:p>
@@ -1441,7 +1879,7 @@
           <a:p>
             <a:fld id="{F81EA58A-236B-4351-AA1B-97F3A2A984DC}" type="datetimeFigureOut">
               <a:rPr lang="en-US" smtClean="0"/>
-              <a:t>8/15/2023</a:t>
+              <a:t>8/16/2023</a:t>
             </a:fld>
             <a:endParaRPr lang="en-US"/>
           </a:p>
@@ -1773,7 +2211,7 @@
           <a:p>
             <a:fld id="{F81EA58A-236B-4351-AA1B-97F3A2A984DC}" type="datetimeFigureOut">
               <a:rPr lang="en-US" smtClean="0"/>
-              <a:t>8/15/2023</a:t>
+              <a:t>8/16/2023</a:t>
             </a:fld>
             <a:endParaRPr lang="en-US"/>
           </a:p>
@@ -2086,7 +2524,7 @@
           <a:p>
             <a:fld id="{F81EA58A-236B-4351-AA1B-97F3A2A984DC}" type="datetimeFigureOut">
               <a:rPr lang="en-US" smtClean="0"/>
-              <a:t>8/15/2023</a:t>
+              <a:t>8/16/2023</a:t>
             </a:fld>
             <a:endParaRPr lang="en-US"/>
           </a:p>
@@ -2478,7 +2916,7 @@
           <a:p>
             <a:fld id="{F81EA58A-236B-4351-AA1B-97F3A2A984DC}" type="datetimeFigureOut">
               <a:rPr lang="en-US" smtClean="0"/>
-              <a:t>8/15/2023</a:t>
+              <a:t>8/16/2023</a:t>
             </a:fld>
             <a:endParaRPr lang="en-US"/>
           </a:p>
@@ -2646,7 +3084,7 @@
           <a:p>
             <a:fld id="{F81EA58A-236B-4351-AA1B-97F3A2A984DC}" type="datetimeFigureOut">
               <a:rPr lang="en-US" smtClean="0"/>
-              <a:t>8/15/2023</a:t>
+              <a:t>8/16/2023</a:t>
             </a:fld>
             <a:endParaRPr lang="en-US"/>
           </a:p>
@@ -2824,7 +3262,7 @@
           <a:p>
             <a:fld id="{F81EA58A-236B-4351-AA1B-97F3A2A984DC}" type="datetimeFigureOut">
               <a:rPr lang="en-US" smtClean="0"/>
-              <a:t>8/15/2023</a:t>
+              <a:t>8/16/2023</a:t>
             </a:fld>
             <a:endParaRPr lang="en-US"/>
           </a:p>
@@ -2992,7 +3430,7 @@
           <a:p>
             <a:fld id="{F81EA58A-236B-4351-AA1B-97F3A2A984DC}" type="datetimeFigureOut">
               <a:rPr lang="en-US" smtClean="0"/>
-              <a:t>8/15/2023</a:t>
+              <a:t>8/16/2023</a:t>
             </a:fld>
             <a:endParaRPr lang="en-US"/>
           </a:p>
@@ -3238,7 +3676,7 @@
           <a:p>
             <a:fld id="{F81EA58A-236B-4351-AA1B-97F3A2A984DC}" type="datetimeFigureOut">
               <a:rPr lang="en-US" smtClean="0"/>
-              <a:t>8/15/2023</a:t>
+              <a:t>8/16/2023</a:t>
             </a:fld>
             <a:endParaRPr lang="en-US"/>
           </a:p>
@@ -3467,7 +3905,7 @@
           <a:p>
             <a:fld id="{F81EA58A-236B-4351-AA1B-97F3A2A984DC}" type="datetimeFigureOut">
               <a:rPr lang="en-US" smtClean="0"/>
-              <a:t>8/15/2023</a:t>
+              <a:t>8/16/2023</a:t>
             </a:fld>
             <a:endParaRPr lang="en-US"/>
           </a:p>
@@ -3838,7 +4276,7 @@
           <a:p>
             <a:fld id="{F81EA58A-236B-4351-AA1B-97F3A2A984DC}" type="datetimeFigureOut">
               <a:rPr lang="en-US" smtClean="0"/>
-              <a:t>8/15/2023</a:t>
+              <a:t>8/16/2023</a:t>
             </a:fld>
             <a:endParaRPr lang="en-US"/>
           </a:p>
@@ -3960,7 +4398,7 @@
           <a:p>
             <a:fld id="{F81EA58A-236B-4351-AA1B-97F3A2A984DC}" type="datetimeFigureOut">
               <a:rPr lang="en-US" smtClean="0"/>
-              <a:t>8/15/2023</a:t>
+              <a:t>8/16/2023</a:t>
             </a:fld>
             <a:endParaRPr lang="en-US"/>
           </a:p>
@@ -4055,7 +4493,7 @@
           <a:p>
             <a:fld id="{F81EA58A-236B-4351-AA1B-97F3A2A984DC}" type="datetimeFigureOut">
               <a:rPr lang="en-US" smtClean="0"/>
-              <a:t>8/15/2023</a:t>
+              <a:t>8/16/2023</a:t>
             </a:fld>
             <a:endParaRPr lang="en-US"/>
           </a:p>
@@ -4308,7 +4746,7 @@
           <a:p>
             <a:fld id="{F81EA58A-236B-4351-AA1B-97F3A2A984DC}" type="datetimeFigureOut">
               <a:rPr lang="en-US" smtClean="0"/>
-              <a:t>8/15/2023</a:t>
+              <a:t>8/16/2023</a:t>
             </a:fld>
             <a:endParaRPr lang="en-US"/>
           </a:p>
@@ -4611,7 +5049,7 @@
           <a:p>
             <a:fld id="{F81EA58A-236B-4351-AA1B-97F3A2A984DC}" type="datetimeFigureOut">
               <a:rPr lang="en-US" smtClean="0"/>
-              <a:t>8/15/2023</a:t>
+              <a:t>8/16/2023</a:t>
             </a:fld>
             <a:endParaRPr lang="en-US"/>
           </a:p>
@@ -5311,7 +5749,7 @@
           <a:p>
             <a:fld id="{F81EA58A-236B-4351-AA1B-97F3A2A984DC}" type="datetimeFigureOut">
               <a:rPr lang="en-US" smtClean="0"/>
-              <a:t>8/15/2023</a:t>
+              <a:t>8/16/2023</a:t>
             </a:fld>
             <a:endParaRPr lang="en-US"/>
           </a:p>
@@ -5857,8 +6295,8 @@
           <a:lstStyle/>
           <a:p>
             <a:r>
-              <a:rPr lang="en-US"/>
-              <a:t>An Exploratory Summary of the GSR Project</a:t>
+              <a:rPr lang="en-US" dirty="0"/>
+              <a:t>Overall trends in the GSR project</a:t>
             </a:r>
           </a:p>
         </p:txBody>
@@ -5923,7 +6361,7 @@
           <p:cNvPr id="2" name="Title 1">
             <a:extLst>
               <a:ext uri="{FF2B5EF4-FFF2-40B4-BE49-F238E27FC236}">
-                <a16:creationId xmlns:a16="http://schemas.microsoft.com/office/drawing/2014/main" id="{3584690D-4D81-045E-387A-BDDE698D06D5}"/>
+                <a16:creationId xmlns:a16="http://schemas.microsoft.com/office/drawing/2014/main" id="{27D723DB-027F-02D7-A097-0EC484C6CA7A}"/>
               </a:ext>
             </a:extLst>
           </p:cNvPr>
@@ -5945,10 +6383,10 @@
       </p:sp>
       <p:pic>
         <p:nvPicPr>
-          <p:cNvPr id="5" name="Content Placeholder 4" descr="A graph of a graph showing the difference between a number of columns&#10;&#10;Description automatically generated with medium confidence">
+          <p:cNvPr id="5" name="Content Placeholder 4" descr="A graph with black dots and blue line&#10;&#10;Description automatically generated">
             <a:extLst>
               <a:ext uri="{FF2B5EF4-FFF2-40B4-BE49-F238E27FC236}">
-                <a16:creationId xmlns:a16="http://schemas.microsoft.com/office/drawing/2014/main" id="{CA6392D0-50E3-A840-7042-F666F6CEED8B}"/>
+                <a16:creationId xmlns:a16="http://schemas.microsoft.com/office/drawing/2014/main" id="{64A71B92-50AF-0BA1-A7D7-3C222F03EF27}"/>
               </a:ext>
             </a:extLst>
           </p:cNvPr>
@@ -5973,17 +6411,17 @@
         </p:blipFill>
         <p:spPr>
           <a:xfrm>
-            <a:off x="302430" y="276370"/>
-            <a:ext cx="10826552" cy="6115194"/>
+            <a:off x="191310" y="82406"/>
+            <a:ext cx="10051570" cy="6438467"/>
           </a:xfrm>
         </p:spPr>
       </p:pic>
       <p:sp>
         <p:nvSpPr>
-          <p:cNvPr id="3" name="Oval 2">
+          <p:cNvPr id="6" name="Oval 5">
             <a:extLst>
               <a:ext uri="{FF2B5EF4-FFF2-40B4-BE49-F238E27FC236}">
-                <a16:creationId xmlns:a16="http://schemas.microsoft.com/office/drawing/2014/main" id="{DEACAA62-C1BC-4E83-BC1F-F9C505D8EF0F}"/>
+                <a16:creationId xmlns:a16="http://schemas.microsoft.com/office/drawing/2014/main" id="{FF19E91A-0023-A49E-B9D6-0D823C1770BF}"/>
               </a:ext>
             </a:extLst>
           </p:cNvPr>
@@ -5992,30 +6430,24 @@
         </p:nvSpPr>
         <p:spPr>
           <a:xfrm>
-            <a:off x="10130319" y="609600"/>
-            <a:ext cx="842481" cy="934948"/>
+            <a:off x="526473" y="498764"/>
+            <a:ext cx="914400" cy="914400"/>
           </a:xfrm>
           <a:prstGeom prst="ellipse">
             <a:avLst/>
           </a:prstGeom>
-          <a:solidFill>
-            <a:schemeClr val="accent4">
-              <a:lumMod val="60000"/>
-              <a:lumOff val="40000"/>
-            </a:schemeClr>
-          </a:solidFill>
         </p:spPr>
         <p:style>
           <a:lnRef idx="2">
-            <a:schemeClr val="accent1">
+            <a:schemeClr val="accent4">
               <a:shade val="15000"/>
             </a:schemeClr>
           </a:lnRef>
           <a:fillRef idx="1">
-            <a:schemeClr val="accent1"/>
+            <a:schemeClr val="accent4"/>
           </a:fillRef>
           <a:effectRef idx="0">
-            <a:schemeClr val="accent1"/>
+            <a:schemeClr val="accent4"/>
           </a:effectRef>
           <a:fontRef idx="minor">
             <a:schemeClr val="lt1"/>
@@ -6033,7 +6465,7 @@
     </p:spTree>
     <p:extLst>
       <p:ext uri="{BB962C8B-B14F-4D97-AF65-F5344CB8AC3E}">
-        <p14:creationId xmlns:p14="http://schemas.microsoft.com/office/powerpoint/2010/main" val="177671733"/>
+        <p14:creationId xmlns:p14="http://schemas.microsoft.com/office/powerpoint/2010/main" val="2612813683"/>
       </p:ext>
     </p:extLst>
   </p:cSld>
@@ -6065,7 +6497,7 @@
           <p:cNvPr id="2" name="Title 1">
             <a:extLst>
               <a:ext uri="{FF2B5EF4-FFF2-40B4-BE49-F238E27FC236}">
-                <a16:creationId xmlns:a16="http://schemas.microsoft.com/office/drawing/2014/main" id="{49C4C1CC-14D5-F25C-2DD9-7354F8E46900}"/>
+                <a16:creationId xmlns:a16="http://schemas.microsoft.com/office/drawing/2014/main" id="{6554C54F-F04E-E56C-90A9-9867D62D1C63}"/>
               </a:ext>
             </a:extLst>
           </p:cNvPr>
@@ -6085,44 +6517,21 @@
           </a:p>
         </p:txBody>
       </p:sp>
-      <p:sp>
-        <p:nvSpPr>
-          <p:cNvPr id="3" name="Content Placeholder 2">
+      <p:pic>
+        <p:nvPicPr>
+          <p:cNvPr id="5" name="Content Placeholder 4" descr="A graph of a number of different sizes of objects&#10;&#10;Description automatically generated with medium confidence">
             <a:extLst>
               <a:ext uri="{FF2B5EF4-FFF2-40B4-BE49-F238E27FC236}">
-                <a16:creationId xmlns:a16="http://schemas.microsoft.com/office/drawing/2014/main" id="{217336A4-1AAF-53E7-9ED9-CA537E5D5581}"/>
-              </a:ext>
-            </a:extLst>
-          </p:cNvPr>
-          <p:cNvSpPr>
-            <a:spLocks noGrp="1"/>
-          </p:cNvSpPr>
-          <p:nvPr>
-            <p:ph idx="1"/>
-          </p:nvPr>
-        </p:nvSpPr>
-        <p:spPr/>
-        <p:txBody>
-          <a:bodyPr/>
-          <a:lstStyle/>
-          <a:p>
-            <a:endParaRPr lang="en-US"/>
-          </a:p>
-        </p:txBody>
-      </p:sp>
-      <p:pic>
-        <p:nvPicPr>
-          <p:cNvPr id="4" name="Picture 3" descr="A graph showing a number of certifications&#10;&#10;Description automatically generated">
-            <a:extLst>
-              <a:ext uri="{FF2B5EF4-FFF2-40B4-BE49-F238E27FC236}">
-                <a16:creationId xmlns:a16="http://schemas.microsoft.com/office/drawing/2014/main" id="{4A79D93A-2456-D3FC-E7A9-292766D60B0B}"/>
+                <a16:creationId xmlns:a16="http://schemas.microsoft.com/office/drawing/2014/main" id="{466DB014-B202-D216-4006-96C121AC03F7}"/>
               </a:ext>
             </a:extLst>
           </p:cNvPr>
           <p:cNvPicPr>
-            <a:picLocks noChangeAspect="1"/>
+            <a:picLocks noGrp="1" noChangeAspect="1"/>
           </p:cNvPicPr>
-          <p:nvPr/>
+          <p:nvPr>
+            <p:ph idx="1"/>
+          </p:nvPr>
         </p:nvPicPr>
         <p:blipFill>
           <a:blip r:embed="rId2">
@@ -6138,20 +6547,17 @@
         </p:blipFill>
         <p:spPr>
           <a:xfrm>
-            <a:off x="257382" y="350586"/>
-            <a:ext cx="11537913" cy="4704299"/>
+            <a:off x="363401" y="451861"/>
+            <a:ext cx="10849453" cy="5930466"/>
           </a:xfrm>
-          <a:prstGeom prst="rect">
-            <a:avLst/>
-          </a:prstGeom>
         </p:spPr>
       </p:pic>
       <p:sp>
         <p:nvSpPr>
-          <p:cNvPr id="5" name="Oval 4">
+          <p:cNvPr id="3" name="Oval 2">
             <a:extLst>
               <a:ext uri="{FF2B5EF4-FFF2-40B4-BE49-F238E27FC236}">
-                <a16:creationId xmlns:a16="http://schemas.microsoft.com/office/drawing/2014/main" id="{1B8A20A3-F1DA-74D5-95CB-644FEE2B3FCD}"/>
+                <a16:creationId xmlns:a16="http://schemas.microsoft.com/office/drawing/2014/main" id="{B1EE5C60-2991-37BD-1D5E-4138556C4937}"/>
               </a:ext>
             </a:extLst>
           </p:cNvPr>
@@ -6160,30 +6566,24 @@
         </p:nvSpPr>
         <p:spPr>
           <a:xfrm>
-            <a:off x="10828962" y="821933"/>
-            <a:ext cx="842481" cy="934948"/>
+            <a:off x="677334" y="812800"/>
+            <a:ext cx="914400" cy="914400"/>
           </a:xfrm>
           <a:prstGeom prst="ellipse">
             <a:avLst/>
           </a:prstGeom>
-          <a:solidFill>
-            <a:schemeClr val="accent4">
-              <a:lumMod val="60000"/>
-              <a:lumOff val="40000"/>
-            </a:schemeClr>
-          </a:solidFill>
         </p:spPr>
         <p:style>
           <a:lnRef idx="2">
-            <a:schemeClr val="accent1">
+            <a:schemeClr val="accent4">
               <a:shade val="15000"/>
             </a:schemeClr>
           </a:lnRef>
           <a:fillRef idx="1">
-            <a:schemeClr val="accent1"/>
+            <a:schemeClr val="accent4"/>
           </a:fillRef>
           <a:effectRef idx="0">
-            <a:schemeClr val="accent1"/>
+            <a:schemeClr val="accent4"/>
           </a:effectRef>
           <a:fontRef idx="minor">
             <a:schemeClr val="lt1"/>
@@ -6201,7 +6601,7 @@
     </p:spTree>
     <p:extLst>
       <p:ext uri="{BB962C8B-B14F-4D97-AF65-F5344CB8AC3E}">
-        <p14:creationId xmlns:p14="http://schemas.microsoft.com/office/powerpoint/2010/main" val="2084203760"/>
+        <p14:creationId xmlns:p14="http://schemas.microsoft.com/office/powerpoint/2010/main" val="3862105535"/>
       </p:ext>
     </p:extLst>
   </p:cSld>
@@ -6212,6 +6612,414 @@
 </file>
 
 <file path=ppt/slides/slide12.xml><?xml version="1.0" encoding="utf-8"?>
+<p:sld xmlns:a="http://schemas.openxmlformats.org/drawingml/2006/main" xmlns:r="http://schemas.openxmlformats.org/officeDocument/2006/relationships" xmlns:p="http://schemas.openxmlformats.org/presentationml/2006/main">
+  <p:cSld>
+    <p:spTree>
+      <p:nvGrpSpPr>
+        <p:cNvPr id="1" name=""/>
+        <p:cNvGrpSpPr/>
+        <p:nvPr/>
+      </p:nvGrpSpPr>
+      <p:grpSpPr>
+        <a:xfrm>
+          <a:off x="0" y="0"/>
+          <a:ext cx="0" cy="0"/>
+          <a:chOff x="0" y="0"/>
+          <a:chExt cx="0" cy="0"/>
+        </a:xfrm>
+      </p:grpSpPr>
+      <p:sp>
+        <p:nvSpPr>
+          <p:cNvPr id="2" name="Title 1">
+            <a:extLst>
+              <a:ext uri="{FF2B5EF4-FFF2-40B4-BE49-F238E27FC236}">
+                <a16:creationId xmlns:a16="http://schemas.microsoft.com/office/drawing/2014/main" id="{3584690D-4D81-045E-387A-BDDE698D06D5}"/>
+              </a:ext>
+            </a:extLst>
+          </p:cNvPr>
+          <p:cNvSpPr>
+            <a:spLocks noGrp="1"/>
+          </p:cNvSpPr>
+          <p:nvPr>
+            <p:ph type="title"/>
+          </p:nvPr>
+        </p:nvSpPr>
+        <p:spPr/>
+        <p:txBody>
+          <a:bodyPr/>
+          <a:lstStyle/>
+          <a:p>
+            <a:endParaRPr lang="en-US"/>
+          </a:p>
+        </p:txBody>
+      </p:sp>
+      <p:pic>
+        <p:nvPicPr>
+          <p:cNvPr id="5" name="Content Placeholder 4" descr="A graph of a graph showing the difference between a number of columns&#10;&#10;Description automatically generated with medium confidence">
+            <a:extLst>
+              <a:ext uri="{FF2B5EF4-FFF2-40B4-BE49-F238E27FC236}">
+                <a16:creationId xmlns:a16="http://schemas.microsoft.com/office/drawing/2014/main" id="{CA6392D0-50E3-A840-7042-F666F6CEED8B}"/>
+              </a:ext>
+            </a:extLst>
+          </p:cNvPr>
+          <p:cNvPicPr>
+            <a:picLocks noGrp="1" noChangeAspect="1"/>
+          </p:cNvPicPr>
+          <p:nvPr>
+            <p:ph idx="1"/>
+          </p:nvPr>
+        </p:nvPicPr>
+        <p:blipFill>
+          <a:blip r:embed="rId2">
+            <a:extLst>
+              <a:ext uri="{28A0092B-C50C-407E-A947-70E740481C1C}">
+                <a14:useLocalDpi xmlns:a14="http://schemas.microsoft.com/office/drawing/2010/main" val="0"/>
+              </a:ext>
+            </a:extLst>
+          </a:blip>
+          <a:stretch>
+            <a:fillRect/>
+          </a:stretch>
+        </p:blipFill>
+        <p:spPr>
+          <a:xfrm>
+            <a:off x="302430" y="276370"/>
+            <a:ext cx="10826552" cy="6115194"/>
+          </a:xfrm>
+        </p:spPr>
+      </p:pic>
+      <p:sp>
+        <p:nvSpPr>
+          <p:cNvPr id="7" name="Oval 6">
+            <a:extLst>
+              <a:ext uri="{FF2B5EF4-FFF2-40B4-BE49-F238E27FC236}">
+                <a16:creationId xmlns:a16="http://schemas.microsoft.com/office/drawing/2014/main" id="{C799847F-DC58-C3D8-2897-2811BC7AE585}"/>
+              </a:ext>
+            </a:extLst>
+          </p:cNvPr>
+          <p:cNvSpPr/>
+          <p:nvPr/>
+        </p:nvSpPr>
+        <p:spPr>
+          <a:xfrm>
+            <a:off x="677334" y="812800"/>
+            <a:ext cx="914400" cy="914400"/>
+          </a:xfrm>
+          <a:prstGeom prst="ellipse">
+            <a:avLst/>
+          </a:prstGeom>
+        </p:spPr>
+        <p:style>
+          <a:lnRef idx="2">
+            <a:schemeClr val="accent4">
+              <a:shade val="15000"/>
+            </a:schemeClr>
+          </a:lnRef>
+          <a:fillRef idx="1">
+            <a:schemeClr val="accent4"/>
+          </a:fillRef>
+          <a:effectRef idx="0">
+            <a:schemeClr val="accent4"/>
+          </a:effectRef>
+          <a:fontRef idx="minor">
+            <a:schemeClr val="lt1"/>
+          </a:fontRef>
+        </p:style>
+        <p:txBody>
+          <a:bodyPr rtlCol="0" anchor="ctr"/>
+          <a:lstStyle/>
+          <a:p>
+            <a:pPr algn="ctr"/>
+            <a:endParaRPr lang="en-US"/>
+          </a:p>
+        </p:txBody>
+      </p:sp>
+    </p:spTree>
+    <p:extLst>
+      <p:ext uri="{BB962C8B-B14F-4D97-AF65-F5344CB8AC3E}">
+        <p14:creationId xmlns:p14="http://schemas.microsoft.com/office/powerpoint/2010/main" val="177671733"/>
+      </p:ext>
+    </p:extLst>
+  </p:cSld>
+  <p:clrMapOvr>
+    <a:masterClrMapping/>
+  </p:clrMapOvr>
+</p:sld>
+</file>
+
+<file path=ppt/slides/slide13.xml><?xml version="1.0" encoding="utf-8"?>
+<p:sld xmlns:a="http://schemas.openxmlformats.org/drawingml/2006/main" xmlns:r="http://schemas.openxmlformats.org/officeDocument/2006/relationships" xmlns:p="http://schemas.openxmlformats.org/presentationml/2006/main">
+  <p:cSld>
+    <p:spTree>
+      <p:nvGrpSpPr>
+        <p:cNvPr id="1" name=""/>
+        <p:cNvGrpSpPr/>
+        <p:nvPr/>
+      </p:nvGrpSpPr>
+      <p:grpSpPr>
+        <a:xfrm>
+          <a:off x="0" y="0"/>
+          <a:ext cx="0" cy="0"/>
+          <a:chOff x="0" y="0"/>
+          <a:chExt cx="0" cy="0"/>
+        </a:xfrm>
+      </p:grpSpPr>
+      <p:sp>
+        <p:nvSpPr>
+          <p:cNvPr id="2" name="Title 1">
+            <a:extLst>
+              <a:ext uri="{FF2B5EF4-FFF2-40B4-BE49-F238E27FC236}">
+                <a16:creationId xmlns:a16="http://schemas.microsoft.com/office/drawing/2014/main" id="{BA7ED39B-C095-6272-9B7E-DB306D3A2FFD}"/>
+              </a:ext>
+            </a:extLst>
+          </p:cNvPr>
+          <p:cNvSpPr>
+            <a:spLocks noGrp="1"/>
+          </p:cNvSpPr>
+          <p:nvPr>
+            <p:ph type="title"/>
+          </p:nvPr>
+        </p:nvSpPr>
+        <p:spPr/>
+        <p:txBody>
+          <a:bodyPr/>
+          <a:lstStyle/>
+          <a:p>
+            <a:endParaRPr lang="en-US"/>
+          </a:p>
+        </p:txBody>
+      </p:sp>
+      <p:pic>
+        <p:nvPicPr>
+          <p:cNvPr id="5" name="Content Placeholder 4" descr="A graph showing a line and a line&#10;&#10;Description automatically generated with medium confidence">
+            <a:extLst>
+              <a:ext uri="{FF2B5EF4-FFF2-40B4-BE49-F238E27FC236}">
+                <a16:creationId xmlns:a16="http://schemas.microsoft.com/office/drawing/2014/main" id="{9B74F798-4862-CF7B-545D-A4CB268484BB}"/>
+              </a:ext>
+            </a:extLst>
+          </p:cNvPr>
+          <p:cNvPicPr>
+            <a:picLocks noGrp="1" noChangeAspect="1"/>
+          </p:cNvPicPr>
+          <p:nvPr>
+            <p:ph idx="1"/>
+          </p:nvPr>
+        </p:nvPicPr>
+        <p:blipFill>
+          <a:blip r:embed="rId2">
+            <a:extLst>
+              <a:ext uri="{28A0092B-C50C-407E-A947-70E740481C1C}">
+                <a14:useLocalDpi xmlns:a14="http://schemas.microsoft.com/office/drawing/2010/main" val="0"/>
+              </a:ext>
+            </a:extLst>
+          </a:blip>
+          <a:stretch>
+            <a:fillRect/>
+          </a:stretch>
+        </p:blipFill>
+        <p:spPr>
+          <a:xfrm>
+            <a:off x="246728" y="285606"/>
+            <a:ext cx="9802436" cy="6278886"/>
+          </a:xfrm>
+        </p:spPr>
+      </p:pic>
+      <p:sp>
+        <p:nvSpPr>
+          <p:cNvPr id="6" name="Oval 5">
+            <a:extLst>
+              <a:ext uri="{FF2B5EF4-FFF2-40B4-BE49-F238E27FC236}">
+                <a16:creationId xmlns:a16="http://schemas.microsoft.com/office/drawing/2014/main" id="{D14161A5-729D-D189-4BA6-38A55CC31DF9}"/>
+              </a:ext>
+            </a:extLst>
+          </p:cNvPr>
+          <p:cNvSpPr/>
+          <p:nvPr/>
+        </p:nvSpPr>
+        <p:spPr>
+          <a:xfrm>
+            <a:off x="677334" y="812800"/>
+            <a:ext cx="914400" cy="914400"/>
+          </a:xfrm>
+          <a:prstGeom prst="ellipse">
+            <a:avLst/>
+          </a:prstGeom>
+        </p:spPr>
+        <p:style>
+          <a:lnRef idx="2">
+            <a:schemeClr val="accent4">
+              <a:shade val="15000"/>
+            </a:schemeClr>
+          </a:lnRef>
+          <a:fillRef idx="1">
+            <a:schemeClr val="accent4"/>
+          </a:fillRef>
+          <a:effectRef idx="0">
+            <a:schemeClr val="accent4"/>
+          </a:effectRef>
+          <a:fontRef idx="minor">
+            <a:schemeClr val="lt1"/>
+          </a:fontRef>
+        </p:style>
+        <p:txBody>
+          <a:bodyPr rtlCol="0" anchor="ctr"/>
+          <a:lstStyle/>
+          <a:p>
+            <a:pPr algn="ctr"/>
+            <a:endParaRPr lang="en-US"/>
+          </a:p>
+        </p:txBody>
+      </p:sp>
+    </p:spTree>
+    <p:extLst>
+      <p:ext uri="{BB962C8B-B14F-4D97-AF65-F5344CB8AC3E}">
+        <p14:creationId xmlns:p14="http://schemas.microsoft.com/office/powerpoint/2010/main" val="4200741661"/>
+      </p:ext>
+    </p:extLst>
+  </p:cSld>
+  <p:clrMapOvr>
+    <a:masterClrMapping/>
+  </p:clrMapOvr>
+</p:sld>
+</file>
+
+<file path=ppt/slides/slide14.xml><?xml version="1.0" encoding="utf-8"?>
+<p:sld xmlns:a="http://schemas.openxmlformats.org/drawingml/2006/main" xmlns:r="http://schemas.openxmlformats.org/officeDocument/2006/relationships" xmlns:p="http://schemas.openxmlformats.org/presentationml/2006/main">
+  <p:cSld>
+    <p:spTree>
+      <p:nvGrpSpPr>
+        <p:cNvPr id="1" name=""/>
+        <p:cNvGrpSpPr/>
+        <p:nvPr/>
+      </p:nvGrpSpPr>
+      <p:grpSpPr>
+        <a:xfrm>
+          <a:off x="0" y="0"/>
+          <a:ext cx="0" cy="0"/>
+          <a:chOff x="0" y="0"/>
+          <a:chExt cx="0" cy="0"/>
+        </a:xfrm>
+      </p:grpSpPr>
+      <p:sp>
+        <p:nvSpPr>
+          <p:cNvPr id="2" name="Title 1">
+            <a:extLst>
+              <a:ext uri="{FF2B5EF4-FFF2-40B4-BE49-F238E27FC236}">
+                <a16:creationId xmlns:a16="http://schemas.microsoft.com/office/drawing/2014/main" id="{3A0EECCE-4D0E-0914-1DF3-C93005C113CD}"/>
+              </a:ext>
+            </a:extLst>
+          </p:cNvPr>
+          <p:cNvSpPr>
+            <a:spLocks noGrp="1"/>
+          </p:cNvSpPr>
+          <p:nvPr>
+            <p:ph type="title"/>
+          </p:nvPr>
+        </p:nvSpPr>
+        <p:spPr/>
+        <p:txBody>
+          <a:bodyPr/>
+          <a:lstStyle/>
+          <a:p>
+            <a:endParaRPr lang="en-US"/>
+          </a:p>
+        </p:txBody>
+      </p:sp>
+      <p:pic>
+        <p:nvPicPr>
+          <p:cNvPr id="6" name="Content Placeholder 5" descr="A graph of a number of certifications&#10;&#10;Description automatically generated">
+            <a:extLst>
+              <a:ext uri="{FF2B5EF4-FFF2-40B4-BE49-F238E27FC236}">
+                <a16:creationId xmlns:a16="http://schemas.microsoft.com/office/drawing/2014/main" id="{91805A21-71D3-4214-A58E-65C60AFE0E48}"/>
+              </a:ext>
+            </a:extLst>
+          </p:cNvPr>
+          <p:cNvPicPr>
+            <a:picLocks noGrp="1" noChangeAspect="1"/>
+          </p:cNvPicPr>
+          <p:nvPr>
+            <p:ph idx="1"/>
+          </p:nvPr>
+        </p:nvPicPr>
+        <p:blipFill>
+          <a:blip r:embed="rId2">
+            <a:extLst>
+              <a:ext uri="{28A0092B-C50C-407E-A947-70E740481C1C}">
+                <a14:useLocalDpi xmlns:a14="http://schemas.microsoft.com/office/drawing/2010/main" val="0"/>
+              </a:ext>
+            </a:extLst>
+          </a:blip>
+          <a:stretch>
+            <a:fillRect/>
+          </a:stretch>
+        </p:blipFill>
+        <p:spPr>
+          <a:xfrm>
+            <a:off x="329854" y="174770"/>
+            <a:ext cx="10037149" cy="6429230"/>
+          </a:xfrm>
+        </p:spPr>
+      </p:pic>
+      <p:sp>
+        <p:nvSpPr>
+          <p:cNvPr id="4" name="Oval 3">
+            <a:extLst>
+              <a:ext uri="{FF2B5EF4-FFF2-40B4-BE49-F238E27FC236}">
+                <a16:creationId xmlns:a16="http://schemas.microsoft.com/office/drawing/2014/main" id="{48E46956-799D-1DB2-1DFA-C25C7AE035D8}"/>
+              </a:ext>
+            </a:extLst>
+          </p:cNvPr>
+          <p:cNvSpPr/>
+          <p:nvPr/>
+        </p:nvSpPr>
+        <p:spPr>
+          <a:xfrm>
+            <a:off x="677334" y="812800"/>
+            <a:ext cx="914400" cy="914400"/>
+          </a:xfrm>
+          <a:prstGeom prst="ellipse">
+            <a:avLst/>
+          </a:prstGeom>
+        </p:spPr>
+        <p:style>
+          <a:lnRef idx="2">
+            <a:schemeClr val="accent4">
+              <a:shade val="15000"/>
+            </a:schemeClr>
+          </a:lnRef>
+          <a:fillRef idx="1">
+            <a:schemeClr val="accent4"/>
+          </a:fillRef>
+          <a:effectRef idx="0">
+            <a:schemeClr val="accent4"/>
+          </a:effectRef>
+          <a:fontRef idx="minor">
+            <a:schemeClr val="lt1"/>
+          </a:fontRef>
+        </p:style>
+        <p:txBody>
+          <a:bodyPr rtlCol="0" anchor="ctr"/>
+          <a:lstStyle/>
+          <a:p>
+            <a:pPr algn="ctr"/>
+            <a:endParaRPr lang="en-US"/>
+          </a:p>
+        </p:txBody>
+      </p:sp>
+    </p:spTree>
+    <p:extLst>
+      <p:ext uri="{BB962C8B-B14F-4D97-AF65-F5344CB8AC3E}">
+        <p14:creationId xmlns:p14="http://schemas.microsoft.com/office/powerpoint/2010/main" val="2652602795"/>
+      </p:ext>
+    </p:extLst>
+  </p:cSld>
+  <p:clrMapOvr>
+    <a:masterClrMapping/>
+  </p:clrMapOvr>
+</p:sld>
+</file>
+
+<file path=ppt/slides/slide15.xml><?xml version="1.0" encoding="utf-8"?>
 <p:sld xmlns:a="http://schemas.openxmlformats.org/drawingml/2006/main" xmlns:r="http://schemas.openxmlformats.org/officeDocument/2006/relationships" xmlns:p="http://schemas.openxmlformats.org/presentationml/2006/main">
   <p:cSld>
     <p:spTree>
@@ -6276,7 +7084,7 @@
 </p:sld>
 </file>
 
-<file path=ppt/slides/slide13.xml><?xml version="1.0" encoding="utf-8"?>
+<file path=ppt/slides/slide16.xml><?xml version="1.0" encoding="utf-8"?>
 <p:sld xmlns:a="http://schemas.openxmlformats.org/drawingml/2006/main" xmlns:r="http://schemas.openxmlformats.org/officeDocument/2006/relationships" xmlns:p="http://schemas.openxmlformats.org/presentationml/2006/main">
   <p:cSld>
     <p:spTree>
@@ -6366,7 +7174,7 @@
 </p:sld>
 </file>
 
-<file path=ppt/slides/slide14.xml><?xml version="1.0" encoding="utf-8"?>
+<file path=ppt/slides/slide17.xml><?xml version="1.0" encoding="utf-8"?>
 <p:sld xmlns:a="http://schemas.openxmlformats.org/drawingml/2006/main" xmlns:r="http://schemas.openxmlformats.org/officeDocument/2006/relationships" xmlns:p="http://schemas.openxmlformats.org/presentationml/2006/main">
   <p:cSld>
     <p:spTree>
@@ -6456,7 +7264,570 @@
 </p:sld>
 </file>
 
-<file path=ppt/slides/slide15.xml><?xml version="1.0" encoding="utf-8"?>
+<file path=ppt/slides/slide2.xml><?xml version="1.0" encoding="utf-8"?>
+<p:sld xmlns:a="http://schemas.openxmlformats.org/drawingml/2006/main" xmlns:r="http://schemas.openxmlformats.org/officeDocument/2006/relationships" xmlns:p="http://schemas.openxmlformats.org/presentationml/2006/main">
+  <p:cSld>
+    <p:spTree>
+      <p:nvGrpSpPr>
+        <p:cNvPr id="1" name=""/>
+        <p:cNvGrpSpPr/>
+        <p:nvPr/>
+      </p:nvGrpSpPr>
+      <p:grpSpPr>
+        <a:xfrm>
+          <a:off x="0" y="0"/>
+          <a:ext cx="0" cy="0"/>
+          <a:chOff x="0" y="0"/>
+          <a:chExt cx="0" cy="0"/>
+        </a:xfrm>
+      </p:grpSpPr>
+      <p:sp>
+        <p:nvSpPr>
+          <p:cNvPr id="2" name="Title 1">
+            <a:extLst>
+              <a:ext uri="{FF2B5EF4-FFF2-40B4-BE49-F238E27FC236}">
+                <a16:creationId xmlns:a16="http://schemas.microsoft.com/office/drawing/2014/main" id="{9E4FCD9F-7438-F764-0E44-6DACC0C59B87}"/>
+              </a:ext>
+            </a:extLst>
+          </p:cNvPr>
+          <p:cNvSpPr>
+            <a:spLocks noGrp="1"/>
+          </p:cNvSpPr>
+          <p:nvPr>
+            <p:ph type="title"/>
+          </p:nvPr>
+        </p:nvSpPr>
+        <p:spPr/>
+        <p:txBody>
+          <a:bodyPr/>
+          <a:lstStyle/>
+          <a:p>
+            <a:r>
+              <a:rPr lang="en-US" dirty="0"/>
+              <a:t>What is the GSR</a:t>
+            </a:r>
+          </a:p>
+        </p:txBody>
+      </p:sp>
+      <p:pic>
+        <p:nvPicPr>
+          <p:cNvPr id="9" name="Content Placeholder 8" descr="A screenshot of a computer&#10;&#10;Description automatically generated">
+            <a:extLst>
+              <a:ext uri="{FF2B5EF4-FFF2-40B4-BE49-F238E27FC236}">
+                <a16:creationId xmlns:a16="http://schemas.microsoft.com/office/drawing/2014/main" id="{D93BE554-B38E-4F76-5E13-EBC689D1BEFE}"/>
+              </a:ext>
+            </a:extLst>
+          </p:cNvPr>
+          <p:cNvPicPr>
+            <a:picLocks noGrp="1" noChangeAspect="1"/>
+          </p:cNvPicPr>
+          <p:nvPr>
+            <p:ph idx="1"/>
+          </p:nvPr>
+        </p:nvPicPr>
+        <p:blipFill>
+          <a:blip r:embed="rId3">
+            <a:extLst>
+              <a:ext uri="{28A0092B-C50C-407E-A947-70E740481C1C}">
+                <a14:useLocalDpi xmlns:a14="http://schemas.microsoft.com/office/drawing/2010/main" val="0"/>
+              </a:ext>
+            </a:extLst>
+          </a:blip>
+          <a:stretch>
+            <a:fillRect/>
+          </a:stretch>
+        </p:blipFill>
+        <p:spPr>
+          <a:xfrm>
+            <a:off x="233479" y="1260573"/>
+            <a:ext cx="5009473" cy="4074998"/>
+          </a:xfrm>
+        </p:spPr>
+      </p:pic>
+      <p:pic>
+        <p:nvPicPr>
+          <p:cNvPr id="11" name="Picture 10" descr="A screenshot of a computer&#10;&#10;Description automatically generated">
+            <a:extLst>
+              <a:ext uri="{FF2B5EF4-FFF2-40B4-BE49-F238E27FC236}">
+                <a16:creationId xmlns:a16="http://schemas.microsoft.com/office/drawing/2014/main" id="{D36B1E6F-237F-CA29-0F12-20EF578044AE}"/>
+              </a:ext>
+            </a:extLst>
+          </p:cNvPr>
+          <p:cNvPicPr>
+            <a:picLocks noChangeAspect="1"/>
+          </p:cNvPicPr>
+          <p:nvPr/>
+        </p:nvPicPr>
+        <p:blipFill>
+          <a:blip r:embed="rId4">
+            <a:extLst>
+              <a:ext uri="{28A0092B-C50C-407E-A947-70E740481C1C}">
+                <a14:useLocalDpi xmlns:a14="http://schemas.microsoft.com/office/drawing/2010/main" val="0"/>
+              </a:ext>
+            </a:extLst>
+          </a:blip>
+          <a:stretch>
+            <a:fillRect/>
+          </a:stretch>
+        </p:blipFill>
+        <p:spPr>
+          <a:xfrm>
+            <a:off x="5973781" y="482230"/>
+            <a:ext cx="5540885" cy="4416044"/>
+          </a:xfrm>
+          <a:prstGeom prst="rect">
+            <a:avLst/>
+          </a:prstGeom>
+        </p:spPr>
+      </p:pic>
+      <p:sp>
+        <p:nvSpPr>
+          <p:cNvPr id="12" name="TextBox 11">
+            <a:extLst>
+              <a:ext uri="{FF2B5EF4-FFF2-40B4-BE49-F238E27FC236}">
+                <a16:creationId xmlns:a16="http://schemas.microsoft.com/office/drawing/2014/main" id="{5B53CE17-DA19-0E33-749B-B40FF26DE2F6}"/>
+              </a:ext>
+            </a:extLst>
+          </p:cNvPr>
+          <p:cNvSpPr txBox="1"/>
+          <p:nvPr/>
+        </p:nvSpPr>
+        <p:spPr>
+          <a:xfrm>
+            <a:off x="312098" y="5626231"/>
+            <a:ext cx="2925801" cy="369332"/>
+          </a:xfrm>
+          <a:prstGeom prst="rect">
+            <a:avLst/>
+          </a:prstGeom>
+          <a:noFill/>
+        </p:spPr>
+        <p:txBody>
+          <a:bodyPr wrap="none" rtlCol="0">
+            <a:spAutoFit/>
+          </a:bodyPr>
+          <a:lstStyle/>
+          <a:p>
+            <a:r>
+              <a:rPr lang="en-US" dirty="0"/>
+              <a:t>Number of simulators: 225</a:t>
+            </a:r>
+          </a:p>
+        </p:txBody>
+      </p:sp>
+    </p:spTree>
+    <p:extLst>
+      <p:ext uri="{BB962C8B-B14F-4D97-AF65-F5344CB8AC3E}">
+        <p14:creationId xmlns:p14="http://schemas.microsoft.com/office/powerpoint/2010/main" val="776993029"/>
+      </p:ext>
+    </p:extLst>
+  </p:cSld>
+  <p:clrMapOvr>
+    <a:masterClrMapping/>
+  </p:clrMapOvr>
+</p:sld>
+</file>
+
+<file path=ppt/slides/slide3.xml><?xml version="1.0" encoding="utf-8"?>
+<p:sld xmlns:a="http://schemas.openxmlformats.org/drawingml/2006/main" xmlns:r="http://schemas.openxmlformats.org/officeDocument/2006/relationships" xmlns:p="http://schemas.openxmlformats.org/presentationml/2006/main">
+  <p:cSld>
+    <p:spTree>
+      <p:nvGrpSpPr>
+        <p:cNvPr id="1" name=""/>
+        <p:cNvGrpSpPr/>
+        <p:nvPr/>
+      </p:nvGrpSpPr>
+      <p:grpSpPr>
+        <a:xfrm>
+          <a:off x="0" y="0"/>
+          <a:ext cx="0" cy="0"/>
+          <a:chOff x="0" y="0"/>
+          <a:chExt cx="0" cy="0"/>
+        </a:xfrm>
+      </p:grpSpPr>
+      <p:pic>
+        <p:nvPicPr>
+          <p:cNvPr id="4" name="Picture 3">
+            <a:extLst>
+              <a:ext uri="{FF2B5EF4-FFF2-40B4-BE49-F238E27FC236}">
+                <a16:creationId xmlns:a16="http://schemas.microsoft.com/office/drawing/2014/main" id="{78408D8F-A60E-6FB1-7369-0F57281A3C45}"/>
+              </a:ext>
+            </a:extLst>
+          </p:cNvPr>
+          <p:cNvPicPr>
+            <a:picLocks noChangeAspect="1"/>
+          </p:cNvPicPr>
+          <p:nvPr/>
+        </p:nvPicPr>
+        <p:blipFill>
+          <a:blip r:embed="rId2">
+            <a:extLst>
+              <a:ext uri="{28A0092B-C50C-407E-A947-70E740481C1C}">
+                <a14:useLocalDpi xmlns:a14="http://schemas.microsoft.com/office/drawing/2010/main" val="0"/>
+              </a:ext>
+            </a:extLst>
+          </a:blip>
+          <a:stretch>
+            <a:fillRect/>
+          </a:stretch>
+        </p:blipFill>
+        <p:spPr>
+          <a:xfrm>
+            <a:off x="39689" y="707366"/>
+            <a:ext cx="4507126" cy="5443268"/>
+          </a:xfrm>
+          <a:prstGeom prst="rect">
+            <a:avLst/>
+          </a:prstGeom>
+        </p:spPr>
+      </p:pic>
+      <p:sp>
+        <p:nvSpPr>
+          <p:cNvPr id="5" name="TextBox 4">
+            <a:extLst>
+              <a:ext uri="{FF2B5EF4-FFF2-40B4-BE49-F238E27FC236}">
+                <a16:creationId xmlns:a16="http://schemas.microsoft.com/office/drawing/2014/main" id="{91750BC6-9578-192D-15BE-1CE66AAA1BF3}"/>
+              </a:ext>
+            </a:extLst>
+          </p:cNvPr>
+          <p:cNvSpPr txBox="1"/>
+          <p:nvPr/>
+        </p:nvSpPr>
+        <p:spPr>
+          <a:xfrm>
+            <a:off x="6350589" y="781697"/>
+            <a:ext cx="936475" cy="369332"/>
+          </a:xfrm>
+          <a:prstGeom prst="rect">
+            <a:avLst/>
+          </a:prstGeom>
+          <a:noFill/>
+        </p:spPr>
+        <p:txBody>
+          <a:bodyPr wrap="none" rtlCol="0">
+            <a:spAutoFit/>
+          </a:bodyPr>
+          <a:lstStyle/>
+          <a:p>
+            <a:r>
+              <a:rPr lang="en-US" dirty="0"/>
+              <a:t>n = 225</a:t>
+            </a:r>
+          </a:p>
+        </p:txBody>
+      </p:sp>
+      <p:pic>
+        <p:nvPicPr>
+          <p:cNvPr id="9" name="Picture 8" descr="A graph with a line and a curve&#10;&#10;Description automatically generated with medium confidence">
+            <a:extLst>
+              <a:ext uri="{FF2B5EF4-FFF2-40B4-BE49-F238E27FC236}">
+                <a16:creationId xmlns:a16="http://schemas.microsoft.com/office/drawing/2014/main" id="{90067C41-B816-E48D-9E64-822B41976400}"/>
+              </a:ext>
+            </a:extLst>
+          </p:cNvPr>
+          <p:cNvPicPr>
+            <a:picLocks noChangeAspect="1"/>
+          </p:cNvPicPr>
+          <p:nvPr/>
+        </p:nvPicPr>
+        <p:blipFill>
+          <a:blip r:embed="rId3">
+            <a:extLst>
+              <a:ext uri="{28A0092B-C50C-407E-A947-70E740481C1C}">
+                <a14:useLocalDpi xmlns:a14="http://schemas.microsoft.com/office/drawing/2010/main" val="0"/>
+              </a:ext>
+            </a:extLst>
+          </a:blip>
+          <a:stretch>
+            <a:fillRect/>
+          </a:stretch>
+        </p:blipFill>
+        <p:spPr>
+          <a:xfrm>
+            <a:off x="4651879" y="1316392"/>
+            <a:ext cx="7218002" cy="4834242"/>
+          </a:xfrm>
+          <a:prstGeom prst="rect">
+            <a:avLst/>
+          </a:prstGeom>
+        </p:spPr>
+      </p:pic>
+    </p:spTree>
+    <p:extLst>
+      <p:ext uri="{BB962C8B-B14F-4D97-AF65-F5344CB8AC3E}">
+        <p14:creationId xmlns:p14="http://schemas.microsoft.com/office/powerpoint/2010/main" val="3819636605"/>
+      </p:ext>
+    </p:extLst>
+  </p:cSld>
+  <p:clrMapOvr>
+    <a:masterClrMapping/>
+  </p:clrMapOvr>
+</p:sld>
+</file>
+
+<file path=ppt/slides/slide4.xml><?xml version="1.0" encoding="utf-8"?>
+<p:sld xmlns:a="http://schemas.openxmlformats.org/drawingml/2006/main" xmlns:r="http://schemas.openxmlformats.org/officeDocument/2006/relationships" xmlns:p="http://schemas.openxmlformats.org/presentationml/2006/main">
+  <p:cSld>
+    <p:spTree>
+      <p:nvGrpSpPr>
+        <p:cNvPr id="1" name=""/>
+        <p:cNvGrpSpPr/>
+        <p:nvPr/>
+      </p:nvGrpSpPr>
+      <p:grpSpPr>
+        <a:xfrm>
+          <a:off x="0" y="0"/>
+          <a:ext cx="0" cy="0"/>
+          <a:chOff x="0" y="0"/>
+          <a:chExt cx="0" cy="0"/>
+        </a:xfrm>
+      </p:grpSpPr>
+      <p:sp>
+        <p:nvSpPr>
+          <p:cNvPr id="2" name="Title 1">
+            <a:extLst>
+              <a:ext uri="{FF2B5EF4-FFF2-40B4-BE49-F238E27FC236}">
+                <a16:creationId xmlns:a16="http://schemas.microsoft.com/office/drawing/2014/main" id="{8D0CBF5E-B549-19A4-B31F-39FD77059C8F}"/>
+              </a:ext>
+            </a:extLst>
+          </p:cNvPr>
+          <p:cNvSpPr>
+            <a:spLocks noGrp="1"/>
+          </p:cNvSpPr>
+          <p:nvPr>
+            <p:ph type="title"/>
+          </p:nvPr>
+        </p:nvSpPr>
+        <p:spPr/>
+        <p:txBody>
+          <a:bodyPr/>
+          <a:lstStyle/>
+          <a:p>
+            <a:endParaRPr lang="en-US"/>
+          </a:p>
+        </p:txBody>
+      </p:sp>
+      <p:pic>
+        <p:nvPicPr>
+          <p:cNvPr id="7" name="Content Placeholder 6" descr="A graph of different colored lines&#10;&#10;Description automatically generated">
+            <a:extLst>
+              <a:ext uri="{FF2B5EF4-FFF2-40B4-BE49-F238E27FC236}">
+                <a16:creationId xmlns:a16="http://schemas.microsoft.com/office/drawing/2014/main" id="{ED501EE9-1261-96B7-7AD6-49D6B42EF07F}"/>
+              </a:ext>
+            </a:extLst>
+          </p:cNvPr>
+          <p:cNvPicPr>
+            <a:picLocks noGrp="1" noChangeAspect="1"/>
+          </p:cNvPicPr>
+          <p:nvPr>
+            <p:ph idx="1"/>
+          </p:nvPr>
+        </p:nvPicPr>
+        <p:blipFill>
+          <a:blip r:embed="rId2">
+            <a:extLst>
+              <a:ext uri="{28A0092B-C50C-407E-A947-70E740481C1C}">
+                <a14:useLocalDpi xmlns:a14="http://schemas.microsoft.com/office/drawing/2010/main" val="0"/>
+              </a:ext>
+            </a:extLst>
+          </a:blip>
+          <a:stretch>
+            <a:fillRect/>
+          </a:stretch>
+        </p:blipFill>
+        <p:spPr>
+          <a:xfrm>
+            <a:off x="237776" y="202479"/>
+            <a:ext cx="11431589" cy="6456939"/>
+          </a:xfrm>
+        </p:spPr>
+      </p:pic>
+      <p:sp>
+        <p:nvSpPr>
+          <p:cNvPr id="3" name="Oval 2">
+            <a:extLst>
+              <a:ext uri="{FF2B5EF4-FFF2-40B4-BE49-F238E27FC236}">
+                <a16:creationId xmlns:a16="http://schemas.microsoft.com/office/drawing/2014/main" id="{3BD2781B-4F13-A8B8-388C-723138C4465C}"/>
+              </a:ext>
+            </a:extLst>
+          </p:cNvPr>
+          <p:cNvSpPr/>
+          <p:nvPr/>
+        </p:nvSpPr>
+        <p:spPr>
+          <a:xfrm>
+            <a:off x="526473" y="498764"/>
+            <a:ext cx="914400" cy="914400"/>
+          </a:xfrm>
+          <a:prstGeom prst="ellipse">
+            <a:avLst/>
+          </a:prstGeom>
+        </p:spPr>
+        <p:style>
+          <a:lnRef idx="2">
+            <a:schemeClr val="accent4">
+              <a:shade val="15000"/>
+            </a:schemeClr>
+          </a:lnRef>
+          <a:fillRef idx="1">
+            <a:schemeClr val="accent4"/>
+          </a:fillRef>
+          <a:effectRef idx="0">
+            <a:schemeClr val="accent4"/>
+          </a:effectRef>
+          <a:fontRef idx="minor">
+            <a:schemeClr val="lt1"/>
+          </a:fontRef>
+        </p:style>
+        <p:txBody>
+          <a:bodyPr rtlCol="0" anchor="ctr"/>
+          <a:lstStyle/>
+          <a:p>
+            <a:pPr algn="ctr"/>
+            <a:endParaRPr lang="en-US"/>
+          </a:p>
+        </p:txBody>
+      </p:sp>
+    </p:spTree>
+    <p:extLst>
+      <p:ext uri="{BB962C8B-B14F-4D97-AF65-F5344CB8AC3E}">
+        <p14:creationId xmlns:p14="http://schemas.microsoft.com/office/powerpoint/2010/main" val="3045049786"/>
+      </p:ext>
+    </p:extLst>
+  </p:cSld>
+  <p:clrMapOvr>
+    <a:masterClrMapping/>
+  </p:clrMapOvr>
+</p:sld>
+</file>
+
+<file path=ppt/slides/slide5.xml><?xml version="1.0" encoding="utf-8"?>
+<p:sld xmlns:a="http://schemas.openxmlformats.org/drawingml/2006/main" xmlns:r="http://schemas.openxmlformats.org/officeDocument/2006/relationships" xmlns:p="http://schemas.openxmlformats.org/presentationml/2006/main">
+  <p:cSld>
+    <p:spTree>
+      <p:nvGrpSpPr>
+        <p:cNvPr id="1" name=""/>
+        <p:cNvGrpSpPr/>
+        <p:nvPr/>
+      </p:nvGrpSpPr>
+      <p:grpSpPr>
+        <a:xfrm>
+          <a:off x="0" y="0"/>
+          <a:ext cx="0" cy="0"/>
+          <a:chOff x="0" y="0"/>
+          <a:chExt cx="0" cy="0"/>
+        </a:xfrm>
+      </p:grpSpPr>
+      <p:sp>
+        <p:nvSpPr>
+          <p:cNvPr id="2" name="Title 1">
+            <a:extLst>
+              <a:ext uri="{FF2B5EF4-FFF2-40B4-BE49-F238E27FC236}">
+                <a16:creationId xmlns:a16="http://schemas.microsoft.com/office/drawing/2014/main" id="{021B586F-842E-1FC5-CF95-423A0204891A}"/>
+              </a:ext>
+            </a:extLst>
+          </p:cNvPr>
+          <p:cNvSpPr>
+            <a:spLocks noGrp="1"/>
+          </p:cNvSpPr>
+          <p:nvPr>
+            <p:ph type="title"/>
+          </p:nvPr>
+        </p:nvSpPr>
+        <p:spPr/>
+        <p:txBody>
+          <a:bodyPr/>
+          <a:lstStyle/>
+          <a:p>
+            <a:endParaRPr lang="en-US" dirty="0"/>
+          </a:p>
+        </p:txBody>
+      </p:sp>
+      <p:sp>
+        <p:nvSpPr>
+          <p:cNvPr id="3" name="Content Placeholder 2">
+            <a:extLst>
+              <a:ext uri="{FF2B5EF4-FFF2-40B4-BE49-F238E27FC236}">
+                <a16:creationId xmlns:a16="http://schemas.microsoft.com/office/drawing/2014/main" id="{0DAC2CAD-8865-4FC8-2BFE-9D57F05D760F}"/>
+              </a:ext>
+            </a:extLst>
+          </p:cNvPr>
+          <p:cNvSpPr>
+            <a:spLocks noGrp="1"/>
+          </p:cNvSpPr>
+          <p:nvPr>
+            <p:ph idx="1"/>
+          </p:nvPr>
+        </p:nvSpPr>
+        <p:spPr/>
+        <p:txBody>
+          <a:bodyPr/>
+          <a:lstStyle/>
+          <a:p>
+            <a:endParaRPr lang="en-US"/>
+          </a:p>
+        </p:txBody>
+      </p:sp>
+      <p:sp>
+        <p:nvSpPr>
+          <p:cNvPr id="6" name="Rectangle 5">
+            <a:extLst>
+              <a:ext uri="{FF2B5EF4-FFF2-40B4-BE49-F238E27FC236}">
+                <a16:creationId xmlns:a16="http://schemas.microsoft.com/office/drawing/2014/main" id="{50CF27B8-5DE6-EE92-23B2-EF8452FFD57C}"/>
+              </a:ext>
+            </a:extLst>
+          </p:cNvPr>
+          <p:cNvSpPr/>
+          <p:nvPr/>
+        </p:nvSpPr>
+        <p:spPr>
+          <a:xfrm>
+            <a:off x="373224" y="345233"/>
+            <a:ext cx="11364686" cy="6018245"/>
+          </a:xfrm>
+          <a:prstGeom prst="rect">
+            <a:avLst/>
+          </a:prstGeom>
+        </p:spPr>
+        <p:style>
+          <a:lnRef idx="2">
+            <a:schemeClr val="accent6">
+              <a:shade val="15000"/>
+            </a:schemeClr>
+          </a:lnRef>
+          <a:fillRef idx="1">
+            <a:schemeClr val="accent6"/>
+          </a:fillRef>
+          <a:effectRef idx="0">
+            <a:schemeClr val="accent6"/>
+          </a:effectRef>
+          <a:fontRef idx="minor">
+            <a:schemeClr val="lt1"/>
+          </a:fontRef>
+        </p:style>
+        <p:txBody>
+          <a:bodyPr rtlCol="0" anchor="ctr"/>
+          <a:lstStyle/>
+          <a:p>
+            <a:pPr algn="ctr"/>
+            <a:endParaRPr lang="en-US"/>
+          </a:p>
+        </p:txBody>
+      </p:sp>
+    </p:spTree>
+    <p:extLst>
+      <p:ext uri="{BB962C8B-B14F-4D97-AF65-F5344CB8AC3E}">
+        <p14:creationId xmlns:p14="http://schemas.microsoft.com/office/powerpoint/2010/main" val="344080030"/>
+      </p:ext>
+    </p:extLst>
+  </p:cSld>
+  <p:clrMapOvr>
+    <a:masterClrMapping/>
+  </p:clrMapOvr>
+</p:sld>
+</file>
+
+<file path=ppt/slides/slide6.xml><?xml version="1.0" encoding="utf-8"?>
 <p:sld xmlns:a="http://schemas.openxmlformats.org/drawingml/2006/main" xmlns:r="http://schemas.openxmlformats.org/officeDocument/2006/relationships" xmlns:p="http://schemas.openxmlformats.org/presentationml/2006/main">
   <p:cSld>
     <p:spTree>
@@ -6547,198 +7918,7 @@
 </p:sld>
 </file>
 
-<file path=ppt/slides/slide2.xml><?xml version="1.0" encoding="utf-8"?>
-<p:sld xmlns:a="http://schemas.openxmlformats.org/drawingml/2006/main" xmlns:r="http://schemas.openxmlformats.org/officeDocument/2006/relationships" xmlns:p="http://schemas.openxmlformats.org/presentationml/2006/main">
-  <p:cSld>
-    <p:spTree>
-      <p:nvGrpSpPr>
-        <p:cNvPr id="1" name=""/>
-        <p:cNvGrpSpPr/>
-        <p:nvPr/>
-      </p:nvGrpSpPr>
-      <p:grpSpPr>
-        <a:xfrm>
-          <a:off x="0" y="0"/>
-          <a:ext cx="0" cy="0"/>
-          <a:chOff x="0" y="0"/>
-          <a:chExt cx="0" cy="0"/>
-        </a:xfrm>
-      </p:grpSpPr>
-      <p:pic>
-        <p:nvPicPr>
-          <p:cNvPr id="7" name="Picture 6" descr="A pie chart with numbers and a pie chart&#10;&#10;Description automatically generated">
-            <a:extLst>
-              <a:ext uri="{FF2B5EF4-FFF2-40B4-BE49-F238E27FC236}">
-                <a16:creationId xmlns:a16="http://schemas.microsoft.com/office/drawing/2014/main" id="{DE9C86CE-3320-6820-B987-5515DE63C37E}"/>
-              </a:ext>
-            </a:extLst>
-          </p:cNvPr>
-          <p:cNvPicPr>
-            <a:picLocks noChangeAspect="1"/>
-          </p:cNvPicPr>
-          <p:nvPr/>
-        </p:nvPicPr>
-        <p:blipFill>
-          <a:blip r:embed="rId2">
-            <a:extLst>
-              <a:ext uri="{28A0092B-C50C-407E-A947-70E740481C1C}">
-                <a14:useLocalDpi xmlns:a14="http://schemas.microsoft.com/office/drawing/2010/main" val="0"/>
-              </a:ext>
-            </a:extLst>
-          </a:blip>
-          <a:stretch>
-            <a:fillRect/>
-          </a:stretch>
-        </p:blipFill>
-        <p:spPr>
-          <a:xfrm>
-            <a:off x="-1051605" y="188376"/>
-            <a:ext cx="8183117" cy="4658375"/>
-          </a:xfrm>
-          <a:prstGeom prst="rect">
-            <a:avLst/>
-          </a:prstGeom>
-        </p:spPr>
-      </p:pic>
-      <p:pic>
-        <p:nvPicPr>
-          <p:cNvPr id="3" name="Picture 2" descr="A pie chart with numbers and a few different colored circles&#10;&#10;Description automatically generated">
-            <a:extLst>
-              <a:ext uri="{FF2B5EF4-FFF2-40B4-BE49-F238E27FC236}">
-                <a16:creationId xmlns:a16="http://schemas.microsoft.com/office/drawing/2014/main" id="{E40C9698-F172-CC60-59E4-0A884289E7B6}"/>
-              </a:ext>
-            </a:extLst>
-          </p:cNvPr>
-          <p:cNvPicPr>
-            <a:picLocks noChangeAspect="1"/>
-          </p:cNvPicPr>
-          <p:nvPr/>
-        </p:nvPicPr>
-        <p:blipFill rotWithShape="1">
-          <a:blip r:embed="rId3">
-            <a:extLst>
-              <a:ext uri="{28A0092B-C50C-407E-A947-70E740481C1C}">
-                <a14:useLocalDpi xmlns:a14="http://schemas.microsoft.com/office/drawing/2010/main" val="0"/>
-              </a:ext>
-            </a:extLst>
-          </a:blip>
-          <a:srcRect l="31700" r="24237"/>
-          <a:stretch/>
-        </p:blipFill>
-        <p:spPr>
-          <a:xfrm>
-            <a:off x="6350000" y="182872"/>
-            <a:ext cx="3383281" cy="5582429"/>
-          </a:xfrm>
-          <a:prstGeom prst="rect">
-            <a:avLst/>
-          </a:prstGeom>
-        </p:spPr>
-      </p:pic>
-    </p:spTree>
-    <p:extLst>
-      <p:ext uri="{BB962C8B-B14F-4D97-AF65-F5344CB8AC3E}">
-        <p14:creationId xmlns:p14="http://schemas.microsoft.com/office/powerpoint/2010/main" val="3819636605"/>
-      </p:ext>
-    </p:extLst>
-  </p:cSld>
-  <p:clrMapOvr>
-    <a:masterClrMapping/>
-  </p:clrMapOvr>
-</p:sld>
-</file>
-
-<file path=ppt/slides/slide3.xml><?xml version="1.0" encoding="utf-8"?>
-<p:sld xmlns:a="http://schemas.openxmlformats.org/drawingml/2006/main" xmlns:r="http://schemas.openxmlformats.org/officeDocument/2006/relationships" xmlns:p="http://schemas.openxmlformats.org/presentationml/2006/main">
-  <p:cSld>
-    <p:spTree>
-      <p:nvGrpSpPr>
-        <p:cNvPr id="1" name=""/>
-        <p:cNvGrpSpPr/>
-        <p:nvPr/>
-      </p:nvGrpSpPr>
-      <p:grpSpPr>
-        <a:xfrm>
-          <a:off x="0" y="0"/>
-          <a:ext cx="0" cy="0"/>
-          <a:chOff x="0" y="0"/>
-          <a:chExt cx="0" cy="0"/>
-        </a:xfrm>
-      </p:grpSpPr>
-      <p:sp>
-        <p:nvSpPr>
-          <p:cNvPr id="2" name="Title 1">
-            <a:extLst>
-              <a:ext uri="{FF2B5EF4-FFF2-40B4-BE49-F238E27FC236}">
-                <a16:creationId xmlns:a16="http://schemas.microsoft.com/office/drawing/2014/main" id="{8D0CBF5E-B549-19A4-B31F-39FD77059C8F}"/>
-              </a:ext>
-            </a:extLst>
-          </p:cNvPr>
-          <p:cNvSpPr>
-            <a:spLocks noGrp="1"/>
-          </p:cNvSpPr>
-          <p:nvPr>
-            <p:ph type="title"/>
-          </p:nvPr>
-        </p:nvSpPr>
-        <p:spPr/>
-        <p:txBody>
-          <a:bodyPr/>
-          <a:lstStyle/>
-          <a:p>
-            <a:endParaRPr lang="en-US"/>
-          </a:p>
-        </p:txBody>
-      </p:sp>
-      <p:pic>
-        <p:nvPicPr>
-          <p:cNvPr id="7" name="Content Placeholder 6" descr="A graph of different colored lines&#10;&#10;Description automatically generated">
-            <a:extLst>
-              <a:ext uri="{FF2B5EF4-FFF2-40B4-BE49-F238E27FC236}">
-                <a16:creationId xmlns:a16="http://schemas.microsoft.com/office/drawing/2014/main" id="{ED501EE9-1261-96B7-7AD6-49D6B42EF07F}"/>
-              </a:ext>
-            </a:extLst>
-          </p:cNvPr>
-          <p:cNvPicPr>
-            <a:picLocks noGrp="1" noChangeAspect="1"/>
-          </p:cNvPicPr>
-          <p:nvPr>
-            <p:ph idx="1"/>
-          </p:nvPr>
-        </p:nvPicPr>
-        <p:blipFill>
-          <a:blip r:embed="rId2">
-            <a:extLst>
-              <a:ext uri="{28A0092B-C50C-407E-A947-70E740481C1C}">
-                <a14:useLocalDpi xmlns:a14="http://schemas.microsoft.com/office/drawing/2010/main" val="0"/>
-              </a:ext>
-            </a:extLst>
-          </a:blip>
-          <a:stretch>
-            <a:fillRect/>
-          </a:stretch>
-        </p:blipFill>
-        <p:spPr>
-          <a:xfrm>
-            <a:off x="237776" y="202479"/>
-            <a:ext cx="11431589" cy="6456939"/>
-          </a:xfrm>
-        </p:spPr>
-      </p:pic>
-    </p:spTree>
-    <p:extLst>
-      <p:ext uri="{BB962C8B-B14F-4D97-AF65-F5344CB8AC3E}">
-        <p14:creationId xmlns:p14="http://schemas.microsoft.com/office/powerpoint/2010/main" val="3045049786"/>
-      </p:ext>
-    </p:extLst>
-  </p:cSld>
-  <p:clrMapOvr>
-    <a:masterClrMapping/>
-  </p:clrMapOvr>
-</p:sld>
-</file>
-
-<file path=ppt/slides/slide4.xml><?xml version="1.0" encoding="utf-8"?>
+<file path=ppt/slides/slide7.xml><?xml version="1.0" encoding="utf-8"?>
 <p:sld xmlns:a="http://schemas.openxmlformats.org/drawingml/2006/main" xmlns:r="http://schemas.openxmlformats.org/officeDocument/2006/relationships" xmlns:p="http://schemas.openxmlformats.org/presentationml/2006/main">
   <p:cSld>
     <p:spTree>
@@ -6855,7 +8035,7 @@
           <p:cNvPr id="3" name="Oval 2">
             <a:extLst>
               <a:ext uri="{FF2B5EF4-FFF2-40B4-BE49-F238E27FC236}">
-                <a16:creationId xmlns:a16="http://schemas.microsoft.com/office/drawing/2014/main" id="{23735CDA-006D-83B0-3E89-A8DBC4C4B044}"/>
+                <a16:creationId xmlns:a16="http://schemas.microsoft.com/office/drawing/2014/main" id="{EECF01E3-CDB4-D777-5E00-2D808C624190}"/>
               </a:ext>
             </a:extLst>
           </p:cNvPr>
@@ -6864,30 +8044,24 @@
         </p:nvSpPr>
         <p:spPr>
           <a:xfrm>
-            <a:off x="8107602" y="414375"/>
-            <a:ext cx="842481" cy="934948"/>
+            <a:off x="526473" y="498764"/>
+            <a:ext cx="914400" cy="914400"/>
           </a:xfrm>
           <a:prstGeom prst="ellipse">
             <a:avLst/>
           </a:prstGeom>
-          <a:solidFill>
-            <a:schemeClr val="accent4">
-              <a:lumMod val="60000"/>
-              <a:lumOff val="40000"/>
-            </a:schemeClr>
-          </a:solidFill>
         </p:spPr>
         <p:style>
           <a:lnRef idx="2">
-            <a:schemeClr val="accent1">
+            <a:schemeClr val="accent4">
               <a:shade val="15000"/>
             </a:schemeClr>
           </a:lnRef>
           <a:fillRef idx="1">
-            <a:schemeClr val="accent1"/>
+            <a:schemeClr val="accent4"/>
           </a:fillRef>
           <a:effectRef idx="0">
-            <a:schemeClr val="accent1"/>
+            <a:schemeClr val="accent4"/>
           </a:effectRef>
           <a:fontRef idx="minor">
             <a:schemeClr val="lt1"/>
@@ -6906,484 +8080,6 @@
     <p:extLst>
       <p:ext uri="{BB962C8B-B14F-4D97-AF65-F5344CB8AC3E}">
         <p14:creationId xmlns:p14="http://schemas.microsoft.com/office/powerpoint/2010/main" val="3143633826"/>
-      </p:ext>
-    </p:extLst>
-  </p:cSld>
-  <p:clrMapOvr>
-    <a:masterClrMapping/>
-  </p:clrMapOvr>
-</p:sld>
-</file>
-
-<file path=ppt/slides/slide5.xml><?xml version="1.0" encoding="utf-8"?>
-<p:sld xmlns:a="http://schemas.openxmlformats.org/drawingml/2006/main" xmlns:r="http://schemas.openxmlformats.org/officeDocument/2006/relationships" xmlns:p="http://schemas.openxmlformats.org/presentationml/2006/main">
-  <p:cSld>
-    <p:spTree>
-      <p:nvGrpSpPr>
-        <p:cNvPr id="1" name=""/>
-        <p:cNvGrpSpPr/>
-        <p:nvPr/>
-      </p:nvGrpSpPr>
-      <p:grpSpPr>
-        <a:xfrm>
-          <a:off x="0" y="0"/>
-          <a:ext cx="0" cy="0"/>
-          <a:chOff x="0" y="0"/>
-          <a:chExt cx="0" cy="0"/>
-        </a:xfrm>
-      </p:grpSpPr>
-      <p:sp>
-        <p:nvSpPr>
-          <p:cNvPr id="2" name="Title 1">
-            <a:extLst>
-              <a:ext uri="{FF2B5EF4-FFF2-40B4-BE49-F238E27FC236}">
-                <a16:creationId xmlns:a16="http://schemas.microsoft.com/office/drawing/2014/main" id="{867E5E8C-93E0-8D07-4169-D3FFE8A02549}"/>
-              </a:ext>
-            </a:extLst>
-          </p:cNvPr>
-          <p:cNvSpPr>
-            <a:spLocks noGrp="1"/>
-          </p:cNvSpPr>
-          <p:nvPr>
-            <p:ph type="title"/>
-          </p:nvPr>
-        </p:nvSpPr>
-        <p:spPr/>
-        <p:txBody>
-          <a:bodyPr/>
-          <a:lstStyle/>
-          <a:p>
-            <a:endParaRPr lang="en-US"/>
-          </a:p>
-        </p:txBody>
-      </p:sp>
-      <p:pic>
-        <p:nvPicPr>
-          <p:cNvPr id="7" name="Picture 6" descr="A graph with black dots and blue line&#10;&#10;Description automatically generated">
-            <a:extLst>
-              <a:ext uri="{FF2B5EF4-FFF2-40B4-BE49-F238E27FC236}">
-                <a16:creationId xmlns:a16="http://schemas.microsoft.com/office/drawing/2014/main" id="{8CA69FF9-D7DE-188A-CB0C-573295044504}"/>
-              </a:ext>
-            </a:extLst>
-          </p:cNvPr>
-          <p:cNvPicPr>
-            <a:picLocks noChangeAspect="1"/>
-          </p:cNvPicPr>
-          <p:nvPr/>
-        </p:nvPicPr>
-        <p:blipFill>
-          <a:blip r:embed="rId2">
-            <a:extLst>
-              <a:ext uri="{28A0092B-C50C-407E-A947-70E740481C1C}">
-                <a14:useLocalDpi xmlns:a14="http://schemas.microsoft.com/office/drawing/2010/main" val="0"/>
-              </a:ext>
-            </a:extLst>
-          </a:blip>
-          <a:stretch>
-            <a:fillRect/>
-          </a:stretch>
-        </p:blipFill>
-        <p:spPr>
-          <a:xfrm>
-            <a:off x="290056" y="480970"/>
-            <a:ext cx="11490843" cy="5077349"/>
-          </a:xfrm>
-          <a:prstGeom prst="rect">
-            <a:avLst/>
-          </a:prstGeom>
-        </p:spPr>
-      </p:pic>
-      <p:sp>
-        <p:nvSpPr>
-          <p:cNvPr id="15" name="Content Placeholder 14">
-            <a:extLst>
-              <a:ext uri="{FF2B5EF4-FFF2-40B4-BE49-F238E27FC236}">
-                <a16:creationId xmlns:a16="http://schemas.microsoft.com/office/drawing/2014/main" id="{F0BDC78D-2382-7842-1F38-180E88285EFA}"/>
-              </a:ext>
-            </a:extLst>
-          </p:cNvPr>
-          <p:cNvSpPr>
-            <a:spLocks noGrp="1"/>
-          </p:cNvSpPr>
-          <p:nvPr>
-            <p:ph idx="1"/>
-          </p:nvPr>
-        </p:nvSpPr>
-        <p:spPr/>
-        <p:txBody>
-          <a:bodyPr/>
-          <a:lstStyle/>
-          <a:p>
-            <a:endParaRPr lang="en-US" dirty="0"/>
-          </a:p>
-        </p:txBody>
-      </p:sp>
-      <p:sp>
-        <p:nvSpPr>
-          <p:cNvPr id="16" name="Oval 15">
-            <a:extLst>
-              <a:ext uri="{FF2B5EF4-FFF2-40B4-BE49-F238E27FC236}">
-                <a16:creationId xmlns:a16="http://schemas.microsoft.com/office/drawing/2014/main" id="{E06B41FB-32EC-1218-3385-6FA4DA5964A0}"/>
-              </a:ext>
-            </a:extLst>
-          </p:cNvPr>
-          <p:cNvSpPr/>
-          <p:nvPr/>
-        </p:nvSpPr>
-        <p:spPr>
-          <a:xfrm>
-            <a:off x="10828962" y="821933"/>
-            <a:ext cx="842481" cy="934948"/>
-          </a:xfrm>
-          <a:prstGeom prst="ellipse">
-            <a:avLst/>
-          </a:prstGeom>
-          <a:solidFill>
-            <a:schemeClr val="accent4">
-              <a:lumMod val="60000"/>
-              <a:lumOff val="40000"/>
-            </a:schemeClr>
-          </a:solidFill>
-        </p:spPr>
-        <p:style>
-          <a:lnRef idx="2">
-            <a:schemeClr val="accent1">
-              <a:shade val="15000"/>
-            </a:schemeClr>
-          </a:lnRef>
-          <a:fillRef idx="1">
-            <a:schemeClr val="accent1"/>
-          </a:fillRef>
-          <a:effectRef idx="0">
-            <a:schemeClr val="accent1"/>
-          </a:effectRef>
-          <a:fontRef idx="minor">
-            <a:schemeClr val="lt1"/>
-          </a:fontRef>
-        </p:style>
-        <p:txBody>
-          <a:bodyPr rtlCol="0" anchor="ctr"/>
-          <a:lstStyle/>
-          <a:p>
-            <a:pPr algn="ctr"/>
-            <a:endParaRPr lang="en-US"/>
-          </a:p>
-        </p:txBody>
-      </p:sp>
-    </p:spTree>
-    <p:extLst>
-      <p:ext uri="{BB962C8B-B14F-4D97-AF65-F5344CB8AC3E}">
-        <p14:creationId xmlns:p14="http://schemas.microsoft.com/office/powerpoint/2010/main" val="1185561612"/>
-      </p:ext>
-    </p:extLst>
-  </p:cSld>
-  <p:clrMapOvr>
-    <a:masterClrMapping/>
-  </p:clrMapOvr>
-</p:sld>
-</file>
-
-<file path=ppt/slides/slide6.xml><?xml version="1.0" encoding="utf-8"?>
-<p:sld xmlns:a="http://schemas.openxmlformats.org/drawingml/2006/main" xmlns:r="http://schemas.openxmlformats.org/officeDocument/2006/relationships" xmlns:p="http://schemas.openxmlformats.org/presentationml/2006/main">
-  <p:cSld>
-    <p:spTree>
-      <p:nvGrpSpPr>
-        <p:cNvPr id="1" name=""/>
-        <p:cNvGrpSpPr/>
-        <p:nvPr/>
-      </p:nvGrpSpPr>
-      <p:grpSpPr>
-        <a:xfrm>
-          <a:off x="0" y="0"/>
-          <a:ext cx="0" cy="0"/>
-          <a:chOff x="0" y="0"/>
-          <a:chExt cx="0" cy="0"/>
-        </a:xfrm>
-      </p:grpSpPr>
-      <p:sp>
-        <p:nvSpPr>
-          <p:cNvPr id="2" name="Title 1">
-            <a:extLst>
-              <a:ext uri="{FF2B5EF4-FFF2-40B4-BE49-F238E27FC236}">
-                <a16:creationId xmlns:a16="http://schemas.microsoft.com/office/drawing/2014/main" id="{673253D2-761F-19F0-6A95-DDA8485E05A0}"/>
-              </a:ext>
-            </a:extLst>
-          </p:cNvPr>
-          <p:cNvSpPr>
-            <a:spLocks noGrp="1"/>
-          </p:cNvSpPr>
-          <p:nvPr>
-            <p:ph type="title"/>
-          </p:nvPr>
-        </p:nvSpPr>
-        <p:spPr/>
-        <p:txBody>
-          <a:bodyPr/>
-          <a:lstStyle/>
-          <a:p>
-            <a:endParaRPr lang="en-US"/>
-          </a:p>
-        </p:txBody>
-      </p:sp>
-      <p:sp>
-        <p:nvSpPr>
-          <p:cNvPr id="3" name="Content Placeholder 2">
-            <a:extLst>
-              <a:ext uri="{FF2B5EF4-FFF2-40B4-BE49-F238E27FC236}">
-                <a16:creationId xmlns:a16="http://schemas.microsoft.com/office/drawing/2014/main" id="{4DC0BCF9-6F0E-BE70-CBB7-24A60F5AFC34}"/>
-              </a:ext>
-            </a:extLst>
-          </p:cNvPr>
-          <p:cNvSpPr>
-            <a:spLocks noGrp="1"/>
-          </p:cNvSpPr>
-          <p:nvPr>
-            <p:ph idx="1"/>
-          </p:nvPr>
-        </p:nvSpPr>
-        <p:spPr/>
-        <p:txBody>
-          <a:bodyPr/>
-          <a:lstStyle/>
-          <a:p>
-            <a:endParaRPr lang="en-US" dirty="0"/>
-          </a:p>
-        </p:txBody>
-      </p:sp>
-      <p:pic>
-        <p:nvPicPr>
-          <p:cNvPr id="4" name="Picture 3" descr="A graph showing the growth of time&#10;&#10;Description automatically generated">
-            <a:extLst>
-              <a:ext uri="{FF2B5EF4-FFF2-40B4-BE49-F238E27FC236}">
-                <a16:creationId xmlns:a16="http://schemas.microsoft.com/office/drawing/2014/main" id="{CCF1E75D-3E00-E77B-BB48-C982B6A32CD8}"/>
-              </a:ext>
-            </a:extLst>
-          </p:cNvPr>
-          <p:cNvPicPr>
-            <a:picLocks noChangeAspect="1"/>
-          </p:cNvPicPr>
-          <p:nvPr/>
-        </p:nvPicPr>
-        <p:blipFill>
-          <a:blip r:embed="rId2">
-            <a:extLst>
-              <a:ext uri="{28A0092B-C50C-407E-A947-70E740481C1C}">
-                <a14:useLocalDpi xmlns:a14="http://schemas.microsoft.com/office/drawing/2010/main" val="0"/>
-              </a:ext>
-            </a:extLst>
-          </a:blip>
-          <a:stretch>
-            <a:fillRect/>
-          </a:stretch>
-        </p:blipFill>
-        <p:spPr>
-          <a:xfrm>
-            <a:off x="306492" y="222649"/>
-            <a:ext cx="10982619" cy="4852785"/>
-          </a:xfrm>
-          <a:prstGeom prst="rect">
-            <a:avLst/>
-          </a:prstGeom>
-        </p:spPr>
-      </p:pic>
-      <p:sp>
-        <p:nvSpPr>
-          <p:cNvPr id="5" name="Oval 4">
-            <a:extLst>
-              <a:ext uri="{FF2B5EF4-FFF2-40B4-BE49-F238E27FC236}">
-                <a16:creationId xmlns:a16="http://schemas.microsoft.com/office/drawing/2014/main" id="{D98D32E5-30B8-D8D0-424B-7EBE58408A82}"/>
-              </a:ext>
-            </a:extLst>
-          </p:cNvPr>
-          <p:cNvSpPr/>
-          <p:nvPr/>
-        </p:nvSpPr>
-        <p:spPr>
-          <a:xfrm>
-            <a:off x="10294706" y="609600"/>
-            <a:ext cx="842481" cy="934948"/>
-          </a:xfrm>
-          <a:prstGeom prst="ellipse">
-            <a:avLst/>
-          </a:prstGeom>
-          <a:solidFill>
-            <a:schemeClr val="accent4">
-              <a:lumMod val="60000"/>
-              <a:lumOff val="40000"/>
-            </a:schemeClr>
-          </a:solidFill>
-        </p:spPr>
-        <p:style>
-          <a:lnRef idx="2">
-            <a:schemeClr val="accent1">
-              <a:shade val="15000"/>
-            </a:schemeClr>
-          </a:lnRef>
-          <a:fillRef idx="1">
-            <a:schemeClr val="accent1"/>
-          </a:fillRef>
-          <a:effectRef idx="0">
-            <a:schemeClr val="accent1"/>
-          </a:effectRef>
-          <a:fontRef idx="minor">
-            <a:schemeClr val="lt1"/>
-          </a:fontRef>
-        </p:style>
-        <p:txBody>
-          <a:bodyPr rtlCol="0" anchor="ctr"/>
-          <a:lstStyle/>
-          <a:p>
-            <a:pPr algn="ctr"/>
-            <a:endParaRPr lang="en-US"/>
-          </a:p>
-        </p:txBody>
-      </p:sp>
-    </p:spTree>
-    <p:extLst>
-      <p:ext uri="{BB962C8B-B14F-4D97-AF65-F5344CB8AC3E}">
-        <p14:creationId xmlns:p14="http://schemas.microsoft.com/office/powerpoint/2010/main" val="1773223509"/>
-      </p:ext>
-    </p:extLst>
-  </p:cSld>
-  <p:clrMapOvr>
-    <a:masterClrMapping/>
-  </p:clrMapOvr>
-</p:sld>
-</file>
-
-<file path=ppt/slides/slide7.xml><?xml version="1.0" encoding="utf-8"?>
-<p:sld xmlns:a="http://schemas.openxmlformats.org/drawingml/2006/main" xmlns:r="http://schemas.openxmlformats.org/officeDocument/2006/relationships" xmlns:p="http://schemas.openxmlformats.org/presentationml/2006/main">
-  <p:cSld>
-    <p:spTree>
-      <p:nvGrpSpPr>
-        <p:cNvPr id="1" name=""/>
-        <p:cNvGrpSpPr/>
-        <p:nvPr/>
-      </p:nvGrpSpPr>
-      <p:grpSpPr>
-        <a:xfrm>
-          <a:off x="0" y="0"/>
-          <a:ext cx="0" cy="0"/>
-          <a:chOff x="0" y="0"/>
-          <a:chExt cx="0" cy="0"/>
-        </a:xfrm>
-      </p:grpSpPr>
-      <p:sp>
-        <p:nvSpPr>
-          <p:cNvPr id="2" name="Title 1">
-            <a:extLst>
-              <a:ext uri="{FF2B5EF4-FFF2-40B4-BE49-F238E27FC236}">
-                <a16:creationId xmlns:a16="http://schemas.microsoft.com/office/drawing/2014/main" id="{FE809CF0-CF51-99F7-3DDE-1AB0ADFB1192}"/>
-              </a:ext>
-            </a:extLst>
-          </p:cNvPr>
-          <p:cNvSpPr>
-            <a:spLocks noGrp="1"/>
-          </p:cNvSpPr>
-          <p:nvPr>
-            <p:ph type="title"/>
-          </p:nvPr>
-        </p:nvSpPr>
-        <p:spPr/>
-        <p:txBody>
-          <a:bodyPr/>
-          <a:lstStyle/>
-          <a:p>
-            <a:endParaRPr lang="en-US"/>
-          </a:p>
-        </p:txBody>
-      </p:sp>
-      <p:pic>
-        <p:nvPicPr>
-          <p:cNvPr id="9" name="Content Placeholder 8" descr="A graph showing a number of certifications&#10;&#10;Description automatically generated">
-            <a:extLst>
-              <a:ext uri="{FF2B5EF4-FFF2-40B4-BE49-F238E27FC236}">
-                <a16:creationId xmlns:a16="http://schemas.microsoft.com/office/drawing/2014/main" id="{9BFF6637-4870-5E99-F334-1EC1859663F4}"/>
-              </a:ext>
-            </a:extLst>
-          </p:cNvPr>
-          <p:cNvPicPr>
-            <a:picLocks noGrp="1" noChangeAspect="1"/>
-          </p:cNvPicPr>
-          <p:nvPr>
-            <p:ph idx="1"/>
-          </p:nvPr>
-        </p:nvPicPr>
-        <p:blipFill>
-          <a:blip r:embed="rId2">
-            <a:extLst>
-              <a:ext uri="{28A0092B-C50C-407E-A947-70E740481C1C}">
-                <a14:useLocalDpi xmlns:a14="http://schemas.microsoft.com/office/drawing/2010/main" val="0"/>
-              </a:ext>
-            </a:extLst>
-          </a:blip>
-          <a:stretch>
-            <a:fillRect/>
-          </a:stretch>
-        </p:blipFill>
-        <p:spPr>
-          <a:xfrm>
-            <a:off x="399135" y="277570"/>
-            <a:ext cx="11375561" cy="5239652"/>
-          </a:xfrm>
-        </p:spPr>
-      </p:pic>
-      <p:sp>
-        <p:nvSpPr>
-          <p:cNvPr id="10" name="Oval 9">
-            <a:extLst>
-              <a:ext uri="{FF2B5EF4-FFF2-40B4-BE49-F238E27FC236}">
-                <a16:creationId xmlns:a16="http://schemas.microsoft.com/office/drawing/2014/main" id="{78181738-3DDD-9780-EC0F-5198A3CAE2D5}"/>
-              </a:ext>
-            </a:extLst>
-          </p:cNvPr>
-          <p:cNvSpPr/>
-          <p:nvPr/>
-        </p:nvSpPr>
-        <p:spPr>
-          <a:xfrm>
-            <a:off x="10798139" y="405830"/>
-            <a:ext cx="842481" cy="934948"/>
-          </a:xfrm>
-          <a:prstGeom prst="ellipse">
-            <a:avLst/>
-          </a:prstGeom>
-          <a:solidFill>
-            <a:schemeClr val="accent4">
-              <a:lumMod val="60000"/>
-              <a:lumOff val="40000"/>
-            </a:schemeClr>
-          </a:solidFill>
-        </p:spPr>
-        <p:style>
-          <a:lnRef idx="2">
-            <a:schemeClr val="accent1">
-              <a:shade val="15000"/>
-            </a:schemeClr>
-          </a:lnRef>
-          <a:fillRef idx="1">
-            <a:schemeClr val="accent1"/>
-          </a:fillRef>
-          <a:effectRef idx="0">
-            <a:schemeClr val="accent1"/>
-          </a:effectRef>
-          <a:fontRef idx="minor">
-            <a:schemeClr val="lt1"/>
-          </a:fontRef>
-        </p:style>
-        <p:txBody>
-          <a:bodyPr rtlCol="0" anchor="ctr"/>
-          <a:lstStyle/>
-          <a:p>
-            <a:pPr algn="ctr"/>
-            <a:endParaRPr lang="en-US"/>
-          </a:p>
-        </p:txBody>
-      </p:sp>
-    </p:spTree>
-    <p:extLst>
-      <p:ext uri="{BB962C8B-B14F-4D97-AF65-F5344CB8AC3E}">
-        <p14:creationId xmlns:p14="http://schemas.microsoft.com/office/powerpoint/2010/main" val="426527598"/>
       </p:ext>
     </p:extLst>
   </p:cSld>
@@ -7415,7 +8111,7 @@
           <p:cNvPr id="2" name="Title 1">
             <a:extLst>
               <a:ext uri="{FF2B5EF4-FFF2-40B4-BE49-F238E27FC236}">
-                <a16:creationId xmlns:a16="http://schemas.microsoft.com/office/drawing/2014/main" id="{6554C54F-F04E-E56C-90A9-9867D62D1C63}"/>
+                <a16:creationId xmlns:a16="http://schemas.microsoft.com/office/drawing/2014/main" id="{FCC8E1F8-9557-9059-6F6D-FBC42A9E61A3}"/>
               </a:ext>
             </a:extLst>
           </p:cNvPr>
@@ -7437,10 +8133,10 @@
       </p:sp>
       <p:pic>
         <p:nvPicPr>
-          <p:cNvPr id="5" name="Content Placeholder 4" descr="A graph of a number of different sizes of objects&#10;&#10;Description automatically generated with medium confidence">
+          <p:cNvPr id="5" name="Content Placeholder 4" descr="A graph of a number of certifications&#10;&#10;Description automatically generated">
             <a:extLst>
               <a:ext uri="{FF2B5EF4-FFF2-40B4-BE49-F238E27FC236}">
-                <a16:creationId xmlns:a16="http://schemas.microsoft.com/office/drawing/2014/main" id="{466DB014-B202-D216-4006-96C121AC03F7}"/>
+                <a16:creationId xmlns:a16="http://schemas.microsoft.com/office/drawing/2014/main" id="{9EAA207E-EB80-B48D-EE1C-88670B96F8C4}"/>
               </a:ext>
             </a:extLst>
           </p:cNvPr>
@@ -7465,17 +8161,17 @@
         </p:blipFill>
         <p:spPr>
           <a:xfrm>
-            <a:off x="363401" y="451861"/>
-            <a:ext cx="10849453" cy="5930466"/>
+            <a:off x="311381" y="248661"/>
+            <a:ext cx="9907373" cy="6346103"/>
           </a:xfrm>
         </p:spPr>
       </p:pic>
       <p:sp>
         <p:nvSpPr>
-          <p:cNvPr id="3" name="Oval 2">
+          <p:cNvPr id="6" name="Oval 5">
             <a:extLst>
               <a:ext uri="{FF2B5EF4-FFF2-40B4-BE49-F238E27FC236}">
-                <a16:creationId xmlns:a16="http://schemas.microsoft.com/office/drawing/2014/main" id="{749ED22B-6ACA-C3BC-A4E2-E8CDE15F285D}"/>
+                <a16:creationId xmlns:a16="http://schemas.microsoft.com/office/drawing/2014/main" id="{56BC215D-2166-7D69-7685-01459ABAA2AF}"/>
               </a:ext>
             </a:extLst>
           </p:cNvPr>
@@ -7484,30 +8180,24 @@
         </p:nvSpPr>
         <p:spPr>
           <a:xfrm>
-            <a:off x="9976207" y="609600"/>
-            <a:ext cx="842481" cy="934948"/>
+            <a:off x="526473" y="498764"/>
+            <a:ext cx="914400" cy="914400"/>
           </a:xfrm>
           <a:prstGeom prst="ellipse">
             <a:avLst/>
           </a:prstGeom>
-          <a:solidFill>
-            <a:schemeClr val="accent4">
-              <a:lumMod val="60000"/>
-              <a:lumOff val="40000"/>
-            </a:schemeClr>
-          </a:solidFill>
         </p:spPr>
         <p:style>
           <a:lnRef idx="2">
-            <a:schemeClr val="accent1">
+            <a:schemeClr val="accent4">
               <a:shade val="15000"/>
             </a:schemeClr>
           </a:lnRef>
           <a:fillRef idx="1">
-            <a:schemeClr val="accent1"/>
+            <a:schemeClr val="accent4"/>
           </a:fillRef>
           <a:effectRef idx="0">
-            <a:schemeClr val="accent1"/>
+            <a:schemeClr val="accent4"/>
           </a:effectRef>
           <a:fontRef idx="minor">
             <a:schemeClr val="lt1"/>
@@ -7525,7 +8215,7 @@
     </p:spTree>
     <p:extLst>
       <p:ext uri="{BB962C8B-B14F-4D97-AF65-F5344CB8AC3E}">
-        <p14:creationId xmlns:p14="http://schemas.microsoft.com/office/powerpoint/2010/main" val="3862105535"/>
+        <p14:creationId xmlns:p14="http://schemas.microsoft.com/office/powerpoint/2010/main" val="3017163164"/>
       </p:ext>
     </p:extLst>
   </p:cSld>
@@ -7557,7 +8247,7 @@
           <p:cNvPr id="2" name="Title 1">
             <a:extLst>
               <a:ext uri="{FF2B5EF4-FFF2-40B4-BE49-F238E27FC236}">
-                <a16:creationId xmlns:a16="http://schemas.microsoft.com/office/drawing/2014/main" id="{B420D005-088A-69CE-454A-968DA69426CF}"/>
+                <a16:creationId xmlns:a16="http://schemas.microsoft.com/office/drawing/2014/main" id="{9CD2C182-BA31-FD2B-7DE5-E2A15CA58B26}"/>
               </a:ext>
             </a:extLst>
           </p:cNvPr>
@@ -7577,44 +8267,21 @@
           </a:p>
         </p:txBody>
       </p:sp>
-      <p:sp>
-        <p:nvSpPr>
-          <p:cNvPr id="3" name="Content Placeholder 2">
+      <p:pic>
+        <p:nvPicPr>
+          <p:cNvPr id="5" name="Content Placeholder 4" descr="A graph showing a line of dots&#10;&#10;Description automatically generated">
             <a:extLst>
               <a:ext uri="{FF2B5EF4-FFF2-40B4-BE49-F238E27FC236}">
-                <a16:creationId xmlns:a16="http://schemas.microsoft.com/office/drawing/2014/main" id="{A6468B46-5CBA-3189-7B95-F48D806C0288}"/>
-              </a:ext>
-            </a:extLst>
-          </p:cNvPr>
-          <p:cNvSpPr>
-            <a:spLocks noGrp="1"/>
-          </p:cNvSpPr>
-          <p:nvPr>
-            <p:ph idx="1"/>
-          </p:nvPr>
-        </p:nvSpPr>
-        <p:spPr/>
-        <p:txBody>
-          <a:bodyPr/>
-          <a:lstStyle/>
-          <a:p>
-            <a:endParaRPr lang="en-US"/>
-          </a:p>
-        </p:txBody>
-      </p:sp>
-      <p:pic>
-        <p:nvPicPr>
-          <p:cNvPr id="4" name="Picture 3" descr="A graph of a graph showing the difference between a line and a line&#10;&#10;Description automatically generated with medium confidence">
-            <a:extLst>
-              <a:ext uri="{FF2B5EF4-FFF2-40B4-BE49-F238E27FC236}">
-                <a16:creationId xmlns:a16="http://schemas.microsoft.com/office/drawing/2014/main" id="{EDF1D591-EFE3-BD13-ACFC-058358A37EC8}"/>
+                <a16:creationId xmlns:a16="http://schemas.microsoft.com/office/drawing/2014/main" id="{40416DB5-4214-7087-DE49-749F1AED87F1}"/>
               </a:ext>
             </a:extLst>
           </p:cNvPr>
           <p:cNvPicPr>
-            <a:picLocks noChangeAspect="1"/>
+            <a:picLocks noGrp="1" noChangeAspect="1"/>
           </p:cNvPicPr>
-          <p:nvPr/>
+          <p:nvPr>
+            <p:ph idx="1"/>
+          </p:nvPr>
         </p:nvPicPr>
         <p:blipFill>
           <a:blip r:embed="rId2">
@@ -7630,20 +8297,17 @@
         </p:blipFill>
         <p:spPr>
           <a:xfrm>
-            <a:off x="212173" y="350586"/>
-            <a:ext cx="11840298" cy="4827589"/>
+            <a:off x="311382" y="202479"/>
+            <a:ext cx="9719919" cy="6226030"/>
           </a:xfrm>
-          <a:prstGeom prst="rect">
-            <a:avLst/>
-          </a:prstGeom>
         </p:spPr>
       </p:pic>
       <p:sp>
         <p:nvSpPr>
-          <p:cNvPr id="5" name="Oval 4">
+          <p:cNvPr id="6" name="Oval 5">
             <a:extLst>
               <a:ext uri="{FF2B5EF4-FFF2-40B4-BE49-F238E27FC236}">
-                <a16:creationId xmlns:a16="http://schemas.microsoft.com/office/drawing/2014/main" id="{6A8D9CB8-B003-2C5C-16A1-C0247ABEAED8}"/>
+                <a16:creationId xmlns:a16="http://schemas.microsoft.com/office/drawing/2014/main" id="{D674880F-C7CF-6943-E9CE-B870F4A3AB5E}"/>
               </a:ext>
             </a:extLst>
           </p:cNvPr>
@@ -7652,30 +8316,24 @@
         </p:nvSpPr>
         <p:spPr>
           <a:xfrm>
-            <a:off x="10828962" y="821933"/>
-            <a:ext cx="842481" cy="934948"/>
+            <a:off x="526473" y="498764"/>
+            <a:ext cx="914400" cy="914400"/>
           </a:xfrm>
           <a:prstGeom prst="ellipse">
             <a:avLst/>
           </a:prstGeom>
-          <a:solidFill>
-            <a:schemeClr val="accent4">
-              <a:lumMod val="60000"/>
-              <a:lumOff val="40000"/>
-            </a:schemeClr>
-          </a:solidFill>
         </p:spPr>
         <p:style>
           <a:lnRef idx="2">
-            <a:schemeClr val="accent1">
+            <a:schemeClr val="accent4">
               <a:shade val="15000"/>
             </a:schemeClr>
           </a:lnRef>
           <a:fillRef idx="1">
-            <a:schemeClr val="accent1"/>
+            <a:schemeClr val="accent4"/>
           </a:fillRef>
           <a:effectRef idx="0">
-            <a:schemeClr val="accent1"/>
+            <a:schemeClr val="accent4"/>
           </a:effectRef>
           <a:fontRef idx="minor">
             <a:schemeClr val="lt1"/>
@@ -7693,7 +8351,7 @@
     </p:spTree>
     <p:extLst>
       <p:ext uri="{BB962C8B-B14F-4D97-AF65-F5344CB8AC3E}">
-        <p14:creationId xmlns:p14="http://schemas.microsoft.com/office/powerpoint/2010/main" val="2762488910"/>
+        <p14:creationId xmlns:p14="http://schemas.microsoft.com/office/powerpoint/2010/main" val="1892922030"/>
       </p:ext>
     </p:extLst>
   </p:cSld>
@@ -7958,4 +8616,299 @@
     </a:ext>
   </a:extLst>
 </a:theme>
+</file>
+
+<file path=ppt/theme/theme2.xml><?xml version="1.0" encoding="utf-8"?>
+<a:theme xmlns:a="http://schemas.openxmlformats.org/drawingml/2006/main" name="Office Theme">
+  <a:themeElements>
+    <a:clrScheme name="Office">
+      <a:dk1>
+        <a:sysClr val="windowText" lastClr="FFFFFF"/>
+      </a:dk1>
+      <a:lt1>
+        <a:sysClr val="window" lastClr="000000"/>
+      </a:lt1>
+      <a:dk2>
+        <a:srgbClr val="44546A"/>
+      </a:dk2>
+      <a:lt2>
+        <a:srgbClr val="E7E6E6"/>
+      </a:lt2>
+      <a:accent1>
+        <a:srgbClr val="4472C4"/>
+      </a:accent1>
+      <a:accent2>
+        <a:srgbClr val="ED7D31"/>
+      </a:accent2>
+      <a:accent3>
+        <a:srgbClr val="A5A5A5"/>
+      </a:accent3>
+      <a:accent4>
+        <a:srgbClr val="FFC000"/>
+      </a:accent4>
+      <a:accent5>
+        <a:srgbClr val="5B9BD5"/>
+      </a:accent5>
+      <a:accent6>
+        <a:srgbClr val="70AD47"/>
+      </a:accent6>
+      <a:hlink>
+        <a:srgbClr val="0563C1"/>
+      </a:hlink>
+      <a:folHlink>
+        <a:srgbClr val="954F72"/>
+      </a:folHlink>
+    </a:clrScheme>
+    <a:fontScheme name="Office">
+      <a:majorFont>
+        <a:latin typeface="Calibri Light" panose="020F0302020204030204"/>
+        <a:ea typeface=""/>
+        <a:cs typeface=""/>
+        <a:font script="Jpan" typeface="游ゴシック Light"/>
+        <a:font script="Hang" typeface="맑은 고딕"/>
+        <a:font script="Hans" typeface="等线 Light"/>
+        <a:font script="Hant" typeface="新細明體"/>
+        <a:font script="Arab" typeface="Times New Roman"/>
+        <a:font script="Hebr" typeface="Times New Roman"/>
+        <a:font script="Thai" typeface="Angsana New"/>
+        <a:font script="Ethi" typeface="Nyala"/>
+        <a:font script="Beng" typeface="Vrinda"/>
+        <a:font script="Gujr" typeface="Shruti"/>
+        <a:font script="Khmr" typeface="MoolBoran"/>
+        <a:font script="Knda" typeface="Tunga"/>
+        <a:font script="Guru" typeface="Raavi"/>
+        <a:font script="Cans" typeface="Euphemia"/>
+        <a:font script="Cher" typeface="Plantagenet Cherokee"/>
+        <a:font script="Yiii" typeface="Microsoft Yi Baiti"/>
+        <a:font script="Tibt" typeface="Microsoft Himalaya"/>
+        <a:font script="Thaa" typeface="MV Boli"/>
+        <a:font script="Deva" typeface="Mangal"/>
+        <a:font script="Telu" typeface="Gautami"/>
+        <a:font script="Taml" typeface="Latha"/>
+        <a:font script="Syrc" typeface="Estrangelo Edessa"/>
+        <a:font script="Orya" typeface="Kalinga"/>
+        <a:font script="Mlym" typeface="Kartika"/>
+        <a:font script="Laoo" typeface="DokChampa"/>
+        <a:font script="Sinh" typeface="Iskoola Pota"/>
+        <a:font script="Mong" typeface="Mongolian Baiti"/>
+        <a:font script="Viet" typeface="Times New Roman"/>
+        <a:font script="Uigh" typeface="Microsoft Uighur"/>
+        <a:font script="Geor" typeface="Sylfaen"/>
+        <a:font script="Armn" typeface="Arial"/>
+        <a:font script="Bugi" typeface="Leelawadee UI"/>
+        <a:font script="Bopo" typeface="Microsoft JhengHei"/>
+        <a:font script="Java" typeface="Javanese Text"/>
+        <a:font script="Lisu" typeface="Segoe UI"/>
+        <a:font script="Mymr" typeface="Myanmar Text"/>
+        <a:font script="Nkoo" typeface="Ebrima"/>
+        <a:font script="Olck" typeface="Nirmala UI"/>
+        <a:font script="Osma" typeface="Ebrima"/>
+        <a:font script="Phag" typeface="Phagspa"/>
+        <a:font script="Syrn" typeface="Estrangelo Edessa"/>
+        <a:font script="Syrj" typeface="Estrangelo Edessa"/>
+        <a:font script="Syre" typeface="Estrangelo Edessa"/>
+        <a:font script="Sora" typeface="Nirmala UI"/>
+        <a:font script="Tale" typeface="Microsoft Tai Le"/>
+        <a:font script="Talu" typeface="Microsoft New Tai Lue"/>
+        <a:font script="Tfng" typeface="Ebrima"/>
+      </a:majorFont>
+      <a:minorFont>
+        <a:latin typeface="Calibri" panose="020F0502020204030204"/>
+        <a:ea typeface=""/>
+        <a:cs typeface=""/>
+        <a:font script="Jpan" typeface="游ゴシック"/>
+        <a:font script="Hang" typeface="맑은 고딕"/>
+        <a:font script="Hans" typeface="等线"/>
+        <a:font script="Hant" typeface="新細明體"/>
+        <a:font script="Arab" typeface="Arial"/>
+        <a:font script="Hebr" typeface="Arial"/>
+        <a:font script="Thai" typeface="Cordia New"/>
+        <a:font script="Ethi" typeface="Nyala"/>
+        <a:font script="Beng" typeface="Vrinda"/>
+        <a:font script="Gujr" typeface="Shruti"/>
+        <a:font script="Khmr" typeface="DaunPenh"/>
+        <a:font script="Knda" typeface="Tunga"/>
+        <a:font script="Guru" typeface="Raavi"/>
+        <a:font script="Cans" typeface="Euphemia"/>
+        <a:font script="Cher" typeface="Plantagenet Cherokee"/>
+        <a:font script="Yiii" typeface="Microsoft Yi Baiti"/>
+        <a:font script="Tibt" typeface="Microsoft Himalaya"/>
+        <a:font script="Thaa" typeface="MV Boli"/>
+        <a:font script="Deva" typeface="Mangal"/>
+        <a:font script="Telu" typeface="Gautami"/>
+        <a:font script="Taml" typeface="Latha"/>
+        <a:font script="Syrc" typeface="Estrangelo Edessa"/>
+        <a:font script="Orya" typeface="Kalinga"/>
+        <a:font script="Mlym" typeface="Kartika"/>
+        <a:font script="Laoo" typeface="DokChampa"/>
+        <a:font script="Sinh" typeface="Iskoola Pota"/>
+        <a:font script="Mong" typeface="Mongolian Baiti"/>
+        <a:font script="Viet" typeface="Arial"/>
+        <a:font script="Uigh" typeface="Microsoft Uighur"/>
+        <a:font script="Geor" typeface="Sylfaen"/>
+        <a:font script="Armn" typeface="Arial"/>
+        <a:font script="Bugi" typeface="Leelawadee UI"/>
+        <a:font script="Bopo" typeface="Microsoft JhengHei"/>
+        <a:font script="Java" typeface="Javanese Text"/>
+        <a:font script="Lisu" typeface="Segoe UI"/>
+        <a:font script="Mymr" typeface="Myanmar Text"/>
+        <a:font script="Nkoo" typeface="Ebrima"/>
+        <a:font script="Olck" typeface="Nirmala UI"/>
+        <a:font script="Osma" typeface="Ebrima"/>
+        <a:font script="Phag" typeface="Phagspa"/>
+        <a:font script="Syrn" typeface="Estrangelo Edessa"/>
+        <a:font script="Syrj" typeface="Estrangelo Edessa"/>
+        <a:font script="Syre" typeface="Estrangelo Edessa"/>
+        <a:font script="Sora" typeface="Nirmala UI"/>
+        <a:font script="Tale" typeface="Microsoft Tai Le"/>
+        <a:font script="Talu" typeface="Microsoft New Tai Lue"/>
+        <a:font script="Tfng" typeface="Ebrima"/>
+      </a:minorFont>
+    </a:fontScheme>
+    <a:fmtScheme name="Office">
+      <a:fillStyleLst>
+        <a:solidFill>
+          <a:schemeClr val="phClr"/>
+        </a:solidFill>
+        <a:gradFill rotWithShape="1">
+          <a:gsLst>
+            <a:gs pos="0">
+              <a:schemeClr val="phClr">
+                <a:lumMod val="110000"/>
+                <a:satMod val="105000"/>
+                <a:tint val="67000"/>
+              </a:schemeClr>
+            </a:gs>
+            <a:gs pos="50000">
+              <a:schemeClr val="phClr">
+                <a:lumMod val="105000"/>
+                <a:satMod val="103000"/>
+                <a:tint val="73000"/>
+              </a:schemeClr>
+            </a:gs>
+            <a:gs pos="100000">
+              <a:schemeClr val="phClr">
+                <a:lumMod val="105000"/>
+                <a:satMod val="109000"/>
+                <a:tint val="81000"/>
+              </a:schemeClr>
+            </a:gs>
+          </a:gsLst>
+          <a:lin ang="5400000" scaled="0"/>
+        </a:gradFill>
+        <a:gradFill rotWithShape="1">
+          <a:gsLst>
+            <a:gs pos="0">
+              <a:schemeClr val="phClr">
+                <a:satMod val="103000"/>
+                <a:lumMod val="102000"/>
+                <a:tint val="94000"/>
+              </a:schemeClr>
+            </a:gs>
+            <a:gs pos="50000">
+              <a:schemeClr val="phClr">
+                <a:satMod val="110000"/>
+                <a:lumMod val="100000"/>
+                <a:shade val="100000"/>
+              </a:schemeClr>
+            </a:gs>
+            <a:gs pos="100000">
+              <a:schemeClr val="phClr">
+                <a:lumMod val="99000"/>
+                <a:satMod val="120000"/>
+                <a:shade val="78000"/>
+              </a:schemeClr>
+            </a:gs>
+          </a:gsLst>
+          <a:lin ang="5400000" scaled="0"/>
+        </a:gradFill>
+      </a:fillStyleLst>
+      <a:lnStyleLst>
+        <a:ln w="6350" cap="flat" cmpd="sng" algn="ctr">
+          <a:solidFill>
+            <a:schemeClr val="phClr"/>
+          </a:solidFill>
+          <a:prstDash val="solid"/>
+          <a:miter lim="800000"/>
+        </a:ln>
+        <a:ln w="12700" cap="flat" cmpd="sng" algn="ctr">
+          <a:solidFill>
+            <a:schemeClr val="phClr"/>
+          </a:solidFill>
+          <a:prstDash val="solid"/>
+          <a:miter lim="800000"/>
+        </a:ln>
+        <a:ln w="19050" cap="flat" cmpd="sng" algn="ctr">
+          <a:solidFill>
+            <a:schemeClr val="phClr"/>
+          </a:solidFill>
+          <a:prstDash val="solid"/>
+          <a:miter lim="800000"/>
+        </a:ln>
+      </a:lnStyleLst>
+      <a:effectStyleLst>
+        <a:effectStyle>
+          <a:effectLst/>
+        </a:effectStyle>
+        <a:effectStyle>
+          <a:effectLst/>
+        </a:effectStyle>
+        <a:effectStyle>
+          <a:effectLst>
+            <a:outerShdw blurRad="57150" dist="19050" dir="5400000" algn="ctr" rotWithShape="0">
+              <a:srgbClr val="000000">
+                <a:alpha val="63000"/>
+              </a:srgbClr>
+            </a:outerShdw>
+          </a:effectLst>
+        </a:effectStyle>
+      </a:effectStyleLst>
+      <a:bgFillStyleLst>
+        <a:solidFill>
+          <a:schemeClr val="phClr"/>
+        </a:solidFill>
+        <a:solidFill>
+          <a:schemeClr val="phClr">
+            <a:tint val="95000"/>
+            <a:satMod val="170000"/>
+          </a:schemeClr>
+        </a:solidFill>
+        <a:gradFill rotWithShape="1">
+          <a:gsLst>
+            <a:gs pos="0">
+              <a:schemeClr val="phClr">
+                <a:tint val="93000"/>
+                <a:satMod val="150000"/>
+                <a:shade val="98000"/>
+                <a:lumMod val="102000"/>
+              </a:schemeClr>
+            </a:gs>
+            <a:gs pos="50000">
+              <a:schemeClr val="phClr">
+                <a:tint val="98000"/>
+                <a:satMod val="130000"/>
+                <a:shade val="90000"/>
+                <a:lumMod val="103000"/>
+              </a:schemeClr>
+            </a:gs>
+            <a:gs pos="100000">
+              <a:schemeClr val="phClr">
+                <a:shade val="63000"/>
+                <a:satMod val="120000"/>
+              </a:schemeClr>
+            </a:gs>
+          </a:gsLst>
+          <a:lin ang="5400000" scaled="0"/>
+        </a:gradFill>
+      </a:bgFillStyleLst>
+    </a:fmtScheme>
+  </a:themeElements>
+  <a:objectDefaults/>
+  <a:extraClrSchemeLst/>
+  <a:extLst>
+    <a:ext uri="{05A4C25C-085E-4340-85A3-A5531E510DB2}">
+      <thm15:themeFamily xmlns:thm15="http://schemas.microsoft.com/office/thememl/2012/main" name="Office Theme" id="{62F939B6-93AF-4DB8-9C6B-D6C7DFDC589F}" vid="{4A3C46E8-61CC-4603-A589-7422A47A8E4A}"/>
+    </a:ext>
+  </a:extLst>
+</a:theme>
 </file>
--- a/GSRExploratory.pptx
+++ b/GSRExploratory.pptx
@@ -5,26 +5,23 @@
     <p:sldMasterId id="2147483677" r:id="rId1"/>
   </p:sldMasterIdLst>
   <p:notesMasterIdLst>
-    <p:notesMasterId r:id="rId19"/>
+    <p:notesMasterId r:id="rId16"/>
   </p:notesMasterIdLst>
   <p:sldIdLst>
     <p:sldId id="256" r:id="rId2"/>
     <p:sldId id="287" r:id="rId3"/>
     <p:sldId id="259" r:id="rId4"/>
     <p:sldId id="279" r:id="rId5"/>
-    <p:sldId id="288" r:id="rId6"/>
-    <p:sldId id="260" r:id="rId7"/>
-    <p:sldId id="278" r:id="rId8"/>
-    <p:sldId id="282" r:id="rId9"/>
-    <p:sldId id="283" r:id="rId10"/>
-    <p:sldId id="284" r:id="rId11"/>
-    <p:sldId id="280" r:id="rId12"/>
-    <p:sldId id="281" r:id="rId13"/>
-    <p:sldId id="285" r:id="rId14"/>
-    <p:sldId id="286" r:id="rId15"/>
-    <p:sldId id="265" r:id="rId16"/>
-    <p:sldId id="273" r:id="rId17"/>
-    <p:sldId id="271" r:id="rId18"/>
+    <p:sldId id="278" r:id="rId6"/>
+    <p:sldId id="283" r:id="rId7"/>
+    <p:sldId id="280" r:id="rId8"/>
+    <p:sldId id="281" r:id="rId9"/>
+    <p:sldId id="285" r:id="rId10"/>
+    <p:sldId id="288" r:id="rId11"/>
+    <p:sldId id="284" r:id="rId12"/>
+    <p:sldId id="265" r:id="rId13"/>
+    <p:sldId id="273" r:id="rId14"/>
+    <p:sldId id="271" r:id="rId15"/>
   </p:sldIdLst>
   <p:sldSz cx="12192000" cy="6858000"/>
   <p:notesSz cx="6858000" cy="9144000"/>
@@ -6322,7 +6319,10 @@
           <a:bodyPr/>
           <a:lstStyle/>
           <a:p>
-            <a:endParaRPr lang="en-US"/>
+            <a:r>
+              <a:rPr lang="en-US" dirty="0"/>
+              <a:t>Lucy Huang</a:t>
+            </a:r>
           </a:p>
         </p:txBody>
       </p:sp>
@@ -6361,7 +6361,7 @@
           <p:cNvPr id="2" name="Title 1">
             <a:extLst>
               <a:ext uri="{FF2B5EF4-FFF2-40B4-BE49-F238E27FC236}">
-                <a16:creationId xmlns:a16="http://schemas.microsoft.com/office/drawing/2014/main" id="{27D723DB-027F-02D7-A097-0EC484C6CA7A}"/>
+                <a16:creationId xmlns:a16="http://schemas.microsoft.com/office/drawing/2014/main" id="{021B586F-842E-1FC5-CF95-423A0204891A}"/>
               </a:ext>
             </a:extLst>
           </p:cNvPr>
@@ -6377,51 +6377,41 @@
           <a:bodyPr/>
           <a:lstStyle/>
           <a:p>
-            <a:endParaRPr lang="en-US"/>
-          </a:p>
-        </p:txBody>
-      </p:sp>
-      <p:pic>
-        <p:nvPicPr>
-          <p:cNvPr id="5" name="Content Placeholder 4" descr="A graph with black dots and blue line&#10;&#10;Description automatically generated">
+            <a:endParaRPr lang="en-US" dirty="0"/>
+          </a:p>
+        </p:txBody>
+      </p:sp>
+      <p:sp>
+        <p:nvSpPr>
+          <p:cNvPr id="3" name="Content Placeholder 2">
             <a:extLst>
               <a:ext uri="{FF2B5EF4-FFF2-40B4-BE49-F238E27FC236}">
-                <a16:creationId xmlns:a16="http://schemas.microsoft.com/office/drawing/2014/main" id="{64A71B92-50AF-0BA1-A7D7-3C222F03EF27}"/>
+                <a16:creationId xmlns:a16="http://schemas.microsoft.com/office/drawing/2014/main" id="{0DAC2CAD-8865-4FC8-2BFE-9D57F05D760F}"/>
               </a:ext>
             </a:extLst>
           </p:cNvPr>
-          <p:cNvPicPr>
-            <a:picLocks noGrp="1" noChangeAspect="1"/>
-          </p:cNvPicPr>
+          <p:cNvSpPr>
+            <a:spLocks noGrp="1"/>
+          </p:cNvSpPr>
           <p:nvPr>
             <p:ph idx="1"/>
           </p:nvPr>
-        </p:nvPicPr>
-        <p:blipFill>
-          <a:blip r:embed="rId2">
-            <a:extLst>
-              <a:ext uri="{28A0092B-C50C-407E-A947-70E740481C1C}">
-                <a14:useLocalDpi xmlns:a14="http://schemas.microsoft.com/office/drawing/2010/main" val="0"/>
-              </a:ext>
-            </a:extLst>
-          </a:blip>
-          <a:stretch>
-            <a:fillRect/>
-          </a:stretch>
-        </p:blipFill>
-        <p:spPr>
-          <a:xfrm>
-            <a:off x="191310" y="82406"/>
-            <a:ext cx="10051570" cy="6438467"/>
-          </a:xfrm>
-        </p:spPr>
-      </p:pic>
-      <p:sp>
-        <p:nvSpPr>
-          <p:cNvPr id="6" name="Oval 5">
+        </p:nvSpPr>
+        <p:spPr/>
+        <p:txBody>
+          <a:bodyPr/>
+          <a:lstStyle/>
+          <a:p>
+            <a:endParaRPr lang="en-US"/>
+          </a:p>
+        </p:txBody>
+      </p:sp>
+      <p:sp>
+        <p:nvSpPr>
+          <p:cNvPr id="6" name="Rectangle 5">
             <a:extLst>
               <a:ext uri="{FF2B5EF4-FFF2-40B4-BE49-F238E27FC236}">
-                <a16:creationId xmlns:a16="http://schemas.microsoft.com/office/drawing/2014/main" id="{FF19E91A-0023-A49E-B9D6-0D823C1770BF}"/>
+                <a16:creationId xmlns:a16="http://schemas.microsoft.com/office/drawing/2014/main" id="{50CF27B8-5DE6-EE92-23B2-EF8452FFD57C}"/>
               </a:ext>
             </a:extLst>
           </p:cNvPr>
@@ -6430,24 +6420,24 @@
         </p:nvSpPr>
         <p:spPr>
           <a:xfrm>
-            <a:off x="526473" y="498764"/>
-            <a:ext cx="914400" cy="914400"/>
+            <a:off x="373224" y="345233"/>
+            <a:ext cx="11364686" cy="6018245"/>
           </a:xfrm>
-          <a:prstGeom prst="ellipse">
+          <a:prstGeom prst="rect">
             <a:avLst/>
           </a:prstGeom>
         </p:spPr>
         <p:style>
           <a:lnRef idx="2">
-            <a:schemeClr val="accent4">
+            <a:schemeClr val="accent6">
               <a:shade val="15000"/>
             </a:schemeClr>
           </a:lnRef>
           <a:fillRef idx="1">
-            <a:schemeClr val="accent4"/>
+            <a:schemeClr val="accent6"/>
           </a:fillRef>
           <a:effectRef idx="0">
-            <a:schemeClr val="accent4"/>
+            <a:schemeClr val="accent6"/>
           </a:effectRef>
           <a:fontRef idx="minor">
             <a:schemeClr val="lt1"/>
@@ -6458,14 +6448,17 @@
           <a:lstStyle/>
           <a:p>
             <a:pPr algn="ctr"/>
-            <a:endParaRPr lang="en-US"/>
+            <a:r>
+              <a:rPr lang="en-US" dirty="0"/>
+              <a:t>For separation: top/draft and bottom/storage</a:t>
+            </a:r>
           </a:p>
         </p:txBody>
       </p:sp>
     </p:spTree>
     <p:extLst>
       <p:ext uri="{BB962C8B-B14F-4D97-AF65-F5344CB8AC3E}">
-        <p14:creationId xmlns:p14="http://schemas.microsoft.com/office/powerpoint/2010/main" val="2612813683"/>
+        <p14:creationId xmlns:p14="http://schemas.microsoft.com/office/powerpoint/2010/main" val="344080030"/>
       </p:ext>
     </p:extLst>
   </p:cSld>
@@ -6497,7 +6490,7 @@
           <p:cNvPr id="2" name="Title 1">
             <a:extLst>
               <a:ext uri="{FF2B5EF4-FFF2-40B4-BE49-F238E27FC236}">
-                <a16:creationId xmlns:a16="http://schemas.microsoft.com/office/drawing/2014/main" id="{6554C54F-F04E-E56C-90A9-9867D62D1C63}"/>
+                <a16:creationId xmlns:a16="http://schemas.microsoft.com/office/drawing/2014/main" id="{27D723DB-027F-02D7-A097-0EC484C6CA7A}"/>
               </a:ext>
             </a:extLst>
           </p:cNvPr>
@@ -6519,10 +6512,10 @@
       </p:sp>
       <p:pic>
         <p:nvPicPr>
-          <p:cNvPr id="5" name="Content Placeholder 4" descr="A graph of a number of different sizes of objects&#10;&#10;Description automatically generated with medium confidence">
+          <p:cNvPr id="5" name="Content Placeholder 4" descr="A graph with black dots and blue line&#10;&#10;Description automatically generated">
             <a:extLst>
               <a:ext uri="{FF2B5EF4-FFF2-40B4-BE49-F238E27FC236}">
-                <a16:creationId xmlns:a16="http://schemas.microsoft.com/office/drawing/2014/main" id="{466DB014-B202-D216-4006-96C121AC03F7}"/>
+                <a16:creationId xmlns:a16="http://schemas.microsoft.com/office/drawing/2014/main" id="{64A71B92-50AF-0BA1-A7D7-3C222F03EF27}"/>
               </a:ext>
             </a:extLst>
           </p:cNvPr>
@@ -6547,17 +6540,17 @@
         </p:blipFill>
         <p:spPr>
           <a:xfrm>
-            <a:off x="363401" y="451861"/>
-            <a:ext cx="10849453" cy="5930466"/>
+            <a:off x="191310" y="82406"/>
+            <a:ext cx="10051570" cy="6438467"/>
           </a:xfrm>
         </p:spPr>
       </p:pic>
       <p:sp>
         <p:nvSpPr>
-          <p:cNvPr id="3" name="Oval 2">
+          <p:cNvPr id="6" name="Oval 5">
             <a:extLst>
               <a:ext uri="{FF2B5EF4-FFF2-40B4-BE49-F238E27FC236}">
-                <a16:creationId xmlns:a16="http://schemas.microsoft.com/office/drawing/2014/main" id="{B1EE5C60-2991-37BD-1D5E-4138556C4937}"/>
+                <a16:creationId xmlns:a16="http://schemas.microsoft.com/office/drawing/2014/main" id="{FF19E91A-0023-A49E-B9D6-0D823C1770BF}"/>
               </a:ext>
             </a:extLst>
           </p:cNvPr>
@@ -6566,7 +6559,7 @@
         </p:nvSpPr>
         <p:spPr>
           <a:xfrm>
-            <a:off x="677334" y="812800"/>
+            <a:off x="526473" y="498764"/>
             <a:ext cx="914400" cy="914400"/>
           </a:xfrm>
           <a:prstGeom prst="ellipse">
@@ -6601,7 +6594,7 @@
     </p:spTree>
     <p:extLst>
       <p:ext uri="{BB962C8B-B14F-4D97-AF65-F5344CB8AC3E}">
-        <p14:creationId xmlns:p14="http://schemas.microsoft.com/office/powerpoint/2010/main" val="3862105535"/>
+        <p14:creationId xmlns:p14="http://schemas.microsoft.com/office/powerpoint/2010/main" val="2612813683"/>
       </p:ext>
     </p:extLst>
   </p:cSld>
@@ -6612,414 +6605,6 @@
 </file>
 
 <file path=ppt/slides/slide12.xml><?xml version="1.0" encoding="utf-8"?>
-<p:sld xmlns:a="http://schemas.openxmlformats.org/drawingml/2006/main" xmlns:r="http://schemas.openxmlformats.org/officeDocument/2006/relationships" xmlns:p="http://schemas.openxmlformats.org/presentationml/2006/main">
-  <p:cSld>
-    <p:spTree>
-      <p:nvGrpSpPr>
-        <p:cNvPr id="1" name=""/>
-        <p:cNvGrpSpPr/>
-        <p:nvPr/>
-      </p:nvGrpSpPr>
-      <p:grpSpPr>
-        <a:xfrm>
-          <a:off x="0" y="0"/>
-          <a:ext cx="0" cy="0"/>
-          <a:chOff x="0" y="0"/>
-          <a:chExt cx="0" cy="0"/>
-        </a:xfrm>
-      </p:grpSpPr>
-      <p:sp>
-        <p:nvSpPr>
-          <p:cNvPr id="2" name="Title 1">
-            <a:extLst>
-              <a:ext uri="{FF2B5EF4-FFF2-40B4-BE49-F238E27FC236}">
-                <a16:creationId xmlns:a16="http://schemas.microsoft.com/office/drawing/2014/main" id="{3584690D-4D81-045E-387A-BDDE698D06D5}"/>
-              </a:ext>
-            </a:extLst>
-          </p:cNvPr>
-          <p:cNvSpPr>
-            <a:spLocks noGrp="1"/>
-          </p:cNvSpPr>
-          <p:nvPr>
-            <p:ph type="title"/>
-          </p:nvPr>
-        </p:nvSpPr>
-        <p:spPr/>
-        <p:txBody>
-          <a:bodyPr/>
-          <a:lstStyle/>
-          <a:p>
-            <a:endParaRPr lang="en-US"/>
-          </a:p>
-        </p:txBody>
-      </p:sp>
-      <p:pic>
-        <p:nvPicPr>
-          <p:cNvPr id="5" name="Content Placeholder 4" descr="A graph of a graph showing the difference between a number of columns&#10;&#10;Description automatically generated with medium confidence">
-            <a:extLst>
-              <a:ext uri="{FF2B5EF4-FFF2-40B4-BE49-F238E27FC236}">
-                <a16:creationId xmlns:a16="http://schemas.microsoft.com/office/drawing/2014/main" id="{CA6392D0-50E3-A840-7042-F666F6CEED8B}"/>
-              </a:ext>
-            </a:extLst>
-          </p:cNvPr>
-          <p:cNvPicPr>
-            <a:picLocks noGrp="1" noChangeAspect="1"/>
-          </p:cNvPicPr>
-          <p:nvPr>
-            <p:ph idx="1"/>
-          </p:nvPr>
-        </p:nvPicPr>
-        <p:blipFill>
-          <a:blip r:embed="rId2">
-            <a:extLst>
-              <a:ext uri="{28A0092B-C50C-407E-A947-70E740481C1C}">
-                <a14:useLocalDpi xmlns:a14="http://schemas.microsoft.com/office/drawing/2010/main" val="0"/>
-              </a:ext>
-            </a:extLst>
-          </a:blip>
-          <a:stretch>
-            <a:fillRect/>
-          </a:stretch>
-        </p:blipFill>
-        <p:spPr>
-          <a:xfrm>
-            <a:off x="302430" y="276370"/>
-            <a:ext cx="10826552" cy="6115194"/>
-          </a:xfrm>
-        </p:spPr>
-      </p:pic>
-      <p:sp>
-        <p:nvSpPr>
-          <p:cNvPr id="7" name="Oval 6">
-            <a:extLst>
-              <a:ext uri="{FF2B5EF4-FFF2-40B4-BE49-F238E27FC236}">
-                <a16:creationId xmlns:a16="http://schemas.microsoft.com/office/drawing/2014/main" id="{C799847F-DC58-C3D8-2897-2811BC7AE585}"/>
-              </a:ext>
-            </a:extLst>
-          </p:cNvPr>
-          <p:cNvSpPr/>
-          <p:nvPr/>
-        </p:nvSpPr>
-        <p:spPr>
-          <a:xfrm>
-            <a:off x="677334" y="812800"/>
-            <a:ext cx="914400" cy="914400"/>
-          </a:xfrm>
-          <a:prstGeom prst="ellipse">
-            <a:avLst/>
-          </a:prstGeom>
-        </p:spPr>
-        <p:style>
-          <a:lnRef idx="2">
-            <a:schemeClr val="accent4">
-              <a:shade val="15000"/>
-            </a:schemeClr>
-          </a:lnRef>
-          <a:fillRef idx="1">
-            <a:schemeClr val="accent4"/>
-          </a:fillRef>
-          <a:effectRef idx="0">
-            <a:schemeClr val="accent4"/>
-          </a:effectRef>
-          <a:fontRef idx="minor">
-            <a:schemeClr val="lt1"/>
-          </a:fontRef>
-        </p:style>
-        <p:txBody>
-          <a:bodyPr rtlCol="0" anchor="ctr"/>
-          <a:lstStyle/>
-          <a:p>
-            <a:pPr algn="ctr"/>
-            <a:endParaRPr lang="en-US"/>
-          </a:p>
-        </p:txBody>
-      </p:sp>
-    </p:spTree>
-    <p:extLst>
-      <p:ext uri="{BB962C8B-B14F-4D97-AF65-F5344CB8AC3E}">
-        <p14:creationId xmlns:p14="http://schemas.microsoft.com/office/powerpoint/2010/main" val="177671733"/>
-      </p:ext>
-    </p:extLst>
-  </p:cSld>
-  <p:clrMapOvr>
-    <a:masterClrMapping/>
-  </p:clrMapOvr>
-</p:sld>
-</file>
-
-<file path=ppt/slides/slide13.xml><?xml version="1.0" encoding="utf-8"?>
-<p:sld xmlns:a="http://schemas.openxmlformats.org/drawingml/2006/main" xmlns:r="http://schemas.openxmlformats.org/officeDocument/2006/relationships" xmlns:p="http://schemas.openxmlformats.org/presentationml/2006/main">
-  <p:cSld>
-    <p:spTree>
-      <p:nvGrpSpPr>
-        <p:cNvPr id="1" name=""/>
-        <p:cNvGrpSpPr/>
-        <p:nvPr/>
-      </p:nvGrpSpPr>
-      <p:grpSpPr>
-        <a:xfrm>
-          <a:off x="0" y="0"/>
-          <a:ext cx="0" cy="0"/>
-          <a:chOff x="0" y="0"/>
-          <a:chExt cx="0" cy="0"/>
-        </a:xfrm>
-      </p:grpSpPr>
-      <p:sp>
-        <p:nvSpPr>
-          <p:cNvPr id="2" name="Title 1">
-            <a:extLst>
-              <a:ext uri="{FF2B5EF4-FFF2-40B4-BE49-F238E27FC236}">
-                <a16:creationId xmlns:a16="http://schemas.microsoft.com/office/drawing/2014/main" id="{BA7ED39B-C095-6272-9B7E-DB306D3A2FFD}"/>
-              </a:ext>
-            </a:extLst>
-          </p:cNvPr>
-          <p:cNvSpPr>
-            <a:spLocks noGrp="1"/>
-          </p:cNvSpPr>
-          <p:nvPr>
-            <p:ph type="title"/>
-          </p:nvPr>
-        </p:nvSpPr>
-        <p:spPr/>
-        <p:txBody>
-          <a:bodyPr/>
-          <a:lstStyle/>
-          <a:p>
-            <a:endParaRPr lang="en-US"/>
-          </a:p>
-        </p:txBody>
-      </p:sp>
-      <p:pic>
-        <p:nvPicPr>
-          <p:cNvPr id="5" name="Content Placeholder 4" descr="A graph showing a line and a line&#10;&#10;Description automatically generated with medium confidence">
-            <a:extLst>
-              <a:ext uri="{FF2B5EF4-FFF2-40B4-BE49-F238E27FC236}">
-                <a16:creationId xmlns:a16="http://schemas.microsoft.com/office/drawing/2014/main" id="{9B74F798-4862-CF7B-545D-A4CB268484BB}"/>
-              </a:ext>
-            </a:extLst>
-          </p:cNvPr>
-          <p:cNvPicPr>
-            <a:picLocks noGrp="1" noChangeAspect="1"/>
-          </p:cNvPicPr>
-          <p:nvPr>
-            <p:ph idx="1"/>
-          </p:nvPr>
-        </p:nvPicPr>
-        <p:blipFill>
-          <a:blip r:embed="rId2">
-            <a:extLst>
-              <a:ext uri="{28A0092B-C50C-407E-A947-70E740481C1C}">
-                <a14:useLocalDpi xmlns:a14="http://schemas.microsoft.com/office/drawing/2010/main" val="0"/>
-              </a:ext>
-            </a:extLst>
-          </a:blip>
-          <a:stretch>
-            <a:fillRect/>
-          </a:stretch>
-        </p:blipFill>
-        <p:spPr>
-          <a:xfrm>
-            <a:off x="246728" y="285606"/>
-            <a:ext cx="9802436" cy="6278886"/>
-          </a:xfrm>
-        </p:spPr>
-      </p:pic>
-      <p:sp>
-        <p:nvSpPr>
-          <p:cNvPr id="6" name="Oval 5">
-            <a:extLst>
-              <a:ext uri="{FF2B5EF4-FFF2-40B4-BE49-F238E27FC236}">
-                <a16:creationId xmlns:a16="http://schemas.microsoft.com/office/drawing/2014/main" id="{D14161A5-729D-D189-4BA6-38A55CC31DF9}"/>
-              </a:ext>
-            </a:extLst>
-          </p:cNvPr>
-          <p:cNvSpPr/>
-          <p:nvPr/>
-        </p:nvSpPr>
-        <p:spPr>
-          <a:xfrm>
-            <a:off x="677334" y="812800"/>
-            <a:ext cx="914400" cy="914400"/>
-          </a:xfrm>
-          <a:prstGeom prst="ellipse">
-            <a:avLst/>
-          </a:prstGeom>
-        </p:spPr>
-        <p:style>
-          <a:lnRef idx="2">
-            <a:schemeClr val="accent4">
-              <a:shade val="15000"/>
-            </a:schemeClr>
-          </a:lnRef>
-          <a:fillRef idx="1">
-            <a:schemeClr val="accent4"/>
-          </a:fillRef>
-          <a:effectRef idx="0">
-            <a:schemeClr val="accent4"/>
-          </a:effectRef>
-          <a:fontRef idx="minor">
-            <a:schemeClr val="lt1"/>
-          </a:fontRef>
-        </p:style>
-        <p:txBody>
-          <a:bodyPr rtlCol="0" anchor="ctr"/>
-          <a:lstStyle/>
-          <a:p>
-            <a:pPr algn="ctr"/>
-            <a:endParaRPr lang="en-US"/>
-          </a:p>
-        </p:txBody>
-      </p:sp>
-    </p:spTree>
-    <p:extLst>
-      <p:ext uri="{BB962C8B-B14F-4D97-AF65-F5344CB8AC3E}">
-        <p14:creationId xmlns:p14="http://schemas.microsoft.com/office/powerpoint/2010/main" val="4200741661"/>
-      </p:ext>
-    </p:extLst>
-  </p:cSld>
-  <p:clrMapOvr>
-    <a:masterClrMapping/>
-  </p:clrMapOvr>
-</p:sld>
-</file>
-
-<file path=ppt/slides/slide14.xml><?xml version="1.0" encoding="utf-8"?>
-<p:sld xmlns:a="http://schemas.openxmlformats.org/drawingml/2006/main" xmlns:r="http://schemas.openxmlformats.org/officeDocument/2006/relationships" xmlns:p="http://schemas.openxmlformats.org/presentationml/2006/main">
-  <p:cSld>
-    <p:spTree>
-      <p:nvGrpSpPr>
-        <p:cNvPr id="1" name=""/>
-        <p:cNvGrpSpPr/>
-        <p:nvPr/>
-      </p:nvGrpSpPr>
-      <p:grpSpPr>
-        <a:xfrm>
-          <a:off x="0" y="0"/>
-          <a:ext cx="0" cy="0"/>
-          <a:chOff x="0" y="0"/>
-          <a:chExt cx="0" cy="0"/>
-        </a:xfrm>
-      </p:grpSpPr>
-      <p:sp>
-        <p:nvSpPr>
-          <p:cNvPr id="2" name="Title 1">
-            <a:extLst>
-              <a:ext uri="{FF2B5EF4-FFF2-40B4-BE49-F238E27FC236}">
-                <a16:creationId xmlns:a16="http://schemas.microsoft.com/office/drawing/2014/main" id="{3A0EECCE-4D0E-0914-1DF3-C93005C113CD}"/>
-              </a:ext>
-            </a:extLst>
-          </p:cNvPr>
-          <p:cNvSpPr>
-            <a:spLocks noGrp="1"/>
-          </p:cNvSpPr>
-          <p:nvPr>
-            <p:ph type="title"/>
-          </p:nvPr>
-        </p:nvSpPr>
-        <p:spPr/>
-        <p:txBody>
-          <a:bodyPr/>
-          <a:lstStyle/>
-          <a:p>
-            <a:endParaRPr lang="en-US"/>
-          </a:p>
-        </p:txBody>
-      </p:sp>
-      <p:pic>
-        <p:nvPicPr>
-          <p:cNvPr id="6" name="Content Placeholder 5" descr="A graph of a number of certifications&#10;&#10;Description automatically generated">
-            <a:extLst>
-              <a:ext uri="{FF2B5EF4-FFF2-40B4-BE49-F238E27FC236}">
-                <a16:creationId xmlns:a16="http://schemas.microsoft.com/office/drawing/2014/main" id="{91805A21-71D3-4214-A58E-65C60AFE0E48}"/>
-              </a:ext>
-            </a:extLst>
-          </p:cNvPr>
-          <p:cNvPicPr>
-            <a:picLocks noGrp="1" noChangeAspect="1"/>
-          </p:cNvPicPr>
-          <p:nvPr>
-            <p:ph idx="1"/>
-          </p:nvPr>
-        </p:nvPicPr>
-        <p:blipFill>
-          <a:blip r:embed="rId2">
-            <a:extLst>
-              <a:ext uri="{28A0092B-C50C-407E-A947-70E740481C1C}">
-                <a14:useLocalDpi xmlns:a14="http://schemas.microsoft.com/office/drawing/2010/main" val="0"/>
-              </a:ext>
-            </a:extLst>
-          </a:blip>
-          <a:stretch>
-            <a:fillRect/>
-          </a:stretch>
-        </p:blipFill>
-        <p:spPr>
-          <a:xfrm>
-            <a:off x="329854" y="174770"/>
-            <a:ext cx="10037149" cy="6429230"/>
-          </a:xfrm>
-        </p:spPr>
-      </p:pic>
-      <p:sp>
-        <p:nvSpPr>
-          <p:cNvPr id="4" name="Oval 3">
-            <a:extLst>
-              <a:ext uri="{FF2B5EF4-FFF2-40B4-BE49-F238E27FC236}">
-                <a16:creationId xmlns:a16="http://schemas.microsoft.com/office/drawing/2014/main" id="{48E46956-799D-1DB2-1DFA-C25C7AE035D8}"/>
-              </a:ext>
-            </a:extLst>
-          </p:cNvPr>
-          <p:cNvSpPr/>
-          <p:nvPr/>
-        </p:nvSpPr>
-        <p:spPr>
-          <a:xfrm>
-            <a:off x="677334" y="812800"/>
-            <a:ext cx="914400" cy="914400"/>
-          </a:xfrm>
-          <a:prstGeom prst="ellipse">
-            <a:avLst/>
-          </a:prstGeom>
-        </p:spPr>
-        <p:style>
-          <a:lnRef idx="2">
-            <a:schemeClr val="accent4">
-              <a:shade val="15000"/>
-            </a:schemeClr>
-          </a:lnRef>
-          <a:fillRef idx="1">
-            <a:schemeClr val="accent4"/>
-          </a:fillRef>
-          <a:effectRef idx="0">
-            <a:schemeClr val="accent4"/>
-          </a:effectRef>
-          <a:fontRef idx="minor">
-            <a:schemeClr val="lt1"/>
-          </a:fontRef>
-        </p:style>
-        <p:txBody>
-          <a:bodyPr rtlCol="0" anchor="ctr"/>
-          <a:lstStyle/>
-          <a:p>
-            <a:pPr algn="ctr"/>
-            <a:endParaRPr lang="en-US"/>
-          </a:p>
-        </p:txBody>
-      </p:sp>
-    </p:spTree>
-    <p:extLst>
-      <p:ext uri="{BB962C8B-B14F-4D97-AF65-F5344CB8AC3E}">
-        <p14:creationId xmlns:p14="http://schemas.microsoft.com/office/powerpoint/2010/main" val="2652602795"/>
-      </p:ext>
-    </p:extLst>
-  </p:cSld>
-  <p:clrMapOvr>
-    <a:masterClrMapping/>
-  </p:clrMapOvr>
-</p:sld>
-</file>
-
-<file path=ppt/slides/slide15.xml><?xml version="1.0" encoding="utf-8"?>
 <p:sld xmlns:a="http://schemas.openxmlformats.org/drawingml/2006/main" xmlns:r="http://schemas.openxmlformats.org/officeDocument/2006/relationships" xmlns:p="http://schemas.openxmlformats.org/presentationml/2006/main">
   <p:cSld>
     <p:spTree>
@@ -7084,7 +6669,7 @@
 </p:sld>
 </file>
 
-<file path=ppt/slides/slide16.xml><?xml version="1.0" encoding="utf-8"?>
+<file path=ppt/slides/slide13.xml><?xml version="1.0" encoding="utf-8"?>
 <p:sld xmlns:a="http://schemas.openxmlformats.org/drawingml/2006/main" xmlns:r="http://schemas.openxmlformats.org/officeDocument/2006/relationships" xmlns:p="http://schemas.openxmlformats.org/presentationml/2006/main">
   <p:cSld>
     <p:spTree>
@@ -7174,7 +6759,7 @@
 </p:sld>
 </file>
 
-<file path=ppt/slides/slide17.xml><?xml version="1.0" encoding="utf-8"?>
+<file path=ppt/slides/slide14.xml><?xml version="1.0" encoding="utf-8"?>
 <p:sld xmlns:a="http://schemas.openxmlformats.org/drawingml/2006/main" xmlns:r="http://schemas.openxmlformats.org/officeDocument/2006/relationships" xmlns:p="http://schemas.openxmlformats.org/presentationml/2006/main">
   <p:cSld>
     <p:spTree>
@@ -7609,10 +7194,10 @@
       </p:sp>
       <p:pic>
         <p:nvPicPr>
-          <p:cNvPr id="7" name="Content Placeholder 6" descr="A graph of different colored lines&#10;&#10;Description automatically generated">
+          <p:cNvPr id="8" name="Content Placeholder 7" descr="A graph of different colored lines&#10;&#10;Description automatically generated">
             <a:extLst>
               <a:ext uri="{FF2B5EF4-FFF2-40B4-BE49-F238E27FC236}">
-                <a16:creationId xmlns:a16="http://schemas.microsoft.com/office/drawing/2014/main" id="{ED501EE9-1261-96B7-7AD6-49D6B42EF07F}"/>
+                <a16:creationId xmlns:a16="http://schemas.microsoft.com/office/drawing/2014/main" id="{3DA78CA5-CEB3-4150-5471-B9A5642D41D4}"/>
               </a:ext>
             </a:extLst>
           </p:cNvPr>
@@ -7637,57 +7222,11 @@
         </p:blipFill>
         <p:spPr>
           <a:xfrm>
-            <a:off x="237776" y="202479"/>
-            <a:ext cx="11431589" cy="6456939"/>
+            <a:off x="267902" y="498764"/>
+            <a:ext cx="10257771" cy="5860472"/>
           </a:xfrm>
         </p:spPr>
       </p:pic>
-      <p:sp>
-        <p:nvSpPr>
-          <p:cNvPr id="3" name="Oval 2">
-            <a:extLst>
-              <a:ext uri="{FF2B5EF4-FFF2-40B4-BE49-F238E27FC236}">
-                <a16:creationId xmlns:a16="http://schemas.microsoft.com/office/drawing/2014/main" id="{3BD2781B-4F13-A8B8-388C-723138C4465C}"/>
-              </a:ext>
-            </a:extLst>
-          </p:cNvPr>
-          <p:cNvSpPr/>
-          <p:nvPr/>
-        </p:nvSpPr>
-        <p:spPr>
-          <a:xfrm>
-            <a:off x="526473" y="498764"/>
-            <a:ext cx="914400" cy="914400"/>
-          </a:xfrm>
-          <a:prstGeom prst="ellipse">
-            <a:avLst/>
-          </a:prstGeom>
-        </p:spPr>
-        <p:style>
-          <a:lnRef idx="2">
-            <a:schemeClr val="accent4">
-              <a:shade val="15000"/>
-            </a:schemeClr>
-          </a:lnRef>
-          <a:fillRef idx="1">
-            <a:schemeClr val="accent4"/>
-          </a:fillRef>
-          <a:effectRef idx="0">
-            <a:schemeClr val="accent4"/>
-          </a:effectRef>
-          <a:fontRef idx="minor">
-            <a:schemeClr val="lt1"/>
-          </a:fontRef>
-        </p:style>
-        <p:txBody>
-          <a:bodyPr rtlCol="0" anchor="ctr"/>
-          <a:lstStyle/>
-          <a:p>
-            <a:pPr algn="ctr"/>
-            <a:endParaRPr lang="en-US"/>
-          </a:p>
-        </p:txBody>
-      </p:sp>
     </p:spTree>
     <p:extLst>
       <p:ext uri="{BB962C8B-B14F-4D97-AF65-F5344CB8AC3E}">
@@ -7723,7 +7262,7 @@
           <p:cNvPr id="2" name="Title 1">
             <a:extLst>
               <a:ext uri="{FF2B5EF4-FFF2-40B4-BE49-F238E27FC236}">
-                <a16:creationId xmlns:a16="http://schemas.microsoft.com/office/drawing/2014/main" id="{021B586F-842E-1FC5-CF95-423A0204891A}"/>
+                <a16:creationId xmlns:a16="http://schemas.microsoft.com/office/drawing/2014/main" id="{8BB3DD29-ABE6-8A5B-E160-F583233DE005}"/>
               </a:ext>
             </a:extLst>
           </p:cNvPr>
@@ -7739,85 +7278,84 @@
           <a:bodyPr/>
           <a:lstStyle/>
           <a:p>
-            <a:endParaRPr lang="en-US" dirty="0"/>
-          </a:p>
-        </p:txBody>
-      </p:sp>
-      <p:sp>
-        <p:nvSpPr>
-          <p:cNvPr id="3" name="Content Placeholder 2">
+            <a:endParaRPr lang="en-US"/>
+          </a:p>
+        </p:txBody>
+      </p:sp>
+      <p:sp>
+        <p:nvSpPr>
+          <p:cNvPr id="6" name="TextBox 5">
             <a:extLst>
               <a:ext uri="{FF2B5EF4-FFF2-40B4-BE49-F238E27FC236}">
-                <a16:creationId xmlns:a16="http://schemas.microsoft.com/office/drawing/2014/main" id="{0DAC2CAD-8865-4FC8-2BFE-9D57F05D760F}"/>
+                <a16:creationId xmlns:a16="http://schemas.microsoft.com/office/drawing/2014/main" id="{17FFD8C0-591A-BDCF-FEBC-5517963E1259}"/>
               </a:ext>
             </a:extLst>
           </p:cNvPr>
-          <p:cNvSpPr>
-            <a:spLocks noGrp="1"/>
-          </p:cNvSpPr>
-          <p:nvPr>
-            <p:ph idx="1"/>
-          </p:nvPr>
-        </p:nvSpPr>
-        <p:spPr/>
-        <p:txBody>
-          <a:bodyPr/>
-          <a:lstStyle/>
-          <a:p>
-            <a:endParaRPr lang="en-US"/>
-          </a:p>
-        </p:txBody>
-      </p:sp>
-      <p:sp>
-        <p:nvSpPr>
-          <p:cNvPr id="6" name="Rectangle 5">
-            <a:extLst>
-              <a:ext uri="{FF2B5EF4-FFF2-40B4-BE49-F238E27FC236}">
-                <a16:creationId xmlns:a16="http://schemas.microsoft.com/office/drawing/2014/main" id="{50CF27B8-5DE6-EE92-23B2-EF8452FFD57C}"/>
-              </a:ext>
-            </a:extLst>
-          </p:cNvPr>
-          <p:cNvSpPr/>
+          <p:cNvSpPr txBox="1"/>
           <p:nvPr/>
         </p:nvSpPr>
         <p:spPr>
           <a:xfrm>
-            <a:off x="373224" y="345233"/>
-            <a:ext cx="11364686" cy="6018245"/>
+            <a:off x="6096000" y="1154097"/>
+            <a:ext cx="2356735" cy="369332"/>
           </a:xfrm>
           <a:prstGeom prst="rect">
             <a:avLst/>
           </a:prstGeom>
+          <a:noFill/>
         </p:spPr>
-        <p:style>
-          <a:lnRef idx="2">
-            <a:schemeClr val="accent6">
-              <a:shade val="15000"/>
-            </a:schemeClr>
-          </a:lnRef>
-          <a:fillRef idx="1">
-            <a:schemeClr val="accent6"/>
-          </a:fillRef>
-          <a:effectRef idx="0">
-            <a:schemeClr val="accent6"/>
-          </a:effectRef>
-          <a:fontRef idx="minor">
-            <a:schemeClr val="lt1"/>
-          </a:fontRef>
-        </p:style>
-        <p:txBody>
-          <a:bodyPr rtlCol="0" anchor="ctr"/>
-          <a:lstStyle/>
-          <a:p>
-            <a:pPr algn="ctr"/>
-            <a:endParaRPr lang="en-US"/>
-          </a:p>
-        </p:txBody>
-      </p:sp>
+        <p:txBody>
+          <a:bodyPr wrap="none" rtlCol="0">
+            <a:spAutoFit/>
+          </a:bodyPr>
+          <a:lstStyle/>
+          <a:p>
+            <a:r>
+              <a:rPr lang="en-US" dirty="0"/>
+              <a:t>Ask about 0 dropping</a:t>
+            </a:r>
+          </a:p>
+        </p:txBody>
+      </p:sp>
+      <p:pic>
+        <p:nvPicPr>
+          <p:cNvPr id="13" name="Content Placeholder 12" descr="A graph with black dots&#10;&#10;Description automatically generated">
+            <a:extLst>
+              <a:ext uri="{FF2B5EF4-FFF2-40B4-BE49-F238E27FC236}">
+                <a16:creationId xmlns:a16="http://schemas.microsoft.com/office/drawing/2014/main" id="{AFBC9743-78F2-5111-775B-76E762AF174B}"/>
+              </a:ext>
+            </a:extLst>
+          </p:cNvPr>
+          <p:cNvPicPr>
+            <a:picLocks noGrp="1" noChangeAspect="1"/>
+          </p:cNvPicPr>
+          <p:nvPr>
+            <p:ph idx="1"/>
+          </p:nvPr>
+        </p:nvPicPr>
+        <p:blipFill>
+          <a:blip r:embed="rId2">
+            <a:extLst>
+              <a:ext uri="{28A0092B-C50C-407E-A947-70E740481C1C}">
+                <a14:useLocalDpi xmlns:a14="http://schemas.microsoft.com/office/drawing/2010/main" val="0"/>
+              </a:ext>
+            </a:extLst>
+          </a:blip>
+          <a:stretch>
+            <a:fillRect/>
+          </a:stretch>
+        </p:blipFill>
+        <p:spPr>
+          <a:xfrm>
+            <a:off x="347384" y="179388"/>
+            <a:ext cx="8863386" cy="6346918"/>
+          </a:xfrm>
+        </p:spPr>
+      </p:pic>
     </p:spTree>
     <p:extLst>
       <p:ext uri="{BB962C8B-B14F-4D97-AF65-F5344CB8AC3E}">
-        <p14:creationId xmlns:p14="http://schemas.microsoft.com/office/powerpoint/2010/main" val="344080030"/>
+        <p14:creationId xmlns:p14="http://schemas.microsoft.com/office/powerpoint/2010/main" val="3143633826"/>
       </p:ext>
     </p:extLst>
   </p:cSld>
@@ -7849,7 +7387,7 @@
           <p:cNvPr id="2" name="Title 1">
             <a:extLst>
               <a:ext uri="{FF2B5EF4-FFF2-40B4-BE49-F238E27FC236}">
-                <a16:creationId xmlns:a16="http://schemas.microsoft.com/office/drawing/2014/main" id="{3896878C-053E-531C-5E86-5976AF8E2F82}"/>
+                <a16:creationId xmlns:a16="http://schemas.microsoft.com/office/drawing/2014/main" id="{9CD2C182-BA31-FD2B-7DE5-E2A15CA58B26}"/>
               </a:ext>
             </a:extLst>
           </p:cNvPr>
@@ -7871,17 +7409,19 @@
       </p:sp>
       <p:pic>
         <p:nvPicPr>
-          <p:cNvPr id="7" name="Picture 6" descr="A graph of a graph with a line&#10;&#10;Description automatically generated with medium confidence">
+          <p:cNvPr id="5" name="Content Placeholder 4" descr="A graph showing a line of dots&#10;&#10;Description automatically generated">
             <a:extLst>
               <a:ext uri="{FF2B5EF4-FFF2-40B4-BE49-F238E27FC236}">
-                <a16:creationId xmlns:a16="http://schemas.microsoft.com/office/drawing/2014/main" id="{52D9D195-E47F-35D9-25DB-DCAE3469BEBF}"/>
+                <a16:creationId xmlns:a16="http://schemas.microsoft.com/office/drawing/2014/main" id="{40416DB5-4214-7087-DE49-749F1AED87F1}"/>
               </a:ext>
             </a:extLst>
           </p:cNvPr>
           <p:cNvPicPr>
-            <a:picLocks noChangeAspect="1"/>
+            <a:picLocks noGrp="1" noChangeAspect="1"/>
           </p:cNvPicPr>
-          <p:nvPr/>
+          <p:nvPr>
+            <p:ph idx="1"/>
+          </p:nvPr>
         </p:nvPicPr>
         <p:blipFill>
           <a:blip r:embed="rId2">
@@ -7897,18 +7437,61 @@
         </p:blipFill>
         <p:spPr>
           <a:xfrm>
-            <a:off x="126766" y="223599"/>
-            <a:ext cx="11474107" cy="6492226"/>
+            <a:off x="311382" y="202479"/>
+            <a:ext cx="9719919" cy="6226030"/>
           </a:xfrm>
-          <a:prstGeom prst="rect">
+        </p:spPr>
+      </p:pic>
+      <p:sp>
+        <p:nvSpPr>
+          <p:cNvPr id="6" name="Oval 5">
+            <a:extLst>
+              <a:ext uri="{FF2B5EF4-FFF2-40B4-BE49-F238E27FC236}">
+                <a16:creationId xmlns:a16="http://schemas.microsoft.com/office/drawing/2014/main" id="{D674880F-C7CF-6943-E9CE-B870F4A3AB5E}"/>
+              </a:ext>
+            </a:extLst>
+          </p:cNvPr>
+          <p:cNvSpPr/>
+          <p:nvPr/>
+        </p:nvSpPr>
+        <p:spPr>
+          <a:xfrm>
+            <a:off x="526473" y="498764"/>
+            <a:ext cx="914400" cy="914400"/>
+          </a:xfrm>
+          <a:prstGeom prst="ellipse">
             <a:avLst/>
           </a:prstGeom>
         </p:spPr>
-      </p:pic>
+        <p:style>
+          <a:lnRef idx="2">
+            <a:schemeClr val="accent4">
+              <a:shade val="15000"/>
+            </a:schemeClr>
+          </a:lnRef>
+          <a:fillRef idx="1">
+            <a:schemeClr val="accent4"/>
+          </a:fillRef>
+          <a:effectRef idx="0">
+            <a:schemeClr val="accent4"/>
+          </a:effectRef>
+          <a:fontRef idx="minor">
+            <a:schemeClr val="lt1"/>
+          </a:fontRef>
+        </p:style>
+        <p:txBody>
+          <a:bodyPr rtlCol="0" anchor="ctr"/>
+          <a:lstStyle/>
+          <a:p>
+            <a:pPr algn="ctr"/>
+            <a:endParaRPr lang="en-US"/>
+          </a:p>
+        </p:txBody>
+      </p:sp>
     </p:spTree>
     <p:extLst>
       <p:ext uri="{BB962C8B-B14F-4D97-AF65-F5344CB8AC3E}">
-        <p14:creationId xmlns:p14="http://schemas.microsoft.com/office/powerpoint/2010/main" val="3569370174"/>
+        <p14:creationId xmlns:p14="http://schemas.microsoft.com/office/powerpoint/2010/main" val="1892922030"/>
       </p:ext>
     </p:extLst>
   </p:cSld>
@@ -7940,7 +7523,7 @@
           <p:cNvPr id="2" name="Title 1">
             <a:extLst>
               <a:ext uri="{FF2B5EF4-FFF2-40B4-BE49-F238E27FC236}">
-                <a16:creationId xmlns:a16="http://schemas.microsoft.com/office/drawing/2014/main" id="{8BB3DD29-ABE6-8A5B-E160-F583233DE005}"/>
+                <a16:creationId xmlns:a16="http://schemas.microsoft.com/office/drawing/2014/main" id="{6554C54F-F04E-E56C-90A9-9867D62D1C63}"/>
               </a:ext>
             </a:extLst>
           </p:cNvPr>
@@ -7956,25 +7539,48 @@
           <a:bodyPr/>
           <a:lstStyle/>
           <a:p>
+            <a:endParaRPr lang="en-US" dirty="0"/>
+          </a:p>
+        </p:txBody>
+      </p:sp>
+      <p:sp>
+        <p:nvSpPr>
+          <p:cNvPr id="6" name="Content Placeholder 5">
+            <a:extLst>
+              <a:ext uri="{FF2B5EF4-FFF2-40B4-BE49-F238E27FC236}">
+                <a16:creationId xmlns:a16="http://schemas.microsoft.com/office/drawing/2014/main" id="{38FCD1F0-71E8-943B-5F01-49E87B0AF4A5}"/>
+              </a:ext>
+            </a:extLst>
+          </p:cNvPr>
+          <p:cNvSpPr>
+            <a:spLocks noGrp="1"/>
+          </p:cNvSpPr>
+          <p:nvPr>
+            <p:ph idx="1"/>
+          </p:nvPr>
+        </p:nvSpPr>
+        <p:spPr/>
+        <p:txBody>
+          <a:bodyPr/>
+          <a:lstStyle/>
+          <a:p>
             <a:endParaRPr lang="en-US"/>
           </a:p>
         </p:txBody>
       </p:sp>
       <p:pic>
         <p:nvPicPr>
-          <p:cNvPr id="5" name="Content Placeholder 4" descr="A graph of a graph showing a number of black dots&#10;&#10;Description automatically generated">
+          <p:cNvPr id="7" name="Picture 6" descr="A graph showing a number of certifications&#10;&#10;Description automatically generated">
             <a:extLst>
               <a:ext uri="{FF2B5EF4-FFF2-40B4-BE49-F238E27FC236}">
-                <a16:creationId xmlns:a16="http://schemas.microsoft.com/office/drawing/2014/main" id="{CA142DBB-2EB1-D659-2F16-A6E6F89F19E2}"/>
+                <a16:creationId xmlns:a16="http://schemas.microsoft.com/office/drawing/2014/main" id="{02FBE957-7B8A-91B5-F750-825C195AC55B}"/>
               </a:ext>
             </a:extLst>
           </p:cNvPr>
           <p:cNvPicPr>
-            <a:picLocks noGrp="1" noChangeAspect="1"/>
+            <a:picLocks noChangeAspect="1"/>
           </p:cNvPicPr>
-          <p:nvPr>
-            <p:ph idx="1"/>
-          </p:nvPr>
+          <p:nvPr/>
         </p:nvPicPr>
         <p:blipFill>
           <a:blip r:embed="rId2">
@@ -7990,96 +7596,18 @@
         </p:blipFill>
         <p:spPr>
           <a:xfrm>
-            <a:off x="513067" y="305155"/>
-            <a:ext cx="8566293" cy="6397486"/>
-          </a:xfrm>
-        </p:spPr>
-      </p:pic>
-      <p:sp>
-        <p:nvSpPr>
-          <p:cNvPr id="6" name="TextBox 5">
-            <a:extLst>
-              <a:ext uri="{FF2B5EF4-FFF2-40B4-BE49-F238E27FC236}">
-                <a16:creationId xmlns:a16="http://schemas.microsoft.com/office/drawing/2014/main" id="{17FFD8C0-591A-BDCF-FEBC-5517963E1259}"/>
-              </a:ext>
-            </a:extLst>
-          </p:cNvPr>
-          <p:cNvSpPr txBox="1"/>
-          <p:nvPr/>
-        </p:nvSpPr>
-        <p:spPr>
-          <a:xfrm>
-            <a:off x="6096000" y="1154097"/>
-            <a:ext cx="2356735" cy="369332"/>
+            <a:off x="563376" y="340659"/>
+            <a:ext cx="8401330" cy="6016047"/>
           </a:xfrm>
           <a:prstGeom prst="rect">
             <a:avLst/>
           </a:prstGeom>
-          <a:noFill/>
         </p:spPr>
-        <p:txBody>
-          <a:bodyPr wrap="none" rtlCol="0">
-            <a:spAutoFit/>
-          </a:bodyPr>
-          <a:lstStyle/>
-          <a:p>
-            <a:r>
-              <a:rPr lang="en-US" dirty="0"/>
-              <a:t>Ask about 0 dropping</a:t>
-            </a:r>
-          </a:p>
-        </p:txBody>
-      </p:sp>
-      <p:sp>
-        <p:nvSpPr>
-          <p:cNvPr id="3" name="Oval 2">
-            <a:extLst>
-              <a:ext uri="{FF2B5EF4-FFF2-40B4-BE49-F238E27FC236}">
-                <a16:creationId xmlns:a16="http://schemas.microsoft.com/office/drawing/2014/main" id="{EECF01E3-CDB4-D777-5E00-2D808C624190}"/>
-              </a:ext>
-            </a:extLst>
-          </p:cNvPr>
-          <p:cNvSpPr/>
-          <p:nvPr/>
-        </p:nvSpPr>
-        <p:spPr>
-          <a:xfrm>
-            <a:off x="526473" y="498764"/>
-            <a:ext cx="914400" cy="914400"/>
-          </a:xfrm>
-          <a:prstGeom prst="ellipse">
-            <a:avLst/>
-          </a:prstGeom>
-        </p:spPr>
-        <p:style>
-          <a:lnRef idx="2">
-            <a:schemeClr val="accent4">
-              <a:shade val="15000"/>
-            </a:schemeClr>
-          </a:lnRef>
-          <a:fillRef idx="1">
-            <a:schemeClr val="accent4"/>
-          </a:fillRef>
-          <a:effectRef idx="0">
-            <a:schemeClr val="accent4"/>
-          </a:effectRef>
-          <a:fontRef idx="minor">
-            <a:schemeClr val="lt1"/>
-          </a:fontRef>
-        </p:style>
-        <p:txBody>
-          <a:bodyPr rtlCol="0" anchor="ctr"/>
-          <a:lstStyle/>
-          <a:p>
-            <a:pPr algn="ctr"/>
-            <a:endParaRPr lang="en-US"/>
-          </a:p>
-        </p:txBody>
-      </p:sp>
+      </p:pic>
     </p:spTree>
     <p:extLst>
       <p:ext uri="{BB962C8B-B14F-4D97-AF65-F5344CB8AC3E}">
-        <p14:creationId xmlns:p14="http://schemas.microsoft.com/office/powerpoint/2010/main" val="3143633826"/>
+        <p14:creationId xmlns:p14="http://schemas.microsoft.com/office/powerpoint/2010/main" val="3862105535"/>
       </p:ext>
     </p:extLst>
   </p:cSld>
@@ -8111,7 +7639,7 @@
           <p:cNvPr id="2" name="Title 1">
             <a:extLst>
               <a:ext uri="{FF2B5EF4-FFF2-40B4-BE49-F238E27FC236}">
-                <a16:creationId xmlns:a16="http://schemas.microsoft.com/office/drawing/2014/main" id="{FCC8E1F8-9557-9059-6F6D-FBC42A9E61A3}"/>
+                <a16:creationId xmlns:a16="http://schemas.microsoft.com/office/drawing/2014/main" id="{3584690D-4D81-045E-387A-BDDE698D06D5}"/>
               </a:ext>
             </a:extLst>
           </p:cNvPr>
@@ -8133,10 +7661,10 @@
       </p:sp>
       <p:pic>
         <p:nvPicPr>
-          <p:cNvPr id="5" name="Content Placeholder 4" descr="A graph of a number of certifications&#10;&#10;Description automatically generated">
+          <p:cNvPr id="5" name="Content Placeholder 4" descr="A graph of a graph showing the difference between a number of columns&#10;&#10;Description automatically generated with medium confidence">
             <a:extLst>
               <a:ext uri="{FF2B5EF4-FFF2-40B4-BE49-F238E27FC236}">
-                <a16:creationId xmlns:a16="http://schemas.microsoft.com/office/drawing/2014/main" id="{9EAA207E-EB80-B48D-EE1C-88670B96F8C4}"/>
+                <a16:creationId xmlns:a16="http://schemas.microsoft.com/office/drawing/2014/main" id="{CA6392D0-50E3-A840-7042-F666F6CEED8B}"/>
               </a:ext>
             </a:extLst>
           </p:cNvPr>
@@ -8161,61 +7689,15 @@
         </p:blipFill>
         <p:spPr>
           <a:xfrm>
-            <a:off x="311381" y="248661"/>
-            <a:ext cx="9907373" cy="6346103"/>
+            <a:off x="374148" y="473593"/>
+            <a:ext cx="10826552" cy="6115194"/>
           </a:xfrm>
         </p:spPr>
       </p:pic>
-      <p:sp>
-        <p:nvSpPr>
-          <p:cNvPr id="6" name="Oval 5">
-            <a:extLst>
-              <a:ext uri="{FF2B5EF4-FFF2-40B4-BE49-F238E27FC236}">
-                <a16:creationId xmlns:a16="http://schemas.microsoft.com/office/drawing/2014/main" id="{56BC215D-2166-7D69-7685-01459ABAA2AF}"/>
-              </a:ext>
-            </a:extLst>
-          </p:cNvPr>
-          <p:cNvSpPr/>
-          <p:nvPr/>
-        </p:nvSpPr>
-        <p:spPr>
-          <a:xfrm>
-            <a:off x="526473" y="498764"/>
-            <a:ext cx="914400" cy="914400"/>
-          </a:xfrm>
-          <a:prstGeom prst="ellipse">
-            <a:avLst/>
-          </a:prstGeom>
-        </p:spPr>
-        <p:style>
-          <a:lnRef idx="2">
-            <a:schemeClr val="accent4">
-              <a:shade val="15000"/>
-            </a:schemeClr>
-          </a:lnRef>
-          <a:fillRef idx="1">
-            <a:schemeClr val="accent4"/>
-          </a:fillRef>
-          <a:effectRef idx="0">
-            <a:schemeClr val="accent4"/>
-          </a:effectRef>
-          <a:fontRef idx="minor">
-            <a:schemeClr val="lt1"/>
-          </a:fontRef>
-        </p:style>
-        <p:txBody>
-          <a:bodyPr rtlCol="0" anchor="ctr"/>
-          <a:lstStyle/>
-          <a:p>
-            <a:pPr algn="ctr"/>
-            <a:endParaRPr lang="en-US"/>
-          </a:p>
-        </p:txBody>
-      </p:sp>
     </p:spTree>
     <p:extLst>
       <p:ext uri="{BB962C8B-B14F-4D97-AF65-F5344CB8AC3E}">
-        <p14:creationId xmlns:p14="http://schemas.microsoft.com/office/powerpoint/2010/main" val="3017163164"/>
+        <p14:creationId xmlns:p14="http://schemas.microsoft.com/office/powerpoint/2010/main" val="177671733"/>
       </p:ext>
     </p:extLst>
   </p:cSld>
@@ -8247,7 +7729,7 @@
           <p:cNvPr id="2" name="Title 1">
             <a:extLst>
               <a:ext uri="{FF2B5EF4-FFF2-40B4-BE49-F238E27FC236}">
-                <a16:creationId xmlns:a16="http://schemas.microsoft.com/office/drawing/2014/main" id="{9CD2C182-BA31-FD2B-7DE5-E2A15CA58B26}"/>
+                <a16:creationId xmlns:a16="http://schemas.microsoft.com/office/drawing/2014/main" id="{BA7ED39B-C095-6272-9B7E-DB306D3A2FFD}"/>
               </a:ext>
             </a:extLst>
           </p:cNvPr>
@@ -8269,10 +7751,10 @@
       </p:sp>
       <p:pic>
         <p:nvPicPr>
-          <p:cNvPr id="5" name="Content Placeholder 4" descr="A graph showing a line of dots&#10;&#10;Description automatically generated">
+          <p:cNvPr id="5" name="Content Placeholder 4" descr="A graph showing a line and a line&#10;&#10;Description automatically generated with medium confidence">
             <a:extLst>
               <a:ext uri="{FF2B5EF4-FFF2-40B4-BE49-F238E27FC236}">
-                <a16:creationId xmlns:a16="http://schemas.microsoft.com/office/drawing/2014/main" id="{40416DB5-4214-7087-DE49-749F1AED87F1}"/>
+                <a16:creationId xmlns:a16="http://schemas.microsoft.com/office/drawing/2014/main" id="{9B74F798-4862-CF7B-545D-A4CB268484BB}"/>
               </a:ext>
             </a:extLst>
           </p:cNvPr>
@@ -8297,61 +7779,15 @@
         </p:blipFill>
         <p:spPr>
           <a:xfrm>
-            <a:off x="311382" y="202479"/>
-            <a:ext cx="9719919" cy="6226030"/>
+            <a:off x="246728" y="285606"/>
+            <a:ext cx="9802436" cy="6278886"/>
           </a:xfrm>
         </p:spPr>
       </p:pic>
-      <p:sp>
-        <p:nvSpPr>
-          <p:cNvPr id="6" name="Oval 5">
-            <a:extLst>
-              <a:ext uri="{FF2B5EF4-FFF2-40B4-BE49-F238E27FC236}">
-                <a16:creationId xmlns:a16="http://schemas.microsoft.com/office/drawing/2014/main" id="{D674880F-C7CF-6943-E9CE-B870F4A3AB5E}"/>
-              </a:ext>
-            </a:extLst>
-          </p:cNvPr>
-          <p:cNvSpPr/>
-          <p:nvPr/>
-        </p:nvSpPr>
-        <p:spPr>
-          <a:xfrm>
-            <a:off x="526473" y="498764"/>
-            <a:ext cx="914400" cy="914400"/>
-          </a:xfrm>
-          <a:prstGeom prst="ellipse">
-            <a:avLst/>
-          </a:prstGeom>
-        </p:spPr>
-        <p:style>
-          <a:lnRef idx="2">
-            <a:schemeClr val="accent4">
-              <a:shade val="15000"/>
-            </a:schemeClr>
-          </a:lnRef>
-          <a:fillRef idx="1">
-            <a:schemeClr val="accent4"/>
-          </a:fillRef>
-          <a:effectRef idx="0">
-            <a:schemeClr val="accent4"/>
-          </a:effectRef>
-          <a:fontRef idx="minor">
-            <a:schemeClr val="lt1"/>
-          </a:fontRef>
-        </p:style>
-        <p:txBody>
-          <a:bodyPr rtlCol="0" anchor="ctr"/>
-          <a:lstStyle/>
-          <a:p>
-            <a:pPr algn="ctr"/>
-            <a:endParaRPr lang="en-US"/>
-          </a:p>
-        </p:txBody>
-      </p:sp>
     </p:spTree>
     <p:extLst>
       <p:ext uri="{BB962C8B-B14F-4D97-AF65-F5344CB8AC3E}">
-        <p14:creationId xmlns:p14="http://schemas.microsoft.com/office/powerpoint/2010/main" val="1892922030"/>
+        <p14:creationId xmlns:p14="http://schemas.microsoft.com/office/powerpoint/2010/main" val="4200741661"/>
       </p:ext>
     </p:extLst>
   </p:cSld>
